--- a/其他/run/run.pptx
+++ b/其他/run/run.pptx
@@ -4,14 +4,25 @@
   <p:sldMasterIdLst>
     <p:sldMasterId id="2147483648" r:id="rId1"/>
   </p:sldMasterIdLst>
+  <p:notesMasterIdLst>
+    <p:notesMasterId r:id="rId17"/>
+  </p:notesMasterIdLst>
   <p:sldIdLst>
-    <p:sldId id="256" r:id="rId2"/>
-    <p:sldId id="257" r:id="rId3"/>
-    <p:sldId id="260" r:id="rId4"/>
-    <p:sldId id="262" r:id="rId5"/>
-    <p:sldId id="258" r:id="rId6"/>
-    <p:sldId id="259" r:id="rId7"/>
-    <p:sldId id="261" r:id="rId8"/>
+    <p:sldId id="270" r:id="rId2"/>
+    <p:sldId id="274" r:id="rId3"/>
+    <p:sldId id="267" r:id="rId4"/>
+    <p:sldId id="272" r:id="rId5"/>
+    <p:sldId id="271" r:id="rId6"/>
+    <p:sldId id="273" r:id="rId7"/>
+    <p:sldId id="275" r:id="rId8"/>
+    <p:sldId id="281" r:id="rId9"/>
+    <p:sldId id="277" r:id="rId10"/>
+    <p:sldId id="257" r:id="rId11"/>
+    <p:sldId id="260" r:id="rId12"/>
+    <p:sldId id="279" r:id="rId13"/>
+    <p:sldId id="259" r:id="rId14"/>
+    <p:sldId id="282" r:id="rId15"/>
+    <p:sldId id="276" r:id="rId16"/>
   </p:sldIdLst>
   <p:sldSz cx="12192000" cy="6858000"/>
   <p:notesSz cx="6858000" cy="9144000"/>
@@ -110,7 +121,446 @@
       </a:defRPr>
     </a:lvl9pPr>
   </p:defaultTextStyle>
+  <p:extLst>
+    <p:ext uri="{EFAFB233-063F-42B5-8137-9DF3F51BA10A}">
+      <p15:sldGuideLst xmlns:p15="http://schemas.microsoft.com/office/powerpoint/2012/main"/>
+    </p:ext>
+  </p:extLst>
 </p:presentation>
+</file>
+
+<file path=ppt/notesMasters/notesMaster1.xml><?xml version="1.0" encoding="utf-8"?>
+<p:notesMaster xmlns:a="http://schemas.openxmlformats.org/drawingml/2006/main" xmlns:r="http://schemas.openxmlformats.org/officeDocument/2006/relationships" xmlns:p="http://schemas.openxmlformats.org/presentationml/2006/main">
+  <p:cSld>
+    <p:bg>
+      <p:bgRef idx="1001">
+        <a:schemeClr val="bg1"/>
+      </p:bgRef>
+    </p:bg>
+    <p:spTree>
+      <p:nvGrpSpPr>
+        <p:cNvPr id="1" name=""/>
+        <p:cNvGrpSpPr/>
+        <p:nvPr/>
+      </p:nvGrpSpPr>
+      <p:grpSpPr>
+        <a:xfrm>
+          <a:off x="0" y="0"/>
+          <a:ext cx="0" cy="0"/>
+          <a:chOff x="0" y="0"/>
+          <a:chExt cx="0" cy="0"/>
+        </a:xfrm>
+      </p:grpSpPr>
+      <p:sp>
+        <p:nvSpPr>
+          <p:cNvPr id="2" name="页眉占位符 1"/>
+          <p:cNvSpPr>
+            <a:spLocks noGrp="1"/>
+          </p:cNvSpPr>
+          <p:nvPr>
+            <p:ph type="hdr" sz="quarter"/>
+          </p:nvPr>
+        </p:nvSpPr>
+        <p:spPr>
+          <a:xfrm>
+            <a:off x="0" y="0"/>
+            <a:ext cx="2971800" cy="458788"/>
+          </a:xfrm>
+          <a:prstGeom prst="rect">
+            <a:avLst/>
+          </a:prstGeom>
+        </p:spPr>
+        <p:txBody>
+          <a:bodyPr vert="horz" lIns="91440" tIns="45720" rIns="91440" bIns="45720" rtlCol="0"/>
+          <a:lstStyle>
+            <a:lvl1pPr algn="l">
+              <a:defRPr sz="1200"/>
+            </a:lvl1pPr>
+          </a:lstStyle>
+          <a:p>
+            <a:endParaRPr lang="zh-CN" altLang="en-US"/>
+          </a:p>
+        </p:txBody>
+      </p:sp>
+      <p:sp>
+        <p:nvSpPr>
+          <p:cNvPr id="3" name="日期占位符 2"/>
+          <p:cNvSpPr>
+            <a:spLocks noGrp="1"/>
+          </p:cNvSpPr>
+          <p:nvPr>
+            <p:ph type="dt" idx="1"/>
+          </p:nvPr>
+        </p:nvSpPr>
+        <p:spPr>
+          <a:xfrm>
+            <a:off x="3884613" y="0"/>
+            <a:ext cx="2971800" cy="458788"/>
+          </a:xfrm>
+          <a:prstGeom prst="rect">
+            <a:avLst/>
+          </a:prstGeom>
+        </p:spPr>
+        <p:txBody>
+          <a:bodyPr vert="horz" lIns="91440" tIns="45720" rIns="91440" bIns="45720" rtlCol="0"/>
+          <a:lstStyle>
+            <a:lvl1pPr algn="r">
+              <a:defRPr sz="1200"/>
+            </a:lvl1pPr>
+          </a:lstStyle>
+          <a:p>
+            <a:fld id="{C08A718F-A4F0-4CA0-9DC5-C95557E32B84}" type="datetimeFigureOut">
+              <a:rPr lang="zh-CN" altLang="en-US" smtClean="0"/>
+              <a:t>2018/9/6</a:t>
+            </a:fld>
+            <a:endParaRPr lang="zh-CN" altLang="en-US"/>
+          </a:p>
+        </p:txBody>
+      </p:sp>
+      <p:sp>
+        <p:nvSpPr>
+          <p:cNvPr id="4" name="幻灯片图像占位符 3"/>
+          <p:cNvSpPr>
+            <a:spLocks noGrp="1" noRot="1" noChangeAspect="1"/>
+          </p:cNvSpPr>
+          <p:nvPr>
+            <p:ph type="sldImg" idx="2"/>
+          </p:nvPr>
+        </p:nvSpPr>
+        <p:spPr>
+          <a:xfrm>
+            <a:off x="685800" y="1143000"/>
+            <a:ext cx="5486400" cy="3086100"/>
+          </a:xfrm>
+          <a:prstGeom prst="rect">
+            <a:avLst/>
+          </a:prstGeom>
+          <a:noFill/>
+          <a:ln w="12700">
+            <a:solidFill>
+              <a:prstClr val="black"/>
+            </a:solidFill>
+          </a:ln>
+        </p:spPr>
+        <p:txBody>
+          <a:bodyPr vert="horz" lIns="91440" tIns="45720" rIns="91440" bIns="45720" rtlCol="0" anchor="ctr"/>
+          <a:lstStyle/>
+          <a:p>
+            <a:endParaRPr lang="zh-CN" altLang="en-US"/>
+          </a:p>
+        </p:txBody>
+      </p:sp>
+      <p:sp>
+        <p:nvSpPr>
+          <p:cNvPr id="5" name="备注占位符 4"/>
+          <p:cNvSpPr>
+            <a:spLocks noGrp="1"/>
+          </p:cNvSpPr>
+          <p:nvPr>
+            <p:ph type="body" sz="quarter" idx="3"/>
+          </p:nvPr>
+        </p:nvSpPr>
+        <p:spPr>
+          <a:xfrm>
+            <a:off x="685800" y="4400550"/>
+            <a:ext cx="5486400" cy="3600450"/>
+          </a:xfrm>
+          <a:prstGeom prst="rect">
+            <a:avLst/>
+          </a:prstGeom>
+        </p:spPr>
+        <p:txBody>
+          <a:bodyPr vert="horz" lIns="91440" tIns="45720" rIns="91440" bIns="45720" rtlCol="0"/>
+          <a:lstStyle/>
+          <a:p>
+            <a:pPr lvl="0"/>
+            <a:r>
+              <a:rPr lang="zh-CN" altLang="en-US" smtClean="0"/>
+              <a:t>单击此处编辑母版文本样式</a:t>
+            </a:r>
+          </a:p>
+          <a:p>
+            <a:pPr lvl="1"/>
+            <a:r>
+              <a:rPr lang="zh-CN" altLang="en-US" smtClean="0"/>
+              <a:t>第二级</a:t>
+            </a:r>
+          </a:p>
+          <a:p>
+            <a:pPr lvl="2"/>
+            <a:r>
+              <a:rPr lang="zh-CN" altLang="en-US" smtClean="0"/>
+              <a:t>第三级</a:t>
+            </a:r>
+          </a:p>
+          <a:p>
+            <a:pPr lvl="3"/>
+            <a:r>
+              <a:rPr lang="zh-CN" altLang="en-US" smtClean="0"/>
+              <a:t>第四级</a:t>
+            </a:r>
+          </a:p>
+          <a:p>
+            <a:pPr lvl="4"/>
+            <a:r>
+              <a:rPr lang="zh-CN" altLang="en-US" smtClean="0"/>
+              <a:t>第五级</a:t>
+            </a:r>
+            <a:endParaRPr lang="zh-CN" altLang="en-US"/>
+          </a:p>
+        </p:txBody>
+      </p:sp>
+      <p:sp>
+        <p:nvSpPr>
+          <p:cNvPr id="6" name="页脚占位符 5"/>
+          <p:cNvSpPr>
+            <a:spLocks noGrp="1"/>
+          </p:cNvSpPr>
+          <p:nvPr>
+            <p:ph type="ftr" sz="quarter" idx="4"/>
+          </p:nvPr>
+        </p:nvSpPr>
+        <p:spPr>
+          <a:xfrm>
+            <a:off x="0" y="8685213"/>
+            <a:ext cx="2971800" cy="458787"/>
+          </a:xfrm>
+          <a:prstGeom prst="rect">
+            <a:avLst/>
+          </a:prstGeom>
+        </p:spPr>
+        <p:txBody>
+          <a:bodyPr vert="horz" lIns="91440" tIns="45720" rIns="91440" bIns="45720" rtlCol="0" anchor="b"/>
+          <a:lstStyle>
+            <a:lvl1pPr algn="l">
+              <a:defRPr sz="1200"/>
+            </a:lvl1pPr>
+          </a:lstStyle>
+          <a:p>
+            <a:endParaRPr lang="zh-CN" altLang="en-US"/>
+          </a:p>
+        </p:txBody>
+      </p:sp>
+      <p:sp>
+        <p:nvSpPr>
+          <p:cNvPr id="7" name="灯片编号占位符 6"/>
+          <p:cNvSpPr>
+            <a:spLocks noGrp="1"/>
+          </p:cNvSpPr>
+          <p:nvPr>
+            <p:ph type="sldNum" sz="quarter" idx="5"/>
+          </p:nvPr>
+        </p:nvSpPr>
+        <p:spPr>
+          <a:xfrm>
+            <a:off x="3884613" y="8685213"/>
+            <a:ext cx="2971800" cy="458787"/>
+          </a:xfrm>
+          <a:prstGeom prst="rect">
+            <a:avLst/>
+          </a:prstGeom>
+        </p:spPr>
+        <p:txBody>
+          <a:bodyPr vert="horz" lIns="91440" tIns="45720" rIns="91440" bIns="45720" rtlCol="0" anchor="b"/>
+          <a:lstStyle>
+            <a:lvl1pPr algn="r">
+              <a:defRPr sz="1200"/>
+            </a:lvl1pPr>
+          </a:lstStyle>
+          <a:p>
+            <a:fld id="{EF039005-0BB7-4E6A-9AEF-F2251D173955}" type="slidenum">
+              <a:rPr lang="zh-CN" altLang="en-US" smtClean="0"/>
+              <a:t>‹#›</a:t>
+            </a:fld>
+            <a:endParaRPr lang="zh-CN" altLang="en-US"/>
+          </a:p>
+        </p:txBody>
+      </p:sp>
+    </p:spTree>
+    <p:extLst>
+      <p:ext uri="{BB962C8B-B14F-4D97-AF65-F5344CB8AC3E}">
+        <p14:creationId xmlns:p14="http://schemas.microsoft.com/office/powerpoint/2010/main" val="2478992420"/>
+      </p:ext>
+    </p:extLst>
+  </p:cSld>
+  <p:clrMap bg1="lt1" tx1="dk1" bg2="lt2" tx2="dk2" accent1="accent1" accent2="accent2" accent3="accent3" accent4="accent4" accent5="accent5" accent6="accent6" hlink="hlink" folHlink="folHlink"/>
+  <p:notesStyle>
+    <a:lvl1pPr marL="0" algn="l" defTabSz="914400" rtl="0" eaLnBrk="1" latinLnBrk="0" hangingPunct="1">
+      <a:defRPr sz="1200" kern="1200">
+        <a:solidFill>
+          <a:schemeClr val="tx1"/>
+        </a:solidFill>
+        <a:latin typeface="+mn-lt"/>
+        <a:ea typeface="+mn-ea"/>
+        <a:cs typeface="+mn-cs"/>
+      </a:defRPr>
+    </a:lvl1pPr>
+    <a:lvl2pPr marL="457200" algn="l" defTabSz="914400" rtl="0" eaLnBrk="1" latinLnBrk="0" hangingPunct="1">
+      <a:defRPr sz="1200" kern="1200">
+        <a:solidFill>
+          <a:schemeClr val="tx1"/>
+        </a:solidFill>
+        <a:latin typeface="+mn-lt"/>
+        <a:ea typeface="+mn-ea"/>
+        <a:cs typeface="+mn-cs"/>
+      </a:defRPr>
+    </a:lvl2pPr>
+    <a:lvl3pPr marL="914400" algn="l" defTabSz="914400" rtl="0" eaLnBrk="1" latinLnBrk="0" hangingPunct="1">
+      <a:defRPr sz="1200" kern="1200">
+        <a:solidFill>
+          <a:schemeClr val="tx1"/>
+        </a:solidFill>
+        <a:latin typeface="+mn-lt"/>
+        <a:ea typeface="+mn-ea"/>
+        <a:cs typeface="+mn-cs"/>
+      </a:defRPr>
+    </a:lvl3pPr>
+    <a:lvl4pPr marL="1371600" algn="l" defTabSz="914400" rtl="0" eaLnBrk="1" latinLnBrk="0" hangingPunct="1">
+      <a:defRPr sz="1200" kern="1200">
+        <a:solidFill>
+          <a:schemeClr val="tx1"/>
+        </a:solidFill>
+        <a:latin typeface="+mn-lt"/>
+        <a:ea typeface="+mn-ea"/>
+        <a:cs typeface="+mn-cs"/>
+      </a:defRPr>
+    </a:lvl4pPr>
+    <a:lvl5pPr marL="1828800" algn="l" defTabSz="914400" rtl="0" eaLnBrk="1" latinLnBrk="0" hangingPunct="1">
+      <a:defRPr sz="1200" kern="1200">
+        <a:solidFill>
+          <a:schemeClr val="tx1"/>
+        </a:solidFill>
+        <a:latin typeface="+mn-lt"/>
+        <a:ea typeface="+mn-ea"/>
+        <a:cs typeface="+mn-cs"/>
+      </a:defRPr>
+    </a:lvl5pPr>
+    <a:lvl6pPr marL="2286000" algn="l" defTabSz="914400" rtl="0" eaLnBrk="1" latinLnBrk="0" hangingPunct="1">
+      <a:defRPr sz="1200" kern="1200">
+        <a:solidFill>
+          <a:schemeClr val="tx1"/>
+        </a:solidFill>
+        <a:latin typeface="+mn-lt"/>
+        <a:ea typeface="+mn-ea"/>
+        <a:cs typeface="+mn-cs"/>
+      </a:defRPr>
+    </a:lvl6pPr>
+    <a:lvl7pPr marL="2743200" algn="l" defTabSz="914400" rtl="0" eaLnBrk="1" latinLnBrk="0" hangingPunct="1">
+      <a:defRPr sz="1200" kern="1200">
+        <a:solidFill>
+          <a:schemeClr val="tx1"/>
+        </a:solidFill>
+        <a:latin typeface="+mn-lt"/>
+        <a:ea typeface="+mn-ea"/>
+        <a:cs typeface="+mn-cs"/>
+      </a:defRPr>
+    </a:lvl7pPr>
+    <a:lvl8pPr marL="3200400" algn="l" defTabSz="914400" rtl="0" eaLnBrk="1" latinLnBrk="0" hangingPunct="1">
+      <a:defRPr sz="1200" kern="1200">
+        <a:solidFill>
+          <a:schemeClr val="tx1"/>
+        </a:solidFill>
+        <a:latin typeface="+mn-lt"/>
+        <a:ea typeface="+mn-ea"/>
+        <a:cs typeface="+mn-cs"/>
+      </a:defRPr>
+    </a:lvl8pPr>
+    <a:lvl9pPr marL="3657600" algn="l" defTabSz="914400" rtl="0" eaLnBrk="1" latinLnBrk="0" hangingPunct="1">
+      <a:defRPr sz="1200" kern="1200">
+        <a:solidFill>
+          <a:schemeClr val="tx1"/>
+        </a:solidFill>
+        <a:latin typeface="+mn-lt"/>
+        <a:ea typeface="+mn-ea"/>
+        <a:cs typeface="+mn-cs"/>
+      </a:defRPr>
+    </a:lvl9pPr>
+  </p:notesStyle>
+</p:notesMaster>
+</file>
+
+<file path=ppt/notesSlides/notesSlide1.xml><?xml version="1.0" encoding="utf-8"?>
+<p:notes xmlns:a="http://schemas.openxmlformats.org/drawingml/2006/main" xmlns:r="http://schemas.openxmlformats.org/officeDocument/2006/relationships" xmlns:p="http://schemas.openxmlformats.org/presentationml/2006/main">
+  <p:cSld>
+    <p:spTree>
+      <p:nvGrpSpPr>
+        <p:cNvPr id="1" name=""/>
+        <p:cNvGrpSpPr/>
+        <p:nvPr/>
+      </p:nvGrpSpPr>
+      <p:grpSpPr>
+        <a:xfrm>
+          <a:off x="0" y="0"/>
+          <a:ext cx="0" cy="0"/>
+          <a:chOff x="0" y="0"/>
+          <a:chExt cx="0" cy="0"/>
+        </a:xfrm>
+      </p:grpSpPr>
+      <p:sp>
+        <p:nvSpPr>
+          <p:cNvPr id="2" name="幻灯片图像占位符 1"/>
+          <p:cNvSpPr>
+            <a:spLocks noGrp="1" noRot="1" noChangeAspect="1"/>
+          </p:cNvSpPr>
+          <p:nvPr>
+            <p:ph type="sldImg"/>
+          </p:nvPr>
+        </p:nvSpPr>
+        <p:spPr/>
+      </p:sp>
+      <p:sp>
+        <p:nvSpPr>
+          <p:cNvPr id="3" name="备注占位符 2"/>
+          <p:cNvSpPr>
+            <a:spLocks noGrp="1"/>
+          </p:cNvSpPr>
+          <p:nvPr>
+            <p:ph type="body" idx="1"/>
+          </p:nvPr>
+        </p:nvSpPr>
+        <p:spPr/>
+        <p:txBody>
+          <a:bodyPr/>
+          <a:lstStyle/>
+          <a:p>
+            <a:endParaRPr lang="zh-CN" altLang="en-US" dirty="0"/>
+          </a:p>
+        </p:txBody>
+      </p:sp>
+      <p:sp>
+        <p:nvSpPr>
+          <p:cNvPr id="4" name="灯片编号占位符 3"/>
+          <p:cNvSpPr>
+            <a:spLocks noGrp="1"/>
+          </p:cNvSpPr>
+          <p:nvPr>
+            <p:ph type="sldNum" sz="quarter" idx="10"/>
+          </p:nvPr>
+        </p:nvSpPr>
+        <p:spPr/>
+        <p:txBody>
+          <a:bodyPr/>
+          <a:lstStyle/>
+          <a:p>
+            <a:fld id="{EF039005-0BB7-4E6A-9AEF-F2251D173955}" type="slidenum">
+              <a:rPr lang="zh-CN" altLang="en-US" smtClean="0"/>
+              <a:t>7</a:t>
+            </a:fld>
+            <a:endParaRPr lang="zh-CN" altLang="en-US"/>
+          </a:p>
+        </p:txBody>
+      </p:sp>
+    </p:spTree>
+    <p:extLst>
+      <p:ext uri="{BB962C8B-B14F-4D97-AF65-F5344CB8AC3E}">
+        <p14:creationId xmlns:p14="http://schemas.microsoft.com/office/powerpoint/2010/main" val="3138774495"/>
+      </p:ext>
+    </p:extLst>
+  </p:cSld>
+  <p:clrMapOvr>
+    <a:masterClrMapping/>
+  </p:clrMapOvr>
+</p:notes>
 </file>
 
 <file path=ppt/slideLayouts/slideLayout1.xml><?xml version="1.0" encoding="utf-8"?>
@@ -244,7 +694,7 @@
           <a:p>
             <a:fld id="{B22E01D5-DD4D-4509-BEBB-FF9EB3C7AFC3}" type="datetimeFigureOut">
               <a:rPr lang="zh-CN" altLang="en-US" smtClean="0"/>
-              <a:t>2018/8/24</a:t>
+              <a:t>2018/9/6</a:t>
             </a:fld>
             <a:endParaRPr lang="zh-CN" altLang="en-US"/>
           </a:p>
@@ -414,7 +864,7 @@
           <a:p>
             <a:fld id="{B22E01D5-DD4D-4509-BEBB-FF9EB3C7AFC3}" type="datetimeFigureOut">
               <a:rPr lang="zh-CN" altLang="en-US" smtClean="0"/>
-              <a:t>2018/8/24</a:t>
+              <a:t>2018/9/6</a:t>
             </a:fld>
             <a:endParaRPr lang="zh-CN" altLang="en-US"/>
           </a:p>
@@ -594,7 +1044,7 @@
           <a:p>
             <a:fld id="{B22E01D5-DD4D-4509-BEBB-FF9EB3C7AFC3}" type="datetimeFigureOut">
               <a:rPr lang="zh-CN" altLang="en-US" smtClean="0"/>
-              <a:t>2018/8/24</a:t>
+              <a:t>2018/9/6</a:t>
             </a:fld>
             <a:endParaRPr lang="zh-CN" altLang="en-US"/>
           </a:p>
@@ -764,7 +1214,7 @@
           <a:p>
             <a:fld id="{B22E01D5-DD4D-4509-BEBB-FF9EB3C7AFC3}" type="datetimeFigureOut">
               <a:rPr lang="zh-CN" altLang="en-US" smtClean="0"/>
-              <a:t>2018/8/24</a:t>
+              <a:t>2018/9/6</a:t>
             </a:fld>
             <a:endParaRPr lang="zh-CN" altLang="en-US"/>
           </a:p>
@@ -1010,7 +1460,7 @@
           <a:p>
             <a:fld id="{B22E01D5-DD4D-4509-BEBB-FF9EB3C7AFC3}" type="datetimeFigureOut">
               <a:rPr lang="zh-CN" altLang="en-US" smtClean="0"/>
-              <a:t>2018/8/24</a:t>
+              <a:t>2018/9/6</a:t>
             </a:fld>
             <a:endParaRPr lang="zh-CN" altLang="en-US"/>
           </a:p>
@@ -1242,7 +1692,7 @@
           <a:p>
             <a:fld id="{B22E01D5-DD4D-4509-BEBB-FF9EB3C7AFC3}" type="datetimeFigureOut">
               <a:rPr lang="zh-CN" altLang="en-US" smtClean="0"/>
-              <a:t>2018/8/24</a:t>
+              <a:t>2018/9/6</a:t>
             </a:fld>
             <a:endParaRPr lang="zh-CN" altLang="en-US"/>
           </a:p>
@@ -1609,7 +2059,7 @@
           <a:p>
             <a:fld id="{B22E01D5-DD4D-4509-BEBB-FF9EB3C7AFC3}" type="datetimeFigureOut">
               <a:rPr lang="zh-CN" altLang="en-US" smtClean="0"/>
-              <a:t>2018/8/24</a:t>
+              <a:t>2018/9/6</a:t>
             </a:fld>
             <a:endParaRPr lang="zh-CN" altLang="en-US"/>
           </a:p>
@@ -1727,7 +2177,7 @@
           <a:p>
             <a:fld id="{B22E01D5-DD4D-4509-BEBB-FF9EB3C7AFC3}" type="datetimeFigureOut">
               <a:rPr lang="zh-CN" altLang="en-US" smtClean="0"/>
-              <a:t>2018/8/24</a:t>
+              <a:t>2018/9/6</a:t>
             </a:fld>
             <a:endParaRPr lang="zh-CN" altLang="en-US"/>
           </a:p>
@@ -1822,7 +2272,7 @@
           <a:p>
             <a:fld id="{B22E01D5-DD4D-4509-BEBB-FF9EB3C7AFC3}" type="datetimeFigureOut">
               <a:rPr lang="zh-CN" altLang="en-US" smtClean="0"/>
-              <a:t>2018/8/24</a:t>
+              <a:t>2018/9/6</a:t>
             </a:fld>
             <a:endParaRPr lang="zh-CN" altLang="en-US"/>
           </a:p>
@@ -2099,7 +2549,7 @@
           <a:p>
             <a:fld id="{B22E01D5-DD4D-4509-BEBB-FF9EB3C7AFC3}" type="datetimeFigureOut">
               <a:rPr lang="zh-CN" altLang="en-US" smtClean="0"/>
-              <a:t>2018/8/24</a:t>
+              <a:t>2018/9/6</a:t>
             </a:fld>
             <a:endParaRPr lang="zh-CN" altLang="en-US"/>
           </a:p>
@@ -2352,7 +2802,7 @@
           <a:p>
             <a:fld id="{B22E01D5-DD4D-4509-BEBB-FF9EB3C7AFC3}" type="datetimeFigureOut">
               <a:rPr lang="zh-CN" altLang="en-US" smtClean="0"/>
-              <a:t>2018/8/24</a:t>
+              <a:t>2018/9/6</a:t>
             </a:fld>
             <a:endParaRPr lang="zh-CN" altLang="en-US"/>
           </a:p>
@@ -2565,7 +3015,7 @@
           <a:p>
             <a:fld id="{B22E01D5-DD4D-4509-BEBB-FF9EB3C7AFC3}" type="datetimeFigureOut">
               <a:rPr lang="zh-CN" altLang="en-US" smtClean="0"/>
-              <a:t>2018/8/24</a:t>
+              <a:t>2018/9/6</a:t>
             </a:fld>
             <a:endParaRPr lang="zh-CN" altLang="en-US"/>
           </a:p>
@@ -2970,6 +3420,67 @@
           <a:chExt cx="0" cy="0"/>
         </a:xfrm>
       </p:grpSpPr>
+      <p:pic>
+        <p:nvPicPr>
+          <p:cNvPr id="12" name="图片 11"/>
+          <p:cNvPicPr>
+            <a:picLocks noChangeAspect="1"/>
+          </p:cNvPicPr>
+          <p:nvPr/>
+        </p:nvPicPr>
+        <p:blipFill>
+          <a:blip r:embed="rId2"/>
+          <a:stretch>
+            <a:fillRect/>
+          </a:stretch>
+        </p:blipFill>
+        <p:spPr>
+          <a:xfrm>
+            <a:off x="0" y="0"/>
+            <a:ext cx="12192000" cy="1155878"/>
+          </a:xfrm>
+          <a:prstGeom prst="rect">
+            <a:avLst/>
+          </a:prstGeom>
+        </p:spPr>
+      </p:pic>
+    </p:spTree>
+    <p:extLst>
+      <p:ext uri="{BB962C8B-B14F-4D97-AF65-F5344CB8AC3E}">
+        <p14:creationId xmlns:p14="http://schemas.microsoft.com/office/powerpoint/2010/main" val="561009008"/>
+      </p:ext>
+    </p:extLst>
+  </p:cSld>
+  <p:clrMapOvr>
+    <a:masterClrMapping/>
+  </p:clrMapOvr>
+  <p:timing>
+    <p:tnLst>
+      <p:par>
+        <p:cTn id="1" dur="indefinite" restart="never" nodeType="tmRoot"/>
+      </p:par>
+    </p:tnLst>
+  </p:timing>
+</p:sld>
+</file>
+
+<file path=ppt/slides/slide10.xml><?xml version="1.0" encoding="utf-8"?>
+<p:sld xmlns:a="http://schemas.openxmlformats.org/drawingml/2006/main" xmlns:r="http://schemas.openxmlformats.org/officeDocument/2006/relationships" xmlns:p="http://schemas.openxmlformats.org/presentationml/2006/main">
+  <p:cSld>
+    <p:spTree>
+      <p:nvGrpSpPr>
+        <p:cNvPr id="1" name=""/>
+        <p:cNvGrpSpPr/>
+        <p:nvPr/>
+      </p:nvGrpSpPr>
+      <p:grpSpPr>
+        <a:xfrm>
+          <a:off x="0" y="0"/>
+          <a:ext cx="0" cy="0"/>
+          <a:chOff x="0" y="0"/>
+          <a:chExt cx="0" cy="0"/>
+        </a:xfrm>
+      </p:grpSpPr>
       <p:sp>
         <p:nvSpPr>
           <p:cNvPr id="2" name="标题 1"/>
@@ -2986,8 +3497,12 @@
           <a:lstStyle/>
           <a:p>
             <a:r>
+              <a:rPr lang="zh-CN" altLang="en-US" dirty="0" smtClean="0"/>
+              <a:t>减肥 </a:t>
+            </a:r>
+            <a:r>
               <a:rPr lang="en-US" altLang="zh-CN" dirty="0" smtClean="0"/>
-              <a:t>Run</a:t>
+              <a:t>NO</a:t>
             </a:r>
             <a:endParaRPr lang="zh-CN" altLang="en-US" dirty="0"/>
           </a:p>
@@ -2996,7 +3511,1152 @@
     </p:spTree>
     <p:extLst>
       <p:ext uri="{BB962C8B-B14F-4D97-AF65-F5344CB8AC3E}">
-        <p14:creationId xmlns:p14="http://schemas.microsoft.com/office/powerpoint/2010/main" val="940688669"/>
+        <p14:creationId xmlns:p14="http://schemas.microsoft.com/office/powerpoint/2010/main" val="3955509503"/>
+      </p:ext>
+    </p:extLst>
+  </p:cSld>
+  <p:clrMapOvr>
+    <a:masterClrMapping/>
+  </p:clrMapOvr>
+</p:sld>
+</file>
+
+<file path=ppt/slides/slide11.xml><?xml version="1.0" encoding="utf-8"?>
+<p:sld xmlns:a="http://schemas.openxmlformats.org/drawingml/2006/main" xmlns:r="http://schemas.openxmlformats.org/officeDocument/2006/relationships" xmlns:p="http://schemas.openxmlformats.org/presentationml/2006/main">
+  <p:cSld>
+    <p:spTree>
+      <p:nvGrpSpPr>
+        <p:cNvPr id="1" name=""/>
+        <p:cNvGrpSpPr/>
+        <p:nvPr/>
+      </p:nvGrpSpPr>
+      <p:grpSpPr>
+        <a:xfrm>
+          <a:off x="0" y="0"/>
+          <a:ext cx="0" cy="0"/>
+          <a:chOff x="0" y="0"/>
+          <a:chExt cx="0" cy="0"/>
+        </a:xfrm>
+      </p:grpSpPr>
+      <p:sp>
+        <p:nvSpPr>
+          <p:cNvPr id="2" name="标题 1"/>
+          <p:cNvSpPr>
+            <a:spLocks noGrp="1"/>
+          </p:cNvSpPr>
+          <p:nvPr>
+            <p:ph type="ctrTitle"/>
+          </p:nvPr>
+        </p:nvSpPr>
+        <p:spPr>
+          <a:xfrm>
+            <a:off x="1619534" y="559557"/>
+            <a:ext cx="9144000" cy="1080662"/>
+          </a:xfrm>
+        </p:spPr>
+        <p:txBody>
+          <a:bodyPr/>
+          <a:lstStyle/>
+          <a:p>
+            <a:r>
+              <a:rPr lang="zh-CN" altLang="en-US" dirty="0" smtClean="0"/>
+              <a:t>跑步的好处</a:t>
+            </a:r>
+            <a:endParaRPr lang="zh-CN" altLang="en-US" dirty="0"/>
+          </a:p>
+        </p:txBody>
+      </p:sp>
+      <p:sp>
+        <p:nvSpPr>
+          <p:cNvPr id="3" name="矩形 2"/>
+          <p:cNvSpPr/>
+          <p:nvPr/>
+        </p:nvSpPr>
+        <p:spPr>
+          <a:xfrm>
+            <a:off x="3043281" y="1879558"/>
+            <a:ext cx="902811" cy="523220"/>
+          </a:xfrm>
+          <a:prstGeom prst="rect">
+            <a:avLst/>
+          </a:prstGeom>
+        </p:spPr>
+        <p:txBody>
+          <a:bodyPr wrap="none">
+            <a:spAutoFit/>
+          </a:bodyPr>
+          <a:lstStyle/>
+          <a:p>
+            <a:r>
+              <a:rPr lang="zh-CN" altLang="en-US" sz="2800" dirty="0"/>
+              <a:t>自律</a:t>
+            </a:r>
+          </a:p>
+        </p:txBody>
+      </p:sp>
+      <p:sp>
+        <p:nvSpPr>
+          <p:cNvPr id="4" name="矩形 3"/>
+          <p:cNvSpPr/>
+          <p:nvPr/>
+        </p:nvSpPr>
+        <p:spPr>
+          <a:xfrm>
+            <a:off x="3043281" y="2402778"/>
+            <a:ext cx="902811" cy="523220"/>
+          </a:xfrm>
+          <a:prstGeom prst="rect">
+            <a:avLst/>
+          </a:prstGeom>
+        </p:spPr>
+        <p:txBody>
+          <a:bodyPr wrap="none">
+            <a:spAutoFit/>
+          </a:bodyPr>
+          <a:lstStyle/>
+          <a:p>
+            <a:r>
+              <a:rPr lang="zh-CN" altLang="en-US" sz="2800" dirty="0" smtClean="0"/>
+              <a:t>减压</a:t>
+            </a:r>
+            <a:endParaRPr lang="zh-CN" altLang="en-US" sz="2800" dirty="0"/>
+          </a:p>
+        </p:txBody>
+      </p:sp>
+      <p:sp>
+        <p:nvSpPr>
+          <p:cNvPr id="5" name="矩形 4"/>
+          <p:cNvSpPr/>
+          <p:nvPr/>
+        </p:nvSpPr>
+        <p:spPr>
+          <a:xfrm>
+            <a:off x="3043281" y="2925998"/>
+            <a:ext cx="902811" cy="523220"/>
+          </a:xfrm>
+          <a:prstGeom prst="rect">
+            <a:avLst/>
+          </a:prstGeom>
+        </p:spPr>
+        <p:txBody>
+          <a:bodyPr wrap="none">
+            <a:spAutoFit/>
+          </a:bodyPr>
+          <a:lstStyle/>
+          <a:p>
+            <a:r>
+              <a:rPr lang="zh-CN" altLang="en-US" sz="2800" dirty="0" smtClean="0"/>
+              <a:t>提神</a:t>
+            </a:r>
+            <a:endParaRPr lang="zh-CN" altLang="en-US" sz="2800" dirty="0"/>
+          </a:p>
+        </p:txBody>
+      </p:sp>
+      <p:sp>
+        <p:nvSpPr>
+          <p:cNvPr id="6" name="矩形 5"/>
+          <p:cNvSpPr/>
+          <p:nvPr/>
+        </p:nvSpPr>
+        <p:spPr>
+          <a:xfrm>
+            <a:off x="3043281" y="3449218"/>
+            <a:ext cx="902811" cy="523220"/>
+          </a:xfrm>
+          <a:prstGeom prst="rect">
+            <a:avLst/>
+          </a:prstGeom>
+        </p:spPr>
+        <p:txBody>
+          <a:bodyPr wrap="none">
+            <a:spAutoFit/>
+          </a:bodyPr>
+          <a:lstStyle/>
+          <a:p>
+            <a:r>
+              <a:rPr lang="zh-CN" altLang="en-US" sz="2800" dirty="0" smtClean="0"/>
+              <a:t>健康</a:t>
+            </a:r>
+            <a:endParaRPr lang="zh-CN" altLang="en-US" sz="2800" dirty="0"/>
+          </a:p>
+        </p:txBody>
+      </p:sp>
+    </p:spTree>
+    <p:extLst>
+      <p:ext uri="{BB962C8B-B14F-4D97-AF65-F5344CB8AC3E}">
+        <p14:creationId xmlns:p14="http://schemas.microsoft.com/office/powerpoint/2010/main" val="2489318612"/>
+      </p:ext>
+    </p:extLst>
+  </p:cSld>
+  <p:clrMapOvr>
+    <a:masterClrMapping/>
+  </p:clrMapOvr>
+</p:sld>
+</file>
+
+<file path=ppt/slides/slide12.xml><?xml version="1.0" encoding="utf-8"?>
+<p:sld xmlns:a="http://schemas.openxmlformats.org/drawingml/2006/main" xmlns:r="http://schemas.openxmlformats.org/officeDocument/2006/relationships" xmlns:p="http://schemas.openxmlformats.org/presentationml/2006/main">
+  <p:cSld>
+    <p:spTree>
+      <p:nvGrpSpPr>
+        <p:cNvPr id="1" name=""/>
+        <p:cNvGrpSpPr/>
+        <p:nvPr/>
+      </p:nvGrpSpPr>
+      <p:grpSpPr>
+        <a:xfrm>
+          <a:off x="0" y="0"/>
+          <a:ext cx="0" cy="0"/>
+          <a:chOff x="0" y="0"/>
+          <a:chExt cx="0" cy="0"/>
+        </a:xfrm>
+      </p:grpSpPr>
+      <p:sp>
+        <p:nvSpPr>
+          <p:cNvPr id="2" name="标题 1"/>
+          <p:cNvSpPr>
+            <a:spLocks noGrp="1"/>
+          </p:cNvSpPr>
+          <p:nvPr>
+            <p:ph type="ctrTitle"/>
+          </p:nvPr>
+        </p:nvSpPr>
+        <p:spPr>
+          <a:xfrm>
+            <a:off x="1619534" y="559557"/>
+            <a:ext cx="9144000" cy="1080662"/>
+          </a:xfrm>
+        </p:spPr>
+        <p:txBody>
+          <a:bodyPr/>
+          <a:lstStyle/>
+          <a:p>
+            <a:r>
+              <a:rPr lang="zh-CN" altLang="en-US" dirty="0" smtClean="0"/>
+              <a:t>跑步</a:t>
+            </a:r>
+            <a:r>
+              <a:rPr lang="zh-CN" altLang="en-US" dirty="0"/>
+              <a:t>听</a:t>
+            </a:r>
+            <a:r>
+              <a:rPr lang="zh-CN" altLang="en-US" dirty="0" smtClean="0"/>
+              <a:t>音乐</a:t>
+            </a:r>
+            <a:endParaRPr lang="zh-CN" altLang="en-US" dirty="0"/>
+          </a:p>
+        </p:txBody>
+      </p:sp>
+      <p:sp>
+        <p:nvSpPr>
+          <p:cNvPr id="7" name="矩形 6"/>
+          <p:cNvSpPr/>
+          <p:nvPr/>
+        </p:nvSpPr>
+        <p:spPr>
+          <a:xfrm>
+            <a:off x="755175" y="1846197"/>
+            <a:ext cx="10981899" cy="923330"/>
+          </a:xfrm>
+          <a:prstGeom prst="rect">
+            <a:avLst/>
+          </a:prstGeom>
+        </p:spPr>
+        <p:txBody>
+          <a:bodyPr wrap="square">
+            <a:spAutoFit/>
+          </a:bodyPr>
+          <a:lstStyle/>
+          <a:p>
+            <a:r>
+              <a:rPr lang="zh-CN" altLang="en-US" dirty="0">
+                <a:solidFill>
+                  <a:srgbClr val="404040"/>
+                </a:solidFill>
+                <a:latin typeface="Microsoft Yahei" panose="020B0503020204020204" pitchFamily="34" charset="-122"/>
+                <a:ea typeface="Microsoft Yahei" panose="020B0503020204020204" pitchFamily="34" charset="-122"/>
+              </a:rPr>
+              <a:t>从随身听被发明出来之后，就开始有</a:t>
+            </a:r>
+            <a:r>
+              <a:rPr lang="zh-CN" altLang="en-US" dirty="0">
+                <a:latin typeface="Microsoft Yahei" panose="020B0503020204020204" pitchFamily="34" charset="-122"/>
+                <a:ea typeface="Microsoft Yahei" panose="020B0503020204020204" pitchFamily="34" charset="-122"/>
+              </a:rPr>
+              <a:t>跑者跑步</a:t>
+            </a:r>
+            <a:r>
+              <a:rPr lang="zh-CN" altLang="en-US" dirty="0">
+                <a:solidFill>
+                  <a:srgbClr val="404040"/>
+                </a:solidFill>
+                <a:latin typeface="Microsoft Yahei" panose="020B0503020204020204" pitchFamily="34" charset="-122"/>
+                <a:ea typeface="Microsoft Yahei" panose="020B0503020204020204" pitchFamily="34" charset="-122"/>
+              </a:rPr>
+              <a:t>时戴耳机听音乐，而关于这个做法的争论也就从那时开始了。据了解，有超过</a:t>
+            </a:r>
+            <a:r>
+              <a:rPr lang="en-US" altLang="zh-CN" dirty="0">
+                <a:solidFill>
+                  <a:srgbClr val="404040"/>
+                </a:solidFill>
+                <a:latin typeface="Microsoft Yahei" panose="020B0503020204020204" pitchFamily="34" charset="-122"/>
+                <a:ea typeface="Microsoft Yahei" panose="020B0503020204020204" pitchFamily="34" charset="-122"/>
+              </a:rPr>
+              <a:t>6</a:t>
+            </a:r>
+            <a:r>
+              <a:rPr lang="zh-CN" altLang="en-US" dirty="0">
+                <a:solidFill>
+                  <a:srgbClr val="404040"/>
+                </a:solidFill>
+                <a:latin typeface="Microsoft Yahei" panose="020B0503020204020204" pitchFamily="34" charset="-122"/>
+                <a:ea typeface="Microsoft Yahei" panose="020B0503020204020204" pitchFamily="34" charset="-122"/>
+              </a:rPr>
+              <a:t>成的跑者会选择跑步时戴耳机。实际上，跑步时戴耳机有利有弊，跑者们可以根据自己的实际情况做出决定。</a:t>
+            </a:r>
+            <a:endParaRPr lang="zh-CN" altLang="en-US" dirty="0"/>
+          </a:p>
+        </p:txBody>
+      </p:sp>
+      <p:sp>
+        <p:nvSpPr>
+          <p:cNvPr id="8" name="矩形 7"/>
+          <p:cNvSpPr/>
+          <p:nvPr/>
+        </p:nvSpPr>
+        <p:spPr>
+          <a:xfrm>
+            <a:off x="755174" y="2979047"/>
+            <a:ext cx="6096000" cy="1477328"/>
+          </a:xfrm>
+          <a:prstGeom prst="rect">
+            <a:avLst/>
+          </a:prstGeom>
+        </p:spPr>
+        <p:txBody>
+          <a:bodyPr>
+            <a:spAutoFit/>
+          </a:bodyPr>
+          <a:lstStyle/>
+          <a:p>
+            <a:pPr algn="just"/>
+            <a:r>
+              <a:rPr lang="zh-CN" altLang="en-US" b="1" dirty="0" smtClean="0">
+                <a:solidFill>
+                  <a:srgbClr val="404040"/>
+                </a:solidFill>
+                <a:latin typeface="Microsoft Yahei" panose="020B0503020204020204" pitchFamily="34" charset="-122"/>
+                <a:ea typeface="Microsoft Yahei" panose="020B0503020204020204" pitchFamily="34" charset="-122"/>
+              </a:rPr>
+              <a:t>一</a:t>
+            </a:r>
+            <a:r>
+              <a:rPr lang="zh-CN" altLang="en-US" b="1" dirty="0">
+                <a:solidFill>
+                  <a:srgbClr val="404040"/>
+                </a:solidFill>
+                <a:latin typeface="Microsoft Yahei" panose="020B0503020204020204" pitchFamily="34" charset="-122"/>
+                <a:ea typeface="Microsoft Yahei" panose="020B0503020204020204" pitchFamily="34" charset="-122"/>
+              </a:rPr>
+              <a:t>：提升</a:t>
+            </a:r>
+            <a:r>
+              <a:rPr lang="zh-CN" altLang="en-US" b="1" dirty="0" smtClean="0">
+                <a:solidFill>
+                  <a:srgbClr val="404040"/>
+                </a:solidFill>
+                <a:latin typeface="Microsoft Yahei" panose="020B0503020204020204" pitchFamily="34" charset="-122"/>
+                <a:ea typeface="Microsoft Yahei" panose="020B0503020204020204" pitchFamily="34" charset="-122"/>
+              </a:rPr>
+              <a:t>情绪</a:t>
+            </a:r>
+            <a:endParaRPr lang="en-US" altLang="zh-CN" b="1" dirty="0" smtClean="0">
+              <a:solidFill>
+                <a:srgbClr val="404040"/>
+              </a:solidFill>
+              <a:latin typeface="Microsoft Yahei" panose="020B0503020204020204" pitchFamily="34" charset="-122"/>
+              <a:ea typeface="Microsoft Yahei" panose="020B0503020204020204" pitchFamily="34" charset="-122"/>
+            </a:endParaRPr>
+          </a:p>
+          <a:p>
+            <a:pPr algn="just"/>
+            <a:endParaRPr lang="zh-CN" altLang="en-US" dirty="0">
+              <a:solidFill>
+                <a:srgbClr val="404040"/>
+              </a:solidFill>
+              <a:latin typeface="Microsoft Yahei" panose="020B0503020204020204" pitchFamily="34" charset="-122"/>
+              <a:ea typeface="Microsoft Yahei" panose="020B0503020204020204" pitchFamily="34" charset="-122"/>
+            </a:endParaRPr>
+          </a:p>
+          <a:p>
+            <a:pPr algn="just"/>
+            <a:r>
+              <a:rPr lang="zh-CN" altLang="en-US" b="1" dirty="0" smtClean="0">
+                <a:solidFill>
+                  <a:srgbClr val="404040"/>
+                </a:solidFill>
+                <a:latin typeface="Microsoft Yahei" panose="020B0503020204020204" pitchFamily="34" charset="-122"/>
+                <a:ea typeface="Microsoft Yahei" panose="020B0503020204020204" pitchFamily="34" charset="-122"/>
+              </a:rPr>
+              <a:t>二</a:t>
+            </a:r>
+            <a:r>
+              <a:rPr lang="zh-CN" altLang="en-US" b="1" dirty="0">
+                <a:solidFill>
+                  <a:srgbClr val="404040"/>
+                </a:solidFill>
+                <a:latin typeface="Microsoft Yahei" panose="020B0503020204020204" pitchFamily="34" charset="-122"/>
+                <a:ea typeface="Microsoft Yahei" panose="020B0503020204020204" pitchFamily="34" charset="-122"/>
+              </a:rPr>
+              <a:t>：保持稳定的</a:t>
+            </a:r>
+            <a:r>
+              <a:rPr lang="zh-CN" altLang="en-US" b="1" dirty="0" smtClean="0">
+                <a:solidFill>
+                  <a:srgbClr val="404040"/>
+                </a:solidFill>
+                <a:latin typeface="Microsoft Yahei" panose="020B0503020204020204" pitchFamily="34" charset="-122"/>
+                <a:ea typeface="Microsoft Yahei" panose="020B0503020204020204" pitchFamily="34" charset="-122"/>
+              </a:rPr>
+              <a:t>节奏，</a:t>
+            </a:r>
+            <a:r>
+              <a:rPr lang="zh-CN" altLang="en-US" b="1" dirty="0">
+                <a:solidFill>
+                  <a:srgbClr val="404040"/>
+                </a:solidFill>
+                <a:latin typeface="Microsoft Yahei" panose="020B0503020204020204" pitchFamily="34" charset="-122"/>
+                <a:ea typeface="Microsoft Yahei" panose="020B0503020204020204" pitchFamily="34" charset="-122"/>
+              </a:rPr>
+              <a:t>配速</a:t>
+            </a:r>
+            <a:r>
+              <a:rPr lang="zh-CN" altLang="en-US" b="1" dirty="0" smtClean="0">
+                <a:solidFill>
+                  <a:srgbClr val="404040"/>
+                </a:solidFill>
+                <a:latin typeface="Microsoft Yahei" panose="020B0503020204020204" pitchFamily="34" charset="-122"/>
+                <a:ea typeface="Microsoft Yahei" panose="020B0503020204020204" pitchFamily="34" charset="-122"/>
+              </a:rPr>
+              <a:t>歌单</a:t>
+            </a:r>
+            <a:endParaRPr lang="en-US" altLang="zh-CN" b="1" dirty="0" smtClean="0">
+              <a:solidFill>
+                <a:srgbClr val="404040"/>
+              </a:solidFill>
+              <a:latin typeface="Microsoft Yahei" panose="020B0503020204020204" pitchFamily="34" charset="-122"/>
+              <a:ea typeface="Microsoft Yahei" panose="020B0503020204020204" pitchFamily="34" charset="-122"/>
+            </a:endParaRPr>
+          </a:p>
+          <a:p>
+            <a:pPr algn="just"/>
+            <a:endParaRPr lang="zh-CN" altLang="en-US" b="1" dirty="0">
+              <a:solidFill>
+                <a:srgbClr val="404040"/>
+              </a:solidFill>
+              <a:latin typeface="Microsoft Yahei" panose="020B0503020204020204" pitchFamily="34" charset="-122"/>
+              <a:ea typeface="Microsoft Yahei" panose="020B0503020204020204" pitchFamily="34" charset="-122"/>
+            </a:endParaRPr>
+          </a:p>
+          <a:p>
+            <a:pPr algn="just"/>
+            <a:r>
+              <a:rPr lang="zh-CN" altLang="en-US" b="1" dirty="0" smtClean="0">
+                <a:solidFill>
+                  <a:srgbClr val="404040"/>
+                </a:solidFill>
+                <a:latin typeface="Microsoft Yahei" panose="020B0503020204020204" pitchFamily="34" charset="-122"/>
+                <a:ea typeface="Microsoft Yahei" panose="020B0503020204020204" pitchFamily="34" charset="-122"/>
+              </a:rPr>
+              <a:t>三</a:t>
+            </a:r>
+            <a:r>
+              <a:rPr lang="zh-CN" altLang="en-US" b="1" dirty="0">
+                <a:solidFill>
+                  <a:srgbClr val="404040"/>
+                </a:solidFill>
+                <a:latin typeface="Microsoft Yahei" panose="020B0503020204020204" pitchFamily="34" charset="-122"/>
+                <a:ea typeface="Microsoft Yahei" panose="020B0503020204020204" pitchFamily="34" charset="-122"/>
+              </a:rPr>
+              <a:t>：跑步更</a:t>
+            </a:r>
+            <a:r>
+              <a:rPr lang="zh-CN" altLang="en-US" b="1" dirty="0" smtClean="0">
+                <a:solidFill>
+                  <a:srgbClr val="404040"/>
+                </a:solidFill>
+                <a:latin typeface="Microsoft Yahei" panose="020B0503020204020204" pitchFamily="34" charset="-122"/>
+                <a:ea typeface="Microsoft Yahei" panose="020B0503020204020204" pitchFamily="34" charset="-122"/>
+              </a:rPr>
+              <a:t>轻松</a:t>
+            </a:r>
+            <a:endParaRPr lang="zh-CN" altLang="en-US" dirty="0">
+              <a:solidFill>
+                <a:srgbClr val="404040"/>
+              </a:solidFill>
+              <a:latin typeface="Microsoft Yahei" panose="020B0503020204020204" pitchFamily="34" charset="-122"/>
+              <a:ea typeface="Microsoft Yahei" panose="020B0503020204020204" pitchFamily="34" charset="-122"/>
+            </a:endParaRPr>
+          </a:p>
+        </p:txBody>
+      </p:sp>
+      <p:sp>
+        <p:nvSpPr>
+          <p:cNvPr id="9" name="矩形 8"/>
+          <p:cNvSpPr/>
+          <p:nvPr/>
+        </p:nvSpPr>
+        <p:spPr>
+          <a:xfrm>
+            <a:off x="755174" y="4765131"/>
+            <a:ext cx="10763535" cy="646331"/>
+          </a:xfrm>
+          <a:prstGeom prst="rect">
+            <a:avLst/>
+          </a:prstGeom>
+        </p:spPr>
+        <p:txBody>
+          <a:bodyPr wrap="square">
+            <a:spAutoFit/>
+          </a:bodyPr>
+          <a:lstStyle/>
+          <a:p>
+            <a:r>
+              <a:rPr lang="zh-CN" altLang="en-US" dirty="0">
+                <a:solidFill>
+                  <a:srgbClr val="222222"/>
+                </a:solidFill>
+                <a:latin typeface="微软雅黑" panose="020B0503020204020204" pitchFamily="34" charset="-122"/>
+                <a:ea typeface="微软雅黑" panose="020B0503020204020204" pitchFamily="34" charset="-122"/>
+              </a:rPr>
+              <a:t>跑步音乐如果选择得当，可以让你的脚步和音乐保持步调一致。而通过编排不同的音乐配合跑步，还可以当成是一种训练计划来设置运动强度和运动量。</a:t>
+            </a:r>
+            <a:endParaRPr lang="zh-CN" altLang="en-US" dirty="0"/>
+          </a:p>
+        </p:txBody>
+      </p:sp>
+    </p:spTree>
+    <p:extLst>
+      <p:ext uri="{BB962C8B-B14F-4D97-AF65-F5344CB8AC3E}">
+        <p14:creationId xmlns:p14="http://schemas.microsoft.com/office/powerpoint/2010/main" val="608126172"/>
+      </p:ext>
+    </p:extLst>
+  </p:cSld>
+  <p:clrMapOvr>
+    <a:masterClrMapping/>
+  </p:clrMapOvr>
+  <p:timing>
+    <p:tnLst>
+      <p:par>
+        <p:cTn id="1" dur="indefinite" restart="never" nodeType="tmRoot"/>
+      </p:par>
+    </p:tnLst>
+  </p:timing>
+</p:sld>
+</file>
+
+<file path=ppt/slides/slide13.xml><?xml version="1.0" encoding="utf-8"?>
+<p:sld xmlns:a="http://schemas.openxmlformats.org/drawingml/2006/main" xmlns:r="http://schemas.openxmlformats.org/officeDocument/2006/relationships" xmlns:p="http://schemas.openxmlformats.org/presentationml/2006/main">
+  <p:cSld>
+    <p:spTree>
+      <p:nvGrpSpPr>
+        <p:cNvPr id="1" name=""/>
+        <p:cNvGrpSpPr/>
+        <p:nvPr/>
+      </p:nvGrpSpPr>
+      <p:grpSpPr>
+        <a:xfrm>
+          <a:off x="0" y="0"/>
+          <a:ext cx="0" cy="0"/>
+          <a:chOff x="0" y="0"/>
+          <a:chExt cx="0" cy="0"/>
+        </a:xfrm>
+      </p:grpSpPr>
+      <p:sp>
+        <p:nvSpPr>
+          <p:cNvPr id="3" name="矩形 2"/>
+          <p:cNvSpPr/>
+          <p:nvPr/>
+        </p:nvSpPr>
+        <p:spPr>
+          <a:xfrm>
+            <a:off x="3043281" y="774093"/>
+            <a:ext cx="4852610" cy="523220"/>
+          </a:xfrm>
+          <a:prstGeom prst="rect">
+            <a:avLst/>
+          </a:prstGeom>
+        </p:spPr>
+        <p:txBody>
+          <a:bodyPr wrap="none">
+            <a:spAutoFit/>
+          </a:bodyPr>
+          <a:lstStyle/>
+          <a:p>
+            <a:r>
+              <a:rPr lang="zh-CN" altLang="en-US" sz="2800" dirty="0" smtClean="0"/>
+              <a:t>速度：慢即是快，节奏很重要</a:t>
+            </a:r>
+            <a:endParaRPr lang="zh-CN" altLang="en-US" sz="2800" dirty="0"/>
+          </a:p>
+        </p:txBody>
+      </p:sp>
+      <p:sp>
+        <p:nvSpPr>
+          <p:cNvPr id="4" name="矩形 3"/>
+          <p:cNvSpPr/>
+          <p:nvPr/>
+        </p:nvSpPr>
+        <p:spPr>
+          <a:xfrm>
+            <a:off x="3043281" y="1441117"/>
+            <a:ext cx="3775393" cy="523220"/>
+          </a:xfrm>
+          <a:prstGeom prst="rect">
+            <a:avLst/>
+          </a:prstGeom>
+        </p:spPr>
+        <p:txBody>
+          <a:bodyPr wrap="none">
+            <a:spAutoFit/>
+          </a:bodyPr>
+          <a:lstStyle/>
+          <a:p>
+            <a:r>
+              <a:rPr lang="zh-CN" altLang="en-US" sz="2800" dirty="0" smtClean="0"/>
+              <a:t>跑鞋</a:t>
+            </a:r>
+            <a:r>
+              <a:rPr lang="zh-CN" altLang="en-US" sz="2800" dirty="0"/>
+              <a:t>鞋底硬好还是软</a:t>
+            </a:r>
+            <a:r>
+              <a:rPr lang="zh-CN" altLang="en-US" sz="2800" dirty="0" smtClean="0"/>
+              <a:t>好</a:t>
+            </a:r>
+            <a:endParaRPr lang="zh-CN" altLang="en-US" sz="2800" dirty="0"/>
+          </a:p>
+        </p:txBody>
+      </p:sp>
+      <p:sp>
+        <p:nvSpPr>
+          <p:cNvPr id="6" name="矩形 5"/>
+          <p:cNvSpPr/>
+          <p:nvPr/>
+        </p:nvSpPr>
+        <p:spPr>
+          <a:xfrm>
+            <a:off x="3043281" y="2108141"/>
+            <a:ext cx="1261884" cy="523220"/>
+          </a:xfrm>
+          <a:prstGeom prst="rect">
+            <a:avLst/>
+          </a:prstGeom>
+        </p:spPr>
+        <p:txBody>
+          <a:bodyPr wrap="none">
+            <a:spAutoFit/>
+          </a:bodyPr>
+          <a:lstStyle/>
+          <a:p>
+            <a:r>
+              <a:rPr lang="zh-CN" altLang="en-US" sz="2800" dirty="0"/>
+              <a:t>跑步机</a:t>
+            </a:r>
+          </a:p>
+        </p:txBody>
+      </p:sp>
+      <p:sp>
+        <p:nvSpPr>
+          <p:cNvPr id="8" name="矩形 7"/>
+          <p:cNvSpPr/>
+          <p:nvPr/>
+        </p:nvSpPr>
+        <p:spPr>
+          <a:xfrm>
+            <a:off x="3029633" y="2775165"/>
+            <a:ext cx="1620957" cy="523220"/>
+          </a:xfrm>
+          <a:prstGeom prst="rect">
+            <a:avLst/>
+          </a:prstGeom>
+        </p:spPr>
+        <p:txBody>
+          <a:bodyPr wrap="none">
+            <a:spAutoFit/>
+          </a:bodyPr>
+          <a:lstStyle/>
+          <a:p>
+            <a:r>
+              <a:rPr lang="zh-CN" altLang="en-US" sz="2800" dirty="0" smtClean="0"/>
+              <a:t>小区要大</a:t>
+            </a:r>
+            <a:endParaRPr lang="zh-CN" altLang="en-US" sz="2800" dirty="0"/>
+          </a:p>
+        </p:txBody>
+      </p:sp>
+      <p:sp>
+        <p:nvSpPr>
+          <p:cNvPr id="9" name="矩形 8"/>
+          <p:cNvSpPr/>
+          <p:nvPr/>
+        </p:nvSpPr>
+        <p:spPr>
+          <a:xfrm>
+            <a:off x="3043281" y="3442189"/>
+            <a:ext cx="2339102" cy="523220"/>
+          </a:xfrm>
+          <a:prstGeom prst="rect">
+            <a:avLst/>
+          </a:prstGeom>
+        </p:spPr>
+        <p:txBody>
+          <a:bodyPr wrap="none">
+            <a:spAutoFit/>
+          </a:bodyPr>
+          <a:lstStyle/>
+          <a:p>
+            <a:r>
+              <a:rPr lang="zh-CN" altLang="en-US" sz="2800" dirty="0" smtClean="0"/>
+              <a:t>你就是一头驴</a:t>
+            </a:r>
+            <a:endParaRPr lang="zh-CN" altLang="en-US" sz="2800" dirty="0"/>
+          </a:p>
+        </p:txBody>
+      </p:sp>
+      <p:sp>
+        <p:nvSpPr>
+          <p:cNvPr id="10" name="矩形 9"/>
+          <p:cNvSpPr/>
+          <p:nvPr/>
+        </p:nvSpPr>
+        <p:spPr>
+          <a:xfrm>
+            <a:off x="3056929" y="4109213"/>
+            <a:ext cx="2339102" cy="523220"/>
+          </a:xfrm>
+          <a:prstGeom prst="rect">
+            <a:avLst/>
+          </a:prstGeom>
+        </p:spPr>
+        <p:txBody>
+          <a:bodyPr wrap="none">
+            <a:spAutoFit/>
+          </a:bodyPr>
+          <a:lstStyle/>
+          <a:p>
+            <a:r>
+              <a:rPr lang="zh-CN" altLang="en-US" sz="2800" dirty="0" smtClean="0"/>
+              <a:t>结伴还是单跑</a:t>
+            </a:r>
+            <a:endParaRPr lang="zh-CN" altLang="en-US" sz="2800" dirty="0"/>
+          </a:p>
+        </p:txBody>
+      </p:sp>
+    </p:spTree>
+    <p:extLst>
+      <p:ext uri="{BB962C8B-B14F-4D97-AF65-F5344CB8AC3E}">
+        <p14:creationId xmlns:p14="http://schemas.microsoft.com/office/powerpoint/2010/main" val="3855406601"/>
+      </p:ext>
+    </p:extLst>
+  </p:cSld>
+  <p:clrMapOvr>
+    <a:masterClrMapping/>
+  </p:clrMapOvr>
+</p:sld>
+</file>
+
+<file path=ppt/slides/slide14.xml><?xml version="1.0" encoding="utf-8"?>
+<p:sld xmlns:a="http://schemas.openxmlformats.org/drawingml/2006/main" xmlns:r="http://schemas.openxmlformats.org/officeDocument/2006/relationships" xmlns:p="http://schemas.openxmlformats.org/presentationml/2006/main">
+  <p:cSld>
+    <p:spTree>
+      <p:nvGrpSpPr>
+        <p:cNvPr id="1" name=""/>
+        <p:cNvGrpSpPr/>
+        <p:nvPr/>
+      </p:nvGrpSpPr>
+      <p:grpSpPr>
+        <a:xfrm>
+          <a:off x="0" y="0"/>
+          <a:ext cx="0" cy="0"/>
+          <a:chOff x="0" y="0"/>
+          <a:chExt cx="0" cy="0"/>
+        </a:xfrm>
+      </p:grpSpPr>
+      <p:sp>
+        <p:nvSpPr>
+          <p:cNvPr id="2" name="标题 1"/>
+          <p:cNvSpPr>
+            <a:spLocks noGrp="1"/>
+          </p:cNvSpPr>
+          <p:nvPr>
+            <p:ph type="ctrTitle"/>
+          </p:nvPr>
+        </p:nvSpPr>
+        <p:spPr>
+          <a:xfrm>
+            <a:off x="1619534" y="559557"/>
+            <a:ext cx="9144000" cy="1080662"/>
+          </a:xfrm>
+        </p:spPr>
+        <p:txBody>
+          <a:bodyPr/>
+          <a:lstStyle/>
+          <a:p>
+            <a:r>
+              <a:rPr lang="zh-CN" altLang="en-US" dirty="0"/>
+              <a:t>体重大的人跑步</a:t>
+            </a:r>
+            <a:endParaRPr lang="zh-CN" altLang="en-US" dirty="0"/>
+          </a:p>
+        </p:txBody>
+      </p:sp>
+      <p:sp>
+        <p:nvSpPr>
+          <p:cNvPr id="6" name="矩形 5"/>
+          <p:cNvSpPr/>
+          <p:nvPr/>
+        </p:nvSpPr>
+        <p:spPr>
+          <a:xfrm>
+            <a:off x="2907529" y="1893206"/>
+            <a:ext cx="1233030" cy="369332"/>
+          </a:xfrm>
+          <a:prstGeom prst="rect">
+            <a:avLst/>
+          </a:prstGeom>
+        </p:spPr>
+        <p:txBody>
+          <a:bodyPr wrap="none">
+            <a:spAutoFit/>
+          </a:bodyPr>
+          <a:lstStyle/>
+          <a:p>
+            <a:pPr>
+              <a:spcAft>
+                <a:spcPts val="0"/>
+              </a:spcAft>
+            </a:pPr>
+            <a:r>
+              <a:rPr lang="en-US" altLang="zh-CN" b="1" kern="0" dirty="0">
+                <a:solidFill>
+                  <a:srgbClr val="444444"/>
+                </a:solidFill>
+                <a:latin typeface="Hiragino Sans GB"/>
+                <a:cs typeface="宋体" panose="02010600030101010101" pitchFamily="2" charset="-122"/>
+              </a:rPr>
+              <a:t>1. </a:t>
+            </a:r>
+            <a:r>
+              <a:rPr lang="zh-CN" altLang="en-US" b="1" kern="0" dirty="0" smtClean="0">
+                <a:solidFill>
+                  <a:srgbClr val="444444"/>
+                </a:solidFill>
+                <a:latin typeface="Hiragino Sans GB"/>
+                <a:cs typeface="宋体" panose="02010600030101010101" pitchFamily="2" charset="-122"/>
+              </a:rPr>
+              <a:t>先减重</a:t>
+            </a:r>
+            <a:endParaRPr lang="zh-CN" altLang="zh-CN" sz="1050" kern="100" dirty="0">
+              <a:latin typeface="Calibri" panose="020F0502020204030204" pitchFamily="34" charset="0"/>
+              <a:cs typeface="Times New Roman" panose="02020603050405020304" pitchFamily="18" charset="0"/>
+            </a:endParaRPr>
+          </a:p>
+        </p:txBody>
+      </p:sp>
+      <p:sp>
+        <p:nvSpPr>
+          <p:cNvPr id="10" name="矩形 9"/>
+          <p:cNvSpPr/>
+          <p:nvPr/>
+        </p:nvSpPr>
+        <p:spPr>
+          <a:xfrm>
+            <a:off x="2907529" y="2330859"/>
+            <a:ext cx="1465466" cy="369332"/>
+          </a:xfrm>
+          <a:prstGeom prst="rect">
+            <a:avLst/>
+          </a:prstGeom>
+        </p:spPr>
+        <p:txBody>
+          <a:bodyPr wrap="none">
+            <a:spAutoFit/>
+          </a:bodyPr>
+          <a:lstStyle/>
+          <a:p>
+            <a:pPr>
+              <a:spcAft>
+                <a:spcPts val="0"/>
+              </a:spcAft>
+            </a:pPr>
+            <a:r>
+              <a:rPr lang="en-US" altLang="zh-CN" b="1" kern="0" dirty="0">
+                <a:solidFill>
+                  <a:srgbClr val="444444"/>
+                </a:solidFill>
+                <a:latin typeface="Hiragino Sans GB"/>
+                <a:cs typeface="宋体" panose="02010600030101010101" pitchFamily="2" charset="-122"/>
+              </a:rPr>
+              <a:t>2</a:t>
+            </a:r>
+            <a:r>
+              <a:rPr lang="en-US" altLang="zh-CN" b="1" kern="0" dirty="0" smtClean="0">
+                <a:solidFill>
+                  <a:srgbClr val="444444"/>
+                </a:solidFill>
+                <a:latin typeface="Hiragino Sans GB"/>
+                <a:cs typeface="宋体" panose="02010600030101010101" pitchFamily="2" charset="-122"/>
+              </a:rPr>
+              <a:t>. </a:t>
+            </a:r>
+            <a:r>
+              <a:rPr lang="zh-CN" altLang="en-US" b="1" kern="0" dirty="0" smtClean="0">
+                <a:solidFill>
+                  <a:srgbClr val="444444"/>
+                </a:solidFill>
+                <a:latin typeface="Hiragino Sans GB"/>
+                <a:cs typeface="宋体" panose="02010600030101010101" pitchFamily="2" charset="-122"/>
+              </a:rPr>
+              <a:t>跑步姿势</a:t>
+            </a:r>
+            <a:endParaRPr lang="zh-CN" altLang="zh-CN" sz="1050" kern="100" dirty="0">
+              <a:latin typeface="Calibri" panose="020F0502020204030204" pitchFamily="34" charset="0"/>
+              <a:cs typeface="Times New Roman" panose="02020603050405020304" pitchFamily="18" charset="0"/>
+            </a:endParaRPr>
+          </a:p>
+        </p:txBody>
+      </p:sp>
+      <p:sp>
+        <p:nvSpPr>
+          <p:cNvPr id="11" name="矩形 10"/>
+          <p:cNvSpPr/>
+          <p:nvPr/>
+        </p:nvSpPr>
+        <p:spPr>
+          <a:xfrm>
+            <a:off x="2907529" y="2768512"/>
+            <a:ext cx="1000595" cy="369332"/>
+          </a:xfrm>
+          <a:prstGeom prst="rect">
+            <a:avLst/>
+          </a:prstGeom>
+        </p:spPr>
+        <p:txBody>
+          <a:bodyPr wrap="none">
+            <a:spAutoFit/>
+          </a:bodyPr>
+          <a:lstStyle/>
+          <a:p>
+            <a:pPr>
+              <a:spcAft>
+                <a:spcPts val="0"/>
+              </a:spcAft>
+            </a:pPr>
+            <a:r>
+              <a:rPr lang="en-US" altLang="zh-CN" b="1" kern="0" dirty="0">
+                <a:solidFill>
+                  <a:srgbClr val="444444"/>
+                </a:solidFill>
+                <a:latin typeface="Hiragino Sans GB"/>
+                <a:cs typeface="宋体" panose="02010600030101010101" pitchFamily="2" charset="-122"/>
+              </a:rPr>
+              <a:t>3</a:t>
+            </a:r>
+            <a:r>
+              <a:rPr lang="en-US" altLang="zh-CN" b="1" kern="0" dirty="0" smtClean="0">
+                <a:solidFill>
+                  <a:srgbClr val="444444"/>
+                </a:solidFill>
+                <a:latin typeface="Hiragino Sans GB"/>
+                <a:cs typeface="宋体" panose="02010600030101010101" pitchFamily="2" charset="-122"/>
+              </a:rPr>
+              <a:t>. </a:t>
+            </a:r>
+            <a:r>
+              <a:rPr lang="zh-CN" altLang="en-US" b="1" kern="0" dirty="0" smtClean="0">
+                <a:solidFill>
+                  <a:srgbClr val="444444"/>
+                </a:solidFill>
+                <a:latin typeface="Hiragino Sans GB"/>
+                <a:cs typeface="宋体" panose="02010600030101010101" pitchFamily="2" charset="-122"/>
+              </a:rPr>
+              <a:t>跑鞋</a:t>
+            </a:r>
+            <a:endParaRPr lang="zh-CN" altLang="zh-CN" sz="1050" kern="100" dirty="0">
+              <a:latin typeface="Calibri" panose="020F0502020204030204" pitchFamily="34" charset="0"/>
+              <a:cs typeface="Times New Roman" panose="02020603050405020304" pitchFamily="18" charset="0"/>
+            </a:endParaRPr>
+          </a:p>
+        </p:txBody>
+      </p:sp>
+      <p:sp>
+        <p:nvSpPr>
+          <p:cNvPr id="12" name="矩形 11"/>
+          <p:cNvSpPr/>
+          <p:nvPr/>
+        </p:nvSpPr>
+        <p:spPr>
+          <a:xfrm>
+            <a:off x="2907529" y="3206165"/>
+            <a:ext cx="1465466" cy="369332"/>
+          </a:xfrm>
+          <a:prstGeom prst="rect">
+            <a:avLst/>
+          </a:prstGeom>
+        </p:spPr>
+        <p:txBody>
+          <a:bodyPr wrap="none">
+            <a:spAutoFit/>
+          </a:bodyPr>
+          <a:lstStyle/>
+          <a:p>
+            <a:pPr>
+              <a:spcAft>
+                <a:spcPts val="0"/>
+              </a:spcAft>
+            </a:pPr>
+            <a:r>
+              <a:rPr lang="en-US" altLang="zh-CN" b="1" kern="0" dirty="0">
+                <a:solidFill>
+                  <a:srgbClr val="444444"/>
+                </a:solidFill>
+                <a:latin typeface="Hiragino Sans GB"/>
+                <a:cs typeface="宋体" panose="02010600030101010101" pitchFamily="2" charset="-122"/>
+              </a:rPr>
+              <a:t>4</a:t>
+            </a:r>
+            <a:r>
+              <a:rPr lang="en-US" altLang="zh-CN" b="1" kern="0" dirty="0" smtClean="0">
+                <a:solidFill>
+                  <a:srgbClr val="444444"/>
+                </a:solidFill>
+                <a:latin typeface="Hiragino Sans GB"/>
+                <a:cs typeface="宋体" panose="02010600030101010101" pitchFamily="2" charset="-122"/>
+              </a:rPr>
+              <a:t>. </a:t>
+            </a:r>
+            <a:r>
+              <a:rPr lang="zh-CN" altLang="en-US" b="1" kern="0" dirty="0" smtClean="0">
+                <a:solidFill>
+                  <a:srgbClr val="444444"/>
+                </a:solidFill>
+                <a:latin typeface="Hiragino Sans GB"/>
+                <a:cs typeface="宋体" panose="02010600030101010101" pitchFamily="2" charset="-122"/>
+              </a:rPr>
+              <a:t>降低强度</a:t>
+            </a:r>
+            <a:endParaRPr lang="zh-CN" altLang="zh-CN" sz="1050" kern="100" dirty="0">
+              <a:latin typeface="Calibri" panose="020F0502020204030204" pitchFamily="34" charset="0"/>
+              <a:cs typeface="Times New Roman" panose="02020603050405020304" pitchFamily="18" charset="0"/>
+            </a:endParaRPr>
+          </a:p>
+        </p:txBody>
+      </p:sp>
+    </p:spTree>
+    <p:extLst>
+      <p:ext uri="{BB962C8B-B14F-4D97-AF65-F5344CB8AC3E}">
+        <p14:creationId xmlns:p14="http://schemas.microsoft.com/office/powerpoint/2010/main" val="1274626698"/>
+      </p:ext>
+    </p:extLst>
+  </p:cSld>
+  <p:clrMapOvr>
+    <a:masterClrMapping/>
+  </p:clrMapOvr>
+</p:sld>
+</file>
+
+<file path=ppt/slides/slide15.xml><?xml version="1.0" encoding="utf-8"?>
+<p:sld xmlns:a="http://schemas.openxmlformats.org/drawingml/2006/main" xmlns:r="http://schemas.openxmlformats.org/officeDocument/2006/relationships" xmlns:p="http://schemas.openxmlformats.org/presentationml/2006/main">
+  <p:cSld>
+    <p:spTree>
+      <p:nvGrpSpPr>
+        <p:cNvPr id="1" name=""/>
+        <p:cNvGrpSpPr/>
+        <p:nvPr/>
+      </p:nvGrpSpPr>
+      <p:grpSpPr>
+        <a:xfrm>
+          <a:off x="0" y="0"/>
+          <a:ext cx="0" cy="0"/>
+          <a:chOff x="0" y="0"/>
+          <a:chExt cx="0" cy="0"/>
+        </a:xfrm>
+      </p:grpSpPr>
+      <p:sp>
+        <p:nvSpPr>
+          <p:cNvPr id="2" name="矩形 1"/>
+          <p:cNvSpPr/>
+          <p:nvPr/>
+        </p:nvSpPr>
+        <p:spPr>
+          <a:xfrm>
+            <a:off x="4807382" y="569373"/>
+            <a:ext cx="2031325" cy="369332"/>
+          </a:xfrm>
+          <a:prstGeom prst="rect">
+            <a:avLst/>
+          </a:prstGeom>
+        </p:spPr>
+        <p:txBody>
+          <a:bodyPr wrap="none">
+            <a:spAutoFit/>
+          </a:bodyPr>
+          <a:lstStyle/>
+          <a:p>
+            <a:r>
+              <a:rPr lang="zh-CN" altLang="en-US" b="1" dirty="0">
+                <a:solidFill>
+                  <a:srgbClr val="D10000"/>
+                </a:solidFill>
+                <a:latin typeface="Microsoft Yahei" panose="020B0503020204020204" pitchFamily="34" charset="-122"/>
+                <a:ea typeface="Microsoft Yahei" panose="020B0503020204020204" pitchFamily="34" charset="-122"/>
+              </a:rPr>
+              <a:t>慢跑鞋和马拉松鞋</a:t>
+            </a:r>
+            <a:endParaRPr lang="zh-CN" altLang="en-US" dirty="0"/>
+          </a:p>
+        </p:txBody>
+      </p:sp>
+      <p:sp>
+        <p:nvSpPr>
+          <p:cNvPr id="3" name="矩形 2"/>
+          <p:cNvSpPr/>
+          <p:nvPr/>
+        </p:nvSpPr>
+        <p:spPr>
+          <a:xfrm>
+            <a:off x="742706" y="1122080"/>
+            <a:ext cx="10898833" cy="1200329"/>
+          </a:xfrm>
+          <a:prstGeom prst="rect">
+            <a:avLst/>
+          </a:prstGeom>
+        </p:spPr>
+        <p:txBody>
+          <a:bodyPr wrap="square">
+            <a:spAutoFit/>
+          </a:bodyPr>
+          <a:lstStyle/>
+          <a:p>
+            <a:r>
+              <a:rPr lang="zh-CN" altLang="en-US" dirty="0">
+                <a:solidFill>
+                  <a:srgbClr val="444444"/>
+                </a:solidFill>
+                <a:latin typeface="Tahoma" panose="020B0604030504040204" pitchFamily="34" charset="0"/>
+              </a:rPr>
+              <a:t>跑鞋并不是越软越好。因为跑步过程中，脚的触地过程是相对重复。简单一点说，脚所受到的力是具有一定的规律。这么一来，跑鞋生产商就可以就不同部位所受到的力的不同，针对性的放置支撑或者减震材料。所以好的跑鞋都不是单纯的整个脚掌的软或者硬，而是针对不同部位来做出的不同材料的放置，让足部在运动过程中得到恰当的支撑和缓震，从而保护膝盖和脊柱不受到周期性应力的伤害。</a:t>
+            </a:r>
+            <a:endParaRPr lang="zh-CN" altLang="en-US" dirty="0"/>
+          </a:p>
+        </p:txBody>
+      </p:sp>
+    </p:spTree>
+    <p:extLst>
+      <p:ext uri="{BB962C8B-B14F-4D97-AF65-F5344CB8AC3E}">
+        <p14:creationId xmlns:p14="http://schemas.microsoft.com/office/powerpoint/2010/main" val="2001040924"/>
       </p:ext>
     </p:extLst>
   </p:cSld>
@@ -3023,67 +4683,53 @@
           <a:chExt cx="0" cy="0"/>
         </a:xfrm>
       </p:grpSpPr>
-      <p:sp>
-        <p:nvSpPr>
-          <p:cNvPr id="2" name="标题 1"/>
-          <p:cNvSpPr>
-            <a:spLocks noGrp="1"/>
-          </p:cNvSpPr>
-          <p:nvPr>
-            <p:ph type="ctrTitle"/>
-          </p:nvPr>
-        </p:nvSpPr>
-        <p:spPr/>
-        <p:txBody>
-          <a:bodyPr/>
-          <a:lstStyle/>
-          <a:p>
-            <a:r>
-              <a:rPr lang="zh-CN" altLang="en-US" dirty="0" smtClean="0"/>
-              <a:t>减肥 </a:t>
-            </a:r>
-            <a:r>
-              <a:rPr lang="en-US" altLang="zh-CN" dirty="0" smtClean="0"/>
-              <a:t>NO</a:t>
-            </a:r>
-            <a:endParaRPr lang="zh-CN" altLang="en-US" dirty="0"/>
-          </a:p>
-        </p:txBody>
-      </p:sp>
-      <p:sp>
-        <p:nvSpPr>
-          <p:cNvPr id="3" name="副标题 2"/>
-          <p:cNvSpPr>
-            <a:spLocks noGrp="1"/>
-          </p:cNvSpPr>
-          <p:nvPr>
-            <p:ph type="subTitle" idx="1"/>
-          </p:nvPr>
-        </p:nvSpPr>
-        <p:spPr/>
-        <p:txBody>
-          <a:bodyPr/>
-          <a:lstStyle/>
-          <a:p>
-            <a:pPr algn="l"/>
-            <a:r>
-              <a:rPr lang="zh-CN" altLang="en-US" dirty="0" smtClean="0"/>
-              <a:t>谁再给你说跑步能减肥，你就上去扇他两巴掌</a:t>
-            </a:r>
-            <a:endParaRPr lang="zh-CN" altLang="en-US" dirty="0"/>
-          </a:p>
-        </p:txBody>
-      </p:sp>
+      <p:pic>
+        <p:nvPicPr>
+          <p:cNvPr id="10" name="图片 9"/>
+          <p:cNvPicPr>
+            <a:picLocks noChangeAspect="1"/>
+          </p:cNvPicPr>
+          <p:nvPr/>
+        </p:nvPicPr>
+        <p:blipFill>
+          <a:blip r:embed="rId2">
+            <a:extLst>
+              <a:ext uri="{28A0092B-C50C-407E-A947-70E740481C1C}">
+                <a14:useLocalDpi xmlns:a14="http://schemas.microsoft.com/office/drawing/2010/main" val="0"/>
+              </a:ext>
+            </a:extLst>
+          </a:blip>
+          <a:stretch>
+            <a:fillRect/>
+          </a:stretch>
+        </p:blipFill>
+        <p:spPr>
+          <a:xfrm>
+            <a:off x="2374712" y="0"/>
+            <a:ext cx="7066856" cy="6867790"/>
+          </a:xfrm>
+          <a:prstGeom prst="rect">
+            <a:avLst/>
+          </a:prstGeom>
+        </p:spPr>
+      </p:pic>
     </p:spTree>
     <p:extLst>
       <p:ext uri="{BB962C8B-B14F-4D97-AF65-F5344CB8AC3E}">
-        <p14:creationId xmlns:p14="http://schemas.microsoft.com/office/powerpoint/2010/main" val="3955509503"/>
+        <p14:creationId xmlns:p14="http://schemas.microsoft.com/office/powerpoint/2010/main" val="3151309588"/>
       </p:ext>
     </p:extLst>
   </p:cSld>
   <p:clrMapOvr>
     <a:masterClrMapping/>
   </p:clrMapOvr>
+  <p:timing>
+    <p:tnLst>
+      <p:par>
+        <p:cTn id="1" dur="indefinite" restart="never" nodeType="tmRoot"/>
+      </p:par>
+    </p:tnLst>
+  </p:timing>
 </p:sld>
 </file>
 
@@ -3106,56 +4752,487 @@
       </p:grpSpPr>
       <p:sp>
         <p:nvSpPr>
-          <p:cNvPr id="2" name="标题 1"/>
-          <p:cNvSpPr>
-            <a:spLocks noGrp="1"/>
-          </p:cNvSpPr>
-          <p:nvPr>
-            <p:ph type="ctrTitle"/>
-          </p:nvPr>
-        </p:nvSpPr>
-        <p:spPr/>
-        <p:txBody>
-          <a:bodyPr/>
+          <p:cNvPr id="10" name="矩形 9"/>
+          <p:cNvSpPr/>
+          <p:nvPr/>
+        </p:nvSpPr>
+        <p:spPr>
+          <a:xfrm>
+            <a:off x="245661" y="381845"/>
+            <a:ext cx="11655188" cy="5632311"/>
+          </a:xfrm>
+          <a:prstGeom prst="rect">
+            <a:avLst/>
+          </a:prstGeom>
+        </p:spPr>
+        <p:txBody>
+          <a:bodyPr wrap="square">
+            <a:spAutoFit/>
+          </a:bodyPr>
           <a:lstStyle/>
           <a:p>
-            <a:r>
-              <a:rPr lang="zh-CN" altLang="en-US" dirty="0" smtClean="0"/>
-              <a:t>精力旺盛一整天</a:t>
-            </a:r>
-            <a:endParaRPr lang="zh-CN" altLang="en-US" dirty="0"/>
-          </a:p>
-        </p:txBody>
-      </p:sp>
-      <p:sp>
-        <p:nvSpPr>
-          <p:cNvPr id="3" name="副标题 2"/>
-          <p:cNvSpPr>
-            <a:spLocks noGrp="1"/>
-          </p:cNvSpPr>
-          <p:nvPr>
-            <p:ph type="subTitle" idx="1"/>
-          </p:nvPr>
-        </p:nvSpPr>
-        <p:spPr/>
-        <p:txBody>
-          <a:bodyPr/>
-          <a:lstStyle/>
-          <a:p>
-            <a:endParaRPr lang="zh-CN" altLang="en-US"/>
+            <a:pPr fontAlgn="base"/>
+            <a:r>
+              <a:rPr lang="zh-CN" altLang="en-US" b="1" dirty="0">
+                <a:solidFill>
+                  <a:srgbClr val="555555"/>
+                </a:solidFill>
+                <a:latin typeface="Microsoft Yahei" panose="020B0503020204020204" pitchFamily="34" charset="-122"/>
+                <a:ea typeface="Microsoft Yahei" panose="020B0503020204020204" pitchFamily="34" charset="-122"/>
+              </a:rPr>
+              <a:t>九、竞赛办法</a:t>
+            </a:r>
+          </a:p>
+          <a:p>
+            <a:pPr fontAlgn="base"/>
+            <a:r>
+              <a:rPr lang="zh-CN" altLang="en-US" dirty="0" smtClean="0">
+                <a:solidFill>
+                  <a:srgbClr val="858585"/>
+                </a:solidFill>
+                <a:latin typeface="Microsoft Yahei" panose="020B0503020204020204" pitchFamily="34" charset="-122"/>
+                <a:ea typeface="Microsoft Yahei" panose="020B0503020204020204" pitchFamily="34" charset="-122"/>
+              </a:rPr>
+              <a:t>（</a:t>
+            </a:r>
+            <a:r>
+              <a:rPr lang="zh-CN" altLang="en-US" dirty="0">
+                <a:solidFill>
+                  <a:srgbClr val="858585"/>
+                </a:solidFill>
+                <a:latin typeface="Microsoft Yahei" panose="020B0503020204020204" pitchFamily="34" charset="-122"/>
+                <a:ea typeface="Microsoft Yahei" panose="020B0503020204020204" pitchFamily="34" charset="-122"/>
+              </a:rPr>
+              <a:t>三）起跑方式：分区起跑。按报名选手在中国马拉松信息平台上</a:t>
+            </a:r>
+            <a:r>
+              <a:rPr lang="en-US" altLang="zh-CN" dirty="0">
+                <a:solidFill>
+                  <a:srgbClr val="858585"/>
+                </a:solidFill>
+                <a:latin typeface="Microsoft Yahei" panose="020B0503020204020204" pitchFamily="34" charset="-122"/>
+                <a:ea typeface="Microsoft Yahei" panose="020B0503020204020204" pitchFamily="34" charset="-122"/>
+              </a:rPr>
+              <a:t>2018</a:t>
+            </a:r>
+            <a:r>
+              <a:rPr lang="zh-CN" altLang="en-US" dirty="0">
+                <a:solidFill>
+                  <a:srgbClr val="858585"/>
+                </a:solidFill>
+                <a:latin typeface="Microsoft Yahei" panose="020B0503020204020204" pitchFamily="34" charset="-122"/>
+                <a:ea typeface="Microsoft Yahei" panose="020B0503020204020204" pitchFamily="34" charset="-122"/>
+              </a:rPr>
+              <a:t>年</a:t>
+            </a:r>
+            <a:r>
+              <a:rPr lang="en-US" altLang="zh-CN" dirty="0">
+                <a:solidFill>
+                  <a:srgbClr val="858585"/>
+                </a:solidFill>
+                <a:latin typeface="Microsoft Yahei" panose="020B0503020204020204" pitchFamily="34" charset="-122"/>
+                <a:ea typeface="Microsoft Yahei" panose="020B0503020204020204" pitchFamily="34" charset="-122"/>
+              </a:rPr>
+              <a:t>7</a:t>
+            </a:r>
+            <a:r>
+              <a:rPr lang="zh-CN" altLang="en-US" dirty="0">
+                <a:solidFill>
+                  <a:srgbClr val="858585"/>
+                </a:solidFill>
+                <a:latin typeface="Microsoft Yahei" panose="020B0503020204020204" pitchFamily="34" charset="-122"/>
+                <a:ea typeface="Microsoft Yahei" panose="020B0503020204020204" pitchFamily="34" charset="-122"/>
+              </a:rPr>
+              <a:t>月</a:t>
+            </a:r>
+            <a:r>
+              <a:rPr lang="en-US" altLang="zh-CN" dirty="0">
+                <a:solidFill>
+                  <a:srgbClr val="858585"/>
+                </a:solidFill>
+                <a:latin typeface="Microsoft Yahei" panose="020B0503020204020204" pitchFamily="34" charset="-122"/>
+                <a:ea typeface="Microsoft Yahei" panose="020B0503020204020204" pitchFamily="34" charset="-122"/>
+              </a:rPr>
+              <a:t>31</a:t>
+            </a:r>
+            <a:r>
+              <a:rPr lang="zh-CN" altLang="en-US" dirty="0">
+                <a:solidFill>
+                  <a:srgbClr val="858585"/>
+                </a:solidFill>
+                <a:latin typeface="Microsoft Yahei" panose="020B0503020204020204" pitchFamily="34" charset="-122"/>
+                <a:ea typeface="Microsoft Yahei" panose="020B0503020204020204" pitchFamily="34" charset="-122"/>
+              </a:rPr>
+              <a:t>日前（含</a:t>
+            </a:r>
+            <a:r>
+              <a:rPr lang="en-US" altLang="zh-CN" dirty="0">
+                <a:solidFill>
+                  <a:srgbClr val="858585"/>
+                </a:solidFill>
+                <a:latin typeface="Microsoft Yahei" panose="020B0503020204020204" pitchFamily="34" charset="-122"/>
+                <a:ea typeface="Microsoft Yahei" panose="020B0503020204020204" pitchFamily="34" charset="-122"/>
+              </a:rPr>
+              <a:t>7</a:t>
+            </a:r>
+            <a:r>
+              <a:rPr lang="zh-CN" altLang="en-US" dirty="0">
+                <a:solidFill>
+                  <a:srgbClr val="858585"/>
+                </a:solidFill>
+                <a:latin typeface="Microsoft Yahei" panose="020B0503020204020204" pitchFamily="34" charset="-122"/>
+                <a:ea typeface="Microsoft Yahei" panose="020B0503020204020204" pitchFamily="34" charset="-122"/>
+              </a:rPr>
+              <a:t>月</a:t>
+            </a:r>
+            <a:r>
+              <a:rPr lang="en-US" altLang="zh-CN" dirty="0">
+                <a:solidFill>
+                  <a:srgbClr val="858585"/>
+                </a:solidFill>
+                <a:latin typeface="Microsoft Yahei" panose="020B0503020204020204" pitchFamily="34" charset="-122"/>
+                <a:ea typeface="Microsoft Yahei" panose="020B0503020204020204" pitchFamily="34" charset="-122"/>
+              </a:rPr>
+              <a:t>31</a:t>
+            </a:r>
+            <a:r>
+              <a:rPr lang="zh-CN" altLang="en-US" dirty="0">
+                <a:solidFill>
+                  <a:srgbClr val="858585"/>
+                </a:solidFill>
+                <a:latin typeface="Microsoft Yahei" panose="020B0503020204020204" pitchFamily="34" charset="-122"/>
+                <a:ea typeface="Microsoft Yahei" panose="020B0503020204020204" pitchFamily="34" charset="-122"/>
+              </a:rPr>
+              <a:t>日）公布的马拉松项目或半程马拉松项目的最好成绩作为分区依据，参赛选手进入指定区域集结。</a:t>
+            </a:r>
+          </a:p>
+          <a:p>
+            <a:pPr fontAlgn="base"/>
+            <a:r>
+              <a:rPr lang="zh-CN" altLang="en-US" dirty="0">
+                <a:solidFill>
+                  <a:srgbClr val="858585"/>
+                </a:solidFill>
+                <a:latin typeface="Microsoft Yahei" panose="020B0503020204020204" pitchFamily="34" charset="-122"/>
+                <a:ea typeface="Microsoft Yahei" panose="020B0503020204020204" pitchFamily="34" charset="-122"/>
+              </a:rPr>
+              <a:t>组委会在每个分区前设置检录计时地毯，选手须严格按照分区入场。在比赛发令后，选手先通过所在分区的检录地毯，再通过起点计时地毯的成绩方为有效</a:t>
+            </a:r>
+            <a:r>
+              <a:rPr lang="zh-CN" altLang="en-US" dirty="0" smtClean="0">
+                <a:solidFill>
+                  <a:srgbClr val="858585"/>
+                </a:solidFill>
+                <a:latin typeface="Microsoft Yahei" panose="020B0503020204020204" pitchFamily="34" charset="-122"/>
+                <a:ea typeface="Microsoft Yahei" panose="020B0503020204020204" pitchFamily="34" charset="-122"/>
+              </a:rPr>
+              <a:t>。</a:t>
+            </a:r>
+          </a:p>
+          <a:p>
+            <a:pPr fontAlgn="base"/>
+            <a:r>
+              <a:rPr lang="zh-CN" altLang="en-US" dirty="0" smtClean="0">
+                <a:solidFill>
+                  <a:srgbClr val="858585"/>
+                </a:solidFill>
+                <a:latin typeface="Microsoft Yahei" panose="020B0503020204020204" pitchFamily="34" charset="-122"/>
+                <a:ea typeface="Microsoft Yahei" panose="020B0503020204020204" pitchFamily="34" charset="-122"/>
+              </a:rPr>
+              <a:t>（五）计时办法：</a:t>
+            </a:r>
+          </a:p>
+          <a:p>
+            <a:pPr fontAlgn="base"/>
+            <a:r>
+              <a:rPr lang="en-US" altLang="zh-CN" dirty="0" smtClean="0">
+                <a:solidFill>
+                  <a:srgbClr val="858585"/>
+                </a:solidFill>
+                <a:latin typeface="Microsoft Yahei" panose="020B0503020204020204" pitchFamily="34" charset="-122"/>
+                <a:ea typeface="Microsoft Yahei" panose="020B0503020204020204" pitchFamily="34" charset="-122"/>
+              </a:rPr>
+              <a:t>1</a:t>
+            </a:r>
+            <a:r>
+              <a:rPr lang="zh-CN" altLang="en-US" dirty="0">
+                <a:solidFill>
+                  <a:srgbClr val="858585"/>
+                </a:solidFill>
+                <a:latin typeface="Microsoft Yahei" panose="020B0503020204020204" pitchFamily="34" charset="-122"/>
+                <a:ea typeface="Microsoft Yahei" panose="020B0503020204020204" pitchFamily="34" charset="-122"/>
+              </a:rPr>
+              <a:t>、本次比赛对全程马拉松项目和半程马拉松项目采用感应计时办法，感应计时芯片将在选手通过起点开始计时（净计时），欢乐跑不计时。</a:t>
+            </a:r>
+          </a:p>
+          <a:p>
+            <a:pPr fontAlgn="base"/>
+            <a:r>
+              <a:rPr lang="en-US" altLang="zh-CN" dirty="0">
+                <a:solidFill>
+                  <a:srgbClr val="858585"/>
+                </a:solidFill>
+                <a:latin typeface="Microsoft Yahei" panose="020B0503020204020204" pitchFamily="34" charset="-122"/>
+                <a:ea typeface="Microsoft Yahei" panose="020B0503020204020204" pitchFamily="34" charset="-122"/>
+              </a:rPr>
+              <a:t>2</a:t>
+            </a:r>
+            <a:r>
+              <a:rPr lang="zh-CN" altLang="en-US" dirty="0">
+                <a:solidFill>
+                  <a:srgbClr val="858585"/>
+                </a:solidFill>
+                <a:latin typeface="Microsoft Yahei" panose="020B0503020204020204" pitchFamily="34" charset="-122"/>
+                <a:ea typeface="Microsoft Yahei" panose="020B0503020204020204" pitchFamily="34" charset="-122"/>
+              </a:rPr>
+              <a:t>、在起点、每</a:t>
+            </a:r>
+            <a:r>
+              <a:rPr lang="en-US" altLang="zh-CN" dirty="0">
+                <a:solidFill>
+                  <a:srgbClr val="858585"/>
+                </a:solidFill>
+                <a:latin typeface="Microsoft Yahei" panose="020B0503020204020204" pitchFamily="34" charset="-122"/>
+                <a:ea typeface="Microsoft Yahei" panose="020B0503020204020204" pitchFamily="34" charset="-122"/>
+              </a:rPr>
+              <a:t>5</a:t>
+            </a:r>
+            <a:r>
+              <a:rPr lang="zh-CN" altLang="en-US" dirty="0">
+                <a:solidFill>
+                  <a:srgbClr val="858585"/>
+                </a:solidFill>
+                <a:latin typeface="Microsoft Yahei" panose="020B0503020204020204" pitchFamily="34" charset="-122"/>
+                <a:ea typeface="Microsoft Yahei" panose="020B0503020204020204" pitchFamily="34" charset="-122"/>
+              </a:rPr>
+              <a:t>公里点、折返点和终点设有计时地毯，选手在跑进过程中，均必须依次通过所有的地面计时地毯。在关门时间内完成比赛但缺少任何一个计时点的成绩，将不予排名。</a:t>
+            </a:r>
+          </a:p>
+          <a:p>
+            <a:pPr fontAlgn="base"/>
+            <a:r>
+              <a:rPr lang="en-US" altLang="zh-CN" dirty="0">
+                <a:solidFill>
+                  <a:srgbClr val="858585"/>
+                </a:solidFill>
+                <a:latin typeface="Microsoft Yahei" panose="020B0503020204020204" pitchFamily="34" charset="-122"/>
+                <a:ea typeface="Microsoft Yahei" panose="020B0503020204020204" pitchFamily="34" charset="-122"/>
+              </a:rPr>
+              <a:t>3</a:t>
+            </a:r>
+            <a:r>
+              <a:rPr lang="zh-CN" altLang="en-US" dirty="0">
+                <a:solidFill>
+                  <a:srgbClr val="858585"/>
+                </a:solidFill>
+                <a:latin typeface="Microsoft Yahei" panose="020B0503020204020204" pitchFamily="34" charset="-122"/>
+                <a:ea typeface="Microsoft Yahei" panose="020B0503020204020204" pitchFamily="34" charset="-122"/>
+              </a:rPr>
+              <a:t>、计时芯片将在参赛物品领取现场与号码布等参赛物品同时发放，本次比赛采用一次性计时芯片，不收取芯片押金，赛后不回收</a:t>
+            </a:r>
+            <a:r>
+              <a:rPr lang="zh-CN" altLang="en-US" dirty="0" smtClean="0">
+                <a:solidFill>
+                  <a:srgbClr val="858585"/>
+                </a:solidFill>
+                <a:latin typeface="Microsoft Yahei" panose="020B0503020204020204" pitchFamily="34" charset="-122"/>
+                <a:ea typeface="Microsoft Yahei" panose="020B0503020204020204" pitchFamily="34" charset="-122"/>
+              </a:rPr>
+              <a:t>。</a:t>
+            </a:r>
+            <a:endParaRPr lang="en-US" altLang="zh-CN" dirty="0" smtClean="0">
+              <a:solidFill>
+                <a:srgbClr val="858585"/>
+              </a:solidFill>
+              <a:latin typeface="Microsoft Yahei" panose="020B0503020204020204" pitchFamily="34" charset="-122"/>
+              <a:ea typeface="Microsoft Yahei" panose="020B0503020204020204" pitchFamily="34" charset="-122"/>
+            </a:endParaRPr>
+          </a:p>
+          <a:p>
+            <a:pPr fontAlgn="base"/>
+            <a:r>
+              <a:rPr lang="en-US" altLang="zh-CN" dirty="0">
+                <a:solidFill>
+                  <a:srgbClr val="858585"/>
+                </a:solidFill>
+                <a:latin typeface="Microsoft Yahei" panose="020B0503020204020204" pitchFamily="34" charset="-122"/>
+                <a:ea typeface="Microsoft Yahei" panose="020B0503020204020204" pitchFamily="34" charset="-122"/>
+              </a:rPr>
+              <a:t> </a:t>
+            </a:r>
+            <a:r>
+              <a:rPr lang="en-US" altLang="zh-CN" dirty="0" smtClean="0">
+                <a:solidFill>
+                  <a:srgbClr val="858585"/>
+                </a:solidFill>
+                <a:latin typeface="Microsoft Yahei" panose="020B0503020204020204" pitchFamily="34" charset="-122"/>
+                <a:ea typeface="Microsoft Yahei" panose="020B0503020204020204" pitchFamily="34" charset="-122"/>
+              </a:rPr>
+              <a:t>  (</a:t>
+            </a:r>
+            <a:r>
+              <a:rPr lang="zh-CN" altLang="en-US" dirty="0" smtClean="0">
+                <a:solidFill>
+                  <a:srgbClr val="858585"/>
+                </a:solidFill>
+                <a:latin typeface="Microsoft Yahei" panose="020B0503020204020204" pitchFamily="34" charset="-122"/>
+                <a:ea typeface="Microsoft Yahei" panose="020B0503020204020204" pitchFamily="34" charset="-122"/>
+              </a:rPr>
+              <a:t>七</a:t>
+            </a:r>
+            <a:r>
+              <a:rPr lang="zh-CN" altLang="en-US" dirty="0">
+                <a:solidFill>
+                  <a:srgbClr val="858585"/>
+                </a:solidFill>
+                <a:latin typeface="Microsoft Yahei" panose="020B0503020204020204" pitchFamily="34" charset="-122"/>
+                <a:ea typeface="Microsoft Yahei" panose="020B0503020204020204" pitchFamily="34" charset="-122"/>
+              </a:rPr>
+              <a:t>）存取衣：</a:t>
+            </a:r>
+          </a:p>
+          <a:p>
+            <a:pPr fontAlgn="base"/>
+            <a:r>
+              <a:rPr lang="zh-CN" altLang="en-US" dirty="0">
+                <a:solidFill>
+                  <a:srgbClr val="858585"/>
+                </a:solidFill>
+                <a:latin typeface="Microsoft Yahei" panose="020B0503020204020204" pitchFamily="34" charset="-122"/>
+                <a:ea typeface="Microsoft Yahei" panose="020B0503020204020204" pitchFamily="34" charset="-122"/>
+              </a:rPr>
+              <a:t>参赛选手在起点指定区域按号段寄存衣物，到达终点后，到对应号段区域领取本人衣物。组委会不会对参赛者放置在存衣包内的物品进行检查，因此，不受理参赛者在领取存衣包时对相关物品状态的投诉，不对其丢失及损坏承担赔偿责任。我们建议不要在存衣包内存放手机、证件等贵重物品和现金。</a:t>
+            </a:r>
+          </a:p>
+          <a:p>
+            <a:pPr fontAlgn="base"/>
+            <a:r>
+              <a:rPr lang="zh-CN" altLang="en-US" dirty="0">
+                <a:solidFill>
+                  <a:srgbClr val="858585"/>
+                </a:solidFill>
+                <a:latin typeface="Microsoft Yahei" panose="020B0503020204020204" pitchFamily="34" charset="-122"/>
+                <a:ea typeface="Microsoft Yahei" panose="020B0503020204020204" pitchFamily="34" charset="-122"/>
+              </a:rPr>
+              <a:t>比赛当天在起点，组委会对参赛选手寄存衣将于</a:t>
+            </a:r>
+            <a:r>
+              <a:rPr lang="en-US" altLang="zh-CN" dirty="0">
+                <a:solidFill>
+                  <a:srgbClr val="858585"/>
+                </a:solidFill>
+                <a:latin typeface="Microsoft Yahei" panose="020B0503020204020204" pitchFamily="34" charset="-122"/>
+                <a:ea typeface="Microsoft Yahei" panose="020B0503020204020204" pitchFamily="34" charset="-122"/>
+              </a:rPr>
+              <a:t>7:15</a:t>
+            </a:r>
+            <a:r>
+              <a:rPr lang="zh-CN" altLang="en-US" dirty="0">
+                <a:solidFill>
+                  <a:srgbClr val="858585"/>
+                </a:solidFill>
+                <a:latin typeface="Microsoft Yahei" panose="020B0503020204020204" pitchFamily="34" charset="-122"/>
+                <a:ea typeface="Microsoft Yahei" panose="020B0503020204020204" pitchFamily="34" charset="-122"/>
+              </a:rPr>
+              <a:t>停止服务，请选手做好时间安排。半程马拉松项目参赛选手在比赛当日</a:t>
+            </a:r>
+            <a:r>
+              <a:rPr lang="en-US" altLang="zh-CN" dirty="0">
+                <a:solidFill>
+                  <a:srgbClr val="858585"/>
+                </a:solidFill>
+                <a:latin typeface="Microsoft Yahei" panose="020B0503020204020204" pitchFamily="34" charset="-122"/>
+                <a:ea typeface="Microsoft Yahei" panose="020B0503020204020204" pitchFamily="34" charset="-122"/>
+              </a:rPr>
+              <a:t>11:30</a:t>
+            </a:r>
+            <a:r>
+              <a:rPr lang="zh-CN" altLang="en-US" dirty="0">
+                <a:solidFill>
+                  <a:srgbClr val="858585"/>
+                </a:solidFill>
+                <a:latin typeface="Microsoft Yahei" panose="020B0503020204020204" pitchFamily="34" charset="-122"/>
+                <a:ea typeface="Microsoft Yahei" panose="020B0503020204020204" pitchFamily="34" charset="-122"/>
+              </a:rPr>
+              <a:t>前，马拉松项目参赛选手在比赛当日</a:t>
+            </a:r>
+            <a:r>
+              <a:rPr lang="en-US" altLang="zh-CN" dirty="0">
+                <a:solidFill>
+                  <a:srgbClr val="858585"/>
+                </a:solidFill>
+                <a:latin typeface="Microsoft Yahei" panose="020B0503020204020204" pitchFamily="34" charset="-122"/>
+                <a:ea typeface="Microsoft Yahei" panose="020B0503020204020204" pitchFamily="34" charset="-122"/>
+              </a:rPr>
+              <a:t>14:30</a:t>
+            </a:r>
+            <a:r>
+              <a:rPr lang="zh-CN" altLang="en-US" dirty="0">
+                <a:solidFill>
+                  <a:srgbClr val="858585"/>
+                </a:solidFill>
+                <a:latin typeface="Microsoft Yahei" panose="020B0503020204020204" pitchFamily="34" charset="-122"/>
+                <a:ea typeface="Microsoft Yahei" panose="020B0503020204020204" pitchFamily="34" charset="-122"/>
+              </a:rPr>
+              <a:t>前到终点指定区域领取个人存放物品。如超过时间没有领取的，可于赛后</a:t>
+            </a:r>
+            <a:r>
+              <a:rPr lang="en-US" altLang="zh-CN" dirty="0">
+                <a:solidFill>
+                  <a:srgbClr val="858585"/>
+                </a:solidFill>
+                <a:latin typeface="Microsoft Yahei" panose="020B0503020204020204" pitchFamily="34" charset="-122"/>
+                <a:ea typeface="Microsoft Yahei" panose="020B0503020204020204" pitchFamily="34" charset="-122"/>
+              </a:rPr>
+              <a:t>5</a:t>
+            </a:r>
+            <a:r>
+              <a:rPr lang="zh-CN" altLang="en-US" dirty="0">
+                <a:solidFill>
+                  <a:srgbClr val="858585"/>
+                </a:solidFill>
+                <a:latin typeface="Microsoft Yahei" panose="020B0503020204020204" pitchFamily="34" charset="-122"/>
+                <a:ea typeface="Microsoft Yahei" panose="020B0503020204020204" pitchFamily="34" charset="-122"/>
+              </a:rPr>
+              <a:t>个工作日内联系组委会邮寄，邮寄费用由选手本人承担。逾期不领取者，组委会将按无人领取处理</a:t>
+            </a:r>
+            <a:r>
+              <a:rPr lang="zh-CN" altLang="en-US" dirty="0" smtClean="0">
+                <a:solidFill>
+                  <a:srgbClr val="858585"/>
+                </a:solidFill>
+                <a:latin typeface="Microsoft Yahei" panose="020B0503020204020204" pitchFamily="34" charset="-122"/>
+                <a:ea typeface="Microsoft Yahei" panose="020B0503020204020204" pitchFamily="34" charset="-122"/>
+              </a:rPr>
+              <a:t>。</a:t>
+            </a:r>
+            <a:endParaRPr lang="zh-CN" altLang="en-US" dirty="0">
+              <a:solidFill>
+                <a:srgbClr val="858585"/>
+              </a:solidFill>
+              <a:latin typeface="Microsoft Yahei" panose="020B0503020204020204" pitchFamily="34" charset="-122"/>
+              <a:ea typeface="Microsoft Yahei" panose="020B0503020204020204" pitchFamily="34" charset="-122"/>
+            </a:endParaRPr>
           </a:p>
         </p:txBody>
       </p:sp>
     </p:spTree>
     <p:extLst>
       <p:ext uri="{BB962C8B-B14F-4D97-AF65-F5344CB8AC3E}">
-        <p14:creationId xmlns:p14="http://schemas.microsoft.com/office/powerpoint/2010/main" val="2489318612"/>
+        <p14:creationId xmlns:p14="http://schemas.microsoft.com/office/powerpoint/2010/main" val="846416100"/>
       </p:ext>
     </p:extLst>
   </p:cSld>
   <p:clrMapOvr>
     <a:masterClrMapping/>
   </p:clrMapOvr>
+  <p:timing>
+    <p:tnLst>
+      <p:par>
+        <p:cTn id="1" dur="indefinite" restart="never" nodeType="tmRoot"/>
+      </p:par>
+    </p:tnLst>
+  </p:timing>
 </p:sld>
 </file>
 
@@ -3176,74 +5253,2011 @@
           <a:chExt cx="0" cy="0"/>
         </a:xfrm>
       </p:grpSpPr>
-      <p:sp>
-        <p:nvSpPr>
-          <p:cNvPr id="2" name="标题 1"/>
-          <p:cNvSpPr>
-            <a:spLocks noGrp="1"/>
-          </p:cNvSpPr>
+      <p:graphicFrame>
+        <p:nvGraphicFramePr>
+          <p:cNvPr id="2" name="表格 1"/>
+          <p:cNvGraphicFramePr>
+            <a:graphicFrameLocks noGrp="1"/>
+          </p:cNvGraphicFramePr>
           <p:nvPr>
-            <p:ph type="ctrTitle"/>
+            <p:extLst>
+              <p:ext uri="{D42A27DB-BD31-4B8C-83A1-F6EECF244321}">
+                <p14:modId xmlns:p14="http://schemas.microsoft.com/office/powerpoint/2010/main" val="3625741119"/>
+              </p:ext>
+            </p:extLst>
           </p:nvPr>
-        </p:nvSpPr>
-        <p:spPr/>
-        <p:txBody>
-          <a:bodyPr/>
-          <a:lstStyle/>
-          <a:p>
-            <a:r>
-              <a:rPr lang="zh-CN" altLang="en-US" dirty="0"/>
-              <a:t>每一</a:t>
-            </a:r>
-            <a:r>
-              <a:rPr lang="zh-CN" altLang="en-US" dirty="0" smtClean="0"/>
-              <a:t>次跑步</a:t>
-            </a:r>
-            <a:endParaRPr lang="zh-CN" altLang="en-US" dirty="0"/>
-          </a:p>
-        </p:txBody>
-      </p:sp>
-      <p:sp>
-        <p:nvSpPr>
-          <p:cNvPr id="3" name="副标题 2"/>
-          <p:cNvSpPr>
-            <a:spLocks noGrp="1"/>
-          </p:cNvSpPr>
-          <p:nvPr>
-            <p:ph type="subTitle" idx="1"/>
-          </p:nvPr>
-        </p:nvSpPr>
-        <p:spPr/>
-        <p:txBody>
-          <a:bodyPr/>
-          <a:lstStyle/>
-          <a:p>
-            <a:r>
-              <a:rPr lang="zh-CN" altLang="en-US" dirty="0" smtClean="0"/>
-              <a:t>每一次跑步都是内心的斗争</a:t>
-            </a:r>
-            <a:endParaRPr lang="en-US" altLang="zh-CN" dirty="0" smtClean="0"/>
-          </a:p>
-          <a:p>
-            <a:r>
-              <a:rPr lang="zh-CN" altLang="en-US" dirty="0" smtClean="0"/>
-              <a:t>直到你按时起床，穿鞋出门</a:t>
-            </a:r>
-            <a:endParaRPr lang="en-US" altLang="zh-CN" dirty="0" smtClean="0"/>
-          </a:p>
-          <a:p>
-            <a:r>
-              <a:rPr lang="zh-CN" altLang="en-US" dirty="0" smtClean="0"/>
-              <a:t>直到你一天不跑就心里难受</a:t>
-            </a:r>
-            <a:endParaRPr lang="zh-CN" altLang="en-US" dirty="0"/>
-          </a:p>
-        </p:txBody>
-      </p:sp>
+        </p:nvGraphicFramePr>
+        <p:xfrm>
+          <a:off x="2349639" y="883414"/>
+          <a:ext cx="7110585" cy="4379664"/>
+        </p:xfrm>
+        <a:graphic>
+          <a:graphicData uri="http://schemas.openxmlformats.org/drawingml/2006/table">
+            <a:tbl>
+              <a:tblPr/>
+              <a:tblGrid>
+                <a:gridCol w="2370195"/>
+                <a:gridCol w="2370195"/>
+                <a:gridCol w="2370195"/>
+              </a:tblGrid>
+              <a:tr h="362611">
+                <a:tc>
+                  <a:txBody>
+                    <a:bodyPr/>
+                    <a:lstStyle/>
+                    <a:p>
+                      <a:pPr algn="ctr" fontAlgn="base"/>
+                      <a:r>
+                        <a:rPr lang="zh-CN" altLang="en-US" sz="1800" b="1">
+                          <a:solidFill>
+                            <a:srgbClr val="858585"/>
+                          </a:solidFill>
+                          <a:effectLst/>
+                        </a:rPr>
+                        <a:t>项目</a:t>
+                      </a:r>
+                      <a:endParaRPr lang="zh-CN" altLang="en-US" sz="1800" b="0">
+                        <a:solidFill>
+                          <a:srgbClr val="858585"/>
+                        </a:solidFill>
+                        <a:effectLst/>
+                      </a:endParaRPr>
+                    </a:p>
+                  </a:txBody>
+                  <a:tcPr marL="90653" marR="90653" marT="45326" marB="45326" anchor="ctr">
+                    <a:lnL w="9525" cap="flat" cmpd="sng" algn="ctr">
+                      <a:solidFill>
+                        <a:srgbClr val="24499D"/>
+                      </a:solidFill>
+                      <a:prstDash val="solid"/>
+                      <a:round/>
+                      <a:headEnd type="none" w="med" len="med"/>
+                      <a:tailEnd type="none" w="med" len="med"/>
+                    </a:lnL>
+                    <a:lnR w="9525" cap="flat" cmpd="sng" algn="ctr">
+                      <a:solidFill>
+                        <a:srgbClr val="24499D"/>
+                      </a:solidFill>
+                      <a:prstDash val="solid"/>
+                      <a:round/>
+                      <a:headEnd type="none" w="med" len="med"/>
+                      <a:tailEnd type="none" w="med" len="med"/>
+                    </a:lnR>
+                    <a:lnT w="9525" cap="flat" cmpd="sng" algn="ctr">
+                      <a:solidFill>
+                        <a:srgbClr val="24499D"/>
+                      </a:solidFill>
+                      <a:prstDash val="solid"/>
+                      <a:round/>
+                      <a:headEnd type="none" w="med" len="med"/>
+                      <a:tailEnd type="none" w="med" len="med"/>
+                    </a:lnT>
+                    <a:lnB w="9525" cap="flat" cmpd="sng" algn="ctr">
+                      <a:solidFill>
+                        <a:srgbClr val="24499D"/>
+                      </a:solidFill>
+                      <a:prstDash val="solid"/>
+                      <a:round/>
+                      <a:headEnd type="none" w="med" len="med"/>
+                      <a:tailEnd type="none" w="med" len="med"/>
+                    </a:lnB>
+                    <a:solidFill>
+                      <a:srgbClr val="FFFFFF"/>
+                    </a:solidFill>
+                  </a:tcPr>
+                </a:tc>
+                <a:tc>
+                  <a:txBody>
+                    <a:bodyPr/>
+                    <a:lstStyle/>
+                    <a:p>
+                      <a:pPr algn="ctr" fontAlgn="base"/>
+                      <a:r>
+                        <a:rPr lang="zh-CN" altLang="en-US" sz="1800" b="1">
+                          <a:solidFill>
+                            <a:srgbClr val="858585"/>
+                          </a:solidFill>
+                          <a:effectLst/>
+                        </a:rPr>
+                        <a:t>距离</a:t>
+                      </a:r>
+                      <a:endParaRPr lang="zh-CN" altLang="en-US" sz="1800" b="0">
+                        <a:solidFill>
+                          <a:srgbClr val="858585"/>
+                        </a:solidFill>
+                        <a:effectLst/>
+                      </a:endParaRPr>
+                    </a:p>
+                  </a:txBody>
+                  <a:tcPr marL="90653" marR="90653" marT="45326" marB="45326" anchor="ctr">
+                    <a:lnL w="9525" cap="flat" cmpd="sng" algn="ctr">
+                      <a:solidFill>
+                        <a:srgbClr val="24499D"/>
+                      </a:solidFill>
+                      <a:prstDash val="solid"/>
+                      <a:round/>
+                      <a:headEnd type="none" w="med" len="med"/>
+                      <a:tailEnd type="none" w="med" len="med"/>
+                    </a:lnL>
+                    <a:lnR w="9525" cap="flat" cmpd="sng" algn="ctr">
+                      <a:solidFill>
+                        <a:srgbClr val="24499D"/>
+                      </a:solidFill>
+                      <a:prstDash val="solid"/>
+                      <a:round/>
+                      <a:headEnd type="none" w="med" len="med"/>
+                      <a:tailEnd type="none" w="med" len="med"/>
+                    </a:lnR>
+                    <a:lnT w="9525" cap="flat" cmpd="sng" algn="ctr">
+                      <a:solidFill>
+                        <a:srgbClr val="24499D"/>
+                      </a:solidFill>
+                      <a:prstDash val="solid"/>
+                      <a:round/>
+                      <a:headEnd type="none" w="med" len="med"/>
+                      <a:tailEnd type="none" w="med" len="med"/>
+                    </a:lnT>
+                    <a:lnB w="9525" cap="flat" cmpd="sng" algn="ctr">
+                      <a:solidFill>
+                        <a:srgbClr val="24499D"/>
+                      </a:solidFill>
+                      <a:prstDash val="solid"/>
+                      <a:round/>
+                      <a:headEnd type="none" w="med" len="med"/>
+                      <a:tailEnd type="none" w="med" len="med"/>
+                    </a:lnB>
+                    <a:solidFill>
+                      <a:srgbClr val="FFFFFF"/>
+                    </a:solidFill>
+                  </a:tcPr>
+                </a:tc>
+                <a:tc>
+                  <a:txBody>
+                    <a:bodyPr/>
+                    <a:lstStyle/>
+                    <a:p>
+                      <a:pPr algn="ctr" fontAlgn="base"/>
+                      <a:r>
+                        <a:rPr lang="zh-CN" altLang="en-US" sz="1800" b="1">
+                          <a:solidFill>
+                            <a:srgbClr val="858585"/>
+                          </a:solidFill>
+                          <a:effectLst/>
+                        </a:rPr>
+                        <a:t>关门时间</a:t>
+                      </a:r>
+                      <a:endParaRPr lang="zh-CN" altLang="en-US" sz="1800" b="0">
+                        <a:solidFill>
+                          <a:srgbClr val="858585"/>
+                        </a:solidFill>
+                        <a:effectLst/>
+                      </a:endParaRPr>
+                    </a:p>
+                  </a:txBody>
+                  <a:tcPr marL="90653" marR="90653" marT="45326" marB="45326" anchor="ctr">
+                    <a:lnL w="9525" cap="flat" cmpd="sng" algn="ctr">
+                      <a:solidFill>
+                        <a:srgbClr val="24499D"/>
+                      </a:solidFill>
+                      <a:prstDash val="solid"/>
+                      <a:round/>
+                      <a:headEnd type="none" w="med" len="med"/>
+                      <a:tailEnd type="none" w="med" len="med"/>
+                    </a:lnL>
+                    <a:lnR w="9525" cap="flat" cmpd="sng" algn="ctr">
+                      <a:solidFill>
+                        <a:srgbClr val="24499D"/>
+                      </a:solidFill>
+                      <a:prstDash val="solid"/>
+                      <a:round/>
+                      <a:headEnd type="none" w="med" len="med"/>
+                      <a:tailEnd type="none" w="med" len="med"/>
+                    </a:lnR>
+                    <a:lnT w="9525" cap="flat" cmpd="sng" algn="ctr">
+                      <a:solidFill>
+                        <a:srgbClr val="24499D"/>
+                      </a:solidFill>
+                      <a:prstDash val="solid"/>
+                      <a:round/>
+                      <a:headEnd type="none" w="med" len="med"/>
+                      <a:tailEnd type="none" w="med" len="med"/>
+                    </a:lnT>
+                    <a:lnB w="9525" cap="flat" cmpd="sng" algn="ctr">
+                      <a:solidFill>
+                        <a:srgbClr val="24499D"/>
+                      </a:solidFill>
+                      <a:prstDash val="solid"/>
+                      <a:round/>
+                      <a:headEnd type="none" w="med" len="med"/>
+                      <a:tailEnd type="none" w="med" len="med"/>
+                    </a:lnB>
+                    <a:solidFill>
+                      <a:srgbClr val="FFFFFF"/>
+                    </a:solidFill>
+                  </a:tcPr>
+                </a:tc>
+              </a:tr>
+              <a:tr h="362611">
+                <a:tc>
+                  <a:txBody>
+                    <a:bodyPr/>
+                    <a:lstStyle/>
+                    <a:p>
+                      <a:pPr algn="ctr" fontAlgn="base"/>
+                      <a:r>
+                        <a:rPr lang="zh-CN" altLang="en-US" sz="1800" b="0">
+                          <a:solidFill>
+                            <a:srgbClr val="858585"/>
+                          </a:solidFill>
+                          <a:effectLst/>
+                        </a:rPr>
+                        <a:t>欢乐跑</a:t>
+                      </a:r>
+                    </a:p>
+                  </a:txBody>
+                  <a:tcPr marL="90653" marR="90653" marT="45326" marB="45326" anchor="ctr">
+                    <a:lnL w="9525" cap="flat" cmpd="sng" algn="ctr">
+                      <a:solidFill>
+                        <a:srgbClr val="24499D"/>
+                      </a:solidFill>
+                      <a:prstDash val="solid"/>
+                      <a:round/>
+                      <a:headEnd type="none" w="med" len="med"/>
+                      <a:tailEnd type="none" w="med" len="med"/>
+                    </a:lnL>
+                    <a:lnR w="9525" cap="flat" cmpd="sng" algn="ctr">
+                      <a:solidFill>
+                        <a:srgbClr val="24499D"/>
+                      </a:solidFill>
+                      <a:prstDash val="solid"/>
+                      <a:round/>
+                      <a:headEnd type="none" w="med" len="med"/>
+                      <a:tailEnd type="none" w="med" len="med"/>
+                    </a:lnR>
+                    <a:lnT w="9525" cap="flat" cmpd="sng" algn="ctr">
+                      <a:solidFill>
+                        <a:srgbClr val="24499D"/>
+                      </a:solidFill>
+                      <a:prstDash val="solid"/>
+                      <a:round/>
+                      <a:headEnd type="none" w="med" len="med"/>
+                      <a:tailEnd type="none" w="med" len="med"/>
+                    </a:lnT>
+                    <a:lnB w="9525" cap="flat" cmpd="sng" algn="ctr">
+                      <a:solidFill>
+                        <a:srgbClr val="24499D"/>
+                      </a:solidFill>
+                      <a:prstDash val="solid"/>
+                      <a:round/>
+                      <a:headEnd type="none" w="med" len="med"/>
+                      <a:tailEnd type="none" w="med" len="med"/>
+                    </a:lnB>
+                    <a:solidFill>
+                      <a:srgbClr val="FFFFFF"/>
+                    </a:solidFill>
+                  </a:tcPr>
+                </a:tc>
+                <a:tc>
+                  <a:txBody>
+                    <a:bodyPr/>
+                    <a:lstStyle/>
+                    <a:p>
+                      <a:pPr algn="ctr" fontAlgn="base"/>
+                      <a:r>
+                        <a:rPr lang="en-US" altLang="zh-CN" sz="1800" b="0">
+                          <a:solidFill>
+                            <a:srgbClr val="858585"/>
+                          </a:solidFill>
+                          <a:effectLst/>
+                        </a:rPr>
+                        <a:t>5</a:t>
+                      </a:r>
+                      <a:r>
+                        <a:rPr lang="zh-CN" altLang="en-US" sz="1800" b="0">
+                          <a:solidFill>
+                            <a:srgbClr val="858585"/>
+                          </a:solidFill>
+                          <a:effectLst/>
+                        </a:rPr>
+                        <a:t>公里</a:t>
+                      </a:r>
+                    </a:p>
+                  </a:txBody>
+                  <a:tcPr marL="90653" marR="90653" marT="45326" marB="45326" anchor="ctr">
+                    <a:lnL w="9525" cap="flat" cmpd="sng" algn="ctr">
+                      <a:solidFill>
+                        <a:srgbClr val="24499D"/>
+                      </a:solidFill>
+                      <a:prstDash val="solid"/>
+                      <a:round/>
+                      <a:headEnd type="none" w="med" len="med"/>
+                      <a:tailEnd type="none" w="med" len="med"/>
+                    </a:lnL>
+                    <a:lnR w="9525" cap="flat" cmpd="sng" algn="ctr">
+                      <a:solidFill>
+                        <a:srgbClr val="24499D"/>
+                      </a:solidFill>
+                      <a:prstDash val="solid"/>
+                      <a:round/>
+                      <a:headEnd type="none" w="med" len="med"/>
+                      <a:tailEnd type="none" w="med" len="med"/>
+                    </a:lnR>
+                    <a:lnT w="9525" cap="flat" cmpd="sng" algn="ctr">
+                      <a:solidFill>
+                        <a:srgbClr val="24499D"/>
+                      </a:solidFill>
+                      <a:prstDash val="solid"/>
+                      <a:round/>
+                      <a:headEnd type="none" w="med" len="med"/>
+                      <a:tailEnd type="none" w="med" len="med"/>
+                    </a:lnT>
+                    <a:lnB w="9525" cap="flat" cmpd="sng" algn="ctr">
+                      <a:solidFill>
+                        <a:srgbClr val="24499D"/>
+                      </a:solidFill>
+                      <a:prstDash val="solid"/>
+                      <a:round/>
+                      <a:headEnd type="none" w="med" len="med"/>
+                      <a:tailEnd type="none" w="med" len="med"/>
+                    </a:lnB>
+                    <a:solidFill>
+                      <a:srgbClr val="FFFFFF"/>
+                    </a:solidFill>
+                  </a:tcPr>
+                </a:tc>
+                <a:tc>
+                  <a:txBody>
+                    <a:bodyPr/>
+                    <a:lstStyle/>
+                    <a:p>
+                      <a:pPr algn="ctr" fontAlgn="base"/>
+                      <a:r>
+                        <a:rPr lang="en-US" altLang="zh-CN" sz="1800" b="0">
+                          <a:solidFill>
+                            <a:srgbClr val="858585"/>
+                          </a:solidFill>
+                          <a:effectLst/>
+                        </a:rPr>
+                        <a:t>8:30</a:t>
+                      </a:r>
+                    </a:p>
+                  </a:txBody>
+                  <a:tcPr marL="90653" marR="90653" marT="45326" marB="45326" anchor="ctr">
+                    <a:lnL w="9525" cap="flat" cmpd="sng" algn="ctr">
+                      <a:solidFill>
+                        <a:srgbClr val="24499D"/>
+                      </a:solidFill>
+                      <a:prstDash val="solid"/>
+                      <a:round/>
+                      <a:headEnd type="none" w="med" len="med"/>
+                      <a:tailEnd type="none" w="med" len="med"/>
+                    </a:lnL>
+                    <a:lnR w="9525" cap="flat" cmpd="sng" algn="ctr">
+                      <a:solidFill>
+                        <a:srgbClr val="24499D"/>
+                      </a:solidFill>
+                      <a:prstDash val="solid"/>
+                      <a:round/>
+                      <a:headEnd type="none" w="med" len="med"/>
+                      <a:tailEnd type="none" w="med" len="med"/>
+                    </a:lnR>
+                    <a:lnT w="9525" cap="flat" cmpd="sng" algn="ctr">
+                      <a:solidFill>
+                        <a:srgbClr val="24499D"/>
+                      </a:solidFill>
+                      <a:prstDash val="solid"/>
+                      <a:round/>
+                      <a:headEnd type="none" w="med" len="med"/>
+                      <a:tailEnd type="none" w="med" len="med"/>
+                    </a:lnT>
+                    <a:lnB w="9525" cap="flat" cmpd="sng" algn="ctr">
+                      <a:solidFill>
+                        <a:srgbClr val="24499D"/>
+                      </a:solidFill>
+                      <a:prstDash val="solid"/>
+                      <a:round/>
+                      <a:headEnd type="none" w="med" len="med"/>
+                      <a:tailEnd type="none" w="med" len="med"/>
+                    </a:lnB>
+                    <a:solidFill>
+                      <a:srgbClr val="FFFFFF"/>
+                    </a:solidFill>
+                  </a:tcPr>
+                </a:tc>
+              </a:tr>
+              <a:tr h="362611">
+                <a:tc rowSpan="4">
+                  <a:txBody>
+                    <a:bodyPr/>
+                    <a:lstStyle/>
+                    <a:p>
+                      <a:pPr algn="ctr" fontAlgn="base"/>
+                      <a:r>
+                        <a:rPr lang="zh-CN" altLang="en-US" sz="1800" b="0">
+                          <a:solidFill>
+                            <a:srgbClr val="858585"/>
+                          </a:solidFill>
+                          <a:effectLst/>
+                        </a:rPr>
+                        <a:t> </a:t>
+                      </a:r>
+                    </a:p>
+                    <a:p>
+                      <a:pPr algn="ctr" fontAlgn="base"/>
+                      <a:r>
+                        <a:rPr lang="zh-CN" altLang="en-US" sz="1800" b="0">
+                          <a:solidFill>
+                            <a:srgbClr val="858585"/>
+                          </a:solidFill>
+                          <a:effectLst/>
+                        </a:rPr>
+                        <a:t>马拉松</a:t>
+                      </a:r>
+                    </a:p>
+                    <a:p>
+                      <a:pPr algn="ctr" fontAlgn="base"/>
+                      <a:r>
+                        <a:rPr lang="zh-CN" altLang="en-US" sz="1800" b="0">
+                          <a:solidFill>
+                            <a:srgbClr val="858585"/>
+                          </a:solidFill>
+                          <a:effectLst/>
+                        </a:rPr>
+                        <a:t>和</a:t>
+                      </a:r>
+                    </a:p>
+                    <a:p>
+                      <a:pPr algn="ctr" fontAlgn="base"/>
+                      <a:r>
+                        <a:rPr lang="zh-CN" altLang="en-US" sz="1800" b="0">
+                          <a:solidFill>
+                            <a:srgbClr val="858585"/>
+                          </a:solidFill>
+                          <a:effectLst/>
+                        </a:rPr>
+                        <a:t>半程马拉松</a:t>
+                      </a:r>
+                    </a:p>
+                  </a:txBody>
+                  <a:tcPr marL="90653" marR="90653" marT="45326" marB="45326" anchor="ctr">
+                    <a:lnL w="9525" cap="flat" cmpd="sng" algn="ctr">
+                      <a:solidFill>
+                        <a:srgbClr val="24499D"/>
+                      </a:solidFill>
+                      <a:prstDash val="solid"/>
+                      <a:round/>
+                      <a:headEnd type="none" w="med" len="med"/>
+                      <a:tailEnd type="none" w="med" len="med"/>
+                    </a:lnL>
+                    <a:lnR w="9525" cap="flat" cmpd="sng" algn="ctr">
+                      <a:solidFill>
+                        <a:srgbClr val="24499D"/>
+                      </a:solidFill>
+                      <a:prstDash val="solid"/>
+                      <a:round/>
+                      <a:headEnd type="none" w="med" len="med"/>
+                      <a:tailEnd type="none" w="med" len="med"/>
+                    </a:lnR>
+                    <a:lnT w="9525" cap="flat" cmpd="sng" algn="ctr">
+                      <a:solidFill>
+                        <a:srgbClr val="24499D"/>
+                      </a:solidFill>
+                      <a:prstDash val="solid"/>
+                      <a:round/>
+                      <a:headEnd type="none" w="med" len="med"/>
+                      <a:tailEnd type="none" w="med" len="med"/>
+                    </a:lnT>
+                    <a:lnB w="9525" cap="flat" cmpd="sng" algn="ctr">
+                      <a:solidFill>
+                        <a:srgbClr val="24499D"/>
+                      </a:solidFill>
+                      <a:prstDash val="solid"/>
+                      <a:round/>
+                      <a:headEnd type="none" w="med" len="med"/>
+                      <a:tailEnd type="none" w="med" len="med"/>
+                    </a:lnB>
+                    <a:solidFill>
+                      <a:srgbClr val="FFFFFF"/>
+                    </a:solidFill>
+                  </a:tcPr>
+                </a:tc>
+                <a:tc>
+                  <a:txBody>
+                    <a:bodyPr/>
+                    <a:lstStyle/>
+                    <a:p>
+                      <a:pPr algn="ctr" fontAlgn="base"/>
+                      <a:r>
+                        <a:rPr lang="en-US" altLang="zh-CN" sz="1800" b="0">
+                          <a:solidFill>
+                            <a:srgbClr val="858585"/>
+                          </a:solidFill>
+                          <a:effectLst/>
+                        </a:rPr>
+                        <a:t>5</a:t>
+                      </a:r>
+                      <a:r>
+                        <a:rPr lang="zh-CN" altLang="en-US" sz="1800" b="0">
+                          <a:solidFill>
+                            <a:srgbClr val="858585"/>
+                          </a:solidFill>
+                          <a:effectLst/>
+                        </a:rPr>
+                        <a:t>公里</a:t>
+                      </a:r>
+                    </a:p>
+                  </a:txBody>
+                  <a:tcPr marL="90653" marR="90653" marT="45326" marB="45326" anchor="ctr">
+                    <a:lnL w="9525" cap="flat" cmpd="sng" algn="ctr">
+                      <a:solidFill>
+                        <a:srgbClr val="24499D"/>
+                      </a:solidFill>
+                      <a:prstDash val="solid"/>
+                      <a:round/>
+                      <a:headEnd type="none" w="med" len="med"/>
+                      <a:tailEnd type="none" w="med" len="med"/>
+                    </a:lnL>
+                    <a:lnR w="9525" cap="flat" cmpd="sng" algn="ctr">
+                      <a:solidFill>
+                        <a:srgbClr val="24499D"/>
+                      </a:solidFill>
+                      <a:prstDash val="solid"/>
+                      <a:round/>
+                      <a:headEnd type="none" w="med" len="med"/>
+                      <a:tailEnd type="none" w="med" len="med"/>
+                    </a:lnR>
+                    <a:lnT w="9525" cap="flat" cmpd="sng" algn="ctr">
+                      <a:solidFill>
+                        <a:srgbClr val="24499D"/>
+                      </a:solidFill>
+                      <a:prstDash val="solid"/>
+                      <a:round/>
+                      <a:headEnd type="none" w="med" len="med"/>
+                      <a:tailEnd type="none" w="med" len="med"/>
+                    </a:lnT>
+                    <a:lnB w="9525" cap="flat" cmpd="sng" algn="ctr">
+                      <a:solidFill>
+                        <a:srgbClr val="24499D"/>
+                      </a:solidFill>
+                      <a:prstDash val="solid"/>
+                      <a:round/>
+                      <a:headEnd type="none" w="med" len="med"/>
+                      <a:tailEnd type="none" w="med" len="med"/>
+                    </a:lnB>
+                    <a:solidFill>
+                      <a:srgbClr val="FFFFFF"/>
+                    </a:solidFill>
+                  </a:tcPr>
+                </a:tc>
+                <a:tc>
+                  <a:txBody>
+                    <a:bodyPr/>
+                    <a:lstStyle/>
+                    <a:p>
+                      <a:pPr algn="ctr" fontAlgn="base"/>
+                      <a:r>
+                        <a:rPr lang="en-US" altLang="zh-CN" sz="1800" b="0">
+                          <a:solidFill>
+                            <a:srgbClr val="858585"/>
+                          </a:solidFill>
+                          <a:effectLst/>
+                        </a:rPr>
+                        <a:t>8:35</a:t>
+                      </a:r>
+                    </a:p>
+                  </a:txBody>
+                  <a:tcPr marL="90653" marR="90653" marT="45326" marB="45326" anchor="ctr">
+                    <a:lnL w="9525" cap="flat" cmpd="sng" algn="ctr">
+                      <a:solidFill>
+                        <a:srgbClr val="24499D"/>
+                      </a:solidFill>
+                      <a:prstDash val="solid"/>
+                      <a:round/>
+                      <a:headEnd type="none" w="med" len="med"/>
+                      <a:tailEnd type="none" w="med" len="med"/>
+                    </a:lnL>
+                    <a:lnR w="9525" cap="flat" cmpd="sng" algn="ctr">
+                      <a:solidFill>
+                        <a:srgbClr val="24499D"/>
+                      </a:solidFill>
+                      <a:prstDash val="solid"/>
+                      <a:round/>
+                      <a:headEnd type="none" w="med" len="med"/>
+                      <a:tailEnd type="none" w="med" len="med"/>
+                    </a:lnR>
+                    <a:lnT w="9525" cap="flat" cmpd="sng" algn="ctr">
+                      <a:solidFill>
+                        <a:srgbClr val="24499D"/>
+                      </a:solidFill>
+                      <a:prstDash val="solid"/>
+                      <a:round/>
+                      <a:headEnd type="none" w="med" len="med"/>
+                      <a:tailEnd type="none" w="med" len="med"/>
+                    </a:lnT>
+                    <a:lnB w="9525" cap="flat" cmpd="sng" algn="ctr">
+                      <a:solidFill>
+                        <a:srgbClr val="24499D"/>
+                      </a:solidFill>
+                      <a:prstDash val="solid"/>
+                      <a:round/>
+                      <a:headEnd type="none" w="med" len="med"/>
+                      <a:tailEnd type="none" w="med" len="med"/>
+                    </a:lnB>
+                    <a:solidFill>
+                      <a:srgbClr val="FFFFFF"/>
+                    </a:solidFill>
+                  </a:tcPr>
+                </a:tc>
+              </a:tr>
+              <a:tr h="362611">
+                <a:tc vMerge="1">
+                  <a:txBody>
+                    <a:bodyPr/>
+                    <a:lstStyle/>
+                    <a:p>
+                      <a:endParaRPr lang="zh-CN" altLang="en-US"/>
+                    </a:p>
+                  </a:txBody>
+                  <a:tcPr/>
+                </a:tc>
+                <a:tc>
+                  <a:txBody>
+                    <a:bodyPr/>
+                    <a:lstStyle/>
+                    <a:p>
+                      <a:pPr algn="ctr" fontAlgn="base"/>
+                      <a:r>
+                        <a:rPr lang="en-US" altLang="zh-CN" sz="1800" b="0">
+                          <a:solidFill>
+                            <a:srgbClr val="858585"/>
+                          </a:solidFill>
+                          <a:effectLst/>
+                        </a:rPr>
+                        <a:t>10</a:t>
+                      </a:r>
+                      <a:r>
+                        <a:rPr lang="zh-CN" altLang="en-US" sz="1800" b="0">
+                          <a:solidFill>
+                            <a:srgbClr val="858585"/>
+                          </a:solidFill>
+                          <a:effectLst/>
+                        </a:rPr>
+                        <a:t>公里</a:t>
+                      </a:r>
+                    </a:p>
+                  </a:txBody>
+                  <a:tcPr marL="90653" marR="90653" marT="45326" marB="45326" anchor="ctr">
+                    <a:lnL w="9525" cap="flat" cmpd="sng" algn="ctr">
+                      <a:solidFill>
+                        <a:srgbClr val="24499D"/>
+                      </a:solidFill>
+                      <a:prstDash val="solid"/>
+                      <a:round/>
+                      <a:headEnd type="none" w="med" len="med"/>
+                      <a:tailEnd type="none" w="med" len="med"/>
+                    </a:lnL>
+                    <a:lnR w="9525" cap="flat" cmpd="sng" algn="ctr">
+                      <a:solidFill>
+                        <a:srgbClr val="24499D"/>
+                      </a:solidFill>
+                      <a:prstDash val="solid"/>
+                      <a:round/>
+                      <a:headEnd type="none" w="med" len="med"/>
+                      <a:tailEnd type="none" w="med" len="med"/>
+                    </a:lnR>
+                    <a:lnT w="9525" cap="flat" cmpd="sng" algn="ctr">
+                      <a:solidFill>
+                        <a:srgbClr val="24499D"/>
+                      </a:solidFill>
+                      <a:prstDash val="solid"/>
+                      <a:round/>
+                      <a:headEnd type="none" w="med" len="med"/>
+                      <a:tailEnd type="none" w="med" len="med"/>
+                    </a:lnT>
+                    <a:lnB w="9525" cap="flat" cmpd="sng" algn="ctr">
+                      <a:solidFill>
+                        <a:srgbClr val="24499D"/>
+                      </a:solidFill>
+                      <a:prstDash val="solid"/>
+                      <a:round/>
+                      <a:headEnd type="none" w="med" len="med"/>
+                      <a:tailEnd type="none" w="med" len="med"/>
+                    </a:lnB>
+                    <a:solidFill>
+                      <a:srgbClr val="FFFFFF"/>
+                    </a:solidFill>
+                  </a:tcPr>
+                </a:tc>
+                <a:tc>
+                  <a:txBody>
+                    <a:bodyPr/>
+                    <a:lstStyle/>
+                    <a:p>
+                      <a:pPr algn="ctr" fontAlgn="base"/>
+                      <a:r>
+                        <a:rPr lang="en-US" altLang="zh-CN" sz="1800" b="0">
+                          <a:solidFill>
+                            <a:srgbClr val="858585"/>
+                          </a:solidFill>
+                          <a:effectLst/>
+                        </a:rPr>
+                        <a:t>9:10</a:t>
+                      </a:r>
+                    </a:p>
+                  </a:txBody>
+                  <a:tcPr marL="90653" marR="90653" marT="45326" marB="45326" anchor="ctr">
+                    <a:lnL w="9525" cap="flat" cmpd="sng" algn="ctr">
+                      <a:solidFill>
+                        <a:srgbClr val="24499D"/>
+                      </a:solidFill>
+                      <a:prstDash val="solid"/>
+                      <a:round/>
+                      <a:headEnd type="none" w="med" len="med"/>
+                      <a:tailEnd type="none" w="med" len="med"/>
+                    </a:lnL>
+                    <a:lnR w="9525" cap="flat" cmpd="sng" algn="ctr">
+                      <a:solidFill>
+                        <a:srgbClr val="24499D"/>
+                      </a:solidFill>
+                      <a:prstDash val="solid"/>
+                      <a:round/>
+                      <a:headEnd type="none" w="med" len="med"/>
+                      <a:tailEnd type="none" w="med" len="med"/>
+                    </a:lnR>
+                    <a:lnT w="9525" cap="flat" cmpd="sng" algn="ctr">
+                      <a:solidFill>
+                        <a:srgbClr val="24499D"/>
+                      </a:solidFill>
+                      <a:prstDash val="solid"/>
+                      <a:round/>
+                      <a:headEnd type="none" w="med" len="med"/>
+                      <a:tailEnd type="none" w="med" len="med"/>
+                    </a:lnT>
+                    <a:lnB w="9525" cap="flat" cmpd="sng" algn="ctr">
+                      <a:solidFill>
+                        <a:srgbClr val="24499D"/>
+                      </a:solidFill>
+                      <a:prstDash val="solid"/>
+                      <a:round/>
+                      <a:headEnd type="none" w="med" len="med"/>
+                      <a:tailEnd type="none" w="med" len="med"/>
+                    </a:lnB>
+                    <a:solidFill>
+                      <a:srgbClr val="FFFFFF"/>
+                    </a:solidFill>
+                  </a:tcPr>
+                </a:tc>
+              </a:tr>
+              <a:tr h="362611">
+                <a:tc vMerge="1">
+                  <a:txBody>
+                    <a:bodyPr/>
+                    <a:lstStyle/>
+                    <a:p>
+                      <a:endParaRPr lang="zh-CN" altLang="en-US"/>
+                    </a:p>
+                  </a:txBody>
+                  <a:tcPr/>
+                </a:tc>
+                <a:tc>
+                  <a:txBody>
+                    <a:bodyPr/>
+                    <a:lstStyle/>
+                    <a:p>
+                      <a:pPr algn="ctr" fontAlgn="base"/>
+                      <a:r>
+                        <a:rPr lang="en-US" altLang="zh-CN" sz="1800" b="0">
+                          <a:solidFill>
+                            <a:srgbClr val="858585"/>
+                          </a:solidFill>
+                          <a:effectLst/>
+                        </a:rPr>
+                        <a:t>15</a:t>
+                      </a:r>
+                      <a:r>
+                        <a:rPr lang="zh-CN" altLang="en-US" sz="1800" b="0">
+                          <a:solidFill>
+                            <a:srgbClr val="858585"/>
+                          </a:solidFill>
+                          <a:effectLst/>
+                        </a:rPr>
+                        <a:t>公里</a:t>
+                      </a:r>
+                    </a:p>
+                  </a:txBody>
+                  <a:tcPr marL="90653" marR="90653" marT="45326" marB="45326" anchor="ctr">
+                    <a:lnL w="9525" cap="flat" cmpd="sng" algn="ctr">
+                      <a:solidFill>
+                        <a:srgbClr val="24499D"/>
+                      </a:solidFill>
+                      <a:prstDash val="solid"/>
+                      <a:round/>
+                      <a:headEnd type="none" w="med" len="med"/>
+                      <a:tailEnd type="none" w="med" len="med"/>
+                    </a:lnL>
+                    <a:lnR w="9525" cap="flat" cmpd="sng" algn="ctr">
+                      <a:solidFill>
+                        <a:srgbClr val="24499D"/>
+                      </a:solidFill>
+                      <a:prstDash val="solid"/>
+                      <a:round/>
+                      <a:headEnd type="none" w="med" len="med"/>
+                      <a:tailEnd type="none" w="med" len="med"/>
+                    </a:lnR>
+                    <a:lnT w="9525" cap="flat" cmpd="sng" algn="ctr">
+                      <a:solidFill>
+                        <a:srgbClr val="24499D"/>
+                      </a:solidFill>
+                      <a:prstDash val="solid"/>
+                      <a:round/>
+                      <a:headEnd type="none" w="med" len="med"/>
+                      <a:tailEnd type="none" w="med" len="med"/>
+                    </a:lnT>
+                    <a:lnB w="9525" cap="flat" cmpd="sng" algn="ctr">
+                      <a:solidFill>
+                        <a:srgbClr val="24499D"/>
+                      </a:solidFill>
+                      <a:prstDash val="solid"/>
+                      <a:round/>
+                      <a:headEnd type="none" w="med" len="med"/>
+                      <a:tailEnd type="none" w="med" len="med"/>
+                    </a:lnB>
+                    <a:solidFill>
+                      <a:srgbClr val="FFFFFF"/>
+                    </a:solidFill>
+                  </a:tcPr>
+                </a:tc>
+                <a:tc>
+                  <a:txBody>
+                    <a:bodyPr/>
+                    <a:lstStyle/>
+                    <a:p>
+                      <a:pPr algn="ctr" fontAlgn="base"/>
+                      <a:r>
+                        <a:rPr lang="en-US" altLang="zh-CN" sz="1800" b="0">
+                          <a:solidFill>
+                            <a:srgbClr val="858585"/>
+                          </a:solidFill>
+                          <a:effectLst/>
+                        </a:rPr>
+                        <a:t>9:55</a:t>
+                      </a:r>
+                    </a:p>
+                  </a:txBody>
+                  <a:tcPr marL="90653" marR="90653" marT="45326" marB="45326" anchor="ctr">
+                    <a:lnL w="9525" cap="flat" cmpd="sng" algn="ctr">
+                      <a:solidFill>
+                        <a:srgbClr val="24499D"/>
+                      </a:solidFill>
+                      <a:prstDash val="solid"/>
+                      <a:round/>
+                      <a:headEnd type="none" w="med" len="med"/>
+                      <a:tailEnd type="none" w="med" len="med"/>
+                    </a:lnL>
+                    <a:lnR w="9525" cap="flat" cmpd="sng" algn="ctr">
+                      <a:solidFill>
+                        <a:srgbClr val="24499D"/>
+                      </a:solidFill>
+                      <a:prstDash val="solid"/>
+                      <a:round/>
+                      <a:headEnd type="none" w="med" len="med"/>
+                      <a:tailEnd type="none" w="med" len="med"/>
+                    </a:lnR>
+                    <a:lnT w="9525" cap="flat" cmpd="sng" algn="ctr">
+                      <a:solidFill>
+                        <a:srgbClr val="24499D"/>
+                      </a:solidFill>
+                      <a:prstDash val="solid"/>
+                      <a:round/>
+                      <a:headEnd type="none" w="med" len="med"/>
+                      <a:tailEnd type="none" w="med" len="med"/>
+                    </a:lnT>
+                    <a:lnB w="9525" cap="flat" cmpd="sng" algn="ctr">
+                      <a:solidFill>
+                        <a:srgbClr val="24499D"/>
+                      </a:solidFill>
+                      <a:prstDash val="solid"/>
+                      <a:round/>
+                      <a:headEnd type="none" w="med" len="med"/>
+                      <a:tailEnd type="none" w="med" len="med"/>
+                    </a:lnB>
+                    <a:solidFill>
+                      <a:srgbClr val="FFFFFF"/>
+                    </a:solidFill>
+                  </a:tcPr>
+                </a:tc>
+              </a:tr>
+              <a:tr h="362611">
+                <a:tc vMerge="1">
+                  <a:txBody>
+                    <a:bodyPr/>
+                    <a:lstStyle/>
+                    <a:p>
+                      <a:endParaRPr lang="zh-CN" altLang="en-US"/>
+                    </a:p>
+                  </a:txBody>
+                  <a:tcPr/>
+                </a:tc>
+                <a:tc>
+                  <a:txBody>
+                    <a:bodyPr/>
+                    <a:lstStyle/>
+                    <a:p>
+                      <a:pPr algn="ctr" fontAlgn="base"/>
+                      <a:r>
+                        <a:rPr lang="en-US" altLang="zh-CN" sz="1800" b="0">
+                          <a:solidFill>
+                            <a:srgbClr val="858585"/>
+                          </a:solidFill>
+                          <a:effectLst/>
+                        </a:rPr>
+                        <a:t>20</a:t>
+                      </a:r>
+                      <a:r>
+                        <a:rPr lang="zh-CN" altLang="en-US" sz="1800" b="0">
+                          <a:solidFill>
+                            <a:srgbClr val="858585"/>
+                          </a:solidFill>
+                          <a:effectLst/>
+                        </a:rPr>
+                        <a:t>公里</a:t>
+                      </a:r>
+                    </a:p>
+                  </a:txBody>
+                  <a:tcPr marL="90653" marR="90653" marT="45326" marB="45326" anchor="ctr">
+                    <a:lnL w="9525" cap="flat" cmpd="sng" algn="ctr">
+                      <a:solidFill>
+                        <a:srgbClr val="24499D"/>
+                      </a:solidFill>
+                      <a:prstDash val="solid"/>
+                      <a:round/>
+                      <a:headEnd type="none" w="med" len="med"/>
+                      <a:tailEnd type="none" w="med" len="med"/>
+                    </a:lnL>
+                    <a:lnR w="9525" cap="flat" cmpd="sng" algn="ctr">
+                      <a:solidFill>
+                        <a:srgbClr val="24499D"/>
+                      </a:solidFill>
+                      <a:prstDash val="solid"/>
+                      <a:round/>
+                      <a:headEnd type="none" w="med" len="med"/>
+                      <a:tailEnd type="none" w="med" len="med"/>
+                    </a:lnR>
+                    <a:lnT w="9525" cap="flat" cmpd="sng" algn="ctr">
+                      <a:solidFill>
+                        <a:srgbClr val="24499D"/>
+                      </a:solidFill>
+                      <a:prstDash val="solid"/>
+                      <a:round/>
+                      <a:headEnd type="none" w="med" len="med"/>
+                      <a:tailEnd type="none" w="med" len="med"/>
+                    </a:lnT>
+                    <a:lnB w="9525" cap="flat" cmpd="sng" algn="ctr">
+                      <a:solidFill>
+                        <a:srgbClr val="24499D"/>
+                      </a:solidFill>
+                      <a:prstDash val="solid"/>
+                      <a:round/>
+                      <a:headEnd type="none" w="med" len="med"/>
+                      <a:tailEnd type="none" w="med" len="med"/>
+                    </a:lnB>
+                    <a:solidFill>
+                      <a:srgbClr val="FFFFFF"/>
+                    </a:solidFill>
+                  </a:tcPr>
+                </a:tc>
+                <a:tc>
+                  <a:txBody>
+                    <a:bodyPr/>
+                    <a:lstStyle/>
+                    <a:p>
+                      <a:pPr algn="ctr" fontAlgn="base"/>
+                      <a:r>
+                        <a:rPr lang="en-US" altLang="zh-CN" sz="1800" b="0">
+                          <a:solidFill>
+                            <a:srgbClr val="858585"/>
+                          </a:solidFill>
+                          <a:effectLst/>
+                        </a:rPr>
+                        <a:t>10:35</a:t>
+                      </a:r>
+                    </a:p>
+                  </a:txBody>
+                  <a:tcPr marL="90653" marR="90653" marT="45326" marB="45326" anchor="ctr">
+                    <a:lnL w="9525" cap="flat" cmpd="sng" algn="ctr">
+                      <a:solidFill>
+                        <a:srgbClr val="24499D"/>
+                      </a:solidFill>
+                      <a:prstDash val="solid"/>
+                      <a:round/>
+                      <a:headEnd type="none" w="med" len="med"/>
+                      <a:tailEnd type="none" w="med" len="med"/>
+                    </a:lnL>
+                    <a:lnR w="9525" cap="flat" cmpd="sng" algn="ctr">
+                      <a:solidFill>
+                        <a:srgbClr val="24499D"/>
+                      </a:solidFill>
+                      <a:prstDash val="solid"/>
+                      <a:round/>
+                      <a:headEnd type="none" w="med" len="med"/>
+                      <a:tailEnd type="none" w="med" len="med"/>
+                    </a:lnR>
+                    <a:lnT w="9525" cap="flat" cmpd="sng" algn="ctr">
+                      <a:solidFill>
+                        <a:srgbClr val="24499D"/>
+                      </a:solidFill>
+                      <a:prstDash val="solid"/>
+                      <a:round/>
+                      <a:headEnd type="none" w="med" len="med"/>
+                      <a:tailEnd type="none" w="med" len="med"/>
+                    </a:lnT>
+                    <a:lnB w="9525" cap="flat" cmpd="sng" algn="ctr">
+                      <a:solidFill>
+                        <a:srgbClr val="24499D"/>
+                      </a:solidFill>
+                      <a:prstDash val="solid"/>
+                      <a:round/>
+                      <a:headEnd type="none" w="med" len="med"/>
+                      <a:tailEnd type="none" w="med" len="med"/>
+                    </a:lnB>
+                    <a:solidFill>
+                      <a:srgbClr val="FFFFFF"/>
+                    </a:solidFill>
+                  </a:tcPr>
+                </a:tc>
+              </a:tr>
+              <a:tr h="362611">
+                <a:tc>
+                  <a:txBody>
+                    <a:bodyPr/>
+                    <a:lstStyle/>
+                    <a:p>
+                      <a:pPr algn="ctr" fontAlgn="base"/>
+                      <a:r>
+                        <a:rPr lang="zh-CN" altLang="en-US" sz="1800" b="0">
+                          <a:solidFill>
+                            <a:srgbClr val="858585"/>
+                          </a:solidFill>
+                          <a:effectLst/>
+                        </a:rPr>
+                        <a:t>半程马拉松</a:t>
+                      </a:r>
+                    </a:p>
+                  </a:txBody>
+                  <a:tcPr marL="90653" marR="90653" marT="45326" marB="45326" anchor="ctr">
+                    <a:lnL w="9525" cap="flat" cmpd="sng" algn="ctr">
+                      <a:solidFill>
+                        <a:srgbClr val="24499D"/>
+                      </a:solidFill>
+                      <a:prstDash val="solid"/>
+                      <a:round/>
+                      <a:headEnd type="none" w="med" len="med"/>
+                      <a:tailEnd type="none" w="med" len="med"/>
+                    </a:lnL>
+                    <a:lnR w="9525" cap="flat" cmpd="sng" algn="ctr">
+                      <a:solidFill>
+                        <a:srgbClr val="24499D"/>
+                      </a:solidFill>
+                      <a:prstDash val="solid"/>
+                      <a:round/>
+                      <a:headEnd type="none" w="med" len="med"/>
+                      <a:tailEnd type="none" w="med" len="med"/>
+                    </a:lnR>
+                    <a:lnT w="9525" cap="flat" cmpd="sng" algn="ctr">
+                      <a:solidFill>
+                        <a:srgbClr val="24499D"/>
+                      </a:solidFill>
+                      <a:prstDash val="solid"/>
+                      <a:round/>
+                      <a:headEnd type="none" w="med" len="med"/>
+                      <a:tailEnd type="none" w="med" len="med"/>
+                    </a:lnT>
+                    <a:lnB w="9525" cap="flat" cmpd="sng" algn="ctr">
+                      <a:solidFill>
+                        <a:srgbClr val="24499D"/>
+                      </a:solidFill>
+                      <a:prstDash val="solid"/>
+                      <a:round/>
+                      <a:headEnd type="none" w="med" len="med"/>
+                      <a:tailEnd type="none" w="med" len="med"/>
+                    </a:lnB>
+                    <a:solidFill>
+                      <a:srgbClr val="FFFFFF"/>
+                    </a:solidFill>
+                  </a:tcPr>
+                </a:tc>
+                <a:tc>
+                  <a:txBody>
+                    <a:bodyPr/>
+                    <a:lstStyle/>
+                    <a:p>
+                      <a:pPr algn="ctr" fontAlgn="base"/>
+                      <a:r>
+                        <a:rPr lang="en-US" altLang="zh-CN" sz="1800" b="0">
+                          <a:solidFill>
+                            <a:srgbClr val="858585"/>
+                          </a:solidFill>
+                          <a:effectLst/>
+                        </a:rPr>
+                        <a:t>21.0975</a:t>
+                      </a:r>
+                      <a:r>
+                        <a:rPr lang="zh-CN" altLang="en-US" sz="1800" b="0">
+                          <a:solidFill>
+                            <a:srgbClr val="858585"/>
+                          </a:solidFill>
+                          <a:effectLst/>
+                        </a:rPr>
+                        <a:t>公里</a:t>
+                      </a:r>
+                    </a:p>
+                  </a:txBody>
+                  <a:tcPr marL="90653" marR="90653" marT="45326" marB="45326" anchor="ctr">
+                    <a:lnL w="9525" cap="flat" cmpd="sng" algn="ctr">
+                      <a:solidFill>
+                        <a:srgbClr val="24499D"/>
+                      </a:solidFill>
+                      <a:prstDash val="solid"/>
+                      <a:round/>
+                      <a:headEnd type="none" w="med" len="med"/>
+                      <a:tailEnd type="none" w="med" len="med"/>
+                    </a:lnL>
+                    <a:lnR w="9525" cap="flat" cmpd="sng" algn="ctr">
+                      <a:solidFill>
+                        <a:srgbClr val="24499D"/>
+                      </a:solidFill>
+                      <a:prstDash val="solid"/>
+                      <a:round/>
+                      <a:headEnd type="none" w="med" len="med"/>
+                      <a:tailEnd type="none" w="med" len="med"/>
+                    </a:lnR>
+                    <a:lnT w="9525" cap="flat" cmpd="sng" algn="ctr">
+                      <a:solidFill>
+                        <a:srgbClr val="24499D"/>
+                      </a:solidFill>
+                      <a:prstDash val="solid"/>
+                      <a:round/>
+                      <a:headEnd type="none" w="med" len="med"/>
+                      <a:tailEnd type="none" w="med" len="med"/>
+                    </a:lnT>
+                    <a:lnB w="9525" cap="flat" cmpd="sng" algn="ctr">
+                      <a:solidFill>
+                        <a:srgbClr val="24499D"/>
+                      </a:solidFill>
+                      <a:prstDash val="solid"/>
+                      <a:round/>
+                      <a:headEnd type="none" w="med" len="med"/>
+                      <a:tailEnd type="none" w="med" len="med"/>
+                    </a:lnB>
+                    <a:solidFill>
+                      <a:srgbClr val="FFFFFF"/>
+                    </a:solidFill>
+                  </a:tcPr>
+                </a:tc>
+                <a:tc>
+                  <a:txBody>
+                    <a:bodyPr/>
+                    <a:lstStyle/>
+                    <a:p>
+                      <a:pPr algn="ctr" fontAlgn="base"/>
+                      <a:r>
+                        <a:rPr lang="en-US" altLang="zh-CN" sz="1800" b="0">
+                          <a:solidFill>
+                            <a:srgbClr val="858585"/>
+                          </a:solidFill>
+                          <a:effectLst/>
+                        </a:rPr>
+                        <a:t>10:45</a:t>
+                      </a:r>
+                    </a:p>
+                  </a:txBody>
+                  <a:tcPr marL="90653" marR="90653" marT="45326" marB="45326" anchor="ctr">
+                    <a:lnL w="9525" cap="flat" cmpd="sng" algn="ctr">
+                      <a:solidFill>
+                        <a:srgbClr val="24499D"/>
+                      </a:solidFill>
+                      <a:prstDash val="solid"/>
+                      <a:round/>
+                      <a:headEnd type="none" w="med" len="med"/>
+                      <a:tailEnd type="none" w="med" len="med"/>
+                    </a:lnL>
+                    <a:lnR w="9525" cap="flat" cmpd="sng" algn="ctr">
+                      <a:solidFill>
+                        <a:srgbClr val="24499D"/>
+                      </a:solidFill>
+                      <a:prstDash val="solid"/>
+                      <a:round/>
+                      <a:headEnd type="none" w="med" len="med"/>
+                      <a:tailEnd type="none" w="med" len="med"/>
+                    </a:lnR>
+                    <a:lnT w="9525" cap="flat" cmpd="sng" algn="ctr">
+                      <a:solidFill>
+                        <a:srgbClr val="24499D"/>
+                      </a:solidFill>
+                      <a:prstDash val="solid"/>
+                      <a:round/>
+                      <a:headEnd type="none" w="med" len="med"/>
+                      <a:tailEnd type="none" w="med" len="med"/>
+                    </a:lnT>
+                    <a:lnB w="9525" cap="flat" cmpd="sng" algn="ctr">
+                      <a:solidFill>
+                        <a:srgbClr val="24499D"/>
+                      </a:solidFill>
+                      <a:prstDash val="solid"/>
+                      <a:round/>
+                      <a:headEnd type="none" w="med" len="med"/>
+                      <a:tailEnd type="none" w="med" len="med"/>
+                    </a:lnB>
+                    <a:solidFill>
+                      <a:srgbClr val="FFFFFF"/>
+                    </a:solidFill>
+                  </a:tcPr>
+                </a:tc>
+              </a:tr>
+              <a:tr h="362611">
+                <a:tc rowSpan="5">
+                  <a:txBody>
+                    <a:bodyPr/>
+                    <a:lstStyle/>
+                    <a:p>
+                      <a:pPr algn="ctr" fontAlgn="base"/>
+                      <a:r>
+                        <a:rPr lang="zh-CN" altLang="en-US" sz="1800" b="0">
+                          <a:solidFill>
+                            <a:srgbClr val="858585"/>
+                          </a:solidFill>
+                          <a:effectLst/>
+                        </a:rPr>
+                        <a:t> </a:t>
+                      </a:r>
+                    </a:p>
+                    <a:p>
+                      <a:pPr algn="ctr" fontAlgn="base"/>
+                      <a:r>
+                        <a:rPr lang="zh-CN" altLang="en-US" sz="1800" b="0">
+                          <a:solidFill>
+                            <a:srgbClr val="858585"/>
+                          </a:solidFill>
+                          <a:effectLst/>
+                        </a:rPr>
+                        <a:t>马拉松</a:t>
+                      </a:r>
+                    </a:p>
+                  </a:txBody>
+                  <a:tcPr marL="90653" marR="90653" marT="45326" marB="45326" anchor="ctr">
+                    <a:lnL w="9525" cap="flat" cmpd="sng" algn="ctr">
+                      <a:solidFill>
+                        <a:srgbClr val="24499D"/>
+                      </a:solidFill>
+                      <a:prstDash val="solid"/>
+                      <a:round/>
+                      <a:headEnd type="none" w="med" len="med"/>
+                      <a:tailEnd type="none" w="med" len="med"/>
+                    </a:lnL>
+                    <a:lnR w="9525" cap="flat" cmpd="sng" algn="ctr">
+                      <a:solidFill>
+                        <a:srgbClr val="24499D"/>
+                      </a:solidFill>
+                      <a:prstDash val="solid"/>
+                      <a:round/>
+                      <a:headEnd type="none" w="med" len="med"/>
+                      <a:tailEnd type="none" w="med" len="med"/>
+                    </a:lnR>
+                    <a:lnT w="9525" cap="flat" cmpd="sng" algn="ctr">
+                      <a:solidFill>
+                        <a:srgbClr val="24499D"/>
+                      </a:solidFill>
+                      <a:prstDash val="solid"/>
+                      <a:round/>
+                      <a:headEnd type="none" w="med" len="med"/>
+                      <a:tailEnd type="none" w="med" len="med"/>
+                    </a:lnT>
+                    <a:lnB w="9525" cap="flat" cmpd="sng" algn="ctr">
+                      <a:solidFill>
+                        <a:srgbClr val="24499D"/>
+                      </a:solidFill>
+                      <a:prstDash val="solid"/>
+                      <a:round/>
+                      <a:headEnd type="none" w="med" len="med"/>
+                      <a:tailEnd type="none" w="med" len="med"/>
+                    </a:lnB>
+                    <a:solidFill>
+                      <a:srgbClr val="FFFFFF"/>
+                    </a:solidFill>
+                  </a:tcPr>
+                </a:tc>
+                <a:tc>
+                  <a:txBody>
+                    <a:bodyPr/>
+                    <a:lstStyle/>
+                    <a:p>
+                      <a:pPr algn="ctr" fontAlgn="base"/>
+                      <a:r>
+                        <a:rPr lang="en-US" altLang="zh-CN" sz="1800" b="0">
+                          <a:solidFill>
+                            <a:srgbClr val="858585"/>
+                          </a:solidFill>
+                          <a:effectLst/>
+                        </a:rPr>
+                        <a:t>25</a:t>
+                      </a:r>
+                      <a:r>
+                        <a:rPr lang="zh-CN" altLang="en-US" sz="1800" b="0">
+                          <a:solidFill>
+                            <a:srgbClr val="858585"/>
+                          </a:solidFill>
+                          <a:effectLst/>
+                        </a:rPr>
+                        <a:t>公里</a:t>
+                      </a:r>
+                    </a:p>
+                  </a:txBody>
+                  <a:tcPr marL="90653" marR="90653" marT="45326" marB="45326" anchor="ctr">
+                    <a:lnL w="9525" cap="flat" cmpd="sng" algn="ctr">
+                      <a:solidFill>
+                        <a:srgbClr val="24499D"/>
+                      </a:solidFill>
+                      <a:prstDash val="solid"/>
+                      <a:round/>
+                      <a:headEnd type="none" w="med" len="med"/>
+                      <a:tailEnd type="none" w="med" len="med"/>
+                    </a:lnL>
+                    <a:lnR w="9525" cap="flat" cmpd="sng" algn="ctr">
+                      <a:solidFill>
+                        <a:srgbClr val="24499D"/>
+                      </a:solidFill>
+                      <a:prstDash val="solid"/>
+                      <a:round/>
+                      <a:headEnd type="none" w="med" len="med"/>
+                      <a:tailEnd type="none" w="med" len="med"/>
+                    </a:lnR>
+                    <a:lnT w="9525" cap="flat" cmpd="sng" algn="ctr">
+                      <a:solidFill>
+                        <a:srgbClr val="24499D"/>
+                      </a:solidFill>
+                      <a:prstDash val="solid"/>
+                      <a:round/>
+                      <a:headEnd type="none" w="med" len="med"/>
+                      <a:tailEnd type="none" w="med" len="med"/>
+                    </a:lnT>
+                    <a:lnB w="9525" cap="flat" cmpd="sng" algn="ctr">
+                      <a:solidFill>
+                        <a:srgbClr val="24499D"/>
+                      </a:solidFill>
+                      <a:prstDash val="solid"/>
+                      <a:round/>
+                      <a:headEnd type="none" w="med" len="med"/>
+                      <a:tailEnd type="none" w="med" len="med"/>
+                    </a:lnB>
+                    <a:solidFill>
+                      <a:srgbClr val="FFFFFF"/>
+                    </a:solidFill>
+                  </a:tcPr>
+                </a:tc>
+                <a:tc>
+                  <a:txBody>
+                    <a:bodyPr/>
+                    <a:lstStyle/>
+                    <a:p>
+                      <a:pPr algn="ctr" fontAlgn="base"/>
+                      <a:r>
+                        <a:rPr lang="en-US" altLang="zh-CN" sz="1800" b="0">
+                          <a:solidFill>
+                            <a:srgbClr val="858585"/>
+                          </a:solidFill>
+                          <a:effectLst/>
+                        </a:rPr>
+                        <a:t>11:20</a:t>
+                      </a:r>
+                    </a:p>
+                  </a:txBody>
+                  <a:tcPr marL="90653" marR="90653" marT="45326" marB="45326" anchor="ctr">
+                    <a:lnL w="9525" cap="flat" cmpd="sng" algn="ctr">
+                      <a:solidFill>
+                        <a:srgbClr val="24499D"/>
+                      </a:solidFill>
+                      <a:prstDash val="solid"/>
+                      <a:round/>
+                      <a:headEnd type="none" w="med" len="med"/>
+                      <a:tailEnd type="none" w="med" len="med"/>
+                    </a:lnL>
+                    <a:lnR w="9525" cap="flat" cmpd="sng" algn="ctr">
+                      <a:solidFill>
+                        <a:srgbClr val="24499D"/>
+                      </a:solidFill>
+                      <a:prstDash val="solid"/>
+                      <a:round/>
+                      <a:headEnd type="none" w="med" len="med"/>
+                      <a:tailEnd type="none" w="med" len="med"/>
+                    </a:lnR>
+                    <a:lnT w="9525" cap="flat" cmpd="sng" algn="ctr">
+                      <a:solidFill>
+                        <a:srgbClr val="24499D"/>
+                      </a:solidFill>
+                      <a:prstDash val="solid"/>
+                      <a:round/>
+                      <a:headEnd type="none" w="med" len="med"/>
+                      <a:tailEnd type="none" w="med" len="med"/>
+                    </a:lnT>
+                    <a:lnB w="9525" cap="flat" cmpd="sng" algn="ctr">
+                      <a:solidFill>
+                        <a:srgbClr val="24499D"/>
+                      </a:solidFill>
+                      <a:prstDash val="solid"/>
+                      <a:round/>
+                      <a:headEnd type="none" w="med" len="med"/>
+                      <a:tailEnd type="none" w="med" len="med"/>
+                    </a:lnB>
+                    <a:solidFill>
+                      <a:srgbClr val="FFFFFF"/>
+                    </a:solidFill>
+                  </a:tcPr>
+                </a:tc>
+              </a:tr>
+              <a:tr h="362611">
+                <a:tc vMerge="1">
+                  <a:txBody>
+                    <a:bodyPr/>
+                    <a:lstStyle/>
+                    <a:p>
+                      <a:endParaRPr lang="zh-CN" altLang="en-US"/>
+                    </a:p>
+                  </a:txBody>
+                  <a:tcPr/>
+                </a:tc>
+                <a:tc>
+                  <a:txBody>
+                    <a:bodyPr/>
+                    <a:lstStyle/>
+                    <a:p>
+                      <a:pPr algn="ctr" fontAlgn="base"/>
+                      <a:r>
+                        <a:rPr lang="en-US" altLang="zh-CN" sz="1800" b="0">
+                          <a:solidFill>
+                            <a:srgbClr val="858585"/>
+                          </a:solidFill>
+                          <a:effectLst/>
+                        </a:rPr>
+                        <a:t>30</a:t>
+                      </a:r>
+                      <a:r>
+                        <a:rPr lang="zh-CN" altLang="en-US" sz="1800" b="0">
+                          <a:solidFill>
+                            <a:srgbClr val="858585"/>
+                          </a:solidFill>
+                          <a:effectLst/>
+                        </a:rPr>
+                        <a:t>公里</a:t>
+                      </a:r>
+                    </a:p>
+                  </a:txBody>
+                  <a:tcPr marL="90653" marR="90653" marT="45326" marB="45326" anchor="ctr">
+                    <a:lnL w="9525" cap="flat" cmpd="sng" algn="ctr">
+                      <a:solidFill>
+                        <a:srgbClr val="24499D"/>
+                      </a:solidFill>
+                      <a:prstDash val="solid"/>
+                      <a:round/>
+                      <a:headEnd type="none" w="med" len="med"/>
+                      <a:tailEnd type="none" w="med" len="med"/>
+                    </a:lnL>
+                    <a:lnR w="9525" cap="flat" cmpd="sng" algn="ctr">
+                      <a:solidFill>
+                        <a:srgbClr val="24499D"/>
+                      </a:solidFill>
+                      <a:prstDash val="solid"/>
+                      <a:round/>
+                      <a:headEnd type="none" w="med" len="med"/>
+                      <a:tailEnd type="none" w="med" len="med"/>
+                    </a:lnR>
+                    <a:lnT w="9525" cap="flat" cmpd="sng" algn="ctr">
+                      <a:solidFill>
+                        <a:srgbClr val="24499D"/>
+                      </a:solidFill>
+                      <a:prstDash val="solid"/>
+                      <a:round/>
+                      <a:headEnd type="none" w="med" len="med"/>
+                      <a:tailEnd type="none" w="med" len="med"/>
+                    </a:lnT>
+                    <a:lnB w="9525" cap="flat" cmpd="sng" algn="ctr">
+                      <a:solidFill>
+                        <a:srgbClr val="24499D"/>
+                      </a:solidFill>
+                      <a:prstDash val="solid"/>
+                      <a:round/>
+                      <a:headEnd type="none" w="med" len="med"/>
+                      <a:tailEnd type="none" w="med" len="med"/>
+                    </a:lnB>
+                    <a:solidFill>
+                      <a:srgbClr val="FFFFFF"/>
+                    </a:solidFill>
+                  </a:tcPr>
+                </a:tc>
+                <a:tc>
+                  <a:txBody>
+                    <a:bodyPr/>
+                    <a:lstStyle/>
+                    <a:p>
+                      <a:pPr algn="ctr" fontAlgn="base"/>
+                      <a:r>
+                        <a:rPr lang="en-US" altLang="zh-CN" sz="1800" b="0">
+                          <a:solidFill>
+                            <a:srgbClr val="858585"/>
+                          </a:solidFill>
+                          <a:effectLst/>
+                        </a:rPr>
+                        <a:t>12:00</a:t>
+                      </a:r>
+                    </a:p>
+                  </a:txBody>
+                  <a:tcPr marL="90653" marR="90653" marT="45326" marB="45326" anchor="ctr">
+                    <a:lnL w="9525" cap="flat" cmpd="sng" algn="ctr">
+                      <a:solidFill>
+                        <a:srgbClr val="24499D"/>
+                      </a:solidFill>
+                      <a:prstDash val="solid"/>
+                      <a:round/>
+                      <a:headEnd type="none" w="med" len="med"/>
+                      <a:tailEnd type="none" w="med" len="med"/>
+                    </a:lnL>
+                    <a:lnR w="9525" cap="flat" cmpd="sng" algn="ctr">
+                      <a:solidFill>
+                        <a:srgbClr val="24499D"/>
+                      </a:solidFill>
+                      <a:prstDash val="solid"/>
+                      <a:round/>
+                      <a:headEnd type="none" w="med" len="med"/>
+                      <a:tailEnd type="none" w="med" len="med"/>
+                    </a:lnR>
+                    <a:lnT w="9525" cap="flat" cmpd="sng" algn="ctr">
+                      <a:solidFill>
+                        <a:srgbClr val="24499D"/>
+                      </a:solidFill>
+                      <a:prstDash val="solid"/>
+                      <a:round/>
+                      <a:headEnd type="none" w="med" len="med"/>
+                      <a:tailEnd type="none" w="med" len="med"/>
+                    </a:lnT>
+                    <a:lnB w="9525" cap="flat" cmpd="sng" algn="ctr">
+                      <a:solidFill>
+                        <a:srgbClr val="24499D"/>
+                      </a:solidFill>
+                      <a:prstDash val="solid"/>
+                      <a:round/>
+                      <a:headEnd type="none" w="med" len="med"/>
+                      <a:tailEnd type="none" w="med" len="med"/>
+                    </a:lnB>
+                    <a:solidFill>
+                      <a:srgbClr val="FFFFFF"/>
+                    </a:solidFill>
+                  </a:tcPr>
+                </a:tc>
+              </a:tr>
+              <a:tr h="362611">
+                <a:tc vMerge="1">
+                  <a:txBody>
+                    <a:bodyPr/>
+                    <a:lstStyle/>
+                    <a:p>
+                      <a:endParaRPr lang="zh-CN" altLang="en-US"/>
+                    </a:p>
+                  </a:txBody>
+                  <a:tcPr/>
+                </a:tc>
+                <a:tc>
+                  <a:txBody>
+                    <a:bodyPr/>
+                    <a:lstStyle/>
+                    <a:p>
+                      <a:pPr algn="ctr" fontAlgn="base"/>
+                      <a:r>
+                        <a:rPr lang="en-US" altLang="zh-CN" sz="1800" b="0">
+                          <a:solidFill>
+                            <a:srgbClr val="858585"/>
+                          </a:solidFill>
+                          <a:effectLst/>
+                        </a:rPr>
+                        <a:t>35</a:t>
+                      </a:r>
+                      <a:r>
+                        <a:rPr lang="zh-CN" altLang="en-US" sz="1800" b="0">
+                          <a:solidFill>
+                            <a:srgbClr val="858585"/>
+                          </a:solidFill>
+                          <a:effectLst/>
+                        </a:rPr>
+                        <a:t>公里</a:t>
+                      </a:r>
+                    </a:p>
+                  </a:txBody>
+                  <a:tcPr marL="90653" marR="90653" marT="45326" marB="45326" anchor="ctr">
+                    <a:lnL w="9525" cap="flat" cmpd="sng" algn="ctr">
+                      <a:solidFill>
+                        <a:srgbClr val="24499D"/>
+                      </a:solidFill>
+                      <a:prstDash val="solid"/>
+                      <a:round/>
+                      <a:headEnd type="none" w="med" len="med"/>
+                      <a:tailEnd type="none" w="med" len="med"/>
+                    </a:lnL>
+                    <a:lnR w="9525" cap="flat" cmpd="sng" algn="ctr">
+                      <a:solidFill>
+                        <a:srgbClr val="24499D"/>
+                      </a:solidFill>
+                      <a:prstDash val="solid"/>
+                      <a:round/>
+                      <a:headEnd type="none" w="med" len="med"/>
+                      <a:tailEnd type="none" w="med" len="med"/>
+                    </a:lnR>
+                    <a:lnT w="9525" cap="flat" cmpd="sng" algn="ctr">
+                      <a:solidFill>
+                        <a:srgbClr val="24499D"/>
+                      </a:solidFill>
+                      <a:prstDash val="solid"/>
+                      <a:round/>
+                      <a:headEnd type="none" w="med" len="med"/>
+                      <a:tailEnd type="none" w="med" len="med"/>
+                    </a:lnT>
+                    <a:lnB w="9525" cap="flat" cmpd="sng" algn="ctr">
+                      <a:solidFill>
+                        <a:srgbClr val="24499D"/>
+                      </a:solidFill>
+                      <a:prstDash val="solid"/>
+                      <a:round/>
+                      <a:headEnd type="none" w="med" len="med"/>
+                      <a:tailEnd type="none" w="med" len="med"/>
+                    </a:lnB>
+                    <a:solidFill>
+                      <a:srgbClr val="FFFFFF"/>
+                    </a:solidFill>
+                  </a:tcPr>
+                </a:tc>
+                <a:tc>
+                  <a:txBody>
+                    <a:bodyPr/>
+                    <a:lstStyle/>
+                    <a:p>
+                      <a:pPr algn="ctr" fontAlgn="base"/>
+                      <a:r>
+                        <a:rPr lang="en-US" altLang="zh-CN" sz="1800" b="0">
+                          <a:solidFill>
+                            <a:srgbClr val="858585"/>
+                          </a:solidFill>
+                          <a:effectLst/>
+                        </a:rPr>
+                        <a:t>12:45</a:t>
+                      </a:r>
+                    </a:p>
+                  </a:txBody>
+                  <a:tcPr marL="90653" marR="90653" marT="45326" marB="45326" anchor="ctr">
+                    <a:lnL w="9525" cap="flat" cmpd="sng" algn="ctr">
+                      <a:solidFill>
+                        <a:srgbClr val="24499D"/>
+                      </a:solidFill>
+                      <a:prstDash val="solid"/>
+                      <a:round/>
+                      <a:headEnd type="none" w="med" len="med"/>
+                      <a:tailEnd type="none" w="med" len="med"/>
+                    </a:lnL>
+                    <a:lnR w="9525" cap="flat" cmpd="sng" algn="ctr">
+                      <a:solidFill>
+                        <a:srgbClr val="24499D"/>
+                      </a:solidFill>
+                      <a:prstDash val="solid"/>
+                      <a:round/>
+                      <a:headEnd type="none" w="med" len="med"/>
+                      <a:tailEnd type="none" w="med" len="med"/>
+                    </a:lnR>
+                    <a:lnT w="9525" cap="flat" cmpd="sng" algn="ctr">
+                      <a:solidFill>
+                        <a:srgbClr val="24499D"/>
+                      </a:solidFill>
+                      <a:prstDash val="solid"/>
+                      <a:round/>
+                      <a:headEnd type="none" w="med" len="med"/>
+                      <a:tailEnd type="none" w="med" len="med"/>
+                    </a:lnT>
+                    <a:lnB w="9525" cap="flat" cmpd="sng" algn="ctr">
+                      <a:solidFill>
+                        <a:srgbClr val="24499D"/>
+                      </a:solidFill>
+                      <a:prstDash val="solid"/>
+                      <a:round/>
+                      <a:headEnd type="none" w="med" len="med"/>
+                      <a:tailEnd type="none" w="med" len="med"/>
+                    </a:lnB>
+                    <a:solidFill>
+                      <a:srgbClr val="FFFFFF"/>
+                    </a:solidFill>
+                  </a:tcPr>
+                </a:tc>
+              </a:tr>
+              <a:tr h="362611">
+                <a:tc vMerge="1">
+                  <a:txBody>
+                    <a:bodyPr/>
+                    <a:lstStyle/>
+                    <a:p>
+                      <a:endParaRPr lang="zh-CN" altLang="en-US"/>
+                    </a:p>
+                  </a:txBody>
+                  <a:tcPr/>
+                </a:tc>
+                <a:tc>
+                  <a:txBody>
+                    <a:bodyPr/>
+                    <a:lstStyle/>
+                    <a:p>
+                      <a:pPr algn="ctr" fontAlgn="base"/>
+                      <a:r>
+                        <a:rPr lang="en-US" altLang="zh-CN" sz="1800" b="0">
+                          <a:solidFill>
+                            <a:srgbClr val="858585"/>
+                          </a:solidFill>
+                          <a:effectLst/>
+                        </a:rPr>
+                        <a:t>40</a:t>
+                      </a:r>
+                      <a:r>
+                        <a:rPr lang="zh-CN" altLang="en-US" sz="1800" b="0">
+                          <a:solidFill>
+                            <a:srgbClr val="858585"/>
+                          </a:solidFill>
+                          <a:effectLst/>
+                        </a:rPr>
+                        <a:t>公里</a:t>
+                      </a:r>
+                    </a:p>
+                  </a:txBody>
+                  <a:tcPr marL="90653" marR="90653" marT="45326" marB="45326" anchor="ctr">
+                    <a:lnL w="9525" cap="flat" cmpd="sng" algn="ctr">
+                      <a:solidFill>
+                        <a:srgbClr val="24499D"/>
+                      </a:solidFill>
+                      <a:prstDash val="solid"/>
+                      <a:round/>
+                      <a:headEnd type="none" w="med" len="med"/>
+                      <a:tailEnd type="none" w="med" len="med"/>
+                    </a:lnL>
+                    <a:lnR w="9525" cap="flat" cmpd="sng" algn="ctr">
+                      <a:solidFill>
+                        <a:srgbClr val="24499D"/>
+                      </a:solidFill>
+                      <a:prstDash val="solid"/>
+                      <a:round/>
+                      <a:headEnd type="none" w="med" len="med"/>
+                      <a:tailEnd type="none" w="med" len="med"/>
+                    </a:lnR>
+                    <a:lnT w="9525" cap="flat" cmpd="sng" algn="ctr">
+                      <a:solidFill>
+                        <a:srgbClr val="24499D"/>
+                      </a:solidFill>
+                      <a:prstDash val="solid"/>
+                      <a:round/>
+                      <a:headEnd type="none" w="med" len="med"/>
+                      <a:tailEnd type="none" w="med" len="med"/>
+                    </a:lnT>
+                    <a:lnB w="9525" cap="flat" cmpd="sng" algn="ctr">
+                      <a:solidFill>
+                        <a:srgbClr val="24499D"/>
+                      </a:solidFill>
+                      <a:prstDash val="solid"/>
+                      <a:round/>
+                      <a:headEnd type="none" w="med" len="med"/>
+                      <a:tailEnd type="none" w="med" len="med"/>
+                    </a:lnB>
+                    <a:solidFill>
+                      <a:srgbClr val="FFFFFF"/>
+                    </a:solidFill>
+                  </a:tcPr>
+                </a:tc>
+                <a:tc>
+                  <a:txBody>
+                    <a:bodyPr/>
+                    <a:lstStyle/>
+                    <a:p>
+                      <a:pPr algn="ctr" fontAlgn="base"/>
+                      <a:r>
+                        <a:rPr lang="en-US" altLang="zh-CN" sz="1800" b="0">
+                          <a:solidFill>
+                            <a:srgbClr val="858585"/>
+                          </a:solidFill>
+                          <a:effectLst/>
+                        </a:rPr>
+                        <a:t>13:30</a:t>
+                      </a:r>
+                    </a:p>
+                  </a:txBody>
+                  <a:tcPr marL="90653" marR="90653" marT="45326" marB="45326" anchor="ctr">
+                    <a:lnL w="9525" cap="flat" cmpd="sng" algn="ctr">
+                      <a:solidFill>
+                        <a:srgbClr val="24499D"/>
+                      </a:solidFill>
+                      <a:prstDash val="solid"/>
+                      <a:round/>
+                      <a:headEnd type="none" w="med" len="med"/>
+                      <a:tailEnd type="none" w="med" len="med"/>
+                    </a:lnL>
+                    <a:lnR w="9525" cap="flat" cmpd="sng" algn="ctr">
+                      <a:solidFill>
+                        <a:srgbClr val="24499D"/>
+                      </a:solidFill>
+                      <a:prstDash val="solid"/>
+                      <a:round/>
+                      <a:headEnd type="none" w="med" len="med"/>
+                      <a:tailEnd type="none" w="med" len="med"/>
+                    </a:lnR>
+                    <a:lnT w="9525" cap="flat" cmpd="sng" algn="ctr">
+                      <a:solidFill>
+                        <a:srgbClr val="24499D"/>
+                      </a:solidFill>
+                      <a:prstDash val="solid"/>
+                      <a:round/>
+                      <a:headEnd type="none" w="med" len="med"/>
+                      <a:tailEnd type="none" w="med" len="med"/>
+                    </a:lnT>
+                    <a:lnB w="9525" cap="flat" cmpd="sng" algn="ctr">
+                      <a:solidFill>
+                        <a:srgbClr val="24499D"/>
+                      </a:solidFill>
+                      <a:prstDash val="solid"/>
+                      <a:round/>
+                      <a:headEnd type="none" w="med" len="med"/>
+                      <a:tailEnd type="none" w="med" len="med"/>
+                    </a:lnB>
+                    <a:solidFill>
+                      <a:srgbClr val="FFFFFF"/>
+                    </a:solidFill>
+                  </a:tcPr>
+                </a:tc>
+              </a:tr>
+              <a:tr h="362611">
+                <a:tc vMerge="1">
+                  <a:txBody>
+                    <a:bodyPr/>
+                    <a:lstStyle/>
+                    <a:p>
+                      <a:endParaRPr lang="zh-CN" altLang="en-US"/>
+                    </a:p>
+                  </a:txBody>
+                  <a:tcPr/>
+                </a:tc>
+                <a:tc>
+                  <a:txBody>
+                    <a:bodyPr/>
+                    <a:lstStyle/>
+                    <a:p>
+                      <a:pPr algn="ctr" fontAlgn="base"/>
+                      <a:r>
+                        <a:rPr lang="en-US" altLang="zh-CN" sz="1800" b="0">
+                          <a:solidFill>
+                            <a:srgbClr val="858585"/>
+                          </a:solidFill>
+                          <a:effectLst/>
+                        </a:rPr>
+                        <a:t>42.195</a:t>
+                      </a:r>
+                      <a:r>
+                        <a:rPr lang="zh-CN" altLang="en-US" sz="1800" b="0">
+                          <a:solidFill>
+                            <a:srgbClr val="858585"/>
+                          </a:solidFill>
+                          <a:effectLst/>
+                        </a:rPr>
+                        <a:t>公里</a:t>
+                      </a:r>
+                    </a:p>
+                  </a:txBody>
+                  <a:tcPr marL="90653" marR="90653" marT="45326" marB="45326" anchor="ctr">
+                    <a:lnL w="9525" cap="flat" cmpd="sng" algn="ctr">
+                      <a:solidFill>
+                        <a:srgbClr val="24499D"/>
+                      </a:solidFill>
+                      <a:prstDash val="solid"/>
+                      <a:round/>
+                      <a:headEnd type="none" w="med" len="med"/>
+                      <a:tailEnd type="none" w="med" len="med"/>
+                    </a:lnL>
+                    <a:lnR w="9525" cap="flat" cmpd="sng" algn="ctr">
+                      <a:solidFill>
+                        <a:srgbClr val="24499D"/>
+                      </a:solidFill>
+                      <a:prstDash val="solid"/>
+                      <a:round/>
+                      <a:headEnd type="none" w="med" len="med"/>
+                      <a:tailEnd type="none" w="med" len="med"/>
+                    </a:lnR>
+                    <a:lnT w="9525" cap="flat" cmpd="sng" algn="ctr">
+                      <a:solidFill>
+                        <a:srgbClr val="24499D"/>
+                      </a:solidFill>
+                      <a:prstDash val="solid"/>
+                      <a:round/>
+                      <a:headEnd type="none" w="med" len="med"/>
+                      <a:tailEnd type="none" w="med" len="med"/>
+                    </a:lnT>
+                    <a:lnB w="9525" cap="flat" cmpd="sng" algn="ctr">
+                      <a:solidFill>
+                        <a:srgbClr val="24499D"/>
+                      </a:solidFill>
+                      <a:prstDash val="solid"/>
+                      <a:round/>
+                      <a:headEnd type="none" w="med" len="med"/>
+                      <a:tailEnd type="none" w="med" len="med"/>
+                    </a:lnB>
+                    <a:solidFill>
+                      <a:srgbClr val="FFFFFF"/>
+                    </a:solidFill>
+                  </a:tcPr>
+                </a:tc>
+                <a:tc>
+                  <a:txBody>
+                    <a:bodyPr/>
+                    <a:lstStyle/>
+                    <a:p>
+                      <a:pPr algn="ctr" fontAlgn="base"/>
+                      <a:r>
+                        <a:rPr lang="en-US" altLang="zh-CN" sz="1800" b="0" dirty="0">
+                          <a:solidFill>
+                            <a:srgbClr val="858585"/>
+                          </a:solidFill>
+                          <a:effectLst/>
+                        </a:rPr>
+                        <a:t>13:45</a:t>
+                      </a:r>
+                    </a:p>
+                  </a:txBody>
+                  <a:tcPr marL="90653" marR="90653" marT="45326" marB="45326" anchor="ctr">
+                    <a:lnL w="9525" cap="flat" cmpd="sng" algn="ctr">
+                      <a:solidFill>
+                        <a:srgbClr val="24499D"/>
+                      </a:solidFill>
+                      <a:prstDash val="solid"/>
+                      <a:round/>
+                      <a:headEnd type="none" w="med" len="med"/>
+                      <a:tailEnd type="none" w="med" len="med"/>
+                    </a:lnL>
+                    <a:lnR w="9525" cap="flat" cmpd="sng" algn="ctr">
+                      <a:solidFill>
+                        <a:srgbClr val="24499D"/>
+                      </a:solidFill>
+                      <a:prstDash val="solid"/>
+                      <a:round/>
+                      <a:headEnd type="none" w="med" len="med"/>
+                      <a:tailEnd type="none" w="med" len="med"/>
+                    </a:lnR>
+                    <a:lnT w="9525" cap="flat" cmpd="sng" algn="ctr">
+                      <a:solidFill>
+                        <a:srgbClr val="24499D"/>
+                      </a:solidFill>
+                      <a:prstDash val="solid"/>
+                      <a:round/>
+                      <a:headEnd type="none" w="med" len="med"/>
+                      <a:tailEnd type="none" w="med" len="med"/>
+                    </a:lnT>
+                    <a:lnB w="9525" cap="flat" cmpd="sng" algn="ctr">
+                      <a:solidFill>
+                        <a:srgbClr val="24499D"/>
+                      </a:solidFill>
+                      <a:prstDash val="solid"/>
+                      <a:round/>
+                      <a:headEnd type="none" w="med" len="med"/>
+                      <a:tailEnd type="none" w="med" len="med"/>
+                    </a:lnB>
+                    <a:solidFill>
+                      <a:srgbClr val="FFFFFF"/>
+                    </a:solidFill>
+                  </a:tcPr>
+                </a:tc>
+              </a:tr>
+            </a:tbl>
+          </a:graphicData>
+        </a:graphic>
+      </p:graphicFrame>
     </p:spTree>
     <p:extLst>
       <p:ext uri="{BB962C8B-B14F-4D97-AF65-F5344CB8AC3E}">
-        <p14:creationId xmlns:p14="http://schemas.microsoft.com/office/powerpoint/2010/main" val="2230331293"/>
+        <p14:creationId xmlns:p14="http://schemas.microsoft.com/office/powerpoint/2010/main" val="4134349131"/>
       </p:ext>
     </p:extLst>
   </p:cSld>
@@ -3272,62 +7286,1692 @@
       </p:grpSpPr>
       <p:sp>
         <p:nvSpPr>
-          <p:cNvPr id="2" name="标题 1"/>
-          <p:cNvSpPr>
-            <a:spLocks noGrp="1"/>
-          </p:cNvSpPr>
+          <p:cNvPr id="4" name="矩形 3"/>
+          <p:cNvSpPr/>
+          <p:nvPr/>
+        </p:nvSpPr>
+        <p:spPr>
+          <a:xfrm>
+            <a:off x="764273" y="364152"/>
+            <a:ext cx="10222173" cy="3693319"/>
+          </a:xfrm>
+          <a:prstGeom prst="rect">
+            <a:avLst/>
+          </a:prstGeom>
+        </p:spPr>
+        <p:txBody>
+          <a:bodyPr wrap="square">
+            <a:spAutoFit/>
+          </a:bodyPr>
+          <a:lstStyle/>
+          <a:p>
+            <a:pPr fontAlgn="base"/>
+            <a:r>
+              <a:rPr lang="zh-CN" altLang="en-US" b="1" dirty="0">
+                <a:solidFill>
+                  <a:srgbClr val="555555"/>
+                </a:solidFill>
+                <a:latin typeface="Microsoft Yahei" panose="020B0503020204020204" pitchFamily="34" charset="-122"/>
+                <a:ea typeface="Microsoft Yahei" panose="020B0503020204020204" pitchFamily="34" charset="-122"/>
+              </a:rPr>
+              <a:t>十、参赛办法</a:t>
+            </a:r>
+          </a:p>
+          <a:p>
+            <a:pPr fontAlgn="base"/>
+            <a:endParaRPr lang="en-US" altLang="zh-CN" dirty="0">
+              <a:solidFill>
+                <a:srgbClr val="858585"/>
+              </a:solidFill>
+              <a:latin typeface="Microsoft Yahei" panose="020B0503020204020204" pitchFamily="34" charset="-122"/>
+              <a:ea typeface="Microsoft Yahei" panose="020B0503020204020204" pitchFamily="34" charset="-122"/>
+            </a:endParaRPr>
+          </a:p>
+          <a:p>
+            <a:pPr fontAlgn="base"/>
+            <a:r>
+              <a:rPr lang="zh-CN" altLang="en-US" dirty="0" smtClean="0">
+                <a:solidFill>
+                  <a:srgbClr val="858585"/>
+                </a:solidFill>
+                <a:latin typeface="Microsoft Yahei" panose="020B0503020204020204" pitchFamily="34" charset="-122"/>
+                <a:ea typeface="Microsoft Yahei" panose="020B0503020204020204" pitchFamily="34" charset="-122"/>
+              </a:rPr>
+              <a:t>（</a:t>
+            </a:r>
+            <a:r>
+              <a:rPr lang="zh-CN" altLang="en-US" dirty="0">
+                <a:solidFill>
+                  <a:srgbClr val="858585"/>
+                </a:solidFill>
+                <a:latin typeface="Microsoft Yahei" panose="020B0503020204020204" pitchFamily="34" charset="-122"/>
+                <a:ea typeface="Microsoft Yahei" panose="020B0503020204020204" pitchFamily="34" charset="-122"/>
+              </a:rPr>
+              <a:t>一）参赛选手年龄要求：</a:t>
+            </a:r>
+          </a:p>
+          <a:p>
+            <a:pPr fontAlgn="base"/>
+            <a:r>
+              <a:rPr lang="en-US" altLang="zh-CN" dirty="0">
+                <a:solidFill>
+                  <a:srgbClr val="858585"/>
+                </a:solidFill>
+                <a:latin typeface="Microsoft Yahei" panose="020B0503020204020204" pitchFamily="34" charset="-122"/>
+                <a:ea typeface="Microsoft Yahei" panose="020B0503020204020204" pitchFamily="34" charset="-122"/>
+              </a:rPr>
+              <a:t>1</a:t>
+            </a:r>
+            <a:r>
+              <a:rPr lang="zh-CN" altLang="en-US" dirty="0">
+                <a:solidFill>
+                  <a:srgbClr val="858585"/>
+                </a:solidFill>
+                <a:latin typeface="Microsoft Yahei" panose="020B0503020204020204" pitchFamily="34" charset="-122"/>
+                <a:ea typeface="Microsoft Yahei" panose="020B0503020204020204" pitchFamily="34" charset="-122"/>
+              </a:rPr>
+              <a:t>、马拉松项目年龄限</a:t>
+            </a:r>
+            <a:r>
+              <a:rPr lang="en-US" altLang="zh-CN" dirty="0">
+                <a:solidFill>
+                  <a:srgbClr val="858585"/>
+                </a:solidFill>
+                <a:latin typeface="Microsoft Yahei" panose="020B0503020204020204" pitchFamily="34" charset="-122"/>
+                <a:ea typeface="Microsoft Yahei" panose="020B0503020204020204" pitchFamily="34" charset="-122"/>
+              </a:rPr>
+              <a:t>20</a:t>
+            </a:r>
+            <a:r>
+              <a:rPr lang="zh-CN" altLang="en-US" dirty="0">
+                <a:solidFill>
+                  <a:srgbClr val="858585"/>
+                </a:solidFill>
+                <a:latin typeface="Microsoft Yahei" panose="020B0503020204020204" pitchFamily="34" charset="-122"/>
+                <a:ea typeface="Microsoft Yahei" panose="020B0503020204020204" pitchFamily="34" charset="-122"/>
+              </a:rPr>
+              <a:t>周岁以上（</a:t>
+            </a:r>
+            <a:r>
+              <a:rPr lang="en-US" altLang="zh-CN" dirty="0">
+                <a:solidFill>
+                  <a:srgbClr val="858585"/>
+                </a:solidFill>
+                <a:latin typeface="Microsoft Yahei" panose="020B0503020204020204" pitchFamily="34" charset="-122"/>
+                <a:ea typeface="Microsoft Yahei" panose="020B0503020204020204" pitchFamily="34" charset="-122"/>
+              </a:rPr>
+              <a:t>1998</a:t>
+            </a:r>
+            <a:r>
+              <a:rPr lang="zh-CN" altLang="en-US" dirty="0">
+                <a:solidFill>
+                  <a:srgbClr val="858585"/>
+                </a:solidFill>
+                <a:latin typeface="Microsoft Yahei" panose="020B0503020204020204" pitchFamily="34" charset="-122"/>
+                <a:ea typeface="Microsoft Yahei" panose="020B0503020204020204" pitchFamily="34" charset="-122"/>
+              </a:rPr>
+              <a:t>年</a:t>
+            </a:r>
+            <a:r>
+              <a:rPr lang="en-US" altLang="zh-CN" dirty="0">
+                <a:solidFill>
+                  <a:srgbClr val="858585"/>
+                </a:solidFill>
+                <a:latin typeface="Microsoft Yahei" panose="020B0503020204020204" pitchFamily="34" charset="-122"/>
+                <a:ea typeface="Microsoft Yahei" panose="020B0503020204020204" pitchFamily="34" charset="-122"/>
+              </a:rPr>
+              <a:t>12</a:t>
+            </a:r>
+            <a:r>
+              <a:rPr lang="zh-CN" altLang="en-US" dirty="0">
+                <a:solidFill>
+                  <a:srgbClr val="858585"/>
+                </a:solidFill>
+                <a:latin typeface="Microsoft Yahei" panose="020B0503020204020204" pitchFamily="34" charset="-122"/>
+                <a:ea typeface="Microsoft Yahei" panose="020B0503020204020204" pitchFamily="34" charset="-122"/>
+              </a:rPr>
+              <a:t>月</a:t>
+            </a:r>
+            <a:r>
+              <a:rPr lang="en-US" altLang="zh-CN" dirty="0">
+                <a:solidFill>
+                  <a:srgbClr val="858585"/>
+                </a:solidFill>
+                <a:latin typeface="Microsoft Yahei" panose="020B0503020204020204" pitchFamily="34" charset="-122"/>
+                <a:ea typeface="Microsoft Yahei" panose="020B0503020204020204" pitchFamily="34" charset="-122"/>
+              </a:rPr>
+              <a:t>31</a:t>
+            </a:r>
+            <a:r>
+              <a:rPr lang="zh-CN" altLang="en-US" dirty="0">
+                <a:solidFill>
+                  <a:srgbClr val="858585"/>
+                </a:solidFill>
+                <a:latin typeface="Microsoft Yahei" panose="020B0503020204020204" pitchFamily="34" charset="-122"/>
+                <a:ea typeface="Microsoft Yahei" panose="020B0503020204020204" pitchFamily="34" charset="-122"/>
+              </a:rPr>
+              <a:t>日前出生）。</a:t>
+            </a:r>
+          </a:p>
+          <a:p>
+            <a:pPr fontAlgn="base"/>
+            <a:r>
+              <a:rPr lang="en-US" altLang="zh-CN" dirty="0">
+                <a:solidFill>
+                  <a:srgbClr val="858585"/>
+                </a:solidFill>
+                <a:latin typeface="Microsoft Yahei" panose="020B0503020204020204" pitchFamily="34" charset="-122"/>
+                <a:ea typeface="Microsoft Yahei" panose="020B0503020204020204" pitchFamily="34" charset="-122"/>
+              </a:rPr>
+              <a:t>2</a:t>
+            </a:r>
+            <a:r>
+              <a:rPr lang="zh-CN" altLang="en-US" dirty="0">
+                <a:solidFill>
+                  <a:srgbClr val="858585"/>
+                </a:solidFill>
+                <a:latin typeface="Microsoft Yahei" panose="020B0503020204020204" pitchFamily="34" charset="-122"/>
+                <a:ea typeface="Microsoft Yahei" panose="020B0503020204020204" pitchFamily="34" charset="-122"/>
+              </a:rPr>
+              <a:t>、半程马拉松项目年龄限</a:t>
+            </a:r>
+            <a:r>
+              <a:rPr lang="en-US" altLang="zh-CN" dirty="0">
+                <a:solidFill>
+                  <a:srgbClr val="858585"/>
+                </a:solidFill>
+                <a:latin typeface="Microsoft Yahei" panose="020B0503020204020204" pitchFamily="34" charset="-122"/>
+                <a:ea typeface="Microsoft Yahei" panose="020B0503020204020204" pitchFamily="34" charset="-122"/>
+              </a:rPr>
+              <a:t>18</a:t>
+            </a:r>
+            <a:r>
+              <a:rPr lang="zh-CN" altLang="en-US" dirty="0">
+                <a:solidFill>
+                  <a:srgbClr val="858585"/>
+                </a:solidFill>
+                <a:latin typeface="Microsoft Yahei" panose="020B0503020204020204" pitchFamily="34" charset="-122"/>
+                <a:ea typeface="Microsoft Yahei" panose="020B0503020204020204" pitchFamily="34" charset="-122"/>
+              </a:rPr>
+              <a:t>周岁以上（</a:t>
+            </a:r>
+            <a:r>
+              <a:rPr lang="en-US" altLang="zh-CN" dirty="0">
+                <a:solidFill>
+                  <a:srgbClr val="858585"/>
+                </a:solidFill>
+                <a:latin typeface="Microsoft Yahei" panose="020B0503020204020204" pitchFamily="34" charset="-122"/>
+                <a:ea typeface="Microsoft Yahei" panose="020B0503020204020204" pitchFamily="34" charset="-122"/>
+              </a:rPr>
+              <a:t>2000</a:t>
+            </a:r>
+            <a:r>
+              <a:rPr lang="zh-CN" altLang="en-US" dirty="0">
+                <a:solidFill>
+                  <a:srgbClr val="858585"/>
+                </a:solidFill>
+                <a:latin typeface="Microsoft Yahei" panose="020B0503020204020204" pitchFamily="34" charset="-122"/>
+                <a:ea typeface="Microsoft Yahei" panose="020B0503020204020204" pitchFamily="34" charset="-122"/>
+              </a:rPr>
+              <a:t>年</a:t>
+            </a:r>
+            <a:r>
+              <a:rPr lang="en-US" altLang="zh-CN" dirty="0">
+                <a:solidFill>
+                  <a:srgbClr val="858585"/>
+                </a:solidFill>
+                <a:latin typeface="Microsoft Yahei" panose="020B0503020204020204" pitchFamily="34" charset="-122"/>
+                <a:ea typeface="Microsoft Yahei" panose="020B0503020204020204" pitchFamily="34" charset="-122"/>
+              </a:rPr>
+              <a:t>12</a:t>
+            </a:r>
+            <a:r>
+              <a:rPr lang="zh-CN" altLang="en-US" dirty="0">
+                <a:solidFill>
+                  <a:srgbClr val="858585"/>
+                </a:solidFill>
+                <a:latin typeface="Microsoft Yahei" panose="020B0503020204020204" pitchFamily="34" charset="-122"/>
+                <a:ea typeface="Microsoft Yahei" panose="020B0503020204020204" pitchFamily="34" charset="-122"/>
+              </a:rPr>
+              <a:t>月</a:t>
+            </a:r>
+            <a:r>
+              <a:rPr lang="en-US" altLang="zh-CN" dirty="0">
+                <a:solidFill>
+                  <a:srgbClr val="858585"/>
+                </a:solidFill>
+                <a:latin typeface="Microsoft Yahei" panose="020B0503020204020204" pitchFamily="34" charset="-122"/>
+                <a:ea typeface="Microsoft Yahei" panose="020B0503020204020204" pitchFamily="34" charset="-122"/>
+              </a:rPr>
+              <a:t>31</a:t>
+            </a:r>
+            <a:r>
+              <a:rPr lang="zh-CN" altLang="en-US" dirty="0">
+                <a:solidFill>
+                  <a:srgbClr val="858585"/>
+                </a:solidFill>
+                <a:latin typeface="Microsoft Yahei" panose="020B0503020204020204" pitchFamily="34" charset="-122"/>
+                <a:ea typeface="Microsoft Yahei" panose="020B0503020204020204" pitchFamily="34" charset="-122"/>
+              </a:rPr>
+              <a:t>日前出生）。</a:t>
+            </a:r>
+          </a:p>
+          <a:p>
+            <a:pPr fontAlgn="base"/>
+            <a:r>
+              <a:rPr lang="en-US" altLang="zh-CN" dirty="0">
+                <a:solidFill>
+                  <a:srgbClr val="858585"/>
+                </a:solidFill>
+                <a:latin typeface="Microsoft Yahei" panose="020B0503020204020204" pitchFamily="34" charset="-122"/>
+                <a:ea typeface="Microsoft Yahei" panose="020B0503020204020204" pitchFamily="34" charset="-122"/>
+              </a:rPr>
+              <a:t>3</a:t>
+            </a:r>
+            <a:r>
+              <a:rPr lang="zh-CN" altLang="en-US" dirty="0">
+                <a:solidFill>
+                  <a:srgbClr val="858585"/>
+                </a:solidFill>
+                <a:latin typeface="Microsoft Yahei" panose="020B0503020204020204" pitchFamily="34" charset="-122"/>
+                <a:ea typeface="Microsoft Yahei" panose="020B0503020204020204" pitchFamily="34" charset="-122"/>
+              </a:rPr>
+              <a:t>、欢乐跑项目年龄限</a:t>
+            </a:r>
+            <a:r>
+              <a:rPr lang="en-US" altLang="zh-CN" dirty="0">
+                <a:solidFill>
+                  <a:srgbClr val="858585"/>
+                </a:solidFill>
+                <a:latin typeface="Microsoft Yahei" panose="020B0503020204020204" pitchFamily="34" charset="-122"/>
+                <a:ea typeface="Microsoft Yahei" panose="020B0503020204020204" pitchFamily="34" charset="-122"/>
+              </a:rPr>
+              <a:t>12</a:t>
+            </a:r>
+            <a:r>
+              <a:rPr lang="zh-CN" altLang="en-US" dirty="0">
+                <a:solidFill>
+                  <a:srgbClr val="858585"/>
+                </a:solidFill>
+                <a:latin typeface="Microsoft Yahei" panose="020B0503020204020204" pitchFamily="34" charset="-122"/>
+                <a:ea typeface="Microsoft Yahei" panose="020B0503020204020204" pitchFamily="34" charset="-122"/>
+              </a:rPr>
+              <a:t>周岁以上（</a:t>
+            </a:r>
+            <a:r>
+              <a:rPr lang="en-US" altLang="zh-CN" dirty="0">
+                <a:solidFill>
+                  <a:srgbClr val="858585"/>
+                </a:solidFill>
+                <a:latin typeface="Microsoft Yahei" panose="020B0503020204020204" pitchFamily="34" charset="-122"/>
+                <a:ea typeface="Microsoft Yahei" panose="020B0503020204020204" pitchFamily="34" charset="-122"/>
+              </a:rPr>
+              <a:t>2006</a:t>
+            </a:r>
+            <a:r>
+              <a:rPr lang="zh-CN" altLang="en-US" dirty="0">
+                <a:solidFill>
+                  <a:srgbClr val="858585"/>
+                </a:solidFill>
+                <a:latin typeface="Microsoft Yahei" panose="020B0503020204020204" pitchFamily="34" charset="-122"/>
+                <a:ea typeface="Microsoft Yahei" panose="020B0503020204020204" pitchFamily="34" charset="-122"/>
+              </a:rPr>
+              <a:t>年</a:t>
+            </a:r>
+            <a:r>
+              <a:rPr lang="en-US" altLang="zh-CN" dirty="0">
+                <a:solidFill>
+                  <a:srgbClr val="858585"/>
+                </a:solidFill>
+                <a:latin typeface="Microsoft Yahei" panose="020B0503020204020204" pitchFamily="34" charset="-122"/>
+                <a:ea typeface="Microsoft Yahei" panose="020B0503020204020204" pitchFamily="34" charset="-122"/>
+              </a:rPr>
+              <a:t>12</a:t>
+            </a:r>
+            <a:r>
+              <a:rPr lang="zh-CN" altLang="en-US" dirty="0">
+                <a:solidFill>
+                  <a:srgbClr val="858585"/>
+                </a:solidFill>
+                <a:latin typeface="Microsoft Yahei" panose="020B0503020204020204" pitchFamily="34" charset="-122"/>
+                <a:ea typeface="Microsoft Yahei" panose="020B0503020204020204" pitchFamily="34" charset="-122"/>
+              </a:rPr>
+              <a:t>月</a:t>
+            </a:r>
+            <a:r>
+              <a:rPr lang="en-US" altLang="zh-CN" dirty="0">
+                <a:solidFill>
+                  <a:srgbClr val="858585"/>
+                </a:solidFill>
+                <a:latin typeface="Microsoft Yahei" panose="020B0503020204020204" pitchFamily="34" charset="-122"/>
+                <a:ea typeface="Microsoft Yahei" panose="020B0503020204020204" pitchFamily="34" charset="-122"/>
+              </a:rPr>
+              <a:t>31</a:t>
+            </a:r>
+            <a:r>
+              <a:rPr lang="zh-CN" altLang="en-US" dirty="0">
+                <a:solidFill>
+                  <a:srgbClr val="858585"/>
+                </a:solidFill>
+                <a:latin typeface="Microsoft Yahei" panose="020B0503020204020204" pitchFamily="34" charset="-122"/>
+                <a:ea typeface="Microsoft Yahei" panose="020B0503020204020204" pitchFamily="34" charset="-122"/>
+              </a:rPr>
+              <a:t>日前出生）</a:t>
+            </a:r>
+            <a:r>
+              <a:rPr lang="zh-CN" altLang="en-US" dirty="0" smtClean="0">
+                <a:solidFill>
+                  <a:srgbClr val="858585"/>
+                </a:solidFill>
+                <a:latin typeface="Microsoft Yahei" panose="020B0503020204020204" pitchFamily="34" charset="-122"/>
+                <a:ea typeface="Microsoft Yahei" panose="020B0503020204020204" pitchFamily="34" charset="-122"/>
+              </a:rPr>
+              <a:t>。</a:t>
+            </a:r>
+            <a:endParaRPr lang="en-US" altLang="zh-CN" dirty="0" smtClean="0">
+              <a:solidFill>
+                <a:srgbClr val="858585"/>
+              </a:solidFill>
+              <a:latin typeface="Microsoft Yahei" panose="020B0503020204020204" pitchFamily="34" charset="-122"/>
+              <a:ea typeface="Microsoft Yahei" panose="020B0503020204020204" pitchFamily="34" charset="-122"/>
+            </a:endParaRPr>
+          </a:p>
+          <a:p>
+            <a:pPr fontAlgn="base"/>
+            <a:endParaRPr lang="en-US" altLang="zh-CN" dirty="0" smtClean="0">
+              <a:solidFill>
+                <a:srgbClr val="858585"/>
+              </a:solidFill>
+              <a:latin typeface="Microsoft Yahei" panose="020B0503020204020204" pitchFamily="34" charset="-122"/>
+              <a:ea typeface="Microsoft Yahei" panose="020B0503020204020204" pitchFamily="34" charset="-122"/>
+            </a:endParaRPr>
+          </a:p>
+          <a:p>
+            <a:pPr fontAlgn="base"/>
+            <a:r>
+              <a:rPr lang="zh-CN" altLang="en-US" dirty="0">
+                <a:solidFill>
+                  <a:srgbClr val="858585"/>
+                </a:solidFill>
+                <a:latin typeface="Microsoft Yahei" panose="020B0503020204020204" pitchFamily="34" charset="-122"/>
+                <a:ea typeface="Microsoft Yahei" panose="020B0503020204020204" pitchFamily="34" charset="-122"/>
+              </a:rPr>
+              <a:t>（三）报名办法 </a:t>
+            </a:r>
+          </a:p>
+          <a:p>
+            <a:pPr fontAlgn="base"/>
+            <a:r>
+              <a:rPr lang="en-US" altLang="zh-CN" dirty="0">
+                <a:solidFill>
+                  <a:srgbClr val="858585"/>
+                </a:solidFill>
+                <a:latin typeface="Microsoft Yahei" panose="020B0503020204020204" pitchFamily="34" charset="-122"/>
+                <a:ea typeface="Microsoft Yahei" panose="020B0503020204020204" pitchFamily="34" charset="-122"/>
+              </a:rPr>
+              <a:t>1</a:t>
+            </a:r>
+            <a:r>
+              <a:rPr lang="zh-CN" altLang="en-US" dirty="0">
+                <a:solidFill>
+                  <a:srgbClr val="858585"/>
+                </a:solidFill>
+                <a:latin typeface="Microsoft Yahei" panose="020B0503020204020204" pitchFamily="34" charset="-122"/>
+                <a:ea typeface="Microsoft Yahei" panose="020B0503020204020204" pitchFamily="34" charset="-122"/>
+              </a:rPr>
+              <a:t>、马拉松项目限报</a:t>
+            </a:r>
+            <a:r>
+              <a:rPr lang="en-US" altLang="zh-CN" dirty="0">
+                <a:solidFill>
+                  <a:srgbClr val="858585"/>
+                </a:solidFill>
+                <a:latin typeface="Microsoft Yahei" panose="020B0503020204020204" pitchFamily="34" charset="-122"/>
+                <a:ea typeface="Microsoft Yahei" panose="020B0503020204020204" pitchFamily="34" charset="-122"/>
+              </a:rPr>
+              <a:t>15000</a:t>
+            </a:r>
+            <a:r>
+              <a:rPr lang="zh-CN" altLang="en-US" dirty="0">
+                <a:solidFill>
+                  <a:srgbClr val="858585"/>
+                </a:solidFill>
+                <a:latin typeface="Microsoft Yahei" panose="020B0503020204020204" pitchFamily="34" charset="-122"/>
+                <a:ea typeface="Microsoft Yahei" panose="020B0503020204020204" pitchFamily="34" charset="-122"/>
+              </a:rPr>
+              <a:t>人，半程马拉松项目限报</a:t>
+            </a:r>
+            <a:r>
+              <a:rPr lang="en-US" altLang="zh-CN" dirty="0">
+                <a:solidFill>
+                  <a:srgbClr val="858585"/>
+                </a:solidFill>
+                <a:latin typeface="Microsoft Yahei" panose="020B0503020204020204" pitchFamily="34" charset="-122"/>
+                <a:ea typeface="Microsoft Yahei" panose="020B0503020204020204" pitchFamily="34" charset="-122"/>
+              </a:rPr>
+              <a:t>10000</a:t>
+            </a:r>
+            <a:r>
+              <a:rPr lang="zh-CN" altLang="en-US" dirty="0">
+                <a:solidFill>
+                  <a:srgbClr val="858585"/>
+                </a:solidFill>
+                <a:latin typeface="Microsoft Yahei" panose="020B0503020204020204" pitchFamily="34" charset="-122"/>
+                <a:ea typeface="Microsoft Yahei" panose="020B0503020204020204" pitchFamily="34" charset="-122"/>
+              </a:rPr>
+              <a:t>人。马拉松和半程马拉松项目报名人数超过限报名额后，参赛资格获取将采取抽签加候补的办法。欢乐跑项目限报</a:t>
+            </a:r>
+            <a:r>
+              <a:rPr lang="en-US" altLang="zh-CN" dirty="0">
+                <a:solidFill>
+                  <a:srgbClr val="858585"/>
+                </a:solidFill>
+                <a:latin typeface="Microsoft Yahei" panose="020B0503020204020204" pitchFamily="34" charset="-122"/>
+                <a:ea typeface="Microsoft Yahei" panose="020B0503020204020204" pitchFamily="34" charset="-122"/>
+              </a:rPr>
+              <a:t>5000</a:t>
+            </a:r>
+            <a:r>
+              <a:rPr lang="zh-CN" altLang="en-US" dirty="0">
+                <a:solidFill>
+                  <a:srgbClr val="858585"/>
+                </a:solidFill>
+                <a:latin typeface="Microsoft Yahei" panose="020B0503020204020204" pitchFamily="34" charset="-122"/>
+                <a:ea typeface="Microsoft Yahei" panose="020B0503020204020204" pitchFamily="34" charset="-122"/>
+              </a:rPr>
+              <a:t>人，额满即止。</a:t>
+            </a:r>
+          </a:p>
+          <a:p>
+            <a:pPr fontAlgn="base"/>
+            <a:endParaRPr lang="en-US" altLang="zh-CN" b="0" i="0" dirty="0" smtClean="0">
+              <a:solidFill>
+                <a:srgbClr val="858585"/>
+              </a:solidFill>
+              <a:effectLst/>
+              <a:latin typeface="Microsoft Yahei" panose="020B0503020204020204" pitchFamily="34" charset="-122"/>
+              <a:ea typeface="Microsoft Yahei" panose="020B0503020204020204" pitchFamily="34" charset="-122"/>
+            </a:endParaRPr>
+          </a:p>
+          <a:p>
+            <a:pPr fontAlgn="base"/>
+            <a:r>
+              <a:rPr lang="zh-CN" altLang="en-US" dirty="0">
+                <a:solidFill>
+                  <a:srgbClr val="858585"/>
+                </a:solidFill>
+                <a:latin typeface="Microsoft Yahei" panose="020B0503020204020204" pitchFamily="34" charset="-122"/>
+                <a:ea typeface="Microsoft Yahei" panose="020B0503020204020204" pitchFamily="34" charset="-122"/>
+              </a:rPr>
+              <a:t>（四）报名费</a:t>
+            </a:r>
+            <a:endParaRPr lang="en-US" altLang="zh-CN" dirty="0">
+              <a:solidFill>
+                <a:srgbClr val="858585"/>
+              </a:solidFill>
+              <a:latin typeface="Microsoft Yahei" panose="020B0503020204020204" pitchFamily="34" charset="-122"/>
+              <a:ea typeface="Microsoft Yahei" panose="020B0503020204020204" pitchFamily="34" charset="-122"/>
+            </a:endParaRPr>
+          </a:p>
+          <a:p>
+            <a:pPr fontAlgn="base"/>
+            <a:endParaRPr lang="zh-CN" altLang="en-US" b="0" i="0" dirty="0">
+              <a:solidFill>
+                <a:srgbClr val="858585"/>
+              </a:solidFill>
+              <a:effectLst/>
+              <a:latin typeface="Microsoft Yahei" panose="020B0503020204020204" pitchFamily="34" charset="-122"/>
+              <a:ea typeface="Microsoft Yahei" panose="020B0503020204020204" pitchFamily="34" charset="-122"/>
+            </a:endParaRPr>
+          </a:p>
+        </p:txBody>
+      </p:sp>
+      <p:graphicFrame>
+        <p:nvGraphicFramePr>
+          <p:cNvPr id="9" name="表格 8"/>
+          <p:cNvGraphicFramePr>
+            <a:graphicFrameLocks noGrp="1"/>
+          </p:cNvGraphicFramePr>
           <p:nvPr>
-            <p:ph type="ctrTitle"/>
+            <p:extLst>
+              <p:ext uri="{D42A27DB-BD31-4B8C-83A1-F6EECF244321}">
+                <p14:modId xmlns:p14="http://schemas.microsoft.com/office/powerpoint/2010/main" val="3926391708"/>
+              </p:ext>
+            </p:extLst>
           </p:nvPr>
-        </p:nvSpPr>
-        <p:spPr/>
-        <p:txBody>
-          <a:bodyPr/>
-          <a:lstStyle/>
-          <a:p>
-            <a:r>
-              <a:rPr lang="zh-CN" altLang="en-US" dirty="0"/>
-              <a:t>村上春</a:t>
-            </a:r>
-            <a:r>
-              <a:rPr lang="zh-CN" altLang="en-US" dirty="0" smtClean="0"/>
-              <a:t>树，</a:t>
-            </a:r>
-            <a:r>
-              <a:rPr lang="en-US" altLang="zh-CN" dirty="0" smtClean="0"/>
-              <a:t>KOBE</a:t>
-            </a:r>
-            <a:endParaRPr lang="zh-CN" altLang="en-US" dirty="0"/>
-          </a:p>
-        </p:txBody>
-      </p:sp>
-      <p:sp>
-        <p:nvSpPr>
-          <p:cNvPr id="3" name="副标题 2"/>
-          <p:cNvSpPr>
-            <a:spLocks noGrp="1"/>
-          </p:cNvSpPr>
-          <p:nvPr>
-            <p:ph type="subTitle" idx="1"/>
-          </p:nvPr>
-        </p:nvSpPr>
-        <p:spPr/>
-        <p:txBody>
-          <a:bodyPr/>
-          <a:lstStyle/>
-          <a:p>
-            <a:r>
-              <a:rPr lang="zh-CN" altLang="en-US" dirty="0" smtClean="0"/>
-              <a:t>大神都是持续性自律</a:t>
-            </a:r>
-            <a:endParaRPr lang="zh-CN" altLang="en-US" dirty="0"/>
-          </a:p>
-        </p:txBody>
-      </p:sp>
+        </p:nvGraphicFramePr>
+        <p:xfrm>
+          <a:off x="967639" y="3946703"/>
+          <a:ext cx="7172325" cy="1828800"/>
+        </p:xfrm>
+        <a:graphic>
+          <a:graphicData uri="http://schemas.openxmlformats.org/drawingml/2006/table">
+            <a:tbl>
+              <a:tblPr/>
+              <a:tblGrid>
+                <a:gridCol w="2390775"/>
+                <a:gridCol w="2390775"/>
+                <a:gridCol w="2390775"/>
+              </a:tblGrid>
+              <a:tr h="0">
+                <a:tc>
+                  <a:txBody>
+                    <a:bodyPr/>
+                    <a:lstStyle/>
+                    <a:p>
+                      <a:pPr algn="ctr" fontAlgn="base"/>
+                      <a:r>
+                        <a:rPr lang="zh-CN" altLang="en-US" b="0" dirty="0">
+                          <a:solidFill>
+                            <a:srgbClr val="858585"/>
+                          </a:solidFill>
+                          <a:effectLst/>
+                        </a:rPr>
+                        <a:t>项目</a:t>
+                      </a:r>
+                    </a:p>
+                  </a:txBody>
+                  <a:tcPr anchor="ctr">
+                    <a:lnL w="9525" cap="flat" cmpd="sng" algn="ctr">
+                      <a:solidFill>
+                        <a:srgbClr val="24499D"/>
+                      </a:solidFill>
+                      <a:prstDash val="solid"/>
+                      <a:round/>
+                      <a:headEnd type="none" w="med" len="med"/>
+                      <a:tailEnd type="none" w="med" len="med"/>
+                    </a:lnL>
+                    <a:lnR w="9525" cap="flat" cmpd="sng" algn="ctr">
+                      <a:solidFill>
+                        <a:srgbClr val="24499D"/>
+                      </a:solidFill>
+                      <a:prstDash val="solid"/>
+                      <a:round/>
+                      <a:headEnd type="none" w="med" len="med"/>
+                      <a:tailEnd type="none" w="med" len="med"/>
+                    </a:lnR>
+                    <a:lnT w="9525" cap="flat" cmpd="sng" algn="ctr">
+                      <a:solidFill>
+                        <a:srgbClr val="24499D"/>
+                      </a:solidFill>
+                      <a:prstDash val="solid"/>
+                      <a:round/>
+                      <a:headEnd type="none" w="med" len="med"/>
+                      <a:tailEnd type="none" w="med" len="med"/>
+                    </a:lnT>
+                    <a:lnB w="9525" cap="flat" cmpd="sng" algn="ctr">
+                      <a:solidFill>
+                        <a:srgbClr val="24499D"/>
+                      </a:solidFill>
+                      <a:prstDash val="solid"/>
+                      <a:round/>
+                      <a:headEnd type="none" w="med" len="med"/>
+                      <a:tailEnd type="none" w="med" len="med"/>
+                    </a:lnB>
+                    <a:solidFill>
+                      <a:srgbClr val="FFFFFF"/>
+                    </a:solidFill>
+                  </a:tcPr>
+                </a:tc>
+                <a:tc>
+                  <a:txBody>
+                    <a:bodyPr/>
+                    <a:lstStyle/>
+                    <a:p>
+                      <a:pPr algn="ctr" fontAlgn="base"/>
+                      <a:r>
+                        <a:rPr lang="zh-CN" altLang="en-US" b="0" dirty="0">
+                          <a:solidFill>
+                            <a:srgbClr val="858585"/>
+                          </a:solidFill>
+                          <a:effectLst/>
+                        </a:rPr>
+                        <a:t>中国籍（含港澳台）</a:t>
+                      </a:r>
+                    </a:p>
+                  </a:txBody>
+                  <a:tcPr anchor="ctr">
+                    <a:lnL w="9525" cap="flat" cmpd="sng" algn="ctr">
+                      <a:solidFill>
+                        <a:srgbClr val="24499D"/>
+                      </a:solidFill>
+                      <a:prstDash val="solid"/>
+                      <a:round/>
+                      <a:headEnd type="none" w="med" len="med"/>
+                      <a:tailEnd type="none" w="med" len="med"/>
+                    </a:lnL>
+                    <a:lnR w="9525" cap="flat" cmpd="sng" algn="ctr">
+                      <a:solidFill>
+                        <a:srgbClr val="24499D"/>
+                      </a:solidFill>
+                      <a:prstDash val="solid"/>
+                      <a:round/>
+                      <a:headEnd type="none" w="med" len="med"/>
+                      <a:tailEnd type="none" w="med" len="med"/>
+                    </a:lnR>
+                    <a:lnT w="9525" cap="flat" cmpd="sng" algn="ctr">
+                      <a:solidFill>
+                        <a:srgbClr val="24499D"/>
+                      </a:solidFill>
+                      <a:prstDash val="solid"/>
+                      <a:round/>
+                      <a:headEnd type="none" w="med" len="med"/>
+                      <a:tailEnd type="none" w="med" len="med"/>
+                    </a:lnT>
+                    <a:lnB w="9525" cap="flat" cmpd="sng" algn="ctr">
+                      <a:solidFill>
+                        <a:srgbClr val="24499D"/>
+                      </a:solidFill>
+                      <a:prstDash val="solid"/>
+                      <a:round/>
+                      <a:headEnd type="none" w="med" len="med"/>
+                      <a:tailEnd type="none" w="med" len="med"/>
+                    </a:lnB>
+                    <a:solidFill>
+                      <a:srgbClr val="FFFFFF"/>
+                    </a:solidFill>
+                  </a:tcPr>
+                </a:tc>
+                <a:tc>
+                  <a:txBody>
+                    <a:bodyPr/>
+                    <a:lstStyle/>
+                    <a:p>
+                      <a:pPr algn="ctr" fontAlgn="base"/>
+                      <a:r>
+                        <a:rPr lang="zh-CN" altLang="en-US" b="0">
+                          <a:solidFill>
+                            <a:srgbClr val="858585"/>
+                          </a:solidFill>
+                          <a:effectLst/>
+                        </a:rPr>
+                        <a:t>外国籍</a:t>
+                      </a:r>
+                    </a:p>
+                  </a:txBody>
+                  <a:tcPr anchor="ctr">
+                    <a:lnL w="9525" cap="flat" cmpd="sng" algn="ctr">
+                      <a:solidFill>
+                        <a:srgbClr val="24499D"/>
+                      </a:solidFill>
+                      <a:prstDash val="solid"/>
+                      <a:round/>
+                      <a:headEnd type="none" w="med" len="med"/>
+                      <a:tailEnd type="none" w="med" len="med"/>
+                    </a:lnL>
+                    <a:lnR w="9525" cap="flat" cmpd="sng" algn="ctr">
+                      <a:solidFill>
+                        <a:srgbClr val="24499D"/>
+                      </a:solidFill>
+                      <a:prstDash val="solid"/>
+                      <a:round/>
+                      <a:headEnd type="none" w="med" len="med"/>
+                      <a:tailEnd type="none" w="med" len="med"/>
+                    </a:lnR>
+                    <a:lnT w="9525" cap="flat" cmpd="sng" algn="ctr">
+                      <a:solidFill>
+                        <a:srgbClr val="24499D"/>
+                      </a:solidFill>
+                      <a:prstDash val="solid"/>
+                      <a:round/>
+                      <a:headEnd type="none" w="med" len="med"/>
+                      <a:tailEnd type="none" w="med" len="med"/>
+                    </a:lnT>
+                    <a:lnB w="9525" cap="flat" cmpd="sng" algn="ctr">
+                      <a:solidFill>
+                        <a:srgbClr val="24499D"/>
+                      </a:solidFill>
+                      <a:prstDash val="solid"/>
+                      <a:round/>
+                      <a:headEnd type="none" w="med" len="med"/>
+                      <a:tailEnd type="none" w="med" len="med"/>
+                    </a:lnB>
+                    <a:solidFill>
+                      <a:srgbClr val="FFFFFF"/>
+                    </a:solidFill>
+                  </a:tcPr>
+                </a:tc>
+              </a:tr>
+              <a:tr h="0">
+                <a:tc>
+                  <a:txBody>
+                    <a:bodyPr/>
+                    <a:lstStyle/>
+                    <a:p>
+                      <a:pPr algn="ctr" fontAlgn="base"/>
+                      <a:r>
+                        <a:rPr lang="zh-CN" altLang="en-US" b="0">
+                          <a:solidFill>
+                            <a:srgbClr val="858585"/>
+                          </a:solidFill>
+                          <a:effectLst/>
+                        </a:rPr>
+                        <a:t>马拉松</a:t>
+                      </a:r>
+                    </a:p>
+                  </a:txBody>
+                  <a:tcPr anchor="ctr">
+                    <a:lnL w="9525" cap="flat" cmpd="sng" algn="ctr">
+                      <a:solidFill>
+                        <a:srgbClr val="24499D"/>
+                      </a:solidFill>
+                      <a:prstDash val="solid"/>
+                      <a:round/>
+                      <a:headEnd type="none" w="med" len="med"/>
+                      <a:tailEnd type="none" w="med" len="med"/>
+                    </a:lnL>
+                    <a:lnR w="9525" cap="flat" cmpd="sng" algn="ctr">
+                      <a:solidFill>
+                        <a:srgbClr val="24499D"/>
+                      </a:solidFill>
+                      <a:prstDash val="solid"/>
+                      <a:round/>
+                      <a:headEnd type="none" w="med" len="med"/>
+                      <a:tailEnd type="none" w="med" len="med"/>
+                    </a:lnR>
+                    <a:lnT w="9525" cap="flat" cmpd="sng" algn="ctr">
+                      <a:solidFill>
+                        <a:srgbClr val="24499D"/>
+                      </a:solidFill>
+                      <a:prstDash val="solid"/>
+                      <a:round/>
+                      <a:headEnd type="none" w="med" len="med"/>
+                      <a:tailEnd type="none" w="med" len="med"/>
+                    </a:lnT>
+                    <a:lnB w="9525" cap="flat" cmpd="sng" algn="ctr">
+                      <a:solidFill>
+                        <a:srgbClr val="24499D"/>
+                      </a:solidFill>
+                      <a:prstDash val="solid"/>
+                      <a:round/>
+                      <a:headEnd type="none" w="med" len="med"/>
+                      <a:tailEnd type="none" w="med" len="med"/>
+                    </a:lnB>
+                    <a:solidFill>
+                      <a:srgbClr val="FFFFFF"/>
+                    </a:solidFill>
+                  </a:tcPr>
+                </a:tc>
+                <a:tc>
+                  <a:txBody>
+                    <a:bodyPr/>
+                    <a:lstStyle/>
+                    <a:p>
+                      <a:pPr algn="ctr" fontAlgn="base"/>
+                      <a:r>
+                        <a:rPr lang="en-US" altLang="zh-CN" b="0">
+                          <a:solidFill>
+                            <a:srgbClr val="858585"/>
+                          </a:solidFill>
+                          <a:effectLst/>
+                        </a:rPr>
+                        <a:t>150</a:t>
+                      </a:r>
+                      <a:r>
+                        <a:rPr lang="zh-CN" altLang="en-US" b="0">
+                          <a:solidFill>
+                            <a:srgbClr val="858585"/>
+                          </a:solidFill>
+                          <a:effectLst/>
+                        </a:rPr>
+                        <a:t>元人民币</a:t>
+                      </a:r>
+                      <a:r>
+                        <a:rPr lang="en-US" altLang="zh-CN" b="0">
+                          <a:solidFill>
+                            <a:srgbClr val="858585"/>
+                          </a:solidFill>
+                          <a:effectLst/>
+                        </a:rPr>
+                        <a:t>/</a:t>
+                      </a:r>
+                      <a:r>
+                        <a:rPr lang="zh-CN" altLang="en-US" b="0">
+                          <a:solidFill>
+                            <a:srgbClr val="858585"/>
+                          </a:solidFill>
+                          <a:effectLst/>
+                        </a:rPr>
+                        <a:t>人</a:t>
+                      </a:r>
+                    </a:p>
+                  </a:txBody>
+                  <a:tcPr anchor="ctr">
+                    <a:lnL w="9525" cap="flat" cmpd="sng" algn="ctr">
+                      <a:solidFill>
+                        <a:srgbClr val="24499D"/>
+                      </a:solidFill>
+                      <a:prstDash val="solid"/>
+                      <a:round/>
+                      <a:headEnd type="none" w="med" len="med"/>
+                      <a:tailEnd type="none" w="med" len="med"/>
+                    </a:lnL>
+                    <a:lnR w="9525" cap="flat" cmpd="sng" algn="ctr">
+                      <a:solidFill>
+                        <a:srgbClr val="24499D"/>
+                      </a:solidFill>
+                      <a:prstDash val="solid"/>
+                      <a:round/>
+                      <a:headEnd type="none" w="med" len="med"/>
+                      <a:tailEnd type="none" w="med" len="med"/>
+                    </a:lnR>
+                    <a:lnT w="9525" cap="flat" cmpd="sng" algn="ctr">
+                      <a:solidFill>
+                        <a:srgbClr val="24499D"/>
+                      </a:solidFill>
+                      <a:prstDash val="solid"/>
+                      <a:round/>
+                      <a:headEnd type="none" w="med" len="med"/>
+                      <a:tailEnd type="none" w="med" len="med"/>
+                    </a:lnT>
+                    <a:lnB w="9525" cap="flat" cmpd="sng" algn="ctr">
+                      <a:solidFill>
+                        <a:srgbClr val="24499D"/>
+                      </a:solidFill>
+                      <a:prstDash val="solid"/>
+                      <a:round/>
+                      <a:headEnd type="none" w="med" len="med"/>
+                      <a:tailEnd type="none" w="med" len="med"/>
+                    </a:lnB>
+                    <a:solidFill>
+                      <a:srgbClr val="FFFFFF"/>
+                    </a:solidFill>
+                  </a:tcPr>
+                </a:tc>
+                <a:tc>
+                  <a:txBody>
+                    <a:bodyPr/>
+                    <a:lstStyle/>
+                    <a:p>
+                      <a:pPr algn="ctr" fontAlgn="base"/>
+                      <a:r>
+                        <a:rPr lang="en-US" altLang="zh-CN" b="0">
+                          <a:solidFill>
+                            <a:srgbClr val="858585"/>
+                          </a:solidFill>
+                          <a:effectLst/>
+                        </a:rPr>
+                        <a:t>30</a:t>
+                      </a:r>
+                      <a:r>
+                        <a:rPr lang="zh-CN" altLang="en-US" b="0">
+                          <a:solidFill>
+                            <a:srgbClr val="858585"/>
+                          </a:solidFill>
+                          <a:effectLst/>
+                        </a:rPr>
+                        <a:t>美元</a:t>
+                      </a:r>
+                      <a:r>
+                        <a:rPr lang="en-US" altLang="zh-CN" b="0">
+                          <a:solidFill>
+                            <a:srgbClr val="858585"/>
+                          </a:solidFill>
+                          <a:effectLst/>
+                        </a:rPr>
+                        <a:t>/</a:t>
+                      </a:r>
+                      <a:r>
+                        <a:rPr lang="zh-CN" altLang="en-US" b="0">
+                          <a:solidFill>
+                            <a:srgbClr val="858585"/>
+                          </a:solidFill>
+                          <a:effectLst/>
+                        </a:rPr>
+                        <a:t>人</a:t>
+                      </a:r>
+                    </a:p>
+                  </a:txBody>
+                  <a:tcPr anchor="ctr">
+                    <a:lnL w="9525" cap="flat" cmpd="sng" algn="ctr">
+                      <a:solidFill>
+                        <a:srgbClr val="24499D"/>
+                      </a:solidFill>
+                      <a:prstDash val="solid"/>
+                      <a:round/>
+                      <a:headEnd type="none" w="med" len="med"/>
+                      <a:tailEnd type="none" w="med" len="med"/>
+                    </a:lnL>
+                    <a:lnR w="9525" cap="flat" cmpd="sng" algn="ctr">
+                      <a:solidFill>
+                        <a:srgbClr val="24499D"/>
+                      </a:solidFill>
+                      <a:prstDash val="solid"/>
+                      <a:round/>
+                      <a:headEnd type="none" w="med" len="med"/>
+                      <a:tailEnd type="none" w="med" len="med"/>
+                    </a:lnR>
+                    <a:lnT w="9525" cap="flat" cmpd="sng" algn="ctr">
+                      <a:solidFill>
+                        <a:srgbClr val="24499D"/>
+                      </a:solidFill>
+                      <a:prstDash val="solid"/>
+                      <a:round/>
+                      <a:headEnd type="none" w="med" len="med"/>
+                      <a:tailEnd type="none" w="med" len="med"/>
+                    </a:lnT>
+                    <a:lnB w="9525" cap="flat" cmpd="sng" algn="ctr">
+                      <a:solidFill>
+                        <a:srgbClr val="24499D"/>
+                      </a:solidFill>
+                      <a:prstDash val="solid"/>
+                      <a:round/>
+                      <a:headEnd type="none" w="med" len="med"/>
+                      <a:tailEnd type="none" w="med" len="med"/>
+                    </a:lnB>
+                    <a:solidFill>
+                      <a:srgbClr val="FFFFFF"/>
+                    </a:solidFill>
+                  </a:tcPr>
+                </a:tc>
+              </a:tr>
+              <a:tr h="0">
+                <a:tc>
+                  <a:txBody>
+                    <a:bodyPr/>
+                    <a:lstStyle/>
+                    <a:p>
+                      <a:pPr algn="ctr" fontAlgn="base"/>
+                      <a:r>
+                        <a:rPr lang="zh-CN" altLang="en-US" b="0">
+                          <a:solidFill>
+                            <a:srgbClr val="858585"/>
+                          </a:solidFill>
+                          <a:effectLst/>
+                        </a:rPr>
+                        <a:t>半程马拉松</a:t>
+                      </a:r>
+                    </a:p>
+                  </a:txBody>
+                  <a:tcPr anchor="ctr">
+                    <a:lnL w="9525" cap="flat" cmpd="sng" algn="ctr">
+                      <a:solidFill>
+                        <a:srgbClr val="24499D"/>
+                      </a:solidFill>
+                      <a:prstDash val="solid"/>
+                      <a:round/>
+                      <a:headEnd type="none" w="med" len="med"/>
+                      <a:tailEnd type="none" w="med" len="med"/>
+                    </a:lnL>
+                    <a:lnR w="9525" cap="flat" cmpd="sng" algn="ctr">
+                      <a:solidFill>
+                        <a:srgbClr val="24499D"/>
+                      </a:solidFill>
+                      <a:prstDash val="solid"/>
+                      <a:round/>
+                      <a:headEnd type="none" w="med" len="med"/>
+                      <a:tailEnd type="none" w="med" len="med"/>
+                    </a:lnR>
+                    <a:lnT w="9525" cap="flat" cmpd="sng" algn="ctr">
+                      <a:solidFill>
+                        <a:srgbClr val="24499D"/>
+                      </a:solidFill>
+                      <a:prstDash val="solid"/>
+                      <a:round/>
+                      <a:headEnd type="none" w="med" len="med"/>
+                      <a:tailEnd type="none" w="med" len="med"/>
+                    </a:lnT>
+                    <a:lnB w="9525" cap="flat" cmpd="sng" algn="ctr">
+                      <a:solidFill>
+                        <a:srgbClr val="24499D"/>
+                      </a:solidFill>
+                      <a:prstDash val="solid"/>
+                      <a:round/>
+                      <a:headEnd type="none" w="med" len="med"/>
+                      <a:tailEnd type="none" w="med" len="med"/>
+                    </a:lnB>
+                    <a:solidFill>
+                      <a:srgbClr val="FFFFFF"/>
+                    </a:solidFill>
+                  </a:tcPr>
+                </a:tc>
+                <a:tc>
+                  <a:txBody>
+                    <a:bodyPr/>
+                    <a:lstStyle/>
+                    <a:p>
+                      <a:pPr algn="ctr" fontAlgn="base"/>
+                      <a:r>
+                        <a:rPr lang="en-US" altLang="zh-CN" b="0">
+                          <a:solidFill>
+                            <a:srgbClr val="858585"/>
+                          </a:solidFill>
+                          <a:effectLst/>
+                        </a:rPr>
+                        <a:t>150</a:t>
+                      </a:r>
+                      <a:r>
+                        <a:rPr lang="zh-CN" altLang="en-US" b="0">
+                          <a:solidFill>
+                            <a:srgbClr val="858585"/>
+                          </a:solidFill>
+                          <a:effectLst/>
+                        </a:rPr>
+                        <a:t>元人民币</a:t>
+                      </a:r>
+                      <a:r>
+                        <a:rPr lang="en-US" altLang="zh-CN" b="0">
+                          <a:solidFill>
+                            <a:srgbClr val="858585"/>
+                          </a:solidFill>
+                          <a:effectLst/>
+                        </a:rPr>
+                        <a:t>/</a:t>
+                      </a:r>
+                      <a:r>
+                        <a:rPr lang="zh-CN" altLang="en-US" b="0">
+                          <a:solidFill>
+                            <a:srgbClr val="858585"/>
+                          </a:solidFill>
+                          <a:effectLst/>
+                        </a:rPr>
+                        <a:t>人</a:t>
+                      </a:r>
+                    </a:p>
+                  </a:txBody>
+                  <a:tcPr anchor="ctr">
+                    <a:lnL w="9525" cap="flat" cmpd="sng" algn="ctr">
+                      <a:solidFill>
+                        <a:srgbClr val="24499D"/>
+                      </a:solidFill>
+                      <a:prstDash val="solid"/>
+                      <a:round/>
+                      <a:headEnd type="none" w="med" len="med"/>
+                      <a:tailEnd type="none" w="med" len="med"/>
+                    </a:lnL>
+                    <a:lnR w="9525" cap="flat" cmpd="sng" algn="ctr">
+                      <a:solidFill>
+                        <a:srgbClr val="24499D"/>
+                      </a:solidFill>
+                      <a:prstDash val="solid"/>
+                      <a:round/>
+                      <a:headEnd type="none" w="med" len="med"/>
+                      <a:tailEnd type="none" w="med" len="med"/>
+                    </a:lnR>
+                    <a:lnT w="9525" cap="flat" cmpd="sng" algn="ctr">
+                      <a:solidFill>
+                        <a:srgbClr val="24499D"/>
+                      </a:solidFill>
+                      <a:prstDash val="solid"/>
+                      <a:round/>
+                      <a:headEnd type="none" w="med" len="med"/>
+                      <a:tailEnd type="none" w="med" len="med"/>
+                    </a:lnT>
+                    <a:lnB w="9525" cap="flat" cmpd="sng" algn="ctr">
+                      <a:solidFill>
+                        <a:srgbClr val="24499D"/>
+                      </a:solidFill>
+                      <a:prstDash val="solid"/>
+                      <a:round/>
+                      <a:headEnd type="none" w="med" len="med"/>
+                      <a:tailEnd type="none" w="med" len="med"/>
+                    </a:lnB>
+                    <a:solidFill>
+                      <a:srgbClr val="FFFFFF"/>
+                    </a:solidFill>
+                  </a:tcPr>
+                </a:tc>
+                <a:tc>
+                  <a:txBody>
+                    <a:bodyPr/>
+                    <a:lstStyle/>
+                    <a:p>
+                      <a:pPr algn="ctr" fontAlgn="base"/>
+                      <a:r>
+                        <a:rPr lang="en-US" altLang="zh-CN" b="0">
+                          <a:solidFill>
+                            <a:srgbClr val="858585"/>
+                          </a:solidFill>
+                          <a:effectLst/>
+                        </a:rPr>
+                        <a:t>30</a:t>
+                      </a:r>
+                      <a:r>
+                        <a:rPr lang="zh-CN" altLang="en-US" b="0">
+                          <a:solidFill>
+                            <a:srgbClr val="858585"/>
+                          </a:solidFill>
+                          <a:effectLst/>
+                        </a:rPr>
+                        <a:t>美元</a:t>
+                      </a:r>
+                      <a:r>
+                        <a:rPr lang="en-US" altLang="zh-CN" b="0">
+                          <a:solidFill>
+                            <a:srgbClr val="858585"/>
+                          </a:solidFill>
+                          <a:effectLst/>
+                        </a:rPr>
+                        <a:t>/</a:t>
+                      </a:r>
+                      <a:r>
+                        <a:rPr lang="zh-CN" altLang="en-US" b="0">
+                          <a:solidFill>
+                            <a:srgbClr val="858585"/>
+                          </a:solidFill>
+                          <a:effectLst/>
+                        </a:rPr>
+                        <a:t>人</a:t>
+                      </a:r>
+                    </a:p>
+                  </a:txBody>
+                  <a:tcPr anchor="ctr">
+                    <a:lnL w="9525" cap="flat" cmpd="sng" algn="ctr">
+                      <a:solidFill>
+                        <a:srgbClr val="24499D"/>
+                      </a:solidFill>
+                      <a:prstDash val="solid"/>
+                      <a:round/>
+                      <a:headEnd type="none" w="med" len="med"/>
+                      <a:tailEnd type="none" w="med" len="med"/>
+                    </a:lnL>
+                    <a:lnR w="9525" cap="flat" cmpd="sng" algn="ctr">
+                      <a:solidFill>
+                        <a:srgbClr val="24499D"/>
+                      </a:solidFill>
+                      <a:prstDash val="solid"/>
+                      <a:round/>
+                      <a:headEnd type="none" w="med" len="med"/>
+                      <a:tailEnd type="none" w="med" len="med"/>
+                    </a:lnR>
+                    <a:lnT w="9525" cap="flat" cmpd="sng" algn="ctr">
+                      <a:solidFill>
+                        <a:srgbClr val="24499D"/>
+                      </a:solidFill>
+                      <a:prstDash val="solid"/>
+                      <a:round/>
+                      <a:headEnd type="none" w="med" len="med"/>
+                      <a:tailEnd type="none" w="med" len="med"/>
+                    </a:lnT>
+                    <a:lnB w="9525" cap="flat" cmpd="sng" algn="ctr">
+                      <a:solidFill>
+                        <a:srgbClr val="24499D"/>
+                      </a:solidFill>
+                      <a:prstDash val="solid"/>
+                      <a:round/>
+                      <a:headEnd type="none" w="med" len="med"/>
+                      <a:tailEnd type="none" w="med" len="med"/>
+                    </a:lnB>
+                    <a:solidFill>
+                      <a:srgbClr val="FFFFFF"/>
+                    </a:solidFill>
+                  </a:tcPr>
+                </a:tc>
+              </a:tr>
+              <a:tr h="0">
+                <a:tc>
+                  <a:txBody>
+                    <a:bodyPr/>
+                    <a:lstStyle/>
+                    <a:p>
+                      <a:pPr algn="ctr" fontAlgn="base"/>
+                      <a:r>
+                        <a:rPr lang="zh-CN" altLang="en-US" b="0">
+                          <a:solidFill>
+                            <a:srgbClr val="858585"/>
+                          </a:solidFill>
+                          <a:effectLst/>
+                        </a:rPr>
+                        <a:t>欢乐跑</a:t>
+                      </a:r>
+                    </a:p>
+                  </a:txBody>
+                  <a:tcPr anchor="ctr">
+                    <a:lnL w="9525" cap="flat" cmpd="sng" algn="ctr">
+                      <a:solidFill>
+                        <a:srgbClr val="24499D"/>
+                      </a:solidFill>
+                      <a:prstDash val="solid"/>
+                      <a:round/>
+                      <a:headEnd type="none" w="med" len="med"/>
+                      <a:tailEnd type="none" w="med" len="med"/>
+                    </a:lnL>
+                    <a:lnR w="9525" cap="flat" cmpd="sng" algn="ctr">
+                      <a:solidFill>
+                        <a:srgbClr val="24499D"/>
+                      </a:solidFill>
+                      <a:prstDash val="solid"/>
+                      <a:round/>
+                      <a:headEnd type="none" w="med" len="med"/>
+                      <a:tailEnd type="none" w="med" len="med"/>
+                    </a:lnR>
+                    <a:lnT w="9525" cap="flat" cmpd="sng" algn="ctr">
+                      <a:solidFill>
+                        <a:srgbClr val="24499D"/>
+                      </a:solidFill>
+                      <a:prstDash val="solid"/>
+                      <a:round/>
+                      <a:headEnd type="none" w="med" len="med"/>
+                      <a:tailEnd type="none" w="med" len="med"/>
+                    </a:lnT>
+                    <a:lnB w="9525" cap="flat" cmpd="sng" algn="ctr">
+                      <a:solidFill>
+                        <a:srgbClr val="24499D"/>
+                      </a:solidFill>
+                      <a:prstDash val="solid"/>
+                      <a:round/>
+                      <a:headEnd type="none" w="med" len="med"/>
+                      <a:tailEnd type="none" w="med" len="med"/>
+                    </a:lnB>
+                    <a:solidFill>
+                      <a:srgbClr val="FFFFFF"/>
+                    </a:solidFill>
+                  </a:tcPr>
+                </a:tc>
+                <a:tc>
+                  <a:txBody>
+                    <a:bodyPr/>
+                    <a:lstStyle/>
+                    <a:p>
+                      <a:pPr algn="ctr" fontAlgn="base"/>
+                      <a:r>
+                        <a:rPr lang="en-US" altLang="zh-CN" b="0">
+                          <a:solidFill>
+                            <a:srgbClr val="858585"/>
+                          </a:solidFill>
+                          <a:effectLst/>
+                        </a:rPr>
+                        <a:t>80</a:t>
+                      </a:r>
+                      <a:r>
+                        <a:rPr lang="zh-CN" altLang="en-US" b="0">
+                          <a:solidFill>
+                            <a:srgbClr val="858585"/>
+                          </a:solidFill>
+                          <a:effectLst/>
+                        </a:rPr>
+                        <a:t>元人民币</a:t>
+                      </a:r>
+                      <a:r>
+                        <a:rPr lang="en-US" altLang="zh-CN" b="0">
+                          <a:solidFill>
+                            <a:srgbClr val="858585"/>
+                          </a:solidFill>
+                          <a:effectLst/>
+                        </a:rPr>
+                        <a:t>/</a:t>
+                      </a:r>
+                      <a:r>
+                        <a:rPr lang="zh-CN" altLang="en-US" b="0">
+                          <a:solidFill>
+                            <a:srgbClr val="858585"/>
+                          </a:solidFill>
+                          <a:effectLst/>
+                        </a:rPr>
+                        <a:t>人</a:t>
+                      </a:r>
+                    </a:p>
+                  </a:txBody>
+                  <a:tcPr anchor="ctr">
+                    <a:lnL w="9525" cap="flat" cmpd="sng" algn="ctr">
+                      <a:solidFill>
+                        <a:srgbClr val="24499D"/>
+                      </a:solidFill>
+                      <a:prstDash val="solid"/>
+                      <a:round/>
+                      <a:headEnd type="none" w="med" len="med"/>
+                      <a:tailEnd type="none" w="med" len="med"/>
+                    </a:lnL>
+                    <a:lnR w="9525" cap="flat" cmpd="sng" algn="ctr">
+                      <a:solidFill>
+                        <a:srgbClr val="24499D"/>
+                      </a:solidFill>
+                      <a:prstDash val="solid"/>
+                      <a:round/>
+                      <a:headEnd type="none" w="med" len="med"/>
+                      <a:tailEnd type="none" w="med" len="med"/>
+                    </a:lnR>
+                    <a:lnT w="9525" cap="flat" cmpd="sng" algn="ctr">
+                      <a:solidFill>
+                        <a:srgbClr val="24499D"/>
+                      </a:solidFill>
+                      <a:prstDash val="solid"/>
+                      <a:round/>
+                      <a:headEnd type="none" w="med" len="med"/>
+                      <a:tailEnd type="none" w="med" len="med"/>
+                    </a:lnT>
+                    <a:lnB w="9525" cap="flat" cmpd="sng" algn="ctr">
+                      <a:solidFill>
+                        <a:srgbClr val="24499D"/>
+                      </a:solidFill>
+                      <a:prstDash val="solid"/>
+                      <a:round/>
+                      <a:headEnd type="none" w="med" len="med"/>
+                      <a:tailEnd type="none" w="med" len="med"/>
+                    </a:lnB>
+                    <a:solidFill>
+                      <a:srgbClr val="FFFFFF"/>
+                    </a:solidFill>
+                  </a:tcPr>
+                </a:tc>
+                <a:tc>
+                  <a:txBody>
+                    <a:bodyPr/>
+                    <a:lstStyle/>
+                    <a:p>
+                      <a:pPr algn="ctr" fontAlgn="base"/>
+                      <a:r>
+                        <a:rPr lang="en-US" altLang="zh-CN" b="0">
+                          <a:solidFill>
+                            <a:srgbClr val="858585"/>
+                          </a:solidFill>
+                          <a:effectLst/>
+                        </a:rPr>
+                        <a:t>16</a:t>
+                      </a:r>
+                      <a:r>
+                        <a:rPr lang="zh-CN" altLang="en-US" b="0">
+                          <a:solidFill>
+                            <a:srgbClr val="858585"/>
+                          </a:solidFill>
+                          <a:effectLst/>
+                        </a:rPr>
+                        <a:t>美元</a:t>
+                      </a:r>
+                      <a:r>
+                        <a:rPr lang="en-US" altLang="zh-CN" b="0">
+                          <a:solidFill>
+                            <a:srgbClr val="858585"/>
+                          </a:solidFill>
+                          <a:effectLst/>
+                        </a:rPr>
+                        <a:t>/</a:t>
+                      </a:r>
+                      <a:r>
+                        <a:rPr lang="zh-CN" altLang="en-US" b="0">
+                          <a:solidFill>
+                            <a:srgbClr val="858585"/>
+                          </a:solidFill>
+                          <a:effectLst/>
+                        </a:rPr>
+                        <a:t>人</a:t>
+                      </a:r>
+                    </a:p>
+                  </a:txBody>
+                  <a:tcPr anchor="ctr">
+                    <a:lnL w="9525" cap="flat" cmpd="sng" algn="ctr">
+                      <a:solidFill>
+                        <a:srgbClr val="24499D"/>
+                      </a:solidFill>
+                      <a:prstDash val="solid"/>
+                      <a:round/>
+                      <a:headEnd type="none" w="med" len="med"/>
+                      <a:tailEnd type="none" w="med" len="med"/>
+                    </a:lnL>
+                    <a:lnR w="9525" cap="flat" cmpd="sng" algn="ctr">
+                      <a:solidFill>
+                        <a:srgbClr val="24499D"/>
+                      </a:solidFill>
+                      <a:prstDash val="solid"/>
+                      <a:round/>
+                      <a:headEnd type="none" w="med" len="med"/>
+                      <a:tailEnd type="none" w="med" len="med"/>
+                    </a:lnR>
+                    <a:lnT w="9525" cap="flat" cmpd="sng" algn="ctr">
+                      <a:solidFill>
+                        <a:srgbClr val="24499D"/>
+                      </a:solidFill>
+                      <a:prstDash val="solid"/>
+                      <a:round/>
+                      <a:headEnd type="none" w="med" len="med"/>
+                      <a:tailEnd type="none" w="med" len="med"/>
+                    </a:lnT>
+                    <a:lnB w="9525" cap="flat" cmpd="sng" algn="ctr">
+                      <a:solidFill>
+                        <a:srgbClr val="24499D"/>
+                      </a:solidFill>
+                      <a:prstDash val="solid"/>
+                      <a:round/>
+                      <a:headEnd type="none" w="med" len="med"/>
+                      <a:tailEnd type="none" w="med" len="med"/>
+                    </a:lnB>
+                    <a:solidFill>
+                      <a:srgbClr val="FFFFFF"/>
+                    </a:solidFill>
+                  </a:tcPr>
+                </a:tc>
+              </a:tr>
+              <a:tr h="0">
+                <a:tc>
+                  <a:txBody>
+                    <a:bodyPr/>
+                    <a:lstStyle/>
+                    <a:p>
+                      <a:pPr algn="ctr" fontAlgn="base"/>
+                      <a:r>
+                        <a:rPr lang="zh-CN" altLang="en-US" b="0" dirty="0">
+                          <a:solidFill>
+                            <a:srgbClr val="858585"/>
+                          </a:solidFill>
+                          <a:effectLst/>
+                        </a:rPr>
+                        <a:t>全程公益马拉松</a:t>
+                      </a:r>
+                    </a:p>
+                  </a:txBody>
+                  <a:tcPr anchor="ctr">
+                    <a:lnL w="9525" cap="flat" cmpd="sng" algn="ctr">
+                      <a:solidFill>
+                        <a:srgbClr val="24499D"/>
+                      </a:solidFill>
+                      <a:prstDash val="solid"/>
+                      <a:round/>
+                      <a:headEnd type="none" w="med" len="med"/>
+                      <a:tailEnd type="none" w="med" len="med"/>
+                    </a:lnL>
+                    <a:lnR w="9525" cap="flat" cmpd="sng" algn="ctr">
+                      <a:solidFill>
+                        <a:srgbClr val="24499D"/>
+                      </a:solidFill>
+                      <a:prstDash val="solid"/>
+                      <a:round/>
+                      <a:headEnd type="none" w="med" len="med"/>
+                      <a:tailEnd type="none" w="med" len="med"/>
+                    </a:lnR>
+                    <a:lnT w="9525" cap="flat" cmpd="sng" algn="ctr">
+                      <a:solidFill>
+                        <a:srgbClr val="24499D"/>
+                      </a:solidFill>
+                      <a:prstDash val="solid"/>
+                      <a:round/>
+                      <a:headEnd type="none" w="med" len="med"/>
+                      <a:tailEnd type="none" w="med" len="med"/>
+                    </a:lnT>
+                    <a:lnB w="9525" cap="flat" cmpd="sng" algn="ctr">
+                      <a:solidFill>
+                        <a:srgbClr val="24499D"/>
+                      </a:solidFill>
+                      <a:prstDash val="solid"/>
+                      <a:round/>
+                      <a:headEnd type="none" w="med" len="med"/>
+                      <a:tailEnd type="none" w="med" len="med"/>
+                    </a:lnB>
+                    <a:solidFill>
+                      <a:srgbClr val="FFFFFF"/>
+                    </a:solidFill>
+                  </a:tcPr>
+                </a:tc>
+                <a:tc>
+                  <a:txBody>
+                    <a:bodyPr/>
+                    <a:lstStyle/>
+                    <a:p>
+                      <a:pPr algn="ctr" fontAlgn="base"/>
+                      <a:r>
+                        <a:rPr lang="en-US" altLang="zh-CN" b="0">
+                          <a:solidFill>
+                            <a:srgbClr val="858585"/>
+                          </a:solidFill>
+                          <a:effectLst/>
+                        </a:rPr>
+                        <a:t>1500</a:t>
+                      </a:r>
+                      <a:r>
+                        <a:rPr lang="zh-CN" altLang="en-US" b="0">
+                          <a:solidFill>
+                            <a:srgbClr val="858585"/>
+                          </a:solidFill>
+                          <a:effectLst/>
+                        </a:rPr>
+                        <a:t>元人民币</a:t>
+                      </a:r>
+                      <a:r>
+                        <a:rPr lang="en-US" altLang="zh-CN" b="0">
+                          <a:solidFill>
+                            <a:srgbClr val="858585"/>
+                          </a:solidFill>
+                          <a:effectLst/>
+                        </a:rPr>
+                        <a:t>/</a:t>
+                      </a:r>
+                      <a:r>
+                        <a:rPr lang="zh-CN" altLang="en-US" b="0">
+                          <a:solidFill>
+                            <a:srgbClr val="858585"/>
+                          </a:solidFill>
+                          <a:effectLst/>
+                        </a:rPr>
+                        <a:t>人</a:t>
+                      </a:r>
+                    </a:p>
+                  </a:txBody>
+                  <a:tcPr anchor="ctr">
+                    <a:lnL w="9525" cap="flat" cmpd="sng" algn="ctr">
+                      <a:solidFill>
+                        <a:srgbClr val="24499D"/>
+                      </a:solidFill>
+                      <a:prstDash val="solid"/>
+                      <a:round/>
+                      <a:headEnd type="none" w="med" len="med"/>
+                      <a:tailEnd type="none" w="med" len="med"/>
+                    </a:lnL>
+                    <a:lnR w="9525" cap="flat" cmpd="sng" algn="ctr">
+                      <a:solidFill>
+                        <a:srgbClr val="24499D"/>
+                      </a:solidFill>
+                      <a:prstDash val="solid"/>
+                      <a:round/>
+                      <a:headEnd type="none" w="med" len="med"/>
+                      <a:tailEnd type="none" w="med" len="med"/>
+                    </a:lnR>
+                    <a:lnT w="9525" cap="flat" cmpd="sng" algn="ctr">
+                      <a:solidFill>
+                        <a:srgbClr val="24499D"/>
+                      </a:solidFill>
+                      <a:prstDash val="solid"/>
+                      <a:round/>
+                      <a:headEnd type="none" w="med" len="med"/>
+                      <a:tailEnd type="none" w="med" len="med"/>
+                    </a:lnT>
+                    <a:lnB w="9525" cap="flat" cmpd="sng" algn="ctr">
+                      <a:solidFill>
+                        <a:srgbClr val="24499D"/>
+                      </a:solidFill>
+                      <a:prstDash val="solid"/>
+                      <a:round/>
+                      <a:headEnd type="none" w="med" len="med"/>
+                      <a:tailEnd type="none" w="med" len="med"/>
+                    </a:lnB>
+                    <a:solidFill>
+                      <a:srgbClr val="FFFFFF"/>
+                    </a:solidFill>
+                  </a:tcPr>
+                </a:tc>
+                <a:tc>
+                  <a:txBody>
+                    <a:bodyPr/>
+                    <a:lstStyle/>
+                    <a:p>
+                      <a:pPr algn="ctr" fontAlgn="base"/>
+                      <a:r>
+                        <a:rPr lang="en-US" altLang="zh-CN" b="0" dirty="0">
+                          <a:solidFill>
+                            <a:srgbClr val="858585"/>
+                          </a:solidFill>
+                          <a:effectLst/>
+                        </a:rPr>
+                        <a:t>300</a:t>
+                      </a:r>
+                      <a:r>
+                        <a:rPr lang="zh-CN" altLang="en-US" b="0" dirty="0">
+                          <a:solidFill>
+                            <a:srgbClr val="858585"/>
+                          </a:solidFill>
+                          <a:effectLst/>
+                        </a:rPr>
+                        <a:t>美元</a:t>
+                      </a:r>
+                      <a:r>
+                        <a:rPr lang="en-US" altLang="zh-CN" b="0" dirty="0">
+                          <a:solidFill>
+                            <a:srgbClr val="858585"/>
+                          </a:solidFill>
+                          <a:effectLst/>
+                        </a:rPr>
+                        <a:t>/</a:t>
+                      </a:r>
+                      <a:r>
+                        <a:rPr lang="zh-CN" altLang="en-US" b="0" dirty="0">
+                          <a:solidFill>
+                            <a:srgbClr val="858585"/>
+                          </a:solidFill>
+                          <a:effectLst/>
+                        </a:rPr>
+                        <a:t>人</a:t>
+                      </a:r>
+                    </a:p>
+                  </a:txBody>
+                  <a:tcPr anchor="ctr">
+                    <a:lnL w="9525" cap="flat" cmpd="sng" algn="ctr">
+                      <a:solidFill>
+                        <a:srgbClr val="24499D"/>
+                      </a:solidFill>
+                      <a:prstDash val="solid"/>
+                      <a:round/>
+                      <a:headEnd type="none" w="med" len="med"/>
+                      <a:tailEnd type="none" w="med" len="med"/>
+                    </a:lnL>
+                    <a:lnR w="9525" cap="flat" cmpd="sng" algn="ctr">
+                      <a:solidFill>
+                        <a:srgbClr val="24499D"/>
+                      </a:solidFill>
+                      <a:prstDash val="solid"/>
+                      <a:round/>
+                      <a:headEnd type="none" w="med" len="med"/>
+                      <a:tailEnd type="none" w="med" len="med"/>
+                    </a:lnR>
+                    <a:lnT w="9525" cap="flat" cmpd="sng" algn="ctr">
+                      <a:solidFill>
+                        <a:srgbClr val="24499D"/>
+                      </a:solidFill>
+                      <a:prstDash val="solid"/>
+                      <a:round/>
+                      <a:headEnd type="none" w="med" len="med"/>
+                      <a:tailEnd type="none" w="med" len="med"/>
+                    </a:lnT>
+                    <a:lnB w="9525" cap="flat" cmpd="sng" algn="ctr">
+                      <a:solidFill>
+                        <a:srgbClr val="24499D"/>
+                      </a:solidFill>
+                      <a:prstDash val="solid"/>
+                      <a:round/>
+                      <a:headEnd type="none" w="med" len="med"/>
+                      <a:tailEnd type="none" w="med" len="med"/>
+                    </a:lnB>
+                    <a:solidFill>
+                      <a:srgbClr val="FFFFFF"/>
+                    </a:solidFill>
+                  </a:tcPr>
+                </a:tc>
+              </a:tr>
+            </a:tbl>
+          </a:graphicData>
+        </a:graphic>
+      </p:graphicFrame>
     </p:spTree>
     <p:extLst>
       <p:ext uri="{BB962C8B-B14F-4D97-AF65-F5344CB8AC3E}">
-        <p14:creationId xmlns:p14="http://schemas.microsoft.com/office/powerpoint/2010/main" val="1670125734"/>
+        <p14:creationId xmlns:p14="http://schemas.microsoft.com/office/powerpoint/2010/main" val="2279872523"/>
       </p:ext>
     </p:extLst>
   </p:cSld>
@@ -3364,48 +9008,478 @@
             <p:ph type="ctrTitle"/>
           </p:nvPr>
         </p:nvSpPr>
-        <p:spPr/>
-        <p:txBody>
-          <a:bodyPr/>
+        <p:spPr>
+          <a:xfrm>
+            <a:off x="1524001" y="198358"/>
+            <a:ext cx="8902890" cy="1091820"/>
+          </a:xfrm>
+        </p:spPr>
+        <p:txBody>
+          <a:bodyPr>
+            <a:normAutofit/>
+          </a:bodyPr>
           <a:lstStyle/>
           <a:p>
-            <a:r>
-              <a:rPr lang="zh-CN" altLang="en-US" dirty="0" smtClean="0"/>
-              <a:t>慢既是快</a:t>
-            </a:r>
-            <a:endParaRPr lang="zh-CN" altLang="en-US" dirty="0"/>
-          </a:p>
-        </p:txBody>
-      </p:sp>
-      <p:sp>
-        <p:nvSpPr>
-          <p:cNvPr id="3" name="副标题 2"/>
-          <p:cNvSpPr>
-            <a:spLocks noGrp="1"/>
-          </p:cNvSpPr>
-          <p:nvPr>
-            <p:ph type="subTitle" idx="1"/>
-          </p:nvPr>
-        </p:nvSpPr>
-        <p:spPr/>
-        <p:txBody>
-          <a:bodyPr/>
+            <a:pPr fontAlgn="base"/>
+            <a:r>
+              <a:rPr lang="zh-CN" altLang="en-US" dirty="0"/>
+              <a:t>领物须知</a:t>
+            </a:r>
+          </a:p>
+        </p:txBody>
+      </p:sp>
+      <p:sp>
+        <p:nvSpPr>
+          <p:cNvPr id="4" name="矩形 3"/>
+          <p:cNvSpPr/>
+          <p:nvPr/>
+        </p:nvSpPr>
+        <p:spPr>
+          <a:xfrm>
+            <a:off x="154675" y="1290178"/>
+            <a:ext cx="12037325" cy="5355312"/>
+          </a:xfrm>
+          <a:prstGeom prst="rect">
+            <a:avLst/>
+          </a:prstGeom>
+        </p:spPr>
+        <p:txBody>
+          <a:bodyPr wrap="square">
+            <a:spAutoFit/>
+          </a:bodyPr>
           <a:lstStyle/>
           <a:p>
-            <a:endParaRPr lang="zh-CN" altLang="en-US"/>
+            <a:pPr fontAlgn="base"/>
+            <a:r>
+              <a:rPr lang="zh-CN" altLang="en-US" dirty="0">
+                <a:solidFill>
+                  <a:srgbClr val="858585"/>
+                </a:solidFill>
+                <a:latin typeface="Microsoft Yahei" panose="020B0503020204020204" pitchFamily="34" charset="-122"/>
+                <a:ea typeface="Microsoft Yahei" panose="020B0503020204020204" pitchFamily="34" charset="-122"/>
+              </a:rPr>
+              <a:t>（一）参赛物品领取时间</a:t>
+            </a:r>
+          </a:p>
+          <a:p>
+            <a:pPr fontAlgn="base"/>
+            <a:r>
+              <a:rPr lang="en-US" altLang="zh-CN" dirty="0">
+                <a:solidFill>
+                  <a:srgbClr val="858585"/>
+                </a:solidFill>
+                <a:latin typeface="Microsoft Yahei" panose="020B0503020204020204" pitchFamily="34" charset="-122"/>
+                <a:ea typeface="Microsoft Yahei" panose="020B0503020204020204" pitchFamily="34" charset="-122"/>
+              </a:rPr>
+              <a:t>10</a:t>
+            </a:r>
+            <a:r>
+              <a:rPr lang="zh-CN" altLang="en-US" dirty="0">
+                <a:solidFill>
+                  <a:srgbClr val="858585"/>
+                </a:solidFill>
+                <a:latin typeface="Microsoft Yahei" panose="020B0503020204020204" pitchFamily="34" charset="-122"/>
+                <a:ea typeface="Microsoft Yahei" panose="020B0503020204020204" pitchFamily="34" charset="-122"/>
+              </a:rPr>
+              <a:t>月</a:t>
+            </a:r>
+            <a:r>
+              <a:rPr lang="en-US" altLang="zh-CN" dirty="0">
+                <a:solidFill>
+                  <a:srgbClr val="858585"/>
+                </a:solidFill>
+                <a:latin typeface="Microsoft Yahei" panose="020B0503020204020204" pitchFamily="34" charset="-122"/>
+                <a:ea typeface="Microsoft Yahei" panose="020B0503020204020204" pitchFamily="34" charset="-122"/>
+              </a:rPr>
+              <a:t>17</a:t>
+            </a:r>
+            <a:r>
+              <a:rPr lang="zh-CN" altLang="en-US" dirty="0">
+                <a:solidFill>
+                  <a:srgbClr val="858585"/>
+                </a:solidFill>
+                <a:latin typeface="Microsoft Yahei" panose="020B0503020204020204" pitchFamily="34" charset="-122"/>
+                <a:ea typeface="Microsoft Yahei" panose="020B0503020204020204" pitchFamily="34" charset="-122"/>
+              </a:rPr>
+              <a:t>日</a:t>
+            </a:r>
+            <a:r>
+              <a:rPr lang="en-US" altLang="zh-CN" dirty="0">
+                <a:solidFill>
+                  <a:srgbClr val="858585"/>
+                </a:solidFill>
+                <a:latin typeface="Microsoft Yahei" panose="020B0503020204020204" pitchFamily="34" charset="-122"/>
+                <a:ea typeface="Microsoft Yahei" panose="020B0503020204020204" pitchFamily="34" charset="-122"/>
+              </a:rPr>
+              <a:t>14:00-20:00</a:t>
+            </a:r>
+          </a:p>
+          <a:p>
+            <a:pPr fontAlgn="base"/>
+            <a:r>
+              <a:rPr lang="en-US" altLang="zh-CN" dirty="0">
+                <a:solidFill>
+                  <a:srgbClr val="858585"/>
+                </a:solidFill>
+                <a:latin typeface="Microsoft Yahei" panose="020B0503020204020204" pitchFamily="34" charset="-122"/>
+                <a:ea typeface="Microsoft Yahei" panose="020B0503020204020204" pitchFamily="34" charset="-122"/>
+              </a:rPr>
+              <a:t>10</a:t>
+            </a:r>
+            <a:r>
+              <a:rPr lang="zh-CN" altLang="en-US" dirty="0">
+                <a:solidFill>
+                  <a:srgbClr val="858585"/>
+                </a:solidFill>
+                <a:latin typeface="Microsoft Yahei" panose="020B0503020204020204" pitchFamily="34" charset="-122"/>
+                <a:ea typeface="Microsoft Yahei" panose="020B0503020204020204" pitchFamily="34" charset="-122"/>
+              </a:rPr>
+              <a:t>月</a:t>
+            </a:r>
+            <a:r>
+              <a:rPr lang="en-US" altLang="zh-CN" dirty="0">
+                <a:solidFill>
+                  <a:srgbClr val="858585"/>
+                </a:solidFill>
+                <a:latin typeface="Microsoft Yahei" panose="020B0503020204020204" pitchFamily="34" charset="-122"/>
+                <a:ea typeface="Microsoft Yahei" panose="020B0503020204020204" pitchFamily="34" charset="-122"/>
+              </a:rPr>
+              <a:t>18</a:t>
+            </a:r>
+            <a:r>
+              <a:rPr lang="zh-CN" altLang="en-US" dirty="0">
+                <a:solidFill>
+                  <a:srgbClr val="858585"/>
+                </a:solidFill>
+                <a:latin typeface="Microsoft Yahei" panose="020B0503020204020204" pitchFamily="34" charset="-122"/>
+                <a:ea typeface="Microsoft Yahei" panose="020B0503020204020204" pitchFamily="34" charset="-122"/>
+              </a:rPr>
+              <a:t>日</a:t>
+            </a:r>
+            <a:r>
+              <a:rPr lang="en-US" altLang="zh-CN" dirty="0">
+                <a:solidFill>
+                  <a:srgbClr val="858585"/>
+                </a:solidFill>
+                <a:latin typeface="Microsoft Yahei" panose="020B0503020204020204" pitchFamily="34" charset="-122"/>
+                <a:ea typeface="Microsoft Yahei" panose="020B0503020204020204" pitchFamily="34" charset="-122"/>
+              </a:rPr>
+              <a:t>9:00-20:00</a:t>
+            </a:r>
+          </a:p>
+          <a:p>
+            <a:pPr fontAlgn="base"/>
+            <a:r>
+              <a:rPr lang="en-US" altLang="zh-CN" dirty="0">
+                <a:solidFill>
+                  <a:srgbClr val="858585"/>
+                </a:solidFill>
+                <a:latin typeface="Microsoft Yahei" panose="020B0503020204020204" pitchFamily="34" charset="-122"/>
+                <a:ea typeface="Microsoft Yahei" panose="020B0503020204020204" pitchFamily="34" charset="-122"/>
+              </a:rPr>
+              <a:t>10</a:t>
+            </a:r>
+            <a:r>
+              <a:rPr lang="zh-CN" altLang="en-US" dirty="0">
+                <a:solidFill>
+                  <a:srgbClr val="858585"/>
+                </a:solidFill>
+                <a:latin typeface="Microsoft Yahei" panose="020B0503020204020204" pitchFamily="34" charset="-122"/>
+                <a:ea typeface="Microsoft Yahei" panose="020B0503020204020204" pitchFamily="34" charset="-122"/>
+              </a:rPr>
+              <a:t>月</a:t>
+            </a:r>
+            <a:r>
+              <a:rPr lang="en-US" altLang="zh-CN" dirty="0">
+                <a:solidFill>
+                  <a:srgbClr val="858585"/>
+                </a:solidFill>
+                <a:latin typeface="Microsoft Yahei" panose="020B0503020204020204" pitchFamily="34" charset="-122"/>
+                <a:ea typeface="Microsoft Yahei" panose="020B0503020204020204" pitchFamily="34" charset="-122"/>
+              </a:rPr>
+              <a:t>19</a:t>
+            </a:r>
+            <a:r>
+              <a:rPr lang="zh-CN" altLang="en-US" dirty="0">
+                <a:solidFill>
+                  <a:srgbClr val="858585"/>
+                </a:solidFill>
+                <a:latin typeface="Microsoft Yahei" panose="020B0503020204020204" pitchFamily="34" charset="-122"/>
+                <a:ea typeface="Microsoft Yahei" panose="020B0503020204020204" pitchFamily="34" charset="-122"/>
+              </a:rPr>
+              <a:t>日</a:t>
+            </a:r>
+            <a:r>
+              <a:rPr lang="en-US" altLang="zh-CN" dirty="0" smtClean="0">
+                <a:solidFill>
+                  <a:srgbClr val="858585"/>
+                </a:solidFill>
+                <a:latin typeface="Microsoft Yahei" panose="020B0503020204020204" pitchFamily="34" charset="-122"/>
+                <a:ea typeface="Microsoft Yahei" panose="020B0503020204020204" pitchFamily="34" charset="-122"/>
+              </a:rPr>
+              <a:t>9:00-21:00</a:t>
+            </a:r>
+          </a:p>
+          <a:p>
+            <a:pPr fontAlgn="base"/>
+            <a:r>
+              <a:rPr lang="zh-CN" altLang="en-US" dirty="0" smtClean="0">
+                <a:solidFill>
+                  <a:srgbClr val="858585"/>
+                </a:solidFill>
+                <a:latin typeface="Microsoft Yahei" panose="020B0503020204020204" pitchFamily="34" charset="-122"/>
+                <a:ea typeface="Microsoft Yahei" panose="020B0503020204020204" pitchFamily="34" charset="-122"/>
+              </a:rPr>
+              <a:t>（二）参赛物品领取地点</a:t>
+            </a:r>
+          </a:p>
+          <a:p>
+            <a:pPr fontAlgn="base"/>
+            <a:r>
+              <a:rPr lang="zh-CN" altLang="en-US" dirty="0" smtClean="0">
+                <a:solidFill>
+                  <a:srgbClr val="858585"/>
+                </a:solidFill>
+                <a:latin typeface="Microsoft Yahei" panose="020B0503020204020204" pitchFamily="34" charset="-122"/>
+                <a:ea typeface="Microsoft Yahei" panose="020B0503020204020204" pitchFamily="34" charset="-122"/>
+              </a:rPr>
+              <a:t>西安市</a:t>
+            </a:r>
+            <a:r>
+              <a:rPr lang="zh-CN" altLang="en-US" dirty="0">
+                <a:solidFill>
+                  <a:srgbClr val="858585"/>
+                </a:solidFill>
+                <a:latin typeface="Microsoft Yahei" panose="020B0503020204020204" pitchFamily="34" charset="-122"/>
+                <a:ea typeface="Microsoft Yahei" panose="020B0503020204020204" pitchFamily="34" charset="-122"/>
+              </a:rPr>
+              <a:t>大明宫国家遗址公园御道广场</a:t>
+            </a:r>
+          </a:p>
+          <a:p>
+            <a:pPr fontAlgn="base"/>
+            <a:r>
+              <a:rPr lang="zh-CN" altLang="en-US" dirty="0">
+                <a:solidFill>
+                  <a:srgbClr val="858585"/>
+                </a:solidFill>
+                <a:latin typeface="Microsoft Yahei" panose="020B0503020204020204" pitchFamily="34" charset="-122"/>
+                <a:ea typeface="Microsoft Yahei" panose="020B0503020204020204" pitchFamily="34" charset="-122"/>
+              </a:rPr>
+              <a:t>（三）领物凭证</a:t>
+            </a:r>
+          </a:p>
+          <a:p>
+            <a:pPr fontAlgn="base"/>
+            <a:r>
+              <a:rPr lang="en-US" altLang="zh-CN" dirty="0">
+                <a:solidFill>
+                  <a:srgbClr val="858585"/>
+                </a:solidFill>
+                <a:latin typeface="Microsoft Yahei" panose="020B0503020204020204" pitchFamily="34" charset="-122"/>
+                <a:ea typeface="Microsoft Yahei" panose="020B0503020204020204" pitchFamily="34" charset="-122"/>
+              </a:rPr>
+              <a:t>1. </a:t>
+            </a:r>
+            <a:r>
+              <a:rPr lang="zh-CN" altLang="en-US" dirty="0">
+                <a:solidFill>
+                  <a:srgbClr val="858585"/>
+                </a:solidFill>
+                <a:latin typeface="Microsoft Yahei" panose="020B0503020204020204" pitchFamily="34" charset="-122"/>
+                <a:ea typeface="Microsoft Yahei" panose="020B0503020204020204" pitchFamily="34" charset="-122"/>
+              </a:rPr>
+              <a:t>身份证件原件，中国大陆籍选手须持有效期内的居民身份证原件；</a:t>
+            </a:r>
+          </a:p>
+          <a:p>
+            <a:pPr fontAlgn="base"/>
+            <a:r>
+              <a:rPr lang="en-US" altLang="zh-CN" dirty="0">
+                <a:solidFill>
+                  <a:srgbClr val="858585"/>
+                </a:solidFill>
+                <a:latin typeface="Microsoft Yahei" panose="020B0503020204020204" pitchFamily="34" charset="-122"/>
+                <a:ea typeface="Microsoft Yahei" panose="020B0503020204020204" pitchFamily="34" charset="-122"/>
+              </a:rPr>
+              <a:t>2. </a:t>
+            </a:r>
+            <a:r>
+              <a:rPr lang="zh-CN" altLang="en-US" dirty="0">
+                <a:solidFill>
+                  <a:srgbClr val="858585"/>
+                </a:solidFill>
+                <a:latin typeface="Microsoft Yahei" panose="020B0503020204020204" pitchFamily="34" charset="-122"/>
+                <a:ea typeface="Microsoft Yahei" panose="020B0503020204020204" pitchFamily="34" charset="-122"/>
+              </a:rPr>
+              <a:t>中国香港、中国澳门籍选手须持港澳居民往来大陆通行证原件；</a:t>
+            </a:r>
+          </a:p>
+          <a:p>
+            <a:pPr fontAlgn="base"/>
+            <a:r>
+              <a:rPr lang="en-US" altLang="zh-CN" dirty="0">
+                <a:solidFill>
+                  <a:srgbClr val="858585"/>
+                </a:solidFill>
+                <a:latin typeface="Microsoft Yahei" panose="020B0503020204020204" pitchFamily="34" charset="-122"/>
+                <a:ea typeface="Microsoft Yahei" panose="020B0503020204020204" pitchFamily="34" charset="-122"/>
+              </a:rPr>
+              <a:t>3. </a:t>
+            </a:r>
+            <a:r>
+              <a:rPr lang="zh-CN" altLang="en-US" dirty="0">
+                <a:solidFill>
+                  <a:srgbClr val="858585"/>
+                </a:solidFill>
+                <a:latin typeface="Microsoft Yahei" panose="020B0503020204020204" pitchFamily="34" charset="-122"/>
+                <a:ea typeface="Microsoft Yahei" panose="020B0503020204020204" pitchFamily="34" charset="-122"/>
+              </a:rPr>
+              <a:t>中国台湾籍选手须持台湾居民往来大陆通行证；</a:t>
+            </a:r>
+          </a:p>
+          <a:p>
+            <a:pPr fontAlgn="base"/>
+            <a:r>
+              <a:rPr lang="en-US" altLang="zh-CN" dirty="0">
+                <a:solidFill>
+                  <a:srgbClr val="858585"/>
+                </a:solidFill>
+                <a:latin typeface="Microsoft Yahei" panose="020B0503020204020204" pitchFamily="34" charset="-122"/>
+                <a:ea typeface="Microsoft Yahei" panose="020B0503020204020204" pitchFamily="34" charset="-122"/>
+              </a:rPr>
+              <a:t>4. </a:t>
+            </a:r>
+            <a:r>
+              <a:rPr lang="zh-CN" altLang="en-US" dirty="0">
+                <a:solidFill>
+                  <a:srgbClr val="858585"/>
+                </a:solidFill>
+                <a:latin typeface="Microsoft Yahei" panose="020B0503020204020204" pitchFamily="34" charset="-122"/>
+                <a:ea typeface="Microsoft Yahei" panose="020B0503020204020204" pitchFamily="34" charset="-122"/>
+              </a:rPr>
+              <a:t>非中国籍选手须持护照原件。</a:t>
+            </a:r>
+          </a:p>
+          <a:p>
+            <a:pPr fontAlgn="base"/>
+            <a:r>
+              <a:rPr lang="zh-CN" altLang="en-US" dirty="0">
+                <a:solidFill>
+                  <a:srgbClr val="858585"/>
+                </a:solidFill>
+                <a:latin typeface="Microsoft Yahei" panose="020B0503020204020204" pitchFamily="34" charset="-122"/>
+                <a:ea typeface="Microsoft Yahei" panose="020B0503020204020204" pitchFamily="34" charset="-122"/>
+              </a:rPr>
+              <a:t>无上述证件原件者，将拒绝为其发放参赛物品。</a:t>
+            </a:r>
+          </a:p>
+          <a:p>
+            <a:pPr fontAlgn="base"/>
+            <a:r>
+              <a:rPr lang="zh-CN" altLang="en-US" dirty="0">
+                <a:solidFill>
+                  <a:srgbClr val="858585"/>
+                </a:solidFill>
+                <a:latin typeface="Microsoft Yahei" panose="020B0503020204020204" pitchFamily="34" charset="-122"/>
+                <a:ea typeface="Microsoft Yahei" panose="020B0503020204020204" pitchFamily="34" charset="-122"/>
+              </a:rPr>
+              <a:t>（四）领物说明</a:t>
+            </a:r>
+          </a:p>
+          <a:p>
+            <a:pPr fontAlgn="base"/>
+            <a:r>
+              <a:rPr lang="zh-CN" altLang="en-US" dirty="0">
+                <a:solidFill>
+                  <a:srgbClr val="858585"/>
+                </a:solidFill>
+                <a:latin typeface="Microsoft Yahei" panose="020B0503020204020204" pitchFamily="34" charset="-122"/>
+                <a:ea typeface="Microsoft Yahei" panose="020B0503020204020204" pitchFamily="34" charset="-122"/>
+              </a:rPr>
+              <a:t>参赛物品须选手本人领取，领物现场将利用人脸识别技术对选手身份进行逐一校验，人、证不一致的选手组委会将拒绝为其发放参赛物品</a:t>
+            </a:r>
+            <a:r>
+              <a:rPr lang="zh-CN" altLang="en-US" dirty="0" smtClean="0">
+                <a:solidFill>
+                  <a:srgbClr val="858585"/>
+                </a:solidFill>
+                <a:latin typeface="Microsoft Yahei" panose="020B0503020204020204" pitchFamily="34" charset="-122"/>
+                <a:ea typeface="Microsoft Yahei" panose="020B0503020204020204" pitchFamily="34" charset="-122"/>
+              </a:rPr>
+              <a:t>。</a:t>
+            </a:r>
+            <a:endParaRPr lang="en-US" altLang="zh-CN" dirty="0" smtClean="0">
+              <a:solidFill>
+                <a:srgbClr val="858585"/>
+              </a:solidFill>
+              <a:latin typeface="Microsoft Yahei" panose="020B0503020204020204" pitchFamily="34" charset="-122"/>
+              <a:ea typeface="Microsoft Yahei" panose="020B0503020204020204" pitchFamily="34" charset="-122"/>
+            </a:endParaRPr>
+          </a:p>
+          <a:p>
+            <a:pPr fontAlgn="base"/>
+            <a:r>
+              <a:rPr lang="zh-CN" altLang="en-US" dirty="0" smtClean="0">
+                <a:solidFill>
+                  <a:srgbClr val="858585"/>
+                </a:solidFill>
+                <a:latin typeface="Microsoft Yahei" panose="020B0503020204020204" pitchFamily="34" charset="-122"/>
+                <a:ea typeface="Microsoft Yahei" panose="020B0503020204020204" pitchFamily="34" charset="-122"/>
+              </a:rPr>
+              <a:t>（</a:t>
+            </a:r>
+            <a:r>
+              <a:rPr lang="zh-CN" altLang="en-US" dirty="0">
+                <a:solidFill>
+                  <a:srgbClr val="858585"/>
+                </a:solidFill>
+                <a:latin typeface="Microsoft Yahei" panose="020B0503020204020204" pitchFamily="34" charset="-122"/>
+                <a:ea typeface="Microsoft Yahei" panose="020B0503020204020204" pitchFamily="34" charset="-122"/>
+              </a:rPr>
+              <a:t>六）参赛手环说明</a:t>
+            </a:r>
+          </a:p>
+          <a:p>
+            <a:pPr fontAlgn="base"/>
+            <a:r>
+              <a:rPr lang="zh-CN" altLang="en-US" dirty="0">
+                <a:solidFill>
+                  <a:srgbClr val="858585"/>
+                </a:solidFill>
+                <a:latin typeface="Microsoft Yahei" panose="020B0503020204020204" pitchFamily="34" charset="-122"/>
+                <a:ea typeface="Microsoft Yahei" panose="020B0503020204020204" pitchFamily="34" charset="-122"/>
+              </a:rPr>
+              <a:t>参赛手环是选手参加比赛、领取完赛纪念品的重要凭证，工作人员将在物品发放时为选手现场佩戴参赛手环，选手不得自行取下、损坏、转让参赛手环，否则组委会有权拒绝选手进入起跑区，组委会有权拒绝为手环有明显破损痕迹的选手发放完赛纪念品。</a:t>
+            </a:r>
+            <a:endParaRPr lang="zh-CN" altLang="en-US" b="0" i="0" dirty="0">
+              <a:solidFill>
+                <a:srgbClr val="858585"/>
+              </a:solidFill>
+              <a:effectLst/>
+              <a:latin typeface="Microsoft Yahei" panose="020B0503020204020204" pitchFamily="34" charset="-122"/>
+              <a:ea typeface="Microsoft Yahei" panose="020B0503020204020204" pitchFamily="34" charset="-122"/>
+            </a:endParaRPr>
           </a:p>
         </p:txBody>
       </p:sp>
     </p:spTree>
     <p:extLst>
       <p:ext uri="{BB962C8B-B14F-4D97-AF65-F5344CB8AC3E}">
-        <p14:creationId xmlns:p14="http://schemas.microsoft.com/office/powerpoint/2010/main" val="3855406601"/>
+        <p14:creationId xmlns:p14="http://schemas.microsoft.com/office/powerpoint/2010/main" val="2956124818"/>
       </p:ext>
     </p:extLst>
   </p:cSld>
   <p:clrMapOvr>
     <a:masterClrMapping/>
   </p:clrMapOvr>
+  <p:timing>
+    <p:tnLst>
+      <p:par>
+        <p:cTn id="1" dur="indefinite" restart="never" nodeType="tmRoot"/>
+      </p:par>
+    </p:tnLst>
+  </p:timing>
 </p:sld>
 </file>
 
@@ -3426,9 +9500,87 @@
           <a:chExt cx="0" cy="0"/>
         </a:xfrm>
       </p:grpSpPr>
-      <p:sp>
-        <p:nvSpPr>
-          <p:cNvPr id="2" name="标题 1"/>
+      <p:pic>
+        <p:nvPicPr>
+          <p:cNvPr id="1026" name="Picture 2" descr="http://n.sinaimg.cn/sports/crawl/491/w550h741/20180905/c5QH-hitesuy3763634.jpg"/>
+          <p:cNvPicPr>
+            <a:picLocks noChangeAspect="1" noChangeArrowheads="1"/>
+          </p:cNvPicPr>
+          <p:nvPr/>
+        </p:nvPicPr>
+        <p:blipFill>
+          <a:blip r:embed="rId3">
+            <a:extLst>
+              <a:ext uri="{28A0092B-C50C-407E-A947-70E740481C1C}">
+                <a14:useLocalDpi xmlns:a14="http://schemas.microsoft.com/office/drawing/2010/main" val="0"/>
+              </a:ext>
+            </a:extLst>
+          </a:blip>
+          <a:srcRect/>
+          <a:stretch>
+            <a:fillRect/>
+          </a:stretch>
+        </p:blipFill>
+        <p:spPr bwMode="auto">
+          <a:xfrm>
+            <a:off x="3480178" y="162708"/>
+            <a:ext cx="4793824" cy="6458589"/>
+          </a:xfrm>
+          <a:prstGeom prst="rect">
+            <a:avLst/>
+          </a:prstGeom>
+          <a:noFill/>
+          <a:extLst>
+            <a:ext uri="{909E8E84-426E-40DD-AFC4-6F175D3DCCD1}">
+              <a14:hiddenFill xmlns:a14="http://schemas.microsoft.com/office/drawing/2010/main">
+                <a:solidFill>
+                  <a:srgbClr val="FFFFFF"/>
+                </a:solidFill>
+              </a14:hiddenFill>
+            </a:ext>
+          </a:extLst>
+        </p:spPr>
+      </p:pic>
+    </p:spTree>
+    <p:extLst>
+      <p:ext uri="{BB962C8B-B14F-4D97-AF65-F5344CB8AC3E}">
+        <p14:creationId xmlns:p14="http://schemas.microsoft.com/office/powerpoint/2010/main" val="3795103690"/>
+      </p:ext>
+    </p:extLst>
+  </p:cSld>
+  <p:clrMapOvr>
+    <a:masterClrMapping/>
+  </p:clrMapOvr>
+  <p:timing>
+    <p:tnLst>
+      <p:par>
+        <p:cTn id="1" dur="indefinite" restart="never" nodeType="tmRoot"/>
+      </p:par>
+    </p:tnLst>
+  </p:timing>
+</p:sld>
+</file>
+
+<file path=ppt/slides/slide8.xml><?xml version="1.0" encoding="utf-8"?>
+<p:sld xmlns:a="http://schemas.openxmlformats.org/drawingml/2006/main" xmlns:r="http://schemas.openxmlformats.org/officeDocument/2006/relationships" xmlns:p="http://schemas.openxmlformats.org/presentationml/2006/main">
+  <p:cSld>
+    <p:spTree>
+      <p:nvGrpSpPr>
+        <p:cNvPr id="1" name=""/>
+        <p:cNvGrpSpPr/>
+        <p:nvPr/>
+      </p:nvGrpSpPr>
+      <p:grpSpPr>
+        <a:xfrm>
+          <a:off x="0" y="0"/>
+          <a:ext cx="0" cy="0"/>
+          <a:chOff x="0" y="0"/>
+          <a:chExt cx="0" cy="0"/>
+        </a:xfrm>
+      </p:grpSpPr>
+      <p:sp>
+        <p:nvSpPr>
+          <p:cNvPr id="7" name="标题 1"/>
           <p:cNvSpPr>
             <a:spLocks noGrp="1"/>
           </p:cNvSpPr>
@@ -3436,55 +9588,551 @@
             <p:ph type="ctrTitle"/>
           </p:nvPr>
         </p:nvSpPr>
-        <p:spPr/>
+        <p:spPr>
+          <a:xfrm>
+            <a:off x="1619534" y="559557"/>
+            <a:ext cx="9144000" cy="1080662"/>
+          </a:xfrm>
+        </p:spPr>
         <p:txBody>
           <a:bodyPr/>
           <a:lstStyle/>
           <a:p>
             <a:r>
               <a:rPr lang="zh-CN" altLang="en-US" dirty="0" smtClean="0"/>
-              <a:t>跑步机</a:t>
+              <a:t>马拉松评定标准</a:t>
             </a:r>
             <a:endParaRPr lang="zh-CN" altLang="en-US" dirty="0"/>
           </a:p>
         </p:txBody>
       </p:sp>
-      <p:sp>
-        <p:nvSpPr>
-          <p:cNvPr id="3" name="副标题 2"/>
+      <p:pic>
+        <p:nvPicPr>
+          <p:cNvPr id="1026" name="Picture 2" descr="http://5b0988e595225.cdn.sohucs.com/images/20180207/d0aec22b81b94cfead4e46a22e632a0b.jpeg"/>
+          <p:cNvPicPr>
+            <a:picLocks noChangeAspect="1" noChangeArrowheads="1"/>
+          </p:cNvPicPr>
+          <p:nvPr/>
+        </p:nvPicPr>
+        <p:blipFill>
+          <a:blip r:embed="rId2">
+            <a:extLst>
+              <a:ext uri="{28A0092B-C50C-407E-A947-70E740481C1C}">
+                <a14:useLocalDpi xmlns:a14="http://schemas.microsoft.com/office/drawing/2010/main" val="0"/>
+              </a:ext>
+            </a:extLst>
+          </a:blip>
+          <a:srcRect/>
+          <a:stretch>
+            <a:fillRect/>
+          </a:stretch>
+        </p:blipFill>
+        <p:spPr bwMode="auto">
+          <a:xfrm>
+            <a:off x="1929784" y="1640219"/>
+            <a:ext cx="7943850" cy="4895850"/>
+          </a:xfrm>
+          <a:prstGeom prst="rect">
+            <a:avLst/>
+          </a:prstGeom>
+          <a:noFill/>
+          <a:extLst>
+            <a:ext uri="{909E8E84-426E-40DD-AFC4-6F175D3DCCD1}">
+              <a14:hiddenFill xmlns:a14="http://schemas.microsoft.com/office/drawing/2010/main">
+                <a:solidFill>
+                  <a:srgbClr val="FFFFFF"/>
+                </a:solidFill>
+              </a14:hiddenFill>
+            </a:ext>
+          </a:extLst>
+        </p:spPr>
+      </p:pic>
+    </p:spTree>
+    <p:extLst>
+      <p:ext uri="{BB962C8B-B14F-4D97-AF65-F5344CB8AC3E}">
+        <p14:creationId xmlns:p14="http://schemas.microsoft.com/office/powerpoint/2010/main" val="3729066328"/>
+      </p:ext>
+    </p:extLst>
+  </p:cSld>
+  <p:clrMapOvr>
+    <a:masterClrMapping/>
+  </p:clrMapOvr>
+</p:sld>
+</file>
+
+<file path=ppt/slides/slide9.xml><?xml version="1.0" encoding="utf-8"?>
+<p:sld xmlns:a="http://schemas.openxmlformats.org/drawingml/2006/main" xmlns:r="http://schemas.openxmlformats.org/officeDocument/2006/relationships" xmlns:p="http://schemas.openxmlformats.org/presentationml/2006/main">
+  <p:cSld>
+    <p:spTree>
+      <p:nvGrpSpPr>
+        <p:cNvPr id="1" name=""/>
+        <p:cNvGrpSpPr/>
+        <p:nvPr/>
+      </p:nvGrpSpPr>
+      <p:grpSpPr>
+        <a:xfrm>
+          <a:off x="0" y="0"/>
+          <a:ext cx="0" cy="0"/>
+          <a:chOff x="0" y="0"/>
+          <a:chExt cx="0" cy="0"/>
+        </a:xfrm>
+      </p:grpSpPr>
+      <p:sp>
+        <p:nvSpPr>
+          <p:cNvPr id="7" name="标题 1"/>
           <p:cNvSpPr>
             <a:spLocks noGrp="1"/>
           </p:cNvSpPr>
           <p:nvPr>
-            <p:ph type="subTitle" idx="1"/>
+            <p:ph type="ctrTitle"/>
           </p:nvPr>
         </p:nvSpPr>
-        <p:spPr/>
+        <p:spPr>
+          <a:xfrm>
+            <a:off x="1619534" y="559557"/>
+            <a:ext cx="9144000" cy="1080662"/>
+          </a:xfrm>
+        </p:spPr>
         <p:txBody>
           <a:bodyPr/>
           <a:lstStyle/>
           <a:p>
-            <a:pPr algn="l"/>
             <a:r>
               <a:rPr lang="zh-CN" altLang="en-US" dirty="0" smtClean="0"/>
-              <a:t>声音大，需要选时间运动</a:t>
-            </a:r>
-            <a:endParaRPr lang="en-US" altLang="zh-CN" dirty="0" smtClean="0"/>
-          </a:p>
-          <a:p>
-            <a:pPr algn="l"/>
-            <a:r>
-              <a:rPr lang="zh-CN" altLang="en-US" dirty="0" smtClean="0"/>
-              <a:t>冬天或许有用</a:t>
+              <a:t>我可以参加马拉松吗</a:t>
             </a:r>
             <a:endParaRPr lang="zh-CN" altLang="en-US" dirty="0"/>
+          </a:p>
+        </p:txBody>
+      </p:sp>
+      <p:sp>
+        <p:nvSpPr>
+          <p:cNvPr id="2" name="矩形 1"/>
+          <p:cNvSpPr/>
+          <p:nvPr/>
+        </p:nvSpPr>
+        <p:spPr>
+          <a:xfrm>
+            <a:off x="2907529" y="1893206"/>
+            <a:ext cx="3324949" cy="369332"/>
+          </a:xfrm>
+          <a:prstGeom prst="rect">
+            <a:avLst/>
+          </a:prstGeom>
+        </p:spPr>
+        <p:txBody>
+          <a:bodyPr wrap="none">
+            <a:spAutoFit/>
+          </a:bodyPr>
+          <a:lstStyle/>
+          <a:p>
+            <a:pPr>
+              <a:spcAft>
+                <a:spcPts val="0"/>
+              </a:spcAft>
+            </a:pPr>
+            <a:r>
+              <a:rPr lang="en-US" altLang="zh-CN" b="1" kern="0" dirty="0">
+                <a:solidFill>
+                  <a:srgbClr val="444444"/>
+                </a:solidFill>
+                <a:latin typeface="Hiragino Sans GB"/>
+                <a:cs typeface="宋体" panose="02010600030101010101" pitchFamily="2" charset="-122"/>
+              </a:rPr>
+              <a:t>1. </a:t>
+            </a:r>
+            <a:r>
+              <a:rPr lang="zh-CN" altLang="zh-CN" b="1" kern="0" dirty="0">
+                <a:solidFill>
+                  <a:srgbClr val="444444"/>
+                </a:solidFill>
+                <a:latin typeface="Hiragino Sans GB"/>
+                <a:cs typeface="宋体" panose="02010600030101010101" pitchFamily="2" charset="-122"/>
+              </a:rPr>
+              <a:t>开始跑步有多长的时间了？</a:t>
+            </a:r>
+            <a:endParaRPr lang="zh-CN" altLang="zh-CN" sz="1050" kern="100" dirty="0">
+              <a:latin typeface="Calibri" panose="020F0502020204030204" pitchFamily="34" charset="0"/>
+              <a:cs typeface="Times New Roman" panose="02020603050405020304" pitchFamily="18" charset="0"/>
+            </a:endParaRPr>
+          </a:p>
+        </p:txBody>
+      </p:sp>
+      <p:sp>
+        <p:nvSpPr>
+          <p:cNvPr id="5" name="矩形 4"/>
+          <p:cNvSpPr/>
+          <p:nvPr/>
+        </p:nvSpPr>
+        <p:spPr>
+          <a:xfrm>
+            <a:off x="2934825" y="2433637"/>
+            <a:ext cx="2395207" cy="369332"/>
+          </a:xfrm>
+          <a:prstGeom prst="rect">
+            <a:avLst/>
+          </a:prstGeom>
+        </p:spPr>
+        <p:txBody>
+          <a:bodyPr wrap="none">
+            <a:spAutoFit/>
+          </a:bodyPr>
+          <a:lstStyle/>
+          <a:p>
+            <a:pPr algn="just">
+              <a:spcAft>
+                <a:spcPts val="0"/>
+              </a:spcAft>
+            </a:pPr>
+            <a:r>
+              <a:rPr lang="en-US" altLang="zh-CN" b="1" kern="0" dirty="0">
+                <a:solidFill>
+                  <a:srgbClr val="444444"/>
+                </a:solidFill>
+                <a:latin typeface="Hiragino Sans GB"/>
+                <a:cs typeface="宋体" panose="02010600030101010101" pitchFamily="2" charset="-122"/>
+              </a:rPr>
+              <a:t>2. </a:t>
+            </a:r>
+            <a:r>
+              <a:rPr lang="zh-CN" altLang="zh-CN" b="1" kern="0" dirty="0">
+                <a:solidFill>
+                  <a:srgbClr val="444444"/>
+                </a:solidFill>
+                <a:latin typeface="Hiragino Sans GB"/>
+                <a:cs typeface="宋体" panose="02010600030101010101" pitchFamily="2" charset="-122"/>
+              </a:rPr>
+              <a:t>可以跑多少公里？</a:t>
+            </a:r>
+            <a:endParaRPr lang="zh-CN" altLang="zh-CN" sz="1050" kern="100" dirty="0">
+              <a:latin typeface="Calibri" panose="020F0502020204030204" pitchFamily="34" charset="0"/>
+              <a:cs typeface="Times New Roman" panose="02020603050405020304" pitchFamily="18" charset="0"/>
+            </a:endParaRPr>
+          </a:p>
+        </p:txBody>
+      </p:sp>
+      <p:sp>
+        <p:nvSpPr>
+          <p:cNvPr id="11" name="矩形 10"/>
+          <p:cNvSpPr/>
+          <p:nvPr/>
+        </p:nvSpPr>
+        <p:spPr>
+          <a:xfrm>
+            <a:off x="2934825" y="2986576"/>
+            <a:ext cx="1930337" cy="369332"/>
+          </a:xfrm>
+          <a:prstGeom prst="rect">
+            <a:avLst/>
+          </a:prstGeom>
+        </p:spPr>
+        <p:txBody>
+          <a:bodyPr wrap="none">
+            <a:spAutoFit/>
+          </a:bodyPr>
+          <a:lstStyle/>
+          <a:p>
+            <a:pPr algn="just">
+              <a:spcAft>
+                <a:spcPts val="0"/>
+              </a:spcAft>
+            </a:pPr>
+            <a:r>
+              <a:rPr lang="en-US" altLang="zh-CN" b="1" kern="0" dirty="0">
+                <a:solidFill>
+                  <a:srgbClr val="444444"/>
+                </a:solidFill>
+                <a:latin typeface="Hiragino Sans GB"/>
+                <a:cs typeface="宋体" panose="02010600030101010101" pitchFamily="2" charset="-122"/>
+              </a:rPr>
+              <a:t>3. </a:t>
+            </a:r>
+            <a:r>
+              <a:rPr lang="zh-CN" altLang="zh-CN" b="1" kern="0" dirty="0">
+                <a:solidFill>
+                  <a:srgbClr val="444444"/>
+                </a:solidFill>
+                <a:latin typeface="Hiragino Sans GB"/>
+                <a:cs typeface="宋体" panose="02010600030101010101" pitchFamily="2" charset="-122"/>
+              </a:rPr>
+              <a:t>做过体检吗？</a:t>
+            </a:r>
+            <a:endParaRPr lang="zh-CN" altLang="zh-CN" sz="1050" kern="100" dirty="0">
+              <a:latin typeface="Calibri" panose="020F0502020204030204" pitchFamily="34" charset="0"/>
+              <a:cs typeface="Times New Roman" panose="02020603050405020304" pitchFamily="18" charset="0"/>
+            </a:endParaRPr>
+          </a:p>
+        </p:txBody>
+      </p:sp>
+      <p:sp>
+        <p:nvSpPr>
+          <p:cNvPr id="12" name="矩形 11"/>
+          <p:cNvSpPr/>
+          <p:nvPr/>
+        </p:nvSpPr>
+        <p:spPr>
+          <a:xfrm>
+            <a:off x="2928210" y="3539515"/>
+            <a:ext cx="3092513" cy="369332"/>
+          </a:xfrm>
+          <a:prstGeom prst="rect">
+            <a:avLst/>
+          </a:prstGeom>
+        </p:spPr>
+        <p:txBody>
+          <a:bodyPr wrap="none">
+            <a:spAutoFit/>
+          </a:bodyPr>
+          <a:lstStyle/>
+          <a:p>
+            <a:pPr algn="just">
+              <a:spcAft>
+                <a:spcPts val="0"/>
+              </a:spcAft>
+            </a:pPr>
+            <a:r>
+              <a:rPr lang="en-US" altLang="zh-CN" b="1" kern="0" dirty="0">
+                <a:solidFill>
+                  <a:srgbClr val="444444"/>
+                </a:solidFill>
+                <a:latin typeface="Hiragino Sans GB"/>
+                <a:cs typeface="宋体" panose="02010600030101010101" pitchFamily="2" charset="-122"/>
+              </a:rPr>
+              <a:t>4. </a:t>
+            </a:r>
+            <a:r>
+              <a:rPr lang="zh-CN" altLang="zh-CN" b="1" kern="0" dirty="0">
+                <a:solidFill>
+                  <a:srgbClr val="444444"/>
+                </a:solidFill>
+                <a:latin typeface="Hiragino Sans GB"/>
+                <a:cs typeface="宋体" panose="02010600030101010101" pitchFamily="2" charset="-122"/>
+              </a:rPr>
+              <a:t>参加过任何路跑比赛吗？</a:t>
+            </a:r>
+            <a:endParaRPr lang="zh-CN" altLang="zh-CN" kern="100" dirty="0">
+              <a:latin typeface="Calibri" panose="020F0502020204030204" pitchFamily="34" charset="0"/>
+              <a:cs typeface="Times New Roman" panose="02020603050405020304" pitchFamily="18" charset="0"/>
+            </a:endParaRPr>
+          </a:p>
+        </p:txBody>
+      </p:sp>
+      <p:sp>
+        <p:nvSpPr>
+          <p:cNvPr id="13" name="矩形 12"/>
+          <p:cNvSpPr/>
+          <p:nvPr/>
+        </p:nvSpPr>
+        <p:spPr>
+          <a:xfrm>
+            <a:off x="2934825" y="4079946"/>
+            <a:ext cx="2162772" cy="369332"/>
+          </a:xfrm>
+          <a:prstGeom prst="rect">
+            <a:avLst/>
+          </a:prstGeom>
+        </p:spPr>
+        <p:txBody>
+          <a:bodyPr wrap="none">
+            <a:spAutoFit/>
+          </a:bodyPr>
+          <a:lstStyle/>
+          <a:p>
+            <a:pPr algn="just">
+              <a:spcAft>
+                <a:spcPts val="0"/>
+              </a:spcAft>
+            </a:pPr>
+            <a:r>
+              <a:rPr lang="en-US" altLang="zh-CN" b="1" kern="0" dirty="0">
+                <a:solidFill>
+                  <a:srgbClr val="444444"/>
+                </a:solidFill>
+                <a:latin typeface="Hiragino Sans GB"/>
+                <a:cs typeface="宋体" panose="02010600030101010101" pitchFamily="2" charset="-122"/>
+              </a:rPr>
+              <a:t>5. </a:t>
+            </a:r>
+            <a:r>
+              <a:rPr lang="zh-CN" altLang="zh-CN" b="1" kern="0" dirty="0">
+                <a:solidFill>
+                  <a:srgbClr val="444444"/>
+                </a:solidFill>
+                <a:latin typeface="Hiragino Sans GB"/>
+                <a:cs typeface="宋体" panose="02010600030101010101" pitchFamily="2" charset="-122"/>
+              </a:rPr>
+              <a:t>有时间训练吗？</a:t>
+            </a:r>
+            <a:endParaRPr lang="zh-CN" altLang="zh-CN" kern="100" dirty="0">
+              <a:latin typeface="Calibri" panose="020F0502020204030204" pitchFamily="34" charset="0"/>
+              <a:cs typeface="Times New Roman" panose="02020603050405020304" pitchFamily="18" charset="0"/>
+            </a:endParaRPr>
+          </a:p>
+        </p:txBody>
+      </p:sp>
+      <p:sp>
+        <p:nvSpPr>
+          <p:cNvPr id="14" name="矩形 13"/>
+          <p:cNvSpPr/>
+          <p:nvPr/>
+        </p:nvSpPr>
+        <p:spPr>
+          <a:xfrm>
+            <a:off x="2942955" y="4605070"/>
+            <a:ext cx="4254691" cy="369332"/>
+          </a:xfrm>
+          <a:prstGeom prst="rect">
+            <a:avLst/>
+          </a:prstGeom>
+        </p:spPr>
+        <p:txBody>
+          <a:bodyPr wrap="none">
+            <a:spAutoFit/>
+          </a:bodyPr>
+          <a:lstStyle/>
+          <a:p>
+            <a:pPr algn="just">
+              <a:spcAft>
+                <a:spcPts val="0"/>
+              </a:spcAft>
+            </a:pPr>
+            <a:r>
+              <a:rPr lang="en-US" altLang="zh-CN" b="1" kern="0" dirty="0">
+                <a:solidFill>
+                  <a:srgbClr val="444444"/>
+                </a:solidFill>
+                <a:latin typeface="Hiragino Sans GB"/>
+                <a:cs typeface="宋体" panose="02010600030101010101" pitchFamily="2" charset="-122"/>
+              </a:rPr>
+              <a:t>6. </a:t>
+            </a:r>
+            <a:r>
+              <a:rPr lang="zh-CN" altLang="zh-CN" b="1" kern="0" dirty="0">
+                <a:solidFill>
+                  <a:srgbClr val="444444"/>
+                </a:solidFill>
+                <a:latin typeface="Hiragino Sans GB"/>
+                <a:cs typeface="宋体" panose="02010600030101010101" pitchFamily="2" charset="-122"/>
+              </a:rPr>
+              <a:t>比赛当天的所有状况都考虑进去吗？</a:t>
+            </a:r>
+            <a:endParaRPr lang="zh-CN" altLang="zh-CN" kern="100" dirty="0">
+              <a:latin typeface="Calibri" panose="020F0502020204030204" pitchFamily="34" charset="0"/>
+              <a:cs typeface="Times New Roman" panose="02020603050405020304" pitchFamily="18" charset="0"/>
+            </a:endParaRPr>
+          </a:p>
+        </p:txBody>
+      </p:sp>
+      <p:sp>
+        <p:nvSpPr>
+          <p:cNvPr id="15" name="矩形 14"/>
+          <p:cNvSpPr/>
+          <p:nvPr/>
+        </p:nvSpPr>
+        <p:spPr>
+          <a:xfrm>
+            <a:off x="2948892" y="5145501"/>
+            <a:ext cx="2162772" cy="369332"/>
+          </a:xfrm>
+          <a:prstGeom prst="rect">
+            <a:avLst/>
+          </a:prstGeom>
+        </p:spPr>
+        <p:txBody>
+          <a:bodyPr wrap="none">
+            <a:spAutoFit/>
+          </a:bodyPr>
+          <a:lstStyle/>
+          <a:p>
+            <a:pPr algn="just">
+              <a:spcAft>
+                <a:spcPts val="0"/>
+              </a:spcAft>
+            </a:pPr>
+            <a:r>
+              <a:rPr lang="en-US" altLang="zh-CN" b="1" kern="0" dirty="0">
+                <a:solidFill>
+                  <a:srgbClr val="444444"/>
+                </a:solidFill>
+                <a:latin typeface="Hiragino Sans GB"/>
+                <a:cs typeface="宋体" panose="02010600030101010101" pitchFamily="2" charset="-122"/>
+              </a:rPr>
+              <a:t>7. </a:t>
+            </a:r>
+            <a:r>
+              <a:rPr lang="zh-CN" altLang="zh-CN" b="1" kern="0" dirty="0">
+                <a:solidFill>
+                  <a:srgbClr val="444444"/>
+                </a:solidFill>
+                <a:latin typeface="Hiragino Sans GB"/>
+                <a:cs typeface="宋体" panose="02010600030101010101" pitchFamily="2" charset="-122"/>
+              </a:rPr>
+              <a:t>做好功课了吗？</a:t>
+            </a:r>
+            <a:endParaRPr lang="zh-CN" altLang="zh-CN" kern="100" dirty="0">
+              <a:latin typeface="Calibri" panose="020F0502020204030204" pitchFamily="34" charset="0"/>
+              <a:cs typeface="Times New Roman" panose="02020603050405020304" pitchFamily="18" charset="0"/>
+            </a:endParaRPr>
+          </a:p>
+        </p:txBody>
+      </p:sp>
+      <p:sp>
+        <p:nvSpPr>
+          <p:cNvPr id="16" name="矩形 15"/>
+          <p:cNvSpPr/>
+          <p:nvPr/>
+        </p:nvSpPr>
+        <p:spPr>
+          <a:xfrm>
+            <a:off x="2983899" y="5684977"/>
+            <a:ext cx="2627642" cy="369332"/>
+          </a:xfrm>
+          <a:prstGeom prst="rect">
+            <a:avLst/>
+          </a:prstGeom>
+        </p:spPr>
+        <p:txBody>
+          <a:bodyPr wrap="none">
+            <a:spAutoFit/>
+          </a:bodyPr>
+          <a:lstStyle/>
+          <a:p>
+            <a:pPr>
+              <a:spcAft>
+                <a:spcPts val="0"/>
+              </a:spcAft>
+            </a:pPr>
+            <a:r>
+              <a:rPr lang="en-US" altLang="zh-CN" b="1" kern="0" dirty="0">
+                <a:solidFill>
+                  <a:srgbClr val="444444"/>
+                </a:solidFill>
+                <a:latin typeface="Hiragino Sans GB"/>
+                <a:cs typeface="宋体" panose="02010600030101010101" pitchFamily="2" charset="-122"/>
+              </a:rPr>
+              <a:t>8. </a:t>
+            </a:r>
+            <a:r>
+              <a:rPr lang="zh-CN" altLang="zh-CN" b="1" kern="0" dirty="0">
+                <a:solidFill>
+                  <a:srgbClr val="444444"/>
+                </a:solidFill>
+                <a:latin typeface="Hiragino Sans GB"/>
+                <a:cs typeface="宋体" panose="02010600030101010101" pitchFamily="2" charset="-122"/>
+              </a:rPr>
+              <a:t>为什么想跑马拉松？</a:t>
+            </a:r>
+            <a:endParaRPr lang="zh-CN" altLang="zh-CN" kern="100" dirty="0">
+              <a:latin typeface="Calibri" panose="020F0502020204030204" pitchFamily="34" charset="0"/>
+              <a:cs typeface="Times New Roman" panose="02020603050405020304" pitchFamily="18" charset="0"/>
+            </a:endParaRPr>
           </a:p>
         </p:txBody>
       </p:sp>
     </p:spTree>
     <p:extLst>
       <p:ext uri="{BB962C8B-B14F-4D97-AF65-F5344CB8AC3E}">
-        <p14:creationId xmlns:p14="http://schemas.microsoft.com/office/powerpoint/2010/main" val="2168787031"/>
+        <p14:creationId xmlns:p14="http://schemas.microsoft.com/office/powerpoint/2010/main" val="3797583962"/>
       </p:ext>
     </p:extLst>
   </p:cSld>
@@ -3753,4 +10401,265 @@
     </a:ext>
   </a:extLst>
 </a:theme>
+</file>
+
+<file path=ppt/theme/theme2.xml><?xml version="1.0" encoding="utf-8"?>
+<a:theme xmlns:a="http://schemas.openxmlformats.org/drawingml/2006/main" name="Office 主题">
+  <a:themeElements>
+    <a:clrScheme name="Office">
+      <a:dk1>
+        <a:sysClr val="windowText" lastClr="000000"/>
+      </a:dk1>
+      <a:lt1>
+        <a:sysClr val="window" lastClr="FFFFFF"/>
+      </a:lt1>
+      <a:dk2>
+        <a:srgbClr val="44546A"/>
+      </a:dk2>
+      <a:lt2>
+        <a:srgbClr val="E7E6E6"/>
+      </a:lt2>
+      <a:accent1>
+        <a:srgbClr val="5B9BD5"/>
+      </a:accent1>
+      <a:accent2>
+        <a:srgbClr val="ED7D31"/>
+      </a:accent2>
+      <a:accent3>
+        <a:srgbClr val="A5A5A5"/>
+      </a:accent3>
+      <a:accent4>
+        <a:srgbClr val="FFC000"/>
+      </a:accent4>
+      <a:accent5>
+        <a:srgbClr val="4472C4"/>
+      </a:accent5>
+      <a:accent6>
+        <a:srgbClr val="70AD47"/>
+      </a:accent6>
+      <a:hlink>
+        <a:srgbClr val="0563C1"/>
+      </a:hlink>
+      <a:folHlink>
+        <a:srgbClr val="954F72"/>
+      </a:folHlink>
+    </a:clrScheme>
+    <a:fontScheme name="Office">
+      <a:majorFont>
+        <a:latin typeface="Calibri Light" panose="020F0302020204030204"/>
+        <a:ea typeface=""/>
+        <a:cs typeface=""/>
+        <a:font script="Jpan" typeface="ＭＳ Ｐゴシック"/>
+        <a:font script="Hang" typeface="맑은 고딕"/>
+        <a:font script="Hans" typeface="宋体"/>
+        <a:font script="Hant" typeface="新細明體"/>
+        <a:font script="Arab" typeface="Times New Roman"/>
+        <a:font script="Hebr" typeface="Times New Roman"/>
+        <a:font script="Thai" typeface="Angsana New"/>
+        <a:font script="Ethi" typeface="Nyala"/>
+        <a:font script="Beng" typeface="Vrinda"/>
+        <a:font script="Gujr" typeface="Shruti"/>
+        <a:font script="Khmr" typeface="MoolBoran"/>
+        <a:font script="Knda" typeface="Tunga"/>
+        <a:font script="Guru" typeface="Raavi"/>
+        <a:font script="Cans" typeface="Euphemia"/>
+        <a:font script="Cher" typeface="Plantagenet Cherokee"/>
+        <a:font script="Yiii" typeface="Microsoft Yi Baiti"/>
+        <a:font script="Tibt" typeface="Microsoft Himalaya"/>
+        <a:font script="Thaa" typeface="MV Boli"/>
+        <a:font script="Deva" typeface="Mangal"/>
+        <a:font script="Telu" typeface="Gautami"/>
+        <a:font script="Taml" typeface="Latha"/>
+        <a:font script="Syrc" typeface="Estrangelo Edessa"/>
+        <a:font script="Orya" typeface="Kalinga"/>
+        <a:font script="Mlym" typeface="Kartika"/>
+        <a:font script="Laoo" typeface="DokChampa"/>
+        <a:font script="Sinh" typeface="Iskoola Pota"/>
+        <a:font script="Mong" typeface="Mongolian Baiti"/>
+        <a:font script="Viet" typeface="Times New Roman"/>
+        <a:font script="Uigh" typeface="Microsoft Uighur"/>
+        <a:font script="Geor" typeface="Sylfaen"/>
+      </a:majorFont>
+      <a:minorFont>
+        <a:latin typeface="Calibri" panose="020F0502020204030204"/>
+        <a:ea typeface=""/>
+        <a:cs typeface=""/>
+        <a:font script="Jpan" typeface="ＭＳ Ｐゴシック"/>
+        <a:font script="Hang" typeface="맑은 고딕"/>
+        <a:font script="Hans" typeface="宋体"/>
+        <a:font script="Hant" typeface="新細明體"/>
+        <a:font script="Arab" typeface="Arial"/>
+        <a:font script="Hebr" typeface="Arial"/>
+        <a:font script="Thai" typeface="Cordia New"/>
+        <a:font script="Ethi" typeface="Nyala"/>
+        <a:font script="Beng" typeface="Vrinda"/>
+        <a:font script="Gujr" typeface="Shruti"/>
+        <a:font script="Khmr" typeface="DaunPenh"/>
+        <a:font script="Knda" typeface="Tunga"/>
+        <a:font script="Guru" typeface="Raavi"/>
+        <a:font script="Cans" typeface="Euphemia"/>
+        <a:font script="Cher" typeface="Plantagenet Cherokee"/>
+        <a:font script="Yiii" typeface="Microsoft Yi Baiti"/>
+        <a:font script="Tibt" typeface="Microsoft Himalaya"/>
+        <a:font script="Thaa" typeface="MV Boli"/>
+        <a:font script="Deva" typeface="Mangal"/>
+        <a:font script="Telu" typeface="Gautami"/>
+        <a:font script="Taml" typeface="Latha"/>
+        <a:font script="Syrc" typeface="Estrangelo Edessa"/>
+        <a:font script="Orya" typeface="Kalinga"/>
+        <a:font script="Mlym" typeface="Kartika"/>
+        <a:font script="Laoo" typeface="DokChampa"/>
+        <a:font script="Sinh" typeface="Iskoola Pota"/>
+        <a:font script="Mong" typeface="Mongolian Baiti"/>
+        <a:font script="Viet" typeface="Arial"/>
+        <a:font script="Uigh" typeface="Microsoft Uighur"/>
+        <a:font script="Geor" typeface="Sylfaen"/>
+      </a:minorFont>
+    </a:fontScheme>
+    <a:fmtScheme name="Office">
+      <a:fillStyleLst>
+        <a:solidFill>
+          <a:schemeClr val="phClr"/>
+        </a:solidFill>
+        <a:gradFill rotWithShape="1">
+          <a:gsLst>
+            <a:gs pos="0">
+              <a:schemeClr val="phClr">
+                <a:lumMod val="110000"/>
+                <a:satMod val="105000"/>
+                <a:tint val="67000"/>
+              </a:schemeClr>
+            </a:gs>
+            <a:gs pos="50000">
+              <a:schemeClr val="phClr">
+                <a:lumMod val="105000"/>
+                <a:satMod val="103000"/>
+                <a:tint val="73000"/>
+              </a:schemeClr>
+            </a:gs>
+            <a:gs pos="100000">
+              <a:schemeClr val="phClr">
+                <a:lumMod val="105000"/>
+                <a:satMod val="109000"/>
+                <a:tint val="81000"/>
+              </a:schemeClr>
+            </a:gs>
+          </a:gsLst>
+          <a:lin ang="5400000" scaled="0"/>
+        </a:gradFill>
+        <a:gradFill rotWithShape="1">
+          <a:gsLst>
+            <a:gs pos="0">
+              <a:schemeClr val="phClr">
+                <a:satMod val="103000"/>
+                <a:lumMod val="102000"/>
+                <a:tint val="94000"/>
+              </a:schemeClr>
+            </a:gs>
+            <a:gs pos="50000">
+              <a:schemeClr val="phClr">
+                <a:satMod val="110000"/>
+                <a:lumMod val="100000"/>
+                <a:shade val="100000"/>
+              </a:schemeClr>
+            </a:gs>
+            <a:gs pos="100000">
+              <a:schemeClr val="phClr">
+                <a:lumMod val="99000"/>
+                <a:satMod val="120000"/>
+                <a:shade val="78000"/>
+              </a:schemeClr>
+            </a:gs>
+          </a:gsLst>
+          <a:lin ang="5400000" scaled="0"/>
+        </a:gradFill>
+      </a:fillStyleLst>
+      <a:lnStyleLst>
+        <a:ln w="6350" cap="flat" cmpd="sng" algn="ctr">
+          <a:solidFill>
+            <a:schemeClr val="phClr"/>
+          </a:solidFill>
+          <a:prstDash val="solid"/>
+          <a:miter lim="800000"/>
+        </a:ln>
+        <a:ln w="12700" cap="flat" cmpd="sng" algn="ctr">
+          <a:solidFill>
+            <a:schemeClr val="phClr"/>
+          </a:solidFill>
+          <a:prstDash val="solid"/>
+          <a:miter lim="800000"/>
+        </a:ln>
+        <a:ln w="19050" cap="flat" cmpd="sng" algn="ctr">
+          <a:solidFill>
+            <a:schemeClr val="phClr"/>
+          </a:solidFill>
+          <a:prstDash val="solid"/>
+          <a:miter lim="800000"/>
+        </a:ln>
+      </a:lnStyleLst>
+      <a:effectStyleLst>
+        <a:effectStyle>
+          <a:effectLst/>
+        </a:effectStyle>
+        <a:effectStyle>
+          <a:effectLst/>
+        </a:effectStyle>
+        <a:effectStyle>
+          <a:effectLst>
+            <a:outerShdw blurRad="57150" dist="19050" dir="5400000" algn="ctr" rotWithShape="0">
+              <a:srgbClr val="000000">
+                <a:alpha val="63000"/>
+              </a:srgbClr>
+            </a:outerShdw>
+          </a:effectLst>
+        </a:effectStyle>
+      </a:effectStyleLst>
+      <a:bgFillStyleLst>
+        <a:solidFill>
+          <a:schemeClr val="phClr"/>
+        </a:solidFill>
+        <a:solidFill>
+          <a:schemeClr val="phClr">
+            <a:tint val="95000"/>
+            <a:satMod val="170000"/>
+          </a:schemeClr>
+        </a:solidFill>
+        <a:gradFill rotWithShape="1">
+          <a:gsLst>
+            <a:gs pos="0">
+              <a:schemeClr val="phClr">
+                <a:tint val="93000"/>
+                <a:satMod val="150000"/>
+                <a:shade val="98000"/>
+                <a:lumMod val="102000"/>
+              </a:schemeClr>
+            </a:gs>
+            <a:gs pos="50000">
+              <a:schemeClr val="phClr">
+                <a:tint val="98000"/>
+                <a:satMod val="130000"/>
+                <a:shade val="90000"/>
+                <a:lumMod val="103000"/>
+              </a:schemeClr>
+            </a:gs>
+            <a:gs pos="100000">
+              <a:schemeClr val="phClr">
+                <a:shade val="63000"/>
+                <a:satMod val="120000"/>
+              </a:schemeClr>
+            </a:gs>
+          </a:gsLst>
+          <a:lin ang="5400000" scaled="0"/>
+        </a:gradFill>
+      </a:bgFillStyleLst>
+    </a:fmtScheme>
+  </a:themeElements>
+  <a:objectDefaults/>
+  <a:extraClrSchemeLst/>
+  <a:extLst>
+    <a:ext uri="{05A4C25C-085E-4340-85A3-A5531E510DB2}">
+      <thm15:themeFamily xmlns:thm15="http://schemas.microsoft.com/office/thememl/2012/main" name="Office Theme" id="{62F939B6-93AF-4DB8-9C6B-D6C7DFDC589F}" vid="{4A3C46E8-61CC-4603-A589-7422A47A8E4A}"/>
+    </a:ext>
+  </a:extLst>
+</a:theme>
 </file>
--- a/其他/run/run.pptx
+++ b/其他/run/run.pptx
@@ -2,10 +2,10 @@
 <file path=ppt/presentation.xml><?xml version="1.0" encoding="utf-8"?>
 <p:presentation xmlns:a="http://schemas.openxmlformats.org/drawingml/2006/main" xmlns:r="http://schemas.openxmlformats.org/officeDocument/2006/relationships" xmlns:p="http://schemas.openxmlformats.org/presentationml/2006/main" saveSubsetFonts="1">
   <p:sldMasterIdLst>
-    <p:sldMasterId id="2147483648" r:id="rId1"/>
+    <p:sldMasterId id="2147483773" r:id="rId1"/>
   </p:sldMasterIdLst>
   <p:notesMasterIdLst>
-    <p:notesMasterId r:id="rId17"/>
+    <p:notesMasterId r:id="rId16"/>
   </p:notesMasterIdLst>
   <p:sldIdLst>
     <p:sldId id="270" r:id="rId2"/>
@@ -22,7 +22,6 @@
     <p:sldId id="279" r:id="rId13"/>
     <p:sldId id="259" r:id="rId14"/>
     <p:sldId id="282" r:id="rId15"/>
-    <p:sldId id="276" r:id="rId16"/>
   </p:sldIdLst>
   <p:sldSz cx="12192000" cy="6858000"/>
   <p:notesSz cx="6858000" cy="9144000"/>
@@ -745,7 +744,7 @@
     </p:spTree>
     <p:extLst>
       <p:ext uri="{BB962C8B-B14F-4D97-AF65-F5344CB8AC3E}">
-        <p14:creationId xmlns:p14="http://schemas.microsoft.com/office/powerpoint/2010/main" val="1121424885"/>
+        <p14:creationId xmlns:p14="http://schemas.microsoft.com/office/powerpoint/2010/main" val="2816914283"/>
       </p:ext>
     </p:extLst>
   </p:cSld>
@@ -915,7 +914,7 @@
     </p:spTree>
     <p:extLst>
       <p:ext uri="{BB962C8B-B14F-4D97-AF65-F5344CB8AC3E}">
-        <p14:creationId xmlns:p14="http://schemas.microsoft.com/office/powerpoint/2010/main" val="2297964526"/>
+        <p14:creationId xmlns:p14="http://schemas.microsoft.com/office/powerpoint/2010/main" val="31922692"/>
       </p:ext>
     </p:extLst>
   </p:cSld>
@@ -1095,7 +1094,7 @@
     </p:spTree>
     <p:extLst>
       <p:ext uri="{BB962C8B-B14F-4D97-AF65-F5344CB8AC3E}">
-        <p14:creationId xmlns:p14="http://schemas.microsoft.com/office/powerpoint/2010/main" val="548060"/>
+        <p14:creationId xmlns:p14="http://schemas.microsoft.com/office/powerpoint/2010/main" val="133725375"/>
       </p:ext>
     </p:extLst>
   </p:cSld>
@@ -1265,7 +1264,7 @@
     </p:spTree>
     <p:extLst>
       <p:ext uri="{BB962C8B-B14F-4D97-AF65-F5344CB8AC3E}">
-        <p14:creationId xmlns:p14="http://schemas.microsoft.com/office/powerpoint/2010/main" val="3767629416"/>
+        <p14:creationId xmlns:p14="http://schemas.microsoft.com/office/powerpoint/2010/main" val="3630547952"/>
       </p:ext>
     </p:extLst>
   </p:cSld>
@@ -1511,7 +1510,7 @@
     </p:spTree>
     <p:extLst>
       <p:ext uri="{BB962C8B-B14F-4D97-AF65-F5344CB8AC3E}">
-        <p14:creationId xmlns:p14="http://schemas.microsoft.com/office/powerpoint/2010/main" val="3311213658"/>
+        <p14:creationId xmlns:p14="http://schemas.microsoft.com/office/powerpoint/2010/main" val="2882286448"/>
       </p:ext>
     </p:extLst>
   </p:cSld>
@@ -1743,7 +1742,7 @@
     </p:spTree>
     <p:extLst>
       <p:ext uri="{BB962C8B-B14F-4D97-AF65-F5344CB8AC3E}">
-        <p14:creationId xmlns:p14="http://schemas.microsoft.com/office/powerpoint/2010/main" val="841818583"/>
+        <p14:creationId xmlns:p14="http://schemas.microsoft.com/office/powerpoint/2010/main" val="2750735671"/>
       </p:ext>
     </p:extLst>
   </p:cSld>
@@ -2110,7 +2109,7 @@
     </p:spTree>
     <p:extLst>
       <p:ext uri="{BB962C8B-B14F-4D97-AF65-F5344CB8AC3E}">
-        <p14:creationId xmlns:p14="http://schemas.microsoft.com/office/powerpoint/2010/main" val="4100941365"/>
+        <p14:creationId xmlns:p14="http://schemas.microsoft.com/office/powerpoint/2010/main" val="163313305"/>
       </p:ext>
     </p:extLst>
   </p:cSld>
@@ -2228,7 +2227,7 @@
     </p:spTree>
     <p:extLst>
       <p:ext uri="{BB962C8B-B14F-4D97-AF65-F5344CB8AC3E}">
-        <p14:creationId xmlns:p14="http://schemas.microsoft.com/office/powerpoint/2010/main" val="1469057607"/>
+        <p14:creationId xmlns:p14="http://schemas.microsoft.com/office/powerpoint/2010/main" val="673592861"/>
       </p:ext>
     </p:extLst>
   </p:cSld>
@@ -2323,7 +2322,7 @@
     </p:spTree>
     <p:extLst>
       <p:ext uri="{BB962C8B-B14F-4D97-AF65-F5344CB8AC3E}">
-        <p14:creationId xmlns:p14="http://schemas.microsoft.com/office/powerpoint/2010/main" val="3397164748"/>
+        <p14:creationId xmlns:p14="http://schemas.microsoft.com/office/powerpoint/2010/main" val="2617982493"/>
       </p:ext>
     </p:extLst>
   </p:cSld>
@@ -2600,7 +2599,7 @@
     </p:spTree>
     <p:extLst>
       <p:ext uri="{BB962C8B-B14F-4D97-AF65-F5344CB8AC3E}">
-        <p14:creationId xmlns:p14="http://schemas.microsoft.com/office/powerpoint/2010/main" val="2480711578"/>
+        <p14:creationId xmlns:p14="http://schemas.microsoft.com/office/powerpoint/2010/main" val="1399892315"/>
       </p:ext>
     </p:extLst>
   </p:cSld>
@@ -2853,7 +2852,7 @@
     </p:spTree>
     <p:extLst>
       <p:ext uri="{BB962C8B-B14F-4D97-AF65-F5344CB8AC3E}">
-        <p14:creationId xmlns:p14="http://schemas.microsoft.com/office/powerpoint/2010/main" val="3166299849"/>
+        <p14:creationId xmlns:p14="http://schemas.microsoft.com/office/powerpoint/2010/main" val="815630484"/>
       </p:ext>
     </p:extLst>
   </p:cSld>
@@ -3102,23 +3101,23 @@
     </p:spTree>
     <p:extLst>
       <p:ext uri="{BB962C8B-B14F-4D97-AF65-F5344CB8AC3E}">
-        <p14:creationId xmlns:p14="http://schemas.microsoft.com/office/powerpoint/2010/main" val="2567793853"/>
+        <p14:creationId xmlns:p14="http://schemas.microsoft.com/office/powerpoint/2010/main" val="307619484"/>
       </p:ext>
     </p:extLst>
   </p:cSld>
   <p:clrMap bg1="lt1" tx1="dk1" bg2="lt2" tx2="dk2" accent1="accent1" accent2="accent2" accent3="accent3" accent4="accent4" accent5="accent5" accent6="accent6" hlink="hlink" folHlink="folHlink"/>
   <p:sldLayoutIdLst>
-    <p:sldLayoutId id="2147483649" r:id="rId1"/>
-    <p:sldLayoutId id="2147483650" r:id="rId2"/>
-    <p:sldLayoutId id="2147483651" r:id="rId3"/>
-    <p:sldLayoutId id="2147483652" r:id="rId4"/>
-    <p:sldLayoutId id="2147483653" r:id="rId5"/>
-    <p:sldLayoutId id="2147483654" r:id="rId6"/>
-    <p:sldLayoutId id="2147483655" r:id="rId7"/>
-    <p:sldLayoutId id="2147483656" r:id="rId8"/>
-    <p:sldLayoutId id="2147483657" r:id="rId9"/>
-    <p:sldLayoutId id="2147483658" r:id="rId10"/>
-    <p:sldLayoutId id="2147483659" r:id="rId11"/>
+    <p:sldLayoutId id="2147483774" r:id="rId1"/>
+    <p:sldLayoutId id="2147483775" r:id="rId2"/>
+    <p:sldLayoutId id="2147483776" r:id="rId3"/>
+    <p:sldLayoutId id="2147483777" r:id="rId4"/>
+    <p:sldLayoutId id="2147483778" r:id="rId5"/>
+    <p:sldLayoutId id="2147483779" r:id="rId6"/>
+    <p:sldLayoutId id="2147483780" r:id="rId7"/>
+    <p:sldLayoutId id="2147483781" r:id="rId8"/>
+    <p:sldLayoutId id="2147483782" r:id="rId9"/>
+    <p:sldLayoutId id="2147483783" r:id="rId10"/>
+    <p:sldLayoutId id="2147483784" r:id="rId11"/>
   </p:sldLayoutIdLst>
   <p:txStyles>
     <p:titleStyle>
@@ -3491,7 +3490,12 @@
             <p:ph type="ctrTitle"/>
           </p:nvPr>
         </p:nvSpPr>
-        <p:spPr/>
+        <p:spPr>
+          <a:xfrm>
+            <a:off x="1455762" y="586854"/>
+            <a:ext cx="9144000" cy="1039718"/>
+          </a:xfrm>
+        </p:spPr>
         <p:txBody>
           <a:bodyPr/>
           <a:lstStyle/>
@@ -3518,6 +3522,13 @@
   <p:clrMapOvr>
     <a:masterClrMapping/>
   </p:clrMapOvr>
+  <p:timing>
+    <p:tnLst>
+      <p:par>
+        <p:cTn id="1" dur="indefinite" restart="never" nodeType="tmRoot"/>
+      </p:par>
+    </p:tnLst>
+  </p:timing>
 </p:sld>
 </file>
 
@@ -3555,7 +3566,9 @@
           </a:xfrm>
         </p:spPr>
         <p:txBody>
-          <a:bodyPr/>
+          <a:bodyPr>
+            <a:normAutofit/>
+          </a:bodyPr>
           <a:lstStyle/>
           <a:p>
             <a:r>
@@ -3691,6 +3704,13 @@
   <p:clrMapOvr>
     <a:masterClrMapping/>
   </p:clrMapOvr>
+  <p:timing>
+    <p:tnLst>
+      <p:par>
+        <p:cTn id="1" dur="indefinite" restart="never" nodeType="tmRoot"/>
+      </p:par>
+    </p:tnLst>
+  </p:timing>
 </p:sld>
 </file>
 
@@ -3728,7 +3748,9 @@
           </a:xfrm>
         </p:spPr>
         <p:txBody>
-          <a:bodyPr/>
+          <a:bodyPr>
+            <a:normAutofit/>
+          </a:bodyPr>
           <a:lstStyle/>
           <a:p>
             <a:r>
@@ -3742,78 +3764,6 @@
             <a:r>
               <a:rPr lang="zh-CN" altLang="en-US" dirty="0" smtClean="0"/>
               <a:t>音乐</a:t>
-            </a:r>
-            <a:endParaRPr lang="zh-CN" altLang="en-US" dirty="0"/>
-          </a:p>
-        </p:txBody>
-      </p:sp>
-      <p:sp>
-        <p:nvSpPr>
-          <p:cNvPr id="7" name="矩形 6"/>
-          <p:cNvSpPr/>
-          <p:nvPr/>
-        </p:nvSpPr>
-        <p:spPr>
-          <a:xfrm>
-            <a:off x="755175" y="1846197"/>
-            <a:ext cx="10981899" cy="923330"/>
-          </a:xfrm>
-          <a:prstGeom prst="rect">
-            <a:avLst/>
-          </a:prstGeom>
-        </p:spPr>
-        <p:txBody>
-          <a:bodyPr wrap="square">
-            <a:spAutoFit/>
-          </a:bodyPr>
-          <a:lstStyle/>
-          <a:p>
-            <a:r>
-              <a:rPr lang="zh-CN" altLang="en-US" dirty="0">
-                <a:solidFill>
-                  <a:srgbClr val="404040"/>
-                </a:solidFill>
-                <a:latin typeface="Microsoft Yahei" panose="020B0503020204020204" pitchFamily="34" charset="-122"/>
-                <a:ea typeface="Microsoft Yahei" panose="020B0503020204020204" pitchFamily="34" charset="-122"/>
-              </a:rPr>
-              <a:t>从随身听被发明出来之后，就开始有</a:t>
-            </a:r>
-            <a:r>
-              <a:rPr lang="zh-CN" altLang="en-US" dirty="0">
-                <a:latin typeface="Microsoft Yahei" panose="020B0503020204020204" pitchFamily="34" charset="-122"/>
-                <a:ea typeface="Microsoft Yahei" panose="020B0503020204020204" pitchFamily="34" charset="-122"/>
-              </a:rPr>
-              <a:t>跑者跑步</a:t>
-            </a:r>
-            <a:r>
-              <a:rPr lang="zh-CN" altLang="en-US" dirty="0">
-                <a:solidFill>
-                  <a:srgbClr val="404040"/>
-                </a:solidFill>
-                <a:latin typeface="Microsoft Yahei" panose="020B0503020204020204" pitchFamily="34" charset="-122"/>
-                <a:ea typeface="Microsoft Yahei" panose="020B0503020204020204" pitchFamily="34" charset="-122"/>
-              </a:rPr>
-              <a:t>时戴耳机听音乐，而关于这个做法的争论也就从那时开始了。据了解，有超过</a:t>
-            </a:r>
-            <a:r>
-              <a:rPr lang="en-US" altLang="zh-CN" dirty="0">
-                <a:solidFill>
-                  <a:srgbClr val="404040"/>
-                </a:solidFill>
-                <a:latin typeface="Microsoft Yahei" panose="020B0503020204020204" pitchFamily="34" charset="-122"/>
-                <a:ea typeface="Microsoft Yahei" panose="020B0503020204020204" pitchFamily="34" charset="-122"/>
-              </a:rPr>
-              <a:t>6</a:t>
-            </a:r>
-            <a:r>
-              <a:rPr lang="zh-CN" altLang="en-US" dirty="0">
-                <a:solidFill>
-                  <a:srgbClr val="404040"/>
-                </a:solidFill>
-                <a:latin typeface="Microsoft Yahei" panose="020B0503020204020204" pitchFamily="34" charset="-122"/>
-                <a:ea typeface="Microsoft Yahei" panose="020B0503020204020204" pitchFamily="34" charset="-122"/>
-              </a:rPr>
-              <a:t>成的跑者会选择跑步时戴耳机。实际上，跑步时戴耳机有利有弊，跑者们可以根据自己的实际情况做出决定。</a:t>
             </a:r>
             <a:endParaRPr lang="zh-CN" altLang="en-US" dirty="0"/>
           </a:p>
@@ -3827,212 +3777,72 @@
         </p:nvSpPr>
         <p:spPr>
           <a:xfrm>
-            <a:off x="755174" y="2979047"/>
-            <a:ext cx="6096000" cy="1477328"/>
+            <a:off x="2079007" y="2010056"/>
+            <a:ext cx="4493538" cy="2246769"/>
           </a:xfrm>
           <a:prstGeom prst="rect">
             <a:avLst/>
           </a:prstGeom>
         </p:spPr>
         <p:txBody>
-          <a:bodyPr>
+          <a:bodyPr wrap="none">
             <a:spAutoFit/>
           </a:bodyPr>
           <a:lstStyle/>
           <a:p>
-            <a:pPr algn="just"/>
-            <a:r>
-              <a:rPr lang="zh-CN" altLang="en-US" b="1" dirty="0" smtClean="0">
-                <a:solidFill>
-                  <a:srgbClr val="404040"/>
-                </a:solidFill>
-                <a:latin typeface="Microsoft Yahei" panose="020B0503020204020204" pitchFamily="34" charset="-122"/>
-                <a:ea typeface="Microsoft Yahei" panose="020B0503020204020204" pitchFamily="34" charset="-122"/>
-              </a:rPr>
-              <a:t>一</a:t>
-            </a:r>
-            <a:r>
-              <a:rPr lang="zh-CN" altLang="en-US" b="1" dirty="0">
-                <a:solidFill>
-                  <a:srgbClr val="404040"/>
-                </a:solidFill>
-                <a:latin typeface="Microsoft Yahei" panose="020B0503020204020204" pitchFamily="34" charset="-122"/>
-                <a:ea typeface="Microsoft Yahei" panose="020B0503020204020204" pitchFamily="34" charset="-122"/>
-              </a:rPr>
-              <a:t>：提升</a:t>
-            </a:r>
-            <a:r>
-              <a:rPr lang="zh-CN" altLang="en-US" b="1" dirty="0" smtClean="0">
-                <a:solidFill>
-                  <a:srgbClr val="404040"/>
-                </a:solidFill>
-                <a:latin typeface="Microsoft Yahei" panose="020B0503020204020204" pitchFamily="34" charset="-122"/>
-                <a:ea typeface="Microsoft Yahei" panose="020B0503020204020204" pitchFamily="34" charset="-122"/>
-              </a:rPr>
+            <a:r>
+              <a:rPr lang="zh-CN" altLang="en-US" sz="2800" dirty="0" smtClean="0"/>
+              <a:t>提升</a:t>
+            </a:r>
+            <a:r>
+              <a:rPr lang="zh-CN" altLang="en-US" sz="2800" dirty="0"/>
               <a:t>情绪</a:t>
             </a:r>
-            <a:endParaRPr lang="en-US" altLang="zh-CN" b="1" dirty="0" smtClean="0">
-              <a:solidFill>
-                <a:srgbClr val="404040"/>
-              </a:solidFill>
-              <a:latin typeface="Microsoft Yahei" panose="020B0503020204020204" pitchFamily="34" charset="-122"/>
-              <a:ea typeface="Microsoft Yahei" panose="020B0503020204020204" pitchFamily="34" charset="-122"/>
-            </a:endParaRPr>
-          </a:p>
-          <a:p>
-            <a:pPr algn="just"/>
-            <a:endParaRPr lang="zh-CN" altLang="en-US" dirty="0">
-              <a:solidFill>
-                <a:srgbClr val="404040"/>
-              </a:solidFill>
-              <a:latin typeface="Microsoft Yahei" panose="020B0503020204020204" pitchFamily="34" charset="-122"/>
-              <a:ea typeface="Microsoft Yahei" panose="020B0503020204020204" pitchFamily="34" charset="-122"/>
-            </a:endParaRPr>
-          </a:p>
-          <a:p>
-            <a:pPr algn="just"/>
-            <a:r>
-              <a:rPr lang="zh-CN" altLang="en-US" b="1" dirty="0" smtClean="0">
-                <a:solidFill>
-                  <a:srgbClr val="404040"/>
-                </a:solidFill>
-                <a:latin typeface="Microsoft Yahei" panose="020B0503020204020204" pitchFamily="34" charset="-122"/>
-                <a:ea typeface="Microsoft Yahei" panose="020B0503020204020204" pitchFamily="34" charset="-122"/>
-              </a:rPr>
-              <a:t>二</a:t>
-            </a:r>
-            <a:r>
-              <a:rPr lang="zh-CN" altLang="en-US" b="1" dirty="0">
-                <a:solidFill>
-                  <a:srgbClr val="404040"/>
-                </a:solidFill>
-                <a:latin typeface="Microsoft Yahei" panose="020B0503020204020204" pitchFamily="34" charset="-122"/>
-                <a:ea typeface="Microsoft Yahei" panose="020B0503020204020204" pitchFamily="34" charset="-122"/>
-              </a:rPr>
-              <a:t>：保持稳定的</a:t>
-            </a:r>
-            <a:r>
-              <a:rPr lang="zh-CN" altLang="en-US" b="1" dirty="0" smtClean="0">
-                <a:solidFill>
-                  <a:srgbClr val="404040"/>
-                </a:solidFill>
-                <a:latin typeface="Microsoft Yahei" panose="020B0503020204020204" pitchFamily="34" charset="-122"/>
-                <a:ea typeface="Microsoft Yahei" panose="020B0503020204020204" pitchFamily="34" charset="-122"/>
-              </a:rPr>
+            <a:endParaRPr lang="en-US" altLang="zh-CN" sz="2800" dirty="0"/>
+          </a:p>
+          <a:p>
+            <a:endParaRPr lang="zh-CN" altLang="en-US" sz="2800" dirty="0"/>
+          </a:p>
+          <a:p>
+            <a:r>
+              <a:rPr lang="zh-CN" altLang="en-US" sz="2800" dirty="0" smtClean="0"/>
+              <a:t>保持</a:t>
+            </a:r>
+            <a:r>
+              <a:rPr lang="zh-CN" altLang="en-US" sz="2800" dirty="0"/>
+              <a:t>稳定的</a:t>
+            </a:r>
+            <a:r>
+              <a:rPr lang="zh-CN" altLang="en-US" sz="2800" dirty="0"/>
               <a:t>节奏，</a:t>
             </a:r>
             <a:r>
-              <a:rPr lang="zh-CN" altLang="en-US" b="1" dirty="0">
-                <a:solidFill>
-                  <a:srgbClr val="404040"/>
-                </a:solidFill>
-                <a:latin typeface="Microsoft Yahei" panose="020B0503020204020204" pitchFamily="34" charset="-122"/>
-                <a:ea typeface="Microsoft Yahei" panose="020B0503020204020204" pitchFamily="34" charset="-122"/>
-              </a:rPr>
+              <a:rPr lang="zh-CN" altLang="en-US" sz="2800" dirty="0"/>
               <a:t>配速</a:t>
             </a:r>
             <a:r>
-              <a:rPr lang="zh-CN" altLang="en-US" b="1" dirty="0" smtClean="0">
-                <a:solidFill>
-                  <a:srgbClr val="404040"/>
-                </a:solidFill>
-                <a:latin typeface="Microsoft Yahei" panose="020B0503020204020204" pitchFamily="34" charset="-122"/>
-                <a:ea typeface="Microsoft Yahei" panose="020B0503020204020204" pitchFamily="34" charset="-122"/>
-              </a:rPr>
+              <a:rPr lang="zh-CN" altLang="en-US" sz="2800" dirty="0"/>
               <a:t>歌单</a:t>
             </a:r>
-            <a:endParaRPr lang="en-US" altLang="zh-CN" b="1" dirty="0" smtClean="0">
-              <a:solidFill>
-                <a:srgbClr val="404040"/>
-              </a:solidFill>
-              <a:latin typeface="Microsoft Yahei" panose="020B0503020204020204" pitchFamily="34" charset="-122"/>
-              <a:ea typeface="Microsoft Yahei" panose="020B0503020204020204" pitchFamily="34" charset="-122"/>
-            </a:endParaRPr>
-          </a:p>
-          <a:p>
-            <a:pPr algn="just"/>
-            <a:endParaRPr lang="zh-CN" altLang="en-US" b="1" dirty="0">
-              <a:solidFill>
-                <a:srgbClr val="404040"/>
-              </a:solidFill>
-              <a:latin typeface="Microsoft Yahei" panose="020B0503020204020204" pitchFamily="34" charset="-122"/>
-              <a:ea typeface="Microsoft Yahei" panose="020B0503020204020204" pitchFamily="34" charset="-122"/>
-            </a:endParaRPr>
-          </a:p>
-          <a:p>
-            <a:pPr algn="just"/>
-            <a:r>
-              <a:rPr lang="zh-CN" altLang="en-US" b="1" dirty="0" smtClean="0">
-                <a:solidFill>
-                  <a:srgbClr val="404040"/>
-                </a:solidFill>
-                <a:latin typeface="Microsoft Yahei" panose="020B0503020204020204" pitchFamily="34" charset="-122"/>
-                <a:ea typeface="Microsoft Yahei" panose="020B0503020204020204" pitchFamily="34" charset="-122"/>
-              </a:rPr>
-              <a:t>三</a:t>
-            </a:r>
-            <a:r>
-              <a:rPr lang="zh-CN" altLang="en-US" b="1" dirty="0">
-                <a:solidFill>
-                  <a:srgbClr val="404040"/>
-                </a:solidFill>
-                <a:latin typeface="Microsoft Yahei" panose="020B0503020204020204" pitchFamily="34" charset="-122"/>
-                <a:ea typeface="Microsoft Yahei" panose="020B0503020204020204" pitchFamily="34" charset="-122"/>
-              </a:rPr>
-              <a:t>：跑步更</a:t>
-            </a:r>
-            <a:r>
-              <a:rPr lang="zh-CN" altLang="en-US" b="1" dirty="0" smtClean="0">
-                <a:solidFill>
-                  <a:srgbClr val="404040"/>
-                </a:solidFill>
-                <a:latin typeface="Microsoft Yahei" panose="020B0503020204020204" pitchFamily="34" charset="-122"/>
-                <a:ea typeface="Microsoft Yahei" panose="020B0503020204020204" pitchFamily="34" charset="-122"/>
-              </a:rPr>
+            <a:endParaRPr lang="en-US" altLang="zh-CN" sz="2800" dirty="0"/>
+          </a:p>
+          <a:p>
+            <a:endParaRPr lang="zh-CN" altLang="en-US" sz="2800" dirty="0"/>
+          </a:p>
+          <a:p>
+            <a:r>
+              <a:rPr lang="zh-CN" altLang="en-US" sz="2800" dirty="0" smtClean="0"/>
+              <a:t>跑步</a:t>
+            </a:r>
+            <a:r>
+              <a:rPr lang="zh-CN" altLang="en-US" sz="2800" dirty="0"/>
+              <a:t>更</a:t>
+            </a:r>
+            <a:r>
+              <a:rPr lang="zh-CN" altLang="en-US" sz="2800" dirty="0"/>
               <a:t>轻松</a:t>
             </a:r>
-            <a:endParaRPr lang="zh-CN" altLang="en-US" dirty="0">
-              <a:solidFill>
-                <a:srgbClr val="404040"/>
-              </a:solidFill>
-              <a:latin typeface="Microsoft Yahei" panose="020B0503020204020204" pitchFamily="34" charset="-122"/>
-              <a:ea typeface="Microsoft Yahei" panose="020B0503020204020204" pitchFamily="34" charset="-122"/>
-            </a:endParaRPr>
-          </a:p>
-        </p:txBody>
-      </p:sp>
-      <p:sp>
-        <p:nvSpPr>
-          <p:cNvPr id="9" name="矩形 8"/>
-          <p:cNvSpPr/>
-          <p:nvPr/>
-        </p:nvSpPr>
-        <p:spPr>
-          <a:xfrm>
-            <a:off x="755174" y="4765131"/>
-            <a:ext cx="10763535" cy="646331"/>
-          </a:xfrm>
-          <a:prstGeom prst="rect">
-            <a:avLst/>
-          </a:prstGeom>
-        </p:spPr>
-        <p:txBody>
-          <a:bodyPr wrap="square">
-            <a:spAutoFit/>
-          </a:bodyPr>
-          <a:lstStyle/>
-          <a:p>
-            <a:r>
-              <a:rPr lang="zh-CN" altLang="en-US" dirty="0">
-                <a:solidFill>
-                  <a:srgbClr val="222222"/>
-                </a:solidFill>
-                <a:latin typeface="微软雅黑" panose="020B0503020204020204" pitchFamily="34" charset="-122"/>
-                <a:ea typeface="微软雅黑" panose="020B0503020204020204" pitchFamily="34" charset="-122"/>
-              </a:rPr>
-              <a:t>跑步音乐如果选择得当，可以让你的脚步和音乐保持步调一致。而通过编排不同的音乐配合跑步，还可以当成是一种训练计划来设置运动强度和运动量。</a:t>
-            </a:r>
-            <a:endParaRPr lang="zh-CN" altLang="en-US" dirty="0"/>
+            <a:endParaRPr lang="zh-CN" altLang="en-US" sz="2800" dirty="0"/>
           </a:p>
         </p:txBody>
       </p:sp>
@@ -4081,7 +3891,7 @@
         </p:nvSpPr>
         <p:spPr>
           <a:xfrm>
-            <a:off x="3043281" y="774093"/>
+            <a:off x="3043281" y="1824973"/>
             <a:ext cx="4852610" cy="523220"/>
           </a:xfrm>
           <a:prstGeom prst="rect">
@@ -4110,7 +3920,7 @@
         </p:nvSpPr>
         <p:spPr>
           <a:xfrm>
-            <a:off x="3043281" y="1441117"/>
+            <a:off x="3043281" y="2491997"/>
             <a:ext cx="3775393" cy="523220"/>
           </a:xfrm>
           <a:prstGeom prst="rect">
@@ -4147,7 +3957,7 @@
         </p:nvSpPr>
         <p:spPr>
           <a:xfrm>
-            <a:off x="3043281" y="2108141"/>
+            <a:off x="3043281" y="3159021"/>
             <a:ext cx="1261884" cy="523220"/>
           </a:xfrm>
           <a:prstGeom prst="rect">
@@ -4175,7 +3985,7 @@
         </p:nvSpPr>
         <p:spPr>
           <a:xfrm>
-            <a:off x="3029633" y="2775165"/>
+            <a:off x="3029633" y="3826045"/>
             <a:ext cx="1620957" cy="523220"/>
           </a:xfrm>
           <a:prstGeom prst="rect">
@@ -4204,7 +4014,7 @@
         </p:nvSpPr>
         <p:spPr>
           <a:xfrm>
-            <a:off x="3043281" y="3442189"/>
+            <a:off x="3043281" y="4493069"/>
             <a:ext cx="2339102" cy="523220"/>
           </a:xfrm>
           <a:prstGeom prst="rect">
@@ -4233,7 +4043,7 @@
         </p:nvSpPr>
         <p:spPr>
           <a:xfrm>
-            <a:off x="3056929" y="4109213"/>
+            <a:off x="3056929" y="5160093"/>
             <a:ext cx="2339102" cy="523220"/>
           </a:xfrm>
           <a:prstGeom prst="rect">
@@ -4264,6 +4074,13 @@
   <p:clrMapOvr>
     <a:masterClrMapping/>
   </p:clrMapOvr>
+  <p:timing>
+    <p:tnLst>
+      <p:par>
+        <p:cTn id="1" dur="indefinite" restart="never" nodeType="tmRoot"/>
+      </p:par>
+    </p:tnLst>
+  </p:timing>
 </p:sld>
 </file>
 
@@ -4301,14 +4118,15 @@
           </a:xfrm>
         </p:spPr>
         <p:txBody>
-          <a:bodyPr/>
+          <a:bodyPr>
+            <a:normAutofit/>
+          </a:bodyPr>
           <a:lstStyle/>
           <a:p>
             <a:r>
               <a:rPr lang="zh-CN" altLang="en-US" dirty="0"/>
               <a:t>体重大的人跑步</a:t>
             </a:r>
-            <a:endParaRPr lang="zh-CN" altLang="en-US" dirty="0"/>
           </a:p>
         </p:txBody>
       </p:sp>
@@ -4321,7 +4139,7 @@
         <p:spPr>
           <a:xfrm>
             <a:off x="2907529" y="1893206"/>
-            <a:ext cx="1233030" cy="369332"/>
+            <a:ext cx="1579278" cy="461665"/>
           </a:xfrm>
           <a:prstGeom prst="rect">
             <a:avLst/>
@@ -4339,7 +4157,7 @@
               </a:spcAft>
             </a:pPr>
             <a:r>
-              <a:rPr lang="en-US" altLang="zh-CN" b="1" kern="0" dirty="0">
+              <a:rPr lang="en-US" altLang="zh-CN" sz="2400" b="1" kern="0" dirty="0">
                 <a:solidFill>
                   <a:srgbClr val="444444"/>
                 </a:solidFill>
@@ -4349,7 +4167,7 @@
               <a:t>1. </a:t>
             </a:r>
             <a:r>
-              <a:rPr lang="zh-CN" altLang="en-US" b="1" kern="0" dirty="0" smtClean="0">
+              <a:rPr lang="zh-CN" altLang="en-US" sz="2400" b="1" kern="0" dirty="0" smtClean="0">
                 <a:solidFill>
                   <a:srgbClr val="444444"/>
                 </a:solidFill>
@@ -4358,7 +4176,7 @@
               </a:rPr>
               <a:t>先减重</a:t>
             </a:r>
-            <a:endParaRPr lang="zh-CN" altLang="zh-CN" sz="1050" kern="100" dirty="0">
+            <a:endParaRPr lang="zh-CN" altLang="zh-CN" sz="1200" kern="100" dirty="0">
               <a:latin typeface="Calibri" panose="020F0502020204030204" pitchFamily="34" charset="0"/>
               <a:cs typeface="Times New Roman" panose="02020603050405020304" pitchFamily="18" charset="0"/>
             </a:endParaRPr>
@@ -4374,7 +4192,7 @@
         <p:spPr>
           <a:xfrm>
             <a:off x="2907529" y="2330859"/>
-            <a:ext cx="1465466" cy="369332"/>
+            <a:ext cx="1888659" cy="461665"/>
           </a:xfrm>
           <a:prstGeom prst="rect">
             <a:avLst/>
@@ -4392,7 +4210,7 @@
               </a:spcAft>
             </a:pPr>
             <a:r>
-              <a:rPr lang="en-US" altLang="zh-CN" b="1" kern="0" dirty="0">
+              <a:rPr lang="en-US" altLang="zh-CN" sz="2400" b="1" kern="0" dirty="0">
                 <a:solidFill>
                   <a:srgbClr val="444444"/>
                 </a:solidFill>
@@ -4402,7 +4220,7 @@
               <a:t>2</a:t>
             </a:r>
             <a:r>
-              <a:rPr lang="en-US" altLang="zh-CN" b="1" kern="0" dirty="0" smtClean="0">
+              <a:rPr lang="en-US" altLang="zh-CN" sz="2400" b="1" kern="0" dirty="0" smtClean="0">
                 <a:solidFill>
                   <a:srgbClr val="444444"/>
                 </a:solidFill>
@@ -4412,7 +4230,7 @@
               <a:t>. </a:t>
             </a:r>
             <a:r>
-              <a:rPr lang="zh-CN" altLang="en-US" b="1" kern="0" dirty="0" smtClean="0">
+              <a:rPr lang="zh-CN" altLang="en-US" sz="2400" b="1" kern="0" dirty="0" smtClean="0">
                 <a:solidFill>
                   <a:srgbClr val="444444"/>
                 </a:solidFill>
@@ -4421,7 +4239,7 @@
               </a:rPr>
               <a:t>跑步姿势</a:t>
             </a:r>
-            <a:endParaRPr lang="zh-CN" altLang="zh-CN" sz="1050" kern="100" dirty="0">
+            <a:endParaRPr lang="zh-CN" altLang="zh-CN" sz="1200" kern="100" dirty="0">
               <a:latin typeface="Calibri" panose="020F0502020204030204" pitchFamily="34" charset="0"/>
               <a:cs typeface="Times New Roman" panose="02020603050405020304" pitchFamily="18" charset="0"/>
             </a:endParaRPr>
@@ -4437,7 +4255,7 @@
         <p:spPr>
           <a:xfrm>
             <a:off x="2907529" y="2768512"/>
-            <a:ext cx="1000595" cy="369332"/>
+            <a:ext cx="1269899" cy="461665"/>
           </a:xfrm>
           <a:prstGeom prst="rect">
             <a:avLst/>
@@ -4455,7 +4273,7 @@
               </a:spcAft>
             </a:pPr>
             <a:r>
-              <a:rPr lang="en-US" altLang="zh-CN" b="1" kern="0" dirty="0">
+              <a:rPr lang="en-US" altLang="zh-CN" sz="2400" b="1" kern="0" dirty="0">
                 <a:solidFill>
                   <a:srgbClr val="444444"/>
                 </a:solidFill>
@@ -4465,7 +4283,7 @@
               <a:t>3</a:t>
             </a:r>
             <a:r>
-              <a:rPr lang="en-US" altLang="zh-CN" b="1" kern="0" dirty="0" smtClean="0">
+              <a:rPr lang="en-US" altLang="zh-CN" sz="2400" b="1" kern="0" dirty="0" smtClean="0">
                 <a:solidFill>
                   <a:srgbClr val="444444"/>
                 </a:solidFill>
@@ -4475,7 +4293,7 @@
               <a:t>. </a:t>
             </a:r>
             <a:r>
-              <a:rPr lang="zh-CN" altLang="en-US" b="1" kern="0" dirty="0" smtClean="0">
+              <a:rPr lang="zh-CN" altLang="en-US" sz="2400" b="1" kern="0" dirty="0" smtClean="0">
                 <a:solidFill>
                   <a:srgbClr val="444444"/>
                 </a:solidFill>
@@ -4484,7 +4302,7 @@
               </a:rPr>
               <a:t>跑鞋</a:t>
             </a:r>
-            <a:endParaRPr lang="zh-CN" altLang="zh-CN" sz="1050" kern="100" dirty="0">
+            <a:endParaRPr lang="zh-CN" altLang="zh-CN" sz="1200" kern="100" dirty="0">
               <a:latin typeface="Calibri" panose="020F0502020204030204" pitchFamily="34" charset="0"/>
               <a:cs typeface="Times New Roman" panose="02020603050405020304" pitchFamily="18" charset="0"/>
             </a:endParaRPr>
@@ -4500,7 +4318,7 @@
         <p:spPr>
           <a:xfrm>
             <a:off x="2907529" y="3206165"/>
-            <a:ext cx="1465466" cy="369332"/>
+            <a:ext cx="1888659" cy="461665"/>
           </a:xfrm>
           <a:prstGeom prst="rect">
             <a:avLst/>
@@ -4518,7 +4336,7 @@
               </a:spcAft>
             </a:pPr>
             <a:r>
-              <a:rPr lang="en-US" altLang="zh-CN" b="1" kern="0" dirty="0">
+              <a:rPr lang="en-US" altLang="zh-CN" sz="2400" b="1" kern="0" dirty="0">
                 <a:solidFill>
                   <a:srgbClr val="444444"/>
                 </a:solidFill>
@@ -4528,7 +4346,7 @@
               <a:t>4</a:t>
             </a:r>
             <a:r>
-              <a:rPr lang="en-US" altLang="zh-CN" b="1" kern="0" dirty="0" smtClean="0">
+              <a:rPr lang="en-US" altLang="zh-CN" sz="2400" b="1" kern="0" dirty="0" smtClean="0">
                 <a:solidFill>
                   <a:srgbClr val="444444"/>
                 </a:solidFill>
@@ -4538,7 +4356,7 @@
               <a:t>. </a:t>
             </a:r>
             <a:r>
-              <a:rPr lang="zh-CN" altLang="en-US" b="1" kern="0" dirty="0" smtClean="0">
+              <a:rPr lang="zh-CN" altLang="en-US" sz="2400" b="1" kern="0" dirty="0" smtClean="0">
                 <a:solidFill>
                   <a:srgbClr val="444444"/>
                 </a:solidFill>
@@ -4547,7 +4365,7 @@
               </a:rPr>
               <a:t>降低强度</a:t>
             </a:r>
-            <a:endParaRPr lang="zh-CN" altLang="zh-CN" sz="1050" kern="100" dirty="0">
+            <a:endParaRPr lang="zh-CN" altLang="zh-CN" sz="1200" kern="100" dirty="0">
               <a:latin typeface="Calibri" panose="020F0502020204030204" pitchFamily="34" charset="0"/>
               <a:cs typeface="Times New Roman" panose="02020603050405020304" pitchFamily="18" charset="0"/>
             </a:endParaRPr>
@@ -4564,105 +4382,13 @@
   <p:clrMapOvr>
     <a:masterClrMapping/>
   </p:clrMapOvr>
-</p:sld>
-</file>
-
-<file path=ppt/slides/slide15.xml><?xml version="1.0" encoding="utf-8"?>
-<p:sld xmlns:a="http://schemas.openxmlformats.org/drawingml/2006/main" xmlns:r="http://schemas.openxmlformats.org/officeDocument/2006/relationships" xmlns:p="http://schemas.openxmlformats.org/presentationml/2006/main">
-  <p:cSld>
-    <p:spTree>
-      <p:nvGrpSpPr>
-        <p:cNvPr id="1" name=""/>
-        <p:cNvGrpSpPr/>
-        <p:nvPr/>
-      </p:nvGrpSpPr>
-      <p:grpSpPr>
-        <a:xfrm>
-          <a:off x="0" y="0"/>
-          <a:ext cx="0" cy="0"/>
-          <a:chOff x="0" y="0"/>
-          <a:chExt cx="0" cy="0"/>
-        </a:xfrm>
-      </p:grpSpPr>
-      <p:sp>
-        <p:nvSpPr>
-          <p:cNvPr id="2" name="矩形 1"/>
-          <p:cNvSpPr/>
-          <p:nvPr/>
-        </p:nvSpPr>
-        <p:spPr>
-          <a:xfrm>
-            <a:off x="4807382" y="569373"/>
-            <a:ext cx="2031325" cy="369332"/>
-          </a:xfrm>
-          <a:prstGeom prst="rect">
-            <a:avLst/>
-          </a:prstGeom>
-        </p:spPr>
-        <p:txBody>
-          <a:bodyPr wrap="none">
-            <a:spAutoFit/>
-          </a:bodyPr>
-          <a:lstStyle/>
-          <a:p>
-            <a:r>
-              <a:rPr lang="zh-CN" altLang="en-US" b="1" dirty="0">
-                <a:solidFill>
-                  <a:srgbClr val="D10000"/>
-                </a:solidFill>
-                <a:latin typeface="Microsoft Yahei" panose="020B0503020204020204" pitchFamily="34" charset="-122"/>
-                <a:ea typeface="Microsoft Yahei" panose="020B0503020204020204" pitchFamily="34" charset="-122"/>
-              </a:rPr>
-              <a:t>慢跑鞋和马拉松鞋</a:t>
-            </a:r>
-            <a:endParaRPr lang="zh-CN" altLang="en-US" dirty="0"/>
-          </a:p>
-        </p:txBody>
-      </p:sp>
-      <p:sp>
-        <p:nvSpPr>
-          <p:cNvPr id="3" name="矩形 2"/>
-          <p:cNvSpPr/>
-          <p:nvPr/>
-        </p:nvSpPr>
-        <p:spPr>
-          <a:xfrm>
-            <a:off x="742706" y="1122080"/>
-            <a:ext cx="10898833" cy="1200329"/>
-          </a:xfrm>
-          <a:prstGeom prst="rect">
-            <a:avLst/>
-          </a:prstGeom>
-        </p:spPr>
-        <p:txBody>
-          <a:bodyPr wrap="square">
-            <a:spAutoFit/>
-          </a:bodyPr>
-          <a:lstStyle/>
-          <a:p>
-            <a:r>
-              <a:rPr lang="zh-CN" altLang="en-US" dirty="0">
-                <a:solidFill>
-                  <a:srgbClr val="444444"/>
-                </a:solidFill>
-                <a:latin typeface="Tahoma" panose="020B0604030504040204" pitchFamily="34" charset="0"/>
-              </a:rPr>
-              <a:t>跑鞋并不是越软越好。因为跑步过程中，脚的触地过程是相对重复。简单一点说，脚所受到的力是具有一定的规律。这么一来，跑鞋生产商就可以就不同部位所受到的力的不同，针对性的放置支撑或者减震材料。所以好的跑鞋都不是单纯的整个脚掌的软或者硬，而是针对不同部位来做出的不同材料的放置，让足部在运动过程中得到恰当的支撑和缓震，从而保护膝盖和脊柱不受到周期性应力的伤害。</a:t>
-            </a:r>
-            <a:endParaRPr lang="zh-CN" altLang="en-US" dirty="0"/>
-          </a:p>
-        </p:txBody>
-      </p:sp>
-    </p:spTree>
-    <p:extLst>
-      <p:ext uri="{BB962C8B-B14F-4D97-AF65-F5344CB8AC3E}">
-        <p14:creationId xmlns:p14="http://schemas.microsoft.com/office/powerpoint/2010/main" val="2001040924"/>
-      </p:ext>
-    </p:extLst>
-  </p:cSld>
-  <p:clrMapOvr>
-    <a:masterClrMapping/>
-  </p:clrMapOvr>
+  <p:timing>
+    <p:tnLst>
+      <p:par>
+        <p:cTn id="1" dur="indefinite" restart="never" nodeType="tmRoot"/>
+      </p:par>
+    </p:tnLst>
+  </p:timing>
 </p:sld>
 </file>
 
@@ -4705,7 +4431,7 @@
         </p:blipFill>
         <p:spPr>
           <a:xfrm>
-            <a:off x="2374712" y="0"/>
+            <a:off x="1937984" y="0"/>
             <a:ext cx="7066856" cy="6867790"/>
           </a:xfrm>
           <a:prstGeom prst="rect">
@@ -4758,8 +4484,8 @@
         </p:nvSpPr>
         <p:spPr>
           <a:xfrm>
-            <a:off x="245661" y="381845"/>
-            <a:ext cx="11655188" cy="5632311"/>
+            <a:off x="245660" y="272663"/>
+            <a:ext cx="11778017" cy="5632311"/>
           </a:xfrm>
           <a:prstGeom prst="rect">
             <a:avLst/>
@@ -4773,7 +4499,7 @@
           <a:p>
             <a:pPr fontAlgn="base"/>
             <a:r>
-              <a:rPr lang="zh-CN" altLang="en-US" b="1" dirty="0">
+              <a:rPr lang="zh-CN" altLang="en-US" sz="2000" b="1" dirty="0">
                 <a:solidFill>
                   <a:srgbClr val="555555"/>
                 </a:solidFill>
@@ -4786,7 +4512,7 @@
           <a:p>
             <a:pPr fontAlgn="base"/>
             <a:r>
-              <a:rPr lang="zh-CN" altLang="en-US" dirty="0" smtClean="0">
+              <a:rPr lang="zh-CN" altLang="en-US" sz="2000" dirty="0" smtClean="0">
                 <a:solidFill>
                   <a:srgbClr val="858585"/>
                 </a:solidFill>
@@ -4796,7 +4522,7 @@
               <a:t>（</a:t>
             </a:r>
             <a:r>
-              <a:rPr lang="zh-CN" altLang="en-US" dirty="0">
+              <a:rPr lang="zh-CN" altLang="en-US" sz="2000" dirty="0">
                 <a:solidFill>
                   <a:srgbClr val="858585"/>
                 </a:solidFill>
@@ -4806,7 +4532,7 @@
               <a:t>三）起跑方式：分区起跑。按报名选手在中国马拉松信息平台上</a:t>
             </a:r>
             <a:r>
-              <a:rPr lang="en-US" altLang="zh-CN" dirty="0">
+              <a:rPr lang="en-US" altLang="zh-CN" sz="2000" dirty="0">
                 <a:solidFill>
                   <a:srgbClr val="858585"/>
                 </a:solidFill>
@@ -4816,7 +4542,7 @@
               <a:t>2018</a:t>
             </a:r>
             <a:r>
-              <a:rPr lang="zh-CN" altLang="en-US" dirty="0">
+              <a:rPr lang="zh-CN" altLang="en-US" sz="2000" dirty="0">
                 <a:solidFill>
                   <a:srgbClr val="858585"/>
                 </a:solidFill>
@@ -4826,7 +4552,7 @@
               <a:t>年</a:t>
             </a:r>
             <a:r>
-              <a:rPr lang="en-US" altLang="zh-CN" dirty="0">
+              <a:rPr lang="en-US" altLang="zh-CN" sz="2000" dirty="0">
                 <a:solidFill>
                   <a:srgbClr val="858585"/>
                 </a:solidFill>
@@ -4836,7 +4562,7 @@
               <a:t>7</a:t>
             </a:r>
             <a:r>
-              <a:rPr lang="zh-CN" altLang="en-US" dirty="0">
+              <a:rPr lang="zh-CN" altLang="en-US" sz="2000" dirty="0">
                 <a:solidFill>
                   <a:srgbClr val="858585"/>
                 </a:solidFill>
@@ -4846,7 +4572,7 @@
               <a:t>月</a:t>
             </a:r>
             <a:r>
-              <a:rPr lang="en-US" altLang="zh-CN" dirty="0">
+              <a:rPr lang="en-US" altLang="zh-CN" sz="2000" dirty="0">
                 <a:solidFill>
                   <a:srgbClr val="858585"/>
                 </a:solidFill>
@@ -4856,7 +4582,7 @@
               <a:t>31</a:t>
             </a:r>
             <a:r>
-              <a:rPr lang="zh-CN" altLang="en-US" dirty="0">
+              <a:rPr lang="zh-CN" altLang="en-US" sz="2000" dirty="0">
                 <a:solidFill>
                   <a:srgbClr val="858585"/>
                 </a:solidFill>
@@ -4866,7 +4592,7 @@
               <a:t>日前（含</a:t>
             </a:r>
             <a:r>
-              <a:rPr lang="en-US" altLang="zh-CN" dirty="0">
+              <a:rPr lang="en-US" altLang="zh-CN" sz="2000" dirty="0">
                 <a:solidFill>
                   <a:srgbClr val="858585"/>
                 </a:solidFill>
@@ -4876,7 +4602,7 @@
               <a:t>7</a:t>
             </a:r>
             <a:r>
-              <a:rPr lang="zh-CN" altLang="en-US" dirty="0">
+              <a:rPr lang="zh-CN" altLang="en-US" sz="2000" dirty="0">
                 <a:solidFill>
                   <a:srgbClr val="858585"/>
                 </a:solidFill>
@@ -4886,7 +4612,7 @@
               <a:t>月</a:t>
             </a:r>
             <a:r>
-              <a:rPr lang="en-US" altLang="zh-CN" dirty="0">
+              <a:rPr lang="en-US" altLang="zh-CN" sz="2000" dirty="0">
                 <a:solidFill>
                   <a:srgbClr val="858585"/>
                 </a:solidFill>
@@ -4896,30 +4622,17 @@
               <a:t>31</a:t>
             </a:r>
             <a:r>
-              <a:rPr lang="zh-CN" altLang="en-US" dirty="0">
-                <a:solidFill>
-                  <a:srgbClr val="858585"/>
-                </a:solidFill>
-                <a:latin typeface="Microsoft Yahei" panose="020B0503020204020204" pitchFamily="34" charset="-122"/>
-                <a:ea typeface="Microsoft Yahei" panose="020B0503020204020204" pitchFamily="34" charset="-122"/>
-              </a:rPr>
-              <a:t>日）公布的马拉松项目或半程马拉松项目的最好成绩作为分区依据，参赛选手进入指定区域集结。</a:t>
-            </a:r>
-          </a:p>
-          <a:p>
-            <a:pPr fontAlgn="base"/>
-            <a:r>
-              <a:rPr lang="zh-CN" altLang="en-US" dirty="0">
-                <a:solidFill>
-                  <a:srgbClr val="858585"/>
-                </a:solidFill>
-                <a:latin typeface="Microsoft Yahei" panose="020B0503020204020204" pitchFamily="34" charset="-122"/>
-                <a:ea typeface="Microsoft Yahei" panose="020B0503020204020204" pitchFamily="34" charset="-122"/>
-              </a:rPr>
-              <a:t>组委会在每个分区前设置检录计时地毯，选手须严格按照分区入场。在比赛发令后，选手先通过所在分区的检录地毯，再通过起点计时地毯的成绩方为有效</a:t>
-            </a:r>
-            <a:r>
-              <a:rPr lang="zh-CN" altLang="en-US" dirty="0" smtClean="0">
+              <a:rPr lang="zh-CN" altLang="en-US" sz="2000" dirty="0">
+                <a:solidFill>
+                  <a:srgbClr val="858585"/>
+                </a:solidFill>
+                <a:latin typeface="Microsoft Yahei" panose="020B0503020204020204" pitchFamily="34" charset="-122"/>
+                <a:ea typeface="Microsoft Yahei" panose="020B0503020204020204" pitchFamily="34" charset="-122"/>
+              </a:rPr>
+              <a:t>日）公布的马拉松项目或半程马拉松项目的最好成绩作为分区依据，参赛选手进入指定区域集结</a:t>
+            </a:r>
+            <a:r>
+              <a:rPr lang="zh-CN" altLang="en-US" sz="2000" dirty="0" smtClean="0">
                 <a:solidFill>
                   <a:srgbClr val="858585"/>
                 </a:solidFill>
@@ -4928,119 +4641,7 @@
               </a:rPr>
               <a:t>。</a:t>
             </a:r>
-          </a:p>
-          <a:p>
-            <a:pPr fontAlgn="base"/>
-            <a:r>
-              <a:rPr lang="zh-CN" altLang="en-US" dirty="0" smtClean="0">
-                <a:solidFill>
-                  <a:srgbClr val="858585"/>
-                </a:solidFill>
-                <a:latin typeface="Microsoft Yahei" panose="020B0503020204020204" pitchFamily="34" charset="-122"/>
-                <a:ea typeface="Microsoft Yahei" panose="020B0503020204020204" pitchFamily="34" charset="-122"/>
-              </a:rPr>
-              <a:t>（五）计时办法：</a:t>
-            </a:r>
-          </a:p>
-          <a:p>
-            <a:pPr fontAlgn="base"/>
-            <a:r>
-              <a:rPr lang="en-US" altLang="zh-CN" dirty="0" smtClean="0">
-                <a:solidFill>
-                  <a:srgbClr val="858585"/>
-                </a:solidFill>
-                <a:latin typeface="Microsoft Yahei" panose="020B0503020204020204" pitchFamily="34" charset="-122"/>
-                <a:ea typeface="Microsoft Yahei" panose="020B0503020204020204" pitchFamily="34" charset="-122"/>
-              </a:rPr>
-              <a:t>1</a:t>
-            </a:r>
-            <a:r>
-              <a:rPr lang="zh-CN" altLang="en-US" dirty="0">
-                <a:solidFill>
-                  <a:srgbClr val="858585"/>
-                </a:solidFill>
-                <a:latin typeface="Microsoft Yahei" panose="020B0503020204020204" pitchFamily="34" charset="-122"/>
-                <a:ea typeface="Microsoft Yahei" panose="020B0503020204020204" pitchFamily="34" charset="-122"/>
-              </a:rPr>
-              <a:t>、本次比赛对全程马拉松项目和半程马拉松项目采用感应计时办法，感应计时芯片将在选手通过起点开始计时（净计时），欢乐跑不计时。</a:t>
-            </a:r>
-          </a:p>
-          <a:p>
-            <a:pPr fontAlgn="base"/>
-            <a:r>
-              <a:rPr lang="en-US" altLang="zh-CN" dirty="0">
-                <a:solidFill>
-                  <a:srgbClr val="858585"/>
-                </a:solidFill>
-                <a:latin typeface="Microsoft Yahei" panose="020B0503020204020204" pitchFamily="34" charset="-122"/>
-                <a:ea typeface="Microsoft Yahei" panose="020B0503020204020204" pitchFamily="34" charset="-122"/>
-              </a:rPr>
-              <a:t>2</a:t>
-            </a:r>
-            <a:r>
-              <a:rPr lang="zh-CN" altLang="en-US" dirty="0">
-                <a:solidFill>
-                  <a:srgbClr val="858585"/>
-                </a:solidFill>
-                <a:latin typeface="Microsoft Yahei" panose="020B0503020204020204" pitchFamily="34" charset="-122"/>
-                <a:ea typeface="Microsoft Yahei" panose="020B0503020204020204" pitchFamily="34" charset="-122"/>
-              </a:rPr>
-              <a:t>、在起点、每</a:t>
-            </a:r>
-            <a:r>
-              <a:rPr lang="en-US" altLang="zh-CN" dirty="0">
-                <a:solidFill>
-                  <a:srgbClr val="858585"/>
-                </a:solidFill>
-                <a:latin typeface="Microsoft Yahei" panose="020B0503020204020204" pitchFamily="34" charset="-122"/>
-                <a:ea typeface="Microsoft Yahei" panose="020B0503020204020204" pitchFamily="34" charset="-122"/>
-              </a:rPr>
-              <a:t>5</a:t>
-            </a:r>
-            <a:r>
-              <a:rPr lang="zh-CN" altLang="en-US" dirty="0">
-                <a:solidFill>
-                  <a:srgbClr val="858585"/>
-                </a:solidFill>
-                <a:latin typeface="Microsoft Yahei" panose="020B0503020204020204" pitchFamily="34" charset="-122"/>
-                <a:ea typeface="Microsoft Yahei" panose="020B0503020204020204" pitchFamily="34" charset="-122"/>
-              </a:rPr>
-              <a:t>公里点、折返点和终点设有计时地毯，选手在跑进过程中，均必须依次通过所有的地面计时地毯。在关门时间内完成比赛但缺少任何一个计时点的成绩，将不予排名。</a:t>
-            </a:r>
-          </a:p>
-          <a:p>
-            <a:pPr fontAlgn="base"/>
-            <a:r>
-              <a:rPr lang="en-US" altLang="zh-CN" dirty="0">
-                <a:solidFill>
-                  <a:srgbClr val="858585"/>
-                </a:solidFill>
-                <a:latin typeface="Microsoft Yahei" panose="020B0503020204020204" pitchFamily="34" charset="-122"/>
-                <a:ea typeface="Microsoft Yahei" panose="020B0503020204020204" pitchFamily="34" charset="-122"/>
-              </a:rPr>
-              <a:t>3</a:t>
-            </a:r>
-            <a:r>
-              <a:rPr lang="zh-CN" altLang="en-US" dirty="0">
-                <a:solidFill>
-                  <a:srgbClr val="858585"/>
-                </a:solidFill>
-                <a:latin typeface="Microsoft Yahei" panose="020B0503020204020204" pitchFamily="34" charset="-122"/>
-                <a:ea typeface="Microsoft Yahei" panose="020B0503020204020204" pitchFamily="34" charset="-122"/>
-              </a:rPr>
-              <a:t>、计时芯片将在参赛物品领取现场与号码布等参赛物品同时发放，本次比赛采用一次性计时芯片，不收取芯片押金，赛后不回收</a:t>
-            </a:r>
-            <a:r>
-              <a:rPr lang="zh-CN" altLang="en-US" dirty="0" smtClean="0">
-                <a:solidFill>
-                  <a:srgbClr val="858585"/>
-                </a:solidFill>
-                <a:latin typeface="Microsoft Yahei" panose="020B0503020204020204" pitchFamily="34" charset="-122"/>
-                <a:ea typeface="Microsoft Yahei" panose="020B0503020204020204" pitchFamily="34" charset="-122"/>
-              </a:rPr>
-              <a:t>。</a:t>
-            </a:r>
-            <a:endParaRPr lang="en-US" altLang="zh-CN" dirty="0" smtClean="0">
+            <a:endParaRPr lang="en-US" altLang="zh-CN" sz="2000" dirty="0" smtClean="0">
               <a:solidFill>
                 <a:srgbClr val="858585"/>
               </a:solidFill>
@@ -5051,7 +4652,136 @@
           <a:p>
             <a:pPr fontAlgn="base"/>
             <a:r>
-              <a:rPr lang="en-US" altLang="zh-CN" dirty="0">
+              <a:rPr lang="zh-CN" altLang="en-US" sz="2000" dirty="0" smtClean="0">
+                <a:solidFill>
+                  <a:srgbClr val="858585"/>
+                </a:solidFill>
+                <a:latin typeface="Microsoft Yahei" panose="020B0503020204020204" pitchFamily="34" charset="-122"/>
+                <a:ea typeface="Microsoft Yahei" panose="020B0503020204020204" pitchFamily="34" charset="-122"/>
+              </a:rPr>
+              <a:t>（</a:t>
+            </a:r>
+            <a:r>
+              <a:rPr lang="zh-CN" altLang="en-US" sz="2000" dirty="0" smtClean="0">
+                <a:solidFill>
+                  <a:srgbClr val="858585"/>
+                </a:solidFill>
+                <a:latin typeface="Microsoft Yahei" panose="020B0503020204020204" pitchFamily="34" charset="-122"/>
+                <a:ea typeface="Microsoft Yahei" panose="020B0503020204020204" pitchFamily="34" charset="-122"/>
+              </a:rPr>
+              <a:t>五）计时办法：</a:t>
+            </a:r>
+          </a:p>
+          <a:p>
+            <a:pPr fontAlgn="base"/>
+            <a:r>
+              <a:rPr lang="en-US" altLang="zh-CN" sz="2000" dirty="0" smtClean="0">
+                <a:solidFill>
+                  <a:srgbClr val="858585"/>
+                </a:solidFill>
+                <a:latin typeface="Microsoft Yahei" panose="020B0503020204020204" pitchFamily="34" charset="-122"/>
+                <a:ea typeface="Microsoft Yahei" panose="020B0503020204020204" pitchFamily="34" charset="-122"/>
+              </a:rPr>
+              <a:t>1</a:t>
+            </a:r>
+            <a:r>
+              <a:rPr lang="zh-CN" altLang="en-US" sz="2000" dirty="0">
+                <a:solidFill>
+                  <a:srgbClr val="858585"/>
+                </a:solidFill>
+                <a:latin typeface="Microsoft Yahei" panose="020B0503020204020204" pitchFamily="34" charset="-122"/>
+                <a:ea typeface="Microsoft Yahei" panose="020B0503020204020204" pitchFamily="34" charset="-122"/>
+              </a:rPr>
+              <a:t>、本次比赛对全程马拉松项目和半程马拉松项目采用感应计时办法，感应计时芯片将在选手通过起点开始计时（净计时），欢乐跑不计时。</a:t>
+            </a:r>
+          </a:p>
+          <a:p>
+            <a:pPr fontAlgn="base"/>
+            <a:r>
+              <a:rPr lang="en-US" altLang="zh-CN" sz="2000" dirty="0">
+                <a:solidFill>
+                  <a:srgbClr val="858585"/>
+                </a:solidFill>
+                <a:latin typeface="Microsoft Yahei" panose="020B0503020204020204" pitchFamily="34" charset="-122"/>
+                <a:ea typeface="Microsoft Yahei" panose="020B0503020204020204" pitchFamily="34" charset="-122"/>
+              </a:rPr>
+              <a:t>2</a:t>
+            </a:r>
+            <a:r>
+              <a:rPr lang="zh-CN" altLang="en-US" sz="2000" dirty="0">
+                <a:solidFill>
+                  <a:srgbClr val="858585"/>
+                </a:solidFill>
+                <a:latin typeface="Microsoft Yahei" panose="020B0503020204020204" pitchFamily="34" charset="-122"/>
+                <a:ea typeface="Microsoft Yahei" panose="020B0503020204020204" pitchFamily="34" charset="-122"/>
+              </a:rPr>
+              <a:t>、在起点、每</a:t>
+            </a:r>
+            <a:r>
+              <a:rPr lang="en-US" altLang="zh-CN" sz="2000" dirty="0">
+                <a:solidFill>
+                  <a:srgbClr val="858585"/>
+                </a:solidFill>
+                <a:latin typeface="Microsoft Yahei" panose="020B0503020204020204" pitchFamily="34" charset="-122"/>
+                <a:ea typeface="Microsoft Yahei" panose="020B0503020204020204" pitchFamily="34" charset="-122"/>
+              </a:rPr>
+              <a:t>5</a:t>
+            </a:r>
+            <a:r>
+              <a:rPr lang="zh-CN" altLang="en-US" sz="2000" dirty="0">
+                <a:solidFill>
+                  <a:srgbClr val="858585"/>
+                </a:solidFill>
+                <a:latin typeface="Microsoft Yahei" panose="020B0503020204020204" pitchFamily="34" charset="-122"/>
+                <a:ea typeface="Microsoft Yahei" panose="020B0503020204020204" pitchFamily="34" charset="-122"/>
+              </a:rPr>
+              <a:t>公里点、折返点和终点设有计时地毯，选手在跑进过程中，均必须依次通过所有的地面计时地毯。在关门时间内完成比赛但缺少任何一个计时点的成绩，将不予排名。</a:t>
+            </a:r>
+          </a:p>
+          <a:p>
+            <a:pPr fontAlgn="base"/>
+            <a:r>
+              <a:rPr lang="en-US" altLang="zh-CN" sz="2000" dirty="0">
+                <a:solidFill>
+                  <a:srgbClr val="858585"/>
+                </a:solidFill>
+                <a:latin typeface="Microsoft Yahei" panose="020B0503020204020204" pitchFamily="34" charset="-122"/>
+                <a:ea typeface="Microsoft Yahei" panose="020B0503020204020204" pitchFamily="34" charset="-122"/>
+              </a:rPr>
+              <a:t>3</a:t>
+            </a:r>
+            <a:r>
+              <a:rPr lang="zh-CN" altLang="en-US" sz="2000" dirty="0">
+                <a:solidFill>
+                  <a:srgbClr val="858585"/>
+                </a:solidFill>
+                <a:latin typeface="Microsoft Yahei" panose="020B0503020204020204" pitchFamily="34" charset="-122"/>
+                <a:ea typeface="Microsoft Yahei" panose="020B0503020204020204" pitchFamily="34" charset="-122"/>
+              </a:rPr>
+              <a:t>、计时芯片将在参赛物品领取现场与号码布等参赛物品同时发放，本次比赛采用一次性计时芯片，不收取芯片押金，赛后不回收</a:t>
+            </a:r>
+            <a:r>
+              <a:rPr lang="zh-CN" altLang="en-US" sz="2000" dirty="0" smtClean="0">
+                <a:solidFill>
+                  <a:srgbClr val="858585"/>
+                </a:solidFill>
+                <a:latin typeface="Microsoft Yahei" panose="020B0503020204020204" pitchFamily="34" charset="-122"/>
+                <a:ea typeface="Microsoft Yahei" panose="020B0503020204020204" pitchFamily="34" charset="-122"/>
+              </a:rPr>
+              <a:t>。</a:t>
+            </a:r>
+            <a:endParaRPr lang="en-US" altLang="zh-CN" sz="2000" dirty="0" smtClean="0">
+              <a:solidFill>
+                <a:srgbClr val="858585"/>
+              </a:solidFill>
+              <a:latin typeface="Microsoft Yahei" panose="020B0503020204020204" pitchFamily="34" charset="-122"/>
+              <a:ea typeface="Microsoft Yahei" panose="020B0503020204020204" pitchFamily="34" charset="-122"/>
+            </a:endParaRPr>
+          </a:p>
+          <a:p>
+            <a:pPr fontAlgn="base"/>
+            <a:r>
+              <a:rPr lang="en-US" altLang="zh-CN" sz="2000" dirty="0">
                 <a:solidFill>
                   <a:srgbClr val="858585"/>
                 </a:solidFill>
@@ -5061,7 +4791,7 @@
               <a:t> </a:t>
             </a:r>
             <a:r>
-              <a:rPr lang="en-US" altLang="zh-CN" dirty="0" smtClean="0">
+              <a:rPr lang="en-US" altLang="zh-CN" sz="2000" dirty="0" smtClean="0">
                 <a:solidFill>
                   <a:srgbClr val="858585"/>
                 </a:solidFill>
@@ -5071,7 +4801,7 @@
               <a:t>  (</a:t>
             </a:r>
             <a:r>
-              <a:rPr lang="zh-CN" altLang="en-US" dirty="0" smtClean="0">
+              <a:rPr lang="zh-CN" altLang="en-US" sz="2000" dirty="0" smtClean="0">
                 <a:solidFill>
                   <a:srgbClr val="858585"/>
                 </a:solidFill>
@@ -5081,7 +4811,7 @@
               <a:t>七</a:t>
             </a:r>
             <a:r>
-              <a:rPr lang="zh-CN" altLang="en-US" dirty="0">
+              <a:rPr lang="zh-CN" altLang="en-US" sz="2000" dirty="0">
                 <a:solidFill>
                   <a:srgbClr val="858585"/>
                 </a:solidFill>
@@ -5094,7 +4824,7 @@
           <a:p>
             <a:pPr fontAlgn="base"/>
             <a:r>
-              <a:rPr lang="zh-CN" altLang="en-US" dirty="0">
+              <a:rPr lang="zh-CN" altLang="en-US" sz="2000" dirty="0">
                 <a:solidFill>
                   <a:srgbClr val="858585"/>
                 </a:solidFill>
@@ -5107,7 +4837,7 @@
           <a:p>
             <a:pPr fontAlgn="base"/>
             <a:r>
-              <a:rPr lang="zh-CN" altLang="en-US" dirty="0">
+              <a:rPr lang="zh-CN" altLang="en-US" sz="2000" dirty="0">
                 <a:solidFill>
                   <a:srgbClr val="858585"/>
                 </a:solidFill>
@@ -5117,7 +4847,7 @@
               <a:t>比赛当天在起点，组委会对参赛选手寄存衣将于</a:t>
             </a:r>
             <a:r>
-              <a:rPr lang="en-US" altLang="zh-CN" dirty="0">
+              <a:rPr lang="en-US" altLang="zh-CN" sz="2000" dirty="0">
                 <a:solidFill>
                   <a:srgbClr val="858585"/>
                 </a:solidFill>
@@ -5127,7 +4857,7 @@
               <a:t>7:15</a:t>
             </a:r>
             <a:r>
-              <a:rPr lang="zh-CN" altLang="en-US" dirty="0">
+              <a:rPr lang="zh-CN" altLang="en-US" sz="2000" dirty="0">
                 <a:solidFill>
                   <a:srgbClr val="858585"/>
                 </a:solidFill>
@@ -5137,7 +4867,7 @@
               <a:t>停止服务，请选手做好时间安排。半程马拉松项目参赛选手在比赛当日</a:t>
             </a:r>
             <a:r>
-              <a:rPr lang="en-US" altLang="zh-CN" dirty="0">
+              <a:rPr lang="en-US" altLang="zh-CN" sz="2000" dirty="0">
                 <a:solidFill>
                   <a:srgbClr val="858585"/>
                 </a:solidFill>
@@ -5147,7 +4877,7 @@
               <a:t>11:30</a:t>
             </a:r>
             <a:r>
-              <a:rPr lang="zh-CN" altLang="en-US" dirty="0">
+              <a:rPr lang="zh-CN" altLang="en-US" sz="2000" dirty="0">
                 <a:solidFill>
                   <a:srgbClr val="858585"/>
                 </a:solidFill>
@@ -5157,7 +4887,7 @@
               <a:t>前，马拉松项目参赛选手在比赛当日</a:t>
             </a:r>
             <a:r>
-              <a:rPr lang="en-US" altLang="zh-CN" dirty="0">
+              <a:rPr lang="en-US" altLang="zh-CN" sz="2000" dirty="0">
                 <a:solidFill>
                   <a:srgbClr val="858585"/>
                 </a:solidFill>
@@ -5167,7 +4897,7 @@
               <a:t>14:30</a:t>
             </a:r>
             <a:r>
-              <a:rPr lang="zh-CN" altLang="en-US" dirty="0">
+              <a:rPr lang="zh-CN" altLang="en-US" sz="2000" dirty="0">
                 <a:solidFill>
                   <a:srgbClr val="858585"/>
                 </a:solidFill>
@@ -5177,7 +4907,7 @@
               <a:t>前到终点指定区域领取个人存放物品。如超过时间没有领取的，可于赛后</a:t>
             </a:r>
             <a:r>
-              <a:rPr lang="en-US" altLang="zh-CN" dirty="0">
+              <a:rPr lang="en-US" altLang="zh-CN" sz="2000" dirty="0">
                 <a:solidFill>
                   <a:srgbClr val="858585"/>
                 </a:solidFill>
@@ -5187,7 +4917,7 @@
               <a:t>5</a:t>
             </a:r>
             <a:r>
-              <a:rPr lang="zh-CN" altLang="en-US" dirty="0">
+              <a:rPr lang="zh-CN" altLang="en-US" sz="2000" dirty="0">
                 <a:solidFill>
                   <a:srgbClr val="858585"/>
                 </a:solidFill>
@@ -5197,7 +4927,7 @@
               <a:t>个工作日内联系组委会邮寄，邮寄费用由选手本人承担。逾期不领取者，组委会将按无人领取处理</a:t>
             </a:r>
             <a:r>
-              <a:rPr lang="zh-CN" altLang="en-US" dirty="0" smtClean="0">
+              <a:rPr lang="zh-CN" altLang="en-US" sz="2000" dirty="0" smtClean="0">
                 <a:solidFill>
                   <a:srgbClr val="858585"/>
                 </a:solidFill>
@@ -5206,7 +4936,7 @@
               </a:rPr>
               <a:t>。</a:t>
             </a:r>
-            <a:endParaRPr lang="zh-CN" altLang="en-US" dirty="0">
+            <a:endParaRPr lang="zh-CN" altLang="en-US" sz="2000" dirty="0">
               <a:solidFill>
                 <a:srgbClr val="858585"/>
               </a:solidFill>
@@ -5262,14 +4992,14 @@
           <p:nvPr>
             <p:extLst>
               <p:ext uri="{D42A27DB-BD31-4B8C-83A1-F6EECF244321}">
-                <p14:modId xmlns:p14="http://schemas.microsoft.com/office/powerpoint/2010/main" val="3625741119"/>
+                <p14:modId xmlns:p14="http://schemas.microsoft.com/office/powerpoint/2010/main" val="3600762165"/>
               </p:ext>
             </p:extLst>
           </p:nvPr>
         </p:nvGraphicFramePr>
         <p:xfrm>
-          <a:off x="2349639" y="883414"/>
-          <a:ext cx="7110585" cy="4379664"/>
+          <a:off x="2349639" y="296561"/>
+          <a:ext cx="7110585" cy="6208464"/>
         </p:xfrm>
         <a:graphic>
           <a:graphicData uri="http://schemas.openxmlformats.org/drawingml/2006/table">
@@ -5288,7 +5018,7 @@
                     <a:p>
                       <a:pPr algn="ctr" fontAlgn="base"/>
                       <a:r>
-                        <a:rPr lang="zh-CN" altLang="en-US" sz="1800" b="1">
+                        <a:rPr lang="zh-CN" altLang="en-US" sz="2800" b="1">
                           <a:solidFill>
                             <a:srgbClr val="858585"/>
                           </a:solidFill>
@@ -5296,7 +5026,7 @@
                         </a:rPr>
                         <a:t>项目</a:t>
                       </a:r>
-                      <a:endParaRPr lang="zh-CN" altLang="en-US" sz="1800" b="0">
+                      <a:endParaRPr lang="zh-CN" altLang="en-US" sz="2800" b="0">
                         <a:solidFill>
                           <a:srgbClr val="858585"/>
                         </a:solidFill>
@@ -5353,7 +5083,7 @@
                     <a:p>
                       <a:pPr algn="ctr" fontAlgn="base"/>
                       <a:r>
-                        <a:rPr lang="zh-CN" altLang="en-US" sz="1800" b="1">
+                        <a:rPr lang="zh-CN" altLang="en-US" sz="2800" b="1">
                           <a:solidFill>
                             <a:srgbClr val="858585"/>
                           </a:solidFill>
@@ -5361,7 +5091,7 @@
                         </a:rPr>
                         <a:t>距离</a:t>
                       </a:r>
-                      <a:endParaRPr lang="zh-CN" altLang="en-US" sz="1800" b="0">
+                      <a:endParaRPr lang="zh-CN" altLang="en-US" sz="2800" b="0">
                         <a:solidFill>
                           <a:srgbClr val="858585"/>
                         </a:solidFill>
@@ -5418,7 +5148,7 @@
                     <a:p>
                       <a:pPr algn="ctr" fontAlgn="base"/>
                       <a:r>
-                        <a:rPr lang="zh-CN" altLang="en-US" sz="1800" b="1">
+                        <a:rPr lang="zh-CN" altLang="en-US" sz="2800" b="1">
                           <a:solidFill>
                             <a:srgbClr val="858585"/>
                           </a:solidFill>
@@ -5426,7 +5156,7 @@
                         </a:rPr>
                         <a:t>关门时间</a:t>
                       </a:r>
-                      <a:endParaRPr lang="zh-CN" altLang="en-US" sz="1800" b="0">
+                      <a:endParaRPr lang="zh-CN" altLang="en-US" sz="2800" b="0">
                         <a:solidFill>
                           <a:srgbClr val="858585"/>
                         </a:solidFill>
@@ -5485,7 +5215,7 @@
                     <a:p>
                       <a:pPr algn="ctr" fontAlgn="base"/>
                       <a:r>
-                        <a:rPr lang="zh-CN" altLang="en-US" sz="1800" b="0">
+                        <a:rPr lang="zh-CN" altLang="en-US" sz="2800" b="0">
                           <a:solidFill>
                             <a:srgbClr val="858585"/>
                           </a:solidFill>
@@ -5544,7 +5274,7 @@
                     <a:p>
                       <a:pPr algn="ctr" fontAlgn="base"/>
                       <a:r>
-                        <a:rPr lang="en-US" altLang="zh-CN" sz="1800" b="0">
+                        <a:rPr lang="en-US" altLang="zh-CN" sz="2800" b="0">
                           <a:solidFill>
                             <a:srgbClr val="858585"/>
                           </a:solidFill>
@@ -5553,7 +5283,7 @@
                         <a:t>5</a:t>
                       </a:r>
                       <a:r>
-                        <a:rPr lang="zh-CN" altLang="en-US" sz="1800" b="0">
+                        <a:rPr lang="zh-CN" altLang="en-US" sz="2800" b="0">
                           <a:solidFill>
                             <a:srgbClr val="858585"/>
                           </a:solidFill>
@@ -5612,7 +5342,7 @@
                     <a:p>
                       <a:pPr algn="ctr" fontAlgn="base"/>
                       <a:r>
-                        <a:rPr lang="en-US" altLang="zh-CN" sz="1800" b="0">
+                        <a:rPr lang="en-US" altLang="zh-CN" sz="2800" b="0">
                           <a:solidFill>
                             <a:srgbClr val="858585"/>
                           </a:solidFill>
@@ -5673,7 +5403,7 @@
                     <a:p>
                       <a:pPr algn="ctr" fontAlgn="base"/>
                       <a:r>
-                        <a:rPr lang="zh-CN" altLang="en-US" sz="1800" b="0">
+                        <a:rPr lang="zh-CN" altLang="en-US" sz="2800" b="0">
                           <a:solidFill>
                             <a:srgbClr val="858585"/>
                           </a:solidFill>
@@ -5685,7 +5415,7 @@
                     <a:p>
                       <a:pPr algn="ctr" fontAlgn="base"/>
                       <a:r>
-                        <a:rPr lang="zh-CN" altLang="en-US" sz="1800" b="0">
+                        <a:rPr lang="zh-CN" altLang="en-US" sz="2800" b="0">
                           <a:solidFill>
                             <a:srgbClr val="858585"/>
                           </a:solidFill>
@@ -5697,7 +5427,7 @@
                     <a:p>
                       <a:pPr algn="ctr" fontAlgn="base"/>
                       <a:r>
-                        <a:rPr lang="zh-CN" altLang="en-US" sz="1800" b="0">
+                        <a:rPr lang="zh-CN" altLang="en-US" sz="2800" b="0">
                           <a:solidFill>
                             <a:srgbClr val="858585"/>
                           </a:solidFill>
@@ -5709,7 +5439,7 @@
                     <a:p>
                       <a:pPr algn="ctr" fontAlgn="base"/>
                       <a:r>
-                        <a:rPr lang="zh-CN" altLang="en-US" sz="1800" b="0">
+                        <a:rPr lang="zh-CN" altLang="en-US" sz="2800" b="0">
                           <a:solidFill>
                             <a:srgbClr val="858585"/>
                           </a:solidFill>
@@ -5768,7 +5498,7 @@
                     <a:p>
                       <a:pPr algn="ctr" fontAlgn="base"/>
                       <a:r>
-                        <a:rPr lang="en-US" altLang="zh-CN" sz="1800" b="0">
+                        <a:rPr lang="en-US" altLang="zh-CN" sz="2800" b="0">
                           <a:solidFill>
                             <a:srgbClr val="858585"/>
                           </a:solidFill>
@@ -5777,7 +5507,7 @@
                         <a:t>5</a:t>
                       </a:r>
                       <a:r>
-                        <a:rPr lang="zh-CN" altLang="en-US" sz="1800" b="0">
+                        <a:rPr lang="zh-CN" altLang="en-US" sz="2800" b="0">
                           <a:solidFill>
                             <a:srgbClr val="858585"/>
                           </a:solidFill>
@@ -5836,7 +5566,7 @@
                     <a:p>
                       <a:pPr algn="ctr" fontAlgn="base"/>
                       <a:r>
-                        <a:rPr lang="en-US" altLang="zh-CN" sz="1800" b="0">
+                        <a:rPr lang="en-US" altLang="zh-CN" sz="2800" b="0">
                           <a:solidFill>
                             <a:srgbClr val="858585"/>
                           </a:solidFill>
@@ -5907,7 +5637,7 @@
                     <a:p>
                       <a:pPr algn="ctr" fontAlgn="base"/>
                       <a:r>
-                        <a:rPr lang="en-US" altLang="zh-CN" sz="1800" b="0">
+                        <a:rPr lang="en-US" altLang="zh-CN" sz="2800" b="0">
                           <a:solidFill>
                             <a:srgbClr val="858585"/>
                           </a:solidFill>
@@ -5916,7 +5646,7 @@
                         <a:t>10</a:t>
                       </a:r>
                       <a:r>
-                        <a:rPr lang="zh-CN" altLang="en-US" sz="1800" b="0">
+                        <a:rPr lang="zh-CN" altLang="en-US" sz="2800" b="0">
                           <a:solidFill>
                             <a:srgbClr val="858585"/>
                           </a:solidFill>
@@ -5975,7 +5705,7 @@
                     <a:p>
                       <a:pPr algn="ctr" fontAlgn="base"/>
                       <a:r>
-                        <a:rPr lang="en-US" altLang="zh-CN" sz="1800" b="0">
+                        <a:rPr lang="en-US" altLang="zh-CN" sz="2800" b="0">
                           <a:solidFill>
                             <a:srgbClr val="858585"/>
                           </a:solidFill>
@@ -6046,7 +5776,7 @@
                     <a:p>
                       <a:pPr algn="ctr" fontAlgn="base"/>
                       <a:r>
-                        <a:rPr lang="en-US" altLang="zh-CN" sz="1800" b="0">
+                        <a:rPr lang="en-US" altLang="zh-CN" sz="2800" b="0">
                           <a:solidFill>
                             <a:srgbClr val="858585"/>
                           </a:solidFill>
@@ -6055,7 +5785,7 @@
                         <a:t>15</a:t>
                       </a:r>
                       <a:r>
-                        <a:rPr lang="zh-CN" altLang="en-US" sz="1800" b="0">
+                        <a:rPr lang="zh-CN" altLang="en-US" sz="2800" b="0">
                           <a:solidFill>
                             <a:srgbClr val="858585"/>
                           </a:solidFill>
@@ -6114,7 +5844,7 @@
                     <a:p>
                       <a:pPr algn="ctr" fontAlgn="base"/>
                       <a:r>
-                        <a:rPr lang="en-US" altLang="zh-CN" sz="1800" b="0">
+                        <a:rPr lang="en-US" altLang="zh-CN" sz="2800" b="0">
                           <a:solidFill>
                             <a:srgbClr val="858585"/>
                           </a:solidFill>
@@ -6185,7 +5915,7 @@
                     <a:p>
                       <a:pPr algn="ctr" fontAlgn="base"/>
                       <a:r>
-                        <a:rPr lang="en-US" altLang="zh-CN" sz="1800" b="0">
+                        <a:rPr lang="en-US" altLang="zh-CN" sz="2800" b="0">
                           <a:solidFill>
                             <a:srgbClr val="858585"/>
                           </a:solidFill>
@@ -6194,7 +5924,7 @@
                         <a:t>20</a:t>
                       </a:r>
                       <a:r>
-                        <a:rPr lang="zh-CN" altLang="en-US" sz="1800" b="0">
+                        <a:rPr lang="zh-CN" altLang="en-US" sz="2800" b="0">
                           <a:solidFill>
                             <a:srgbClr val="858585"/>
                           </a:solidFill>
@@ -6253,7 +5983,7 @@
                     <a:p>
                       <a:pPr algn="ctr" fontAlgn="base"/>
                       <a:r>
-                        <a:rPr lang="en-US" altLang="zh-CN" sz="1800" b="0">
+                        <a:rPr lang="en-US" altLang="zh-CN" sz="2800" b="0">
                           <a:solidFill>
                             <a:srgbClr val="858585"/>
                           </a:solidFill>
@@ -6314,7 +6044,7 @@
                     <a:p>
                       <a:pPr algn="ctr" fontAlgn="base"/>
                       <a:r>
-                        <a:rPr lang="zh-CN" altLang="en-US" sz="1800" b="0">
+                        <a:rPr lang="zh-CN" altLang="en-US" sz="2800" b="0">
                           <a:solidFill>
                             <a:srgbClr val="858585"/>
                           </a:solidFill>
@@ -6373,7 +6103,7 @@
                     <a:p>
                       <a:pPr algn="ctr" fontAlgn="base"/>
                       <a:r>
-                        <a:rPr lang="en-US" altLang="zh-CN" sz="1800" b="0">
+                        <a:rPr lang="en-US" altLang="zh-CN" sz="2800" b="0">
                           <a:solidFill>
                             <a:srgbClr val="858585"/>
                           </a:solidFill>
@@ -6382,7 +6112,7 @@
                         <a:t>21.0975</a:t>
                       </a:r>
                       <a:r>
-                        <a:rPr lang="zh-CN" altLang="en-US" sz="1800" b="0">
+                        <a:rPr lang="zh-CN" altLang="en-US" sz="2800" b="0">
                           <a:solidFill>
                             <a:srgbClr val="858585"/>
                           </a:solidFill>
@@ -6441,7 +6171,7 @@
                     <a:p>
                       <a:pPr algn="ctr" fontAlgn="base"/>
                       <a:r>
-                        <a:rPr lang="en-US" altLang="zh-CN" sz="1800" b="0">
+                        <a:rPr lang="en-US" altLang="zh-CN" sz="2800" b="0">
                           <a:solidFill>
                             <a:srgbClr val="858585"/>
                           </a:solidFill>
@@ -6502,7 +6232,7 @@
                     <a:p>
                       <a:pPr algn="ctr" fontAlgn="base"/>
                       <a:r>
-                        <a:rPr lang="zh-CN" altLang="en-US" sz="1800" b="0">
+                        <a:rPr lang="zh-CN" altLang="en-US" sz="2800" b="0">
                           <a:solidFill>
                             <a:srgbClr val="858585"/>
                           </a:solidFill>
@@ -6514,7 +6244,7 @@
                     <a:p>
                       <a:pPr algn="ctr" fontAlgn="base"/>
                       <a:r>
-                        <a:rPr lang="zh-CN" altLang="en-US" sz="1800" b="0">
+                        <a:rPr lang="zh-CN" altLang="en-US" sz="2800" b="0">
                           <a:solidFill>
                             <a:srgbClr val="858585"/>
                           </a:solidFill>
@@ -6573,7 +6303,7 @@
                     <a:p>
                       <a:pPr algn="ctr" fontAlgn="base"/>
                       <a:r>
-                        <a:rPr lang="en-US" altLang="zh-CN" sz="1800" b="0">
+                        <a:rPr lang="en-US" altLang="zh-CN" sz="2800" b="0">
                           <a:solidFill>
                             <a:srgbClr val="858585"/>
                           </a:solidFill>
@@ -6582,7 +6312,7 @@
                         <a:t>25</a:t>
                       </a:r>
                       <a:r>
-                        <a:rPr lang="zh-CN" altLang="en-US" sz="1800" b="0">
+                        <a:rPr lang="zh-CN" altLang="en-US" sz="2800" b="0">
                           <a:solidFill>
                             <a:srgbClr val="858585"/>
                           </a:solidFill>
@@ -6641,7 +6371,7 @@
                     <a:p>
                       <a:pPr algn="ctr" fontAlgn="base"/>
                       <a:r>
-                        <a:rPr lang="en-US" altLang="zh-CN" sz="1800" b="0">
+                        <a:rPr lang="en-US" altLang="zh-CN" sz="2800" b="0">
                           <a:solidFill>
                             <a:srgbClr val="858585"/>
                           </a:solidFill>
@@ -6712,7 +6442,7 @@
                     <a:p>
                       <a:pPr algn="ctr" fontAlgn="base"/>
                       <a:r>
-                        <a:rPr lang="en-US" altLang="zh-CN" sz="1800" b="0">
+                        <a:rPr lang="en-US" altLang="zh-CN" sz="2800" b="0">
                           <a:solidFill>
                             <a:srgbClr val="858585"/>
                           </a:solidFill>
@@ -6721,7 +6451,7 @@
                         <a:t>30</a:t>
                       </a:r>
                       <a:r>
-                        <a:rPr lang="zh-CN" altLang="en-US" sz="1800" b="0">
+                        <a:rPr lang="zh-CN" altLang="en-US" sz="2800" b="0">
                           <a:solidFill>
                             <a:srgbClr val="858585"/>
                           </a:solidFill>
@@ -6780,7 +6510,7 @@
                     <a:p>
                       <a:pPr algn="ctr" fontAlgn="base"/>
                       <a:r>
-                        <a:rPr lang="en-US" altLang="zh-CN" sz="1800" b="0">
+                        <a:rPr lang="en-US" altLang="zh-CN" sz="2800" b="0">
                           <a:solidFill>
                             <a:srgbClr val="858585"/>
                           </a:solidFill>
@@ -6851,7 +6581,7 @@
                     <a:p>
                       <a:pPr algn="ctr" fontAlgn="base"/>
                       <a:r>
-                        <a:rPr lang="en-US" altLang="zh-CN" sz="1800" b="0">
+                        <a:rPr lang="en-US" altLang="zh-CN" sz="2800" b="0">
                           <a:solidFill>
                             <a:srgbClr val="858585"/>
                           </a:solidFill>
@@ -6860,7 +6590,7 @@
                         <a:t>35</a:t>
                       </a:r>
                       <a:r>
-                        <a:rPr lang="zh-CN" altLang="en-US" sz="1800" b="0">
+                        <a:rPr lang="zh-CN" altLang="en-US" sz="2800" b="0">
                           <a:solidFill>
                             <a:srgbClr val="858585"/>
                           </a:solidFill>
@@ -6919,7 +6649,7 @@
                     <a:p>
                       <a:pPr algn="ctr" fontAlgn="base"/>
                       <a:r>
-                        <a:rPr lang="en-US" altLang="zh-CN" sz="1800" b="0">
+                        <a:rPr lang="en-US" altLang="zh-CN" sz="2800" b="0">
                           <a:solidFill>
                             <a:srgbClr val="858585"/>
                           </a:solidFill>
@@ -6990,7 +6720,7 @@
                     <a:p>
                       <a:pPr algn="ctr" fontAlgn="base"/>
                       <a:r>
-                        <a:rPr lang="en-US" altLang="zh-CN" sz="1800" b="0">
+                        <a:rPr lang="en-US" altLang="zh-CN" sz="2800" b="0">
                           <a:solidFill>
                             <a:srgbClr val="858585"/>
                           </a:solidFill>
@@ -6999,7 +6729,7 @@
                         <a:t>40</a:t>
                       </a:r>
                       <a:r>
-                        <a:rPr lang="zh-CN" altLang="en-US" sz="1800" b="0">
+                        <a:rPr lang="zh-CN" altLang="en-US" sz="2800" b="0">
                           <a:solidFill>
                             <a:srgbClr val="858585"/>
                           </a:solidFill>
@@ -7058,7 +6788,7 @@
                     <a:p>
                       <a:pPr algn="ctr" fontAlgn="base"/>
                       <a:r>
-                        <a:rPr lang="en-US" altLang="zh-CN" sz="1800" b="0">
+                        <a:rPr lang="en-US" altLang="zh-CN" sz="2800" b="0">
                           <a:solidFill>
                             <a:srgbClr val="858585"/>
                           </a:solidFill>
@@ -7129,7 +6859,7 @@
                     <a:p>
                       <a:pPr algn="ctr" fontAlgn="base"/>
                       <a:r>
-                        <a:rPr lang="en-US" altLang="zh-CN" sz="1800" b="0">
+                        <a:rPr lang="en-US" altLang="zh-CN" sz="2800" b="0">
                           <a:solidFill>
                             <a:srgbClr val="858585"/>
                           </a:solidFill>
@@ -7138,7 +6868,7 @@
                         <a:t>42.195</a:t>
                       </a:r>
                       <a:r>
-                        <a:rPr lang="zh-CN" altLang="en-US" sz="1800" b="0">
+                        <a:rPr lang="zh-CN" altLang="en-US" sz="2800" b="0">
                           <a:solidFill>
                             <a:srgbClr val="858585"/>
                           </a:solidFill>
@@ -7197,7 +6927,7 @@
                     <a:p>
                       <a:pPr algn="ctr" fontAlgn="base"/>
                       <a:r>
-                        <a:rPr lang="en-US" altLang="zh-CN" sz="1800" b="0" dirty="0">
+                        <a:rPr lang="en-US" altLang="zh-CN" sz="2800" b="0" dirty="0">
                           <a:solidFill>
                             <a:srgbClr val="858585"/>
                           </a:solidFill>
@@ -7264,6 +6994,13 @@
   <p:clrMapOvr>
     <a:masterClrMapping/>
   </p:clrMapOvr>
+  <p:timing>
+    <p:tnLst>
+      <p:par>
+        <p:cTn id="1" dur="indefinite" restart="never" nodeType="tmRoot"/>
+      </p:par>
+    </p:tnLst>
+  </p:timing>
 </p:sld>
 </file>
 
@@ -7292,8 +7029,8 @@
         </p:nvSpPr>
         <p:spPr>
           <a:xfrm>
-            <a:off x="764273" y="364152"/>
-            <a:ext cx="10222173" cy="3693319"/>
+            <a:off x="764273" y="268616"/>
+            <a:ext cx="10222173" cy="5262979"/>
           </a:xfrm>
           <a:prstGeom prst="rect">
             <a:avLst/>
@@ -7307,7 +7044,7 @@
           <a:p>
             <a:pPr fontAlgn="base"/>
             <a:r>
-              <a:rPr lang="zh-CN" altLang="en-US" b="1" dirty="0">
+              <a:rPr lang="zh-CN" altLang="en-US" sz="2400" b="1" dirty="0">
                 <a:solidFill>
                   <a:srgbClr val="555555"/>
                 </a:solidFill>
@@ -7319,7 +7056,7 @@
           </a:p>
           <a:p>
             <a:pPr fontAlgn="base"/>
-            <a:endParaRPr lang="en-US" altLang="zh-CN" dirty="0">
+            <a:endParaRPr lang="en-US" altLang="zh-CN" sz="2400" dirty="0">
               <a:solidFill>
                 <a:srgbClr val="858585"/>
               </a:solidFill>
@@ -7330,7 +7067,7 @@
           <a:p>
             <a:pPr fontAlgn="base"/>
             <a:r>
-              <a:rPr lang="zh-CN" altLang="en-US" dirty="0" smtClean="0">
+              <a:rPr lang="zh-CN" altLang="en-US" sz="2400" dirty="0" smtClean="0">
                 <a:solidFill>
                   <a:srgbClr val="858585"/>
                 </a:solidFill>
@@ -7340,7 +7077,7 @@
               <a:t>（</a:t>
             </a:r>
             <a:r>
-              <a:rPr lang="zh-CN" altLang="en-US" dirty="0">
+              <a:rPr lang="zh-CN" altLang="en-US" sz="2400" dirty="0">
                 <a:solidFill>
                   <a:srgbClr val="858585"/>
                 </a:solidFill>
@@ -7353,7 +7090,7 @@
           <a:p>
             <a:pPr fontAlgn="base"/>
             <a:r>
-              <a:rPr lang="en-US" altLang="zh-CN" dirty="0">
+              <a:rPr lang="en-US" altLang="zh-CN" sz="2400" dirty="0">
                 <a:solidFill>
                   <a:srgbClr val="858585"/>
                 </a:solidFill>
@@ -7363,7 +7100,7 @@
               <a:t>1</a:t>
             </a:r>
             <a:r>
-              <a:rPr lang="zh-CN" altLang="en-US" dirty="0">
+              <a:rPr lang="zh-CN" altLang="en-US" sz="2400" dirty="0">
                 <a:solidFill>
                   <a:srgbClr val="858585"/>
                 </a:solidFill>
@@ -7373,7 +7110,7 @@
               <a:t>、马拉松项目年龄限</a:t>
             </a:r>
             <a:r>
-              <a:rPr lang="en-US" altLang="zh-CN" dirty="0">
+              <a:rPr lang="en-US" altLang="zh-CN" sz="2400" dirty="0">
                 <a:solidFill>
                   <a:srgbClr val="858585"/>
                 </a:solidFill>
@@ -7383,7 +7120,7 @@
               <a:t>20</a:t>
             </a:r>
             <a:r>
-              <a:rPr lang="zh-CN" altLang="en-US" dirty="0">
+              <a:rPr lang="zh-CN" altLang="en-US" sz="2400" dirty="0">
                 <a:solidFill>
                   <a:srgbClr val="858585"/>
                 </a:solidFill>
@@ -7393,7 +7130,7 @@
               <a:t>周岁以上（</a:t>
             </a:r>
             <a:r>
-              <a:rPr lang="en-US" altLang="zh-CN" dirty="0">
+              <a:rPr lang="en-US" altLang="zh-CN" sz="2400" dirty="0">
                 <a:solidFill>
                   <a:srgbClr val="858585"/>
                 </a:solidFill>
@@ -7403,7 +7140,7 @@
               <a:t>1998</a:t>
             </a:r>
             <a:r>
-              <a:rPr lang="zh-CN" altLang="en-US" dirty="0">
+              <a:rPr lang="zh-CN" altLang="en-US" sz="2400" dirty="0">
                 <a:solidFill>
                   <a:srgbClr val="858585"/>
                 </a:solidFill>
@@ -7413,7 +7150,7 @@
               <a:t>年</a:t>
             </a:r>
             <a:r>
-              <a:rPr lang="en-US" altLang="zh-CN" dirty="0">
+              <a:rPr lang="en-US" altLang="zh-CN" sz="2400" dirty="0">
                 <a:solidFill>
                   <a:srgbClr val="858585"/>
                 </a:solidFill>
@@ -7423,7 +7160,7 @@
               <a:t>12</a:t>
             </a:r>
             <a:r>
-              <a:rPr lang="zh-CN" altLang="en-US" dirty="0">
+              <a:rPr lang="zh-CN" altLang="en-US" sz="2400" dirty="0">
                 <a:solidFill>
                   <a:srgbClr val="858585"/>
                 </a:solidFill>
@@ -7433,7 +7170,7 @@
               <a:t>月</a:t>
             </a:r>
             <a:r>
-              <a:rPr lang="en-US" altLang="zh-CN" dirty="0">
+              <a:rPr lang="en-US" altLang="zh-CN" sz="2400" dirty="0">
                 <a:solidFill>
                   <a:srgbClr val="858585"/>
                 </a:solidFill>
@@ -7443,7 +7180,7 @@
               <a:t>31</a:t>
             </a:r>
             <a:r>
-              <a:rPr lang="zh-CN" altLang="en-US" dirty="0">
+              <a:rPr lang="zh-CN" altLang="en-US" sz="2400" dirty="0">
                 <a:solidFill>
                   <a:srgbClr val="858585"/>
                 </a:solidFill>
@@ -7456,7 +7193,7 @@
           <a:p>
             <a:pPr fontAlgn="base"/>
             <a:r>
-              <a:rPr lang="en-US" altLang="zh-CN" dirty="0">
+              <a:rPr lang="en-US" altLang="zh-CN" sz="2400" dirty="0">
                 <a:solidFill>
                   <a:srgbClr val="858585"/>
                 </a:solidFill>
@@ -7466,7 +7203,7 @@
               <a:t>2</a:t>
             </a:r>
             <a:r>
-              <a:rPr lang="zh-CN" altLang="en-US" dirty="0">
+              <a:rPr lang="zh-CN" altLang="en-US" sz="2400" dirty="0">
                 <a:solidFill>
                   <a:srgbClr val="858585"/>
                 </a:solidFill>
@@ -7476,7 +7213,7 @@
               <a:t>、半程马拉松项目年龄限</a:t>
             </a:r>
             <a:r>
-              <a:rPr lang="en-US" altLang="zh-CN" dirty="0">
+              <a:rPr lang="en-US" altLang="zh-CN" sz="2400" dirty="0">
                 <a:solidFill>
                   <a:srgbClr val="858585"/>
                 </a:solidFill>
@@ -7486,7 +7223,7 @@
               <a:t>18</a:t>
             </a:r>
             <a:r>
-              <a:rPr lang="zh-CN" altLang="en-US" dirty="0">
+              <a:rPr lang="zh-CN" altLang="en-US" sz="2400" dirty="0">
                 <a:solidFill>
                   <a:srgbClr val="858585"/>
                 </a:solidFill>
@@ -7496,7 +7233,7 @@
               <a:t>周岁以上（</a:t>
             </a:r>
             <a:r>
-              <a:rPr lang="en-US" altLang="zh-CN" dirty="0">
+              <a:rPr lang="en-US" altLang="zh-CN" sz="2400" dirty="0">
                 <a:solidFill>
                   <a:srgbClr val="858585"/>
                 </a:solidFill>
@@ -7506,7 +7243,7 @@
               <a:t>2000</a:t>
             </a:r>
             <a:r>
-              <a:rPr lang="zh-CN" altLang="en-US" dirty="0">
+              <a:rPr lang="zh-CN" altLang="en-US" sz="2400" dirty="0">
                 <a:solidFill>
                   <a:srgbClr val="858585"/>
                 </a:solidFill>
@@ -7516,7 +7253,7 @@
               <a:t>年</a:t>
             </a:r>
             <a:r>
-              <a:rPr lang="en-US" altLang="zh-CN" dirty="0">
+              <a:rPr lang="en-US" altLang="zh-CN" sz="2400" dirty="0">
                 <a:solidFill>
                   <a:srgbClr val="858585"/>
                 </a:solidFill>
@@ -7526,7 +7263,7 @@
               <a:t>12</a:t>
             </a:r>
             <a:r>
-              <a:rPr lang="zh-CN" altLang="en-US" dirty="0">
+              <a:rPr lang="zh-CN" altLang="en-US" sz="2400" dirty="0">
                 <a:solidFill>
                   <a:srgbClr val="858585"/>
                 </a:solidFill>
@@ -7536,7 +7273,7 @@
               <a:t>月</a:t>
             </a:r>
             <a:r>
-              <a:rPr lang="en-US" altLang="zh-CN" dirty="0">
+              <a:rPr lang="en-US" altLang="zh-CN" sz="2400" dirty="0">
                 <a:solidFill>
                   <a:srgbClr val="858585"/>
                 </a:solidFill>
@@ -7546,7 +7283,7 @@
               <a:t>31</a:t>
             </a:r>
             <a:r>
-              <a:rPr lang="zh-CN" altLang="en-US" dirty="0">
+              <a:rPr lang="zh-CN" altLang="en-US" sz="2400" dirty="0">
                 <a:solidFill>
                   <a:srgbClr val="858585"/>
                 </a:solidFill>
@@ -7559,7 +7296,7 @@
           <a:p>
             <a:pPr fontAlgn="base"/>
             <a:r>
-              <a:rPr lang="en-US" altLang="zh-CN" dirty="0">
+              <a:rPr lang="en-US" altLang="zh-CN" sz="2400" dirty="0">
                 <a:solidFill>
                   <a:srgbClr val="858585"/>
                 </a:solidFill>
@@ -7569,7 +7306,7 @@
               <a:t>3</a:t>
             </a:r>
             <a:r>
-              <a:rPr lang="zh-CN" altLang="en-US" dirty="0">
+              <a:rPr lang="zh-CN" altLang="en-US" sz="2400" dirty="0">
                 <a:solidFill>
                   <a:srgbClr val="858585"/>
                 </a:solidFill>
@@ -7579,7 +7316,7 @@
               <a:t>、欢乐跑项目年龄限</a:t>
             </a:r>
             <a:r>
-              <a:rPr lang="en-US" altLang="zh-CN" dirty="0">
+              <a:rPr lang="en-US" altLang="zh-CN" sz="2400" dirty="0">
                 <a:solidFill>
                   <a:srgbClr val="858585"/>
                 </a:solidFill>
@@ -7589,7 +7326,7 @@
               <a:t>12</a:t>
             </a:r>
             <a:r>
-              <a:rPr lang="zh-CN" altLang="en-US" dirty="0">
+              <a:rPr lang="zh-CN" altLang="en-US" sz="2400" dirty="0">
                 <a:solidFill>
                   <a:srgbClr val="858585"/>
                 </a:solidFill>
@@ -7599,7 +7336,7 @@
               <a:t>周岁以上（</a:t>
             </a:r>
             <a:r>
-              <a:rPr lang="en-US" altLang="zh-CN" dirty="0">
+              <a:rPr lang="en-US" altLang="zh-CN" sz="2400" dirty="0">
                 <a:solidFill>
                   <a:srgbClr val="858585"/>
                 </a:solidFill>
@@ -7609,7 +7346,7 @@
               <a:t>2006</a:t>
             </a:r>
             <a:r>
-              <a:rPr lang="zh-CN" altLang="en-US" dirty="0">
+              <a:rPr lang="zh-CN" altLang="en-US" sz="2400" dirty="0">
                 <a:solidFill>
                   <a:srgbClr val="858585"/>
                 </a:solidFill>
@@ -7619,7 +7356,7 @@
               <a:t>年</a:t>
             </a:r>
             <a:r>
-              <a:rPr lang="en-US" altLang="zh-CN" dirty="0">
+              <a:rPr lang="en-US" altLang="zh-CN" sz="2400" dirty="0">
                 <a:solidFill>
                   <a:srgbClr val="858585"/>
                 </a:solidFill>
@@ -7629,7 +7366,7 @@
               <a:t>12</a:t>
             </a:r>
             <a:r>
-              <a:rPr lang="zh-CN" altLang="en-US" dirty="0">
+              <a:rPr lang="zh-CN" altLang="en-US" sz="2400" dirty="0">
                 <a:solidFill>
                   <a:srgbClr val="858585"/>
                 </a:solidFill>
@@ -7639,7 +7376,7 @@
               <a:t>月</a:t>
             </a:r>
             <a:r>
-              <a:rPr lang="en-US" altLang="zh-CN" dirty="0">
+              <a:rPr lang="en-US" altLang="zh-CN" sz="2400" dirty="0">
                 <a:solidFill>
                   <a:srgbClr val="858585"/>
                 </a:solidFill>
@@ -7649,7 +7386,7 @@
               <a:t>31</a:t>
             </a:r>
             <a:r>
-              <a:rPr lang="zh-CN" altLang="en-US" dirty="0">
+              <a:rPr lang="zh-CN" altLang="en-US" sz="2400" dirty="0">
                 <a:solidFill>
                   <a:srgbClr val="858585"/>
                 </a:solidFill>
@@ -7659,7 +7396,7 @@
               <a:t>日前出生）</a:t>
             </a:r>
             <a:r>
-              <a:rPr lang="zh-CN" altLang="en-US" dirty="0" smtClean="0">
+              <a:rPr lang="zh-CN" altLang="en-US" sz="2400" dirty="0" smtClean="0">
                 <a:solidFill>
                   <a:srgbClr val="858585"/>
                 </a:solidFill>
@@ -7668,7 +7405,7 @@
               </a:rPr>
               <a:t>。</a:t>
             </a:r>
-            <a:endParaRPr lang="en-US" altLang="zh-CN" dirty="0" smtClean="0">
+            <a:endParaRPr lang="en-US" altLang="zh-CN" sz="2400" dirty="0" smtClean="0">
               <a:solidFill>
                 <a:srgbClr val="858585"/>
               </a:solidFill>
@@ -7678,7 +7415,7 @@
           </a:p>
           <a:p>
             <a:pPr fontAlgn="base"/>
-            <a:endParaRPr lang="en-US" altLang="zh-CN" dirty="0" smtClean="0">
+            <a:endParaRPr lang="en-US" altLang="zh-CN" sz="2400" dirty="0" smtClean="0">
               <a:solidFill>
                 <a:srgbClr val="858585"/>
               </a:solidFill>
@@ -7689,7 +7426,7 @@
           <a:p>
             <a:pPr fontAlgn="base"/>
             <a:r>
-              <a:rPr lang="zh-CN" altLang="en-US" dirty="0">
+              <a:rPr lang="zh-CN" altLang="en-US" sz="2400" dirty="0">
                 <a:solidFill>
                   <a:srgbClr val="858585"/>
                 </a:solidFill>
@@ -7702,7 +7439,7 @@
           <a:p>
             <a:pPr fontAlgn="base"/>
             <a:r>
-              <a:rPr lang="en-US" altLang="zh-CN" dirty="0">
+              <a:rPr lang="en-US" altLang="zh-CN" sz="2400" dirty="0">
                 <a:solidFill>
                   <a:srgbClr val="858585"/>
                 </a:solidFill>
@@ -7712,7 +7449,7 @@
               <a:t>1</a:t>
             </a:r>
             <a:r>
-              <a:rPr lang="zh-CN" altLang="en-US" dirty="0">
+              <a:rPr lang="zh-CN" altLang="en-US" sz="2400" dirty="0">
                 <a:solidFill>
                   <a:srgbClr val="858585"/>
                 </a:solidFill>
@@ -7722,7 +7459,7 @@
               <a:t>、马拉松项目限报</a:t>
             </a:r>
             <a:r>
-              <a:rPr lang="en-US" altLang="zh-CN" dirty="0">
+              <a:rPr lang="en-US" altLang="zh-CN" sz="2400" dirty="0">
                 <a:solidFill>
                   <a:srgbClr val="858585"/>
                 </a:solidFill>
@@ -7732,7 +7469,7 @@
               <a:t>15000</a:t>
             </a:r>
             <a:r>
-              <a:rPr lang="zh-CN" altLang="en-US" dirty="0">
+              <a:rPr lang="zh-CN" altLang="en-US" sz="2400" dirty="0">
                 <a:solidFill>
                   <a:srgbClr val="858585"/>
                 </a:solidFill>
@@ -7742,7 +7479,7 @@
               <a:t>人，半程马拉松项目限报</a:t>
             </a:r>
             <a:r>
-              <a:rPr lang="en-US" altLang="zh-CN" dirty="0">
+              <a:rPr lang="en-US" altLang="zh-CN" sz="2400" dirty="0">
                 <a:solidFill>
                   <a:srgbClr val="858585"/>
                 </a:solidFill>
@@ -7752,7 +7489,7 @@
               <a:t>10000</a:t>
             </a:r>
             <a:r>
-              <a:rPr lang="zh-CN" altLang="en-US" dirty="0">
+              <a:rPr lang="zh-CN" altLang="en-US" sz="2400" dirty="0">
                 <a:solidFill>
                   <a:srgbClr val="858585"/>
                 </a:solidFill>
@@ -7762,7 +7499,7 @@
               <a:t>人。马拉松和半程马拉松项目报名人数超过限报名额后，参赛资格获取将采取抽签加候补的办法。欢乐跑项目限报</a:t>
             </a:r>
             <a:r>
-              <a:rPr lang="en-US" altLang="zh-CN" dirty="0">
+              <a:rPr lang="en-US" altLang="zh-CN" sz="2400" dirty="0">
                 <a:solidFill>
                   <a:srgbClr val="858585"/>
                 </a:solidFill>
@@ -7772,7 +7509,7 @@
               <a:t>5000</a:t>
             </a:r>
             <a:r>
-              <a:rPr lang="zh-CN" altLang="en-US" dirty="0">
+              <a:rPr lang="zh-CN" altLang="en-US" sz="2400" dirty="0">
                 <a:solidFill>
                   <a:srgbClr val="858585"/>
                 </a:solidFill>
@@ -7784,7 +7521,7 @@
           </a:p>
           <a:p>
             <a:pPr fontAlgn="base"/>
-            <a:endParaRPr lang="en-US" altLang="zh-CN" b="0" i="0" dirty="0" smtClean="0">
+            <a:endParaRPr lang="en-US" altLang="zh-CN" sz="2400" b="0" i="0" dirty="0" smtClean="0">
               <a:solidFill>
                 <a:srgbClr val="858585"/>
               </a:solidFill>
@@ -7796,7 +7533,7 @@
           <a:p>
             <a:pPr fontAlgn="base"/>
             <a:r>
-              <a:rPr lang="zh-CN" altLang="en-US" dirty="0">
+              <a:rPr lang="zh-CN" altLang="en-US" sz="2400" dirty="0">
                 <a:solidFill>
                   <a:srgbClr val="858585"/>
                 </a:solidFill>
@@ -7805,7 +7542,7 @@
               </a:rPr>
               <a:t>（四）报名费</a:t>
             </a:r>
-            <a:endParaRPr lang="en-US" altLang="zh-CN" dirty="0">
+            <a:endParaRPr lang="en-US" altLang="zh-CN" sz="2400" dirty="0">
               <a:solidFill>
                 <a:srgbClr val="858585"/>
               </a:solidFill>
@@ -7815,7 +7552,7 @@
           </a:p>
           <a:p>
             <a:pPr fontAlgn="base"/>
-            <a:endParaRPr lang="zh-CN" altLang="en-US" b="0" i="0" dirty="0">
+            <a:endParaRPr lang="zh-CN" altLang="en-US" sz="2400" b="0" i="0" dirty="0">
               <a:solidFill>
                 <a:srgbClr val="858585"/>
               </a:solidFill>
@@ -7835,14 +7572,14 @@
           <p:nvPr>
             <p:extLst>
               <p:ext uri="{D42A27DB-BD31-4B8C-83A1-F6EECF244321}">
-                <p14:modId xmlns:p14="http://schemas.microsoft.com/office/powerpoint/2010/main" val="3926391708"/>
+                <p14:modId xmlns:p14="http://schemas.microsoft.com/office/powerpoint/2010/main" val="4058320721"/>
               </p:ext>
             </p:extLst>
           </p:nvPr>
         </p:nvGraphicFramePr>
         <p:xfrm>
-          <a:off x="967639" y="3946703"/>
-          <a:ext cx="7172325" cy="1828800"/>
+          <a:off x="2919269" y="4617195"/>
+          <a:ext cx="7172325" cy="1981200"/>
         </p:xfrm>
         <a:graphic>
           <a:graphicData uri="http://schemas.openxmlformats.org/drawingml/2006/table">
@@ -7861,7 +7598,7 @@
                     <a:p>
                       <a:pPr algn="ctr" fontAlgn="base"/>
                       <a:r>
-                        <a:rPr lang="zh-CN" altLang="en-US" b="0" dirty="0">
+                        <a:rPr lang="zh-CN" altLang="en-US" sz="2000" b="0" dirty="0">
                           <a:solidFill>
                             <a:srgbClr val="858585"/>
                           </a:solidFill>
@@ -7920,7 +7657,7 @@
                     <a:p>
                       <a:pPr algn="ctr" fontAlgn="base"/>
                       <a:r>
-                        <a:rPr lang="zh-CN" altLang="en-US" b="0" dirty="0">
+                        <a:rPr lang="zh-CN" altLang="en-US" sz="2000" b="0" dirty="0">
                           <a:solidFill>
                             <a:srgbClr val="858585"/>
                           </a:solidFill>
@@ -7979,7 +7716,7 @@
                     <a:p>
                       <a:pPr algn="ctr" fontAlgn="base"/>
                       <a:r>
-                        <a:rPr lang="zh-CN" altLang="en-US" b="0">
+                        <a:rPr lang="zh-CN" altLang="en-US" sz="2000" b="0">
                           <a:solidFill>
                             <a:srgbClr val="858585"/>
                           </a:solidFill>
@@ -8040,7 +7777,7 @@
                     <a:p>
                       <a:pPr algn="ctr" fontAlgn="base"/>
                       <a:r>
-                        <a:rPr lang="zh-CN" altLang="en-US" b="0">
+                        <a:rPr lang="zh-CN" altLang="en-US" sz="2000" b="0">
                           <a:solidFill>
                             <a:srgbClr val="858585"/>
                           </a:solidFill>
@@ -8099,7 +7836,7 @@
                     <a:p>
                       <a:pPr algn="ctr" fontAlgn="base"/>
                       <a:r>
-                        <a:rPr lang="en-US" altLang="zh-CN" b="0">
+                        <a:rPr lang="en-US" altLang="zh-CN" sz="2000" b="0">
                           <a:solidFill>
                             <a:srgbClr val="858585"/>
                           </a:solidFill>
@@ -8108,7 +7845,7 @@
                         <a:t>150</a:t>
                       </a:r>
                       <a:r>
-                        <a:rPr lang="zh-CN" altLang="en-US" b="0">
+                        <a:rPr lang="zh-CN" altLang="en-US" sz="2000" b="0">
                           <a:solidFill>
                             <a:srgbClr val="858585"/>
                           </a:solidFill>
@@ -8117,7 +7854,7 @@
                         <a:t>元人民币</a:t>
                       </a:r>
                       <a:r>
-                        <a:rPr lang="en-US" altLang="zh-CN" b="0">
+                        <a:rPr lang="en-US" altLang="zh-CN" sz="2000" b="0">
                           <a:solidFill>
                             <a:srgbClr val="858585"/>
                           </a:solidFill>
@@ -8126,7 +7863,7 @@
                         <a:t>/</a:t>
                       </a:r>
                       <a:r>
-                        <a:rPr lang="zh-CN" altLang="en-US" b="0">
+                        <a:rPr lang="zh-CN" altLang="en-US" sz="2000" b="0">
                           <a:solidFill>
                             <a:srgbClr val="858585"/>
                           </a:solidFill>
@@ -8185,7 +7922,7 @@
                     <a:p>
                       <a:pPr algn="ctr" fontAlgn="base"/>
                       <a:r>
-                        <a:rPr lang="en-US" altLang="zh-CN" b="0">
+                        <a:rPr lang="en-US" altLang="zh-CN" sz="2000" b="0">
                           <a:solidFill>
                             <a:srgbClr val="858585"/>
                           </a:solidFill>
@@ -8194,7 +7931,7 @@
                         <a:t>30</a:t>
                       </a:r>
                       <a:r>
-                        <a:rPr lang="zh-CN" altLang="en-US" b="0">
+                        <a:rPr lang="zh-CN" altLang="en-US" sz="2000" b="0">
                           <a:solidFill>
                             <a:srgbClr val="858585"/>
                           </a:solidFill>
@@ -8203,7 +7940,7 @@
                         <a:t>美元</a:t>
                       </a:r>
                       <a:r>
-                        <a:rPr lang="en-US" altLang="zh-CN" b="0">
+                        <a:rPr lang="en-US" altLang="zh-CN" sz="2000" b="0">
                           <a:solidFill>
                             <a:srgbClr val="858585"/>
                           </a:solidFill>
@@ -8212,7 +7949,7 @@
                         <a:t>/</a:t>
                       </a:r>
                       <a:r>
-                        <a:rPr lang="zh-CN" altLang="en-US" b="0">
+                        <a:rPr lang="zh-CN" altLang="en-US" sz="2000" b="0">
                           <a:solidFill>
                             <a:srgbClr val="858585"/>
                           </a:solidFill>
@@ -8273,7 +8010,7 @@
                     <a:p>
                       <a:pPr algn="ctr" fontAlgn="base"/>
                       <a:r>
-                        <a:rPr lang="zh-CN" altLang="en-US" b="0">
+                        <a:rPr lang="zh-CN" altLang="en-US" sz="2000" b="0">
                           <a:solidFill>
                             <a:srgbClr val="858585"/>
                           </a:solidFill>
@@ -8332,7 +8069,7 @@
                     <a:p>
                       <a:pPr algn="ctr" fontAlgn="base"/>
                       <a:r>
-                        <a:rPr lang="en-US" altLang="zh-CN" b="0">
+                        <a:rPr lang="en-US" altLang="zh-CN" sz="2000" b="0">
                           <a:solidFill>
                             <a:srgbClr val="858585"/>
                           </a:solidFill>
@@ -8341,7 +8078,7 @@
                         <a:t>150</a:t>
                       </a:r>
                       <a:r>
-                        <a:rPr lang="zh-CN" altLang="en-US" b="0">
+                        <a:rPr lang="zh-CN" altLang="en-US" sz="2000" b="0">
                           <a:solidFill>
                             <a:srgbClr val="858585"/>
                           </a:solidFill>
@@ -8350,7 +8087,7 @@
                         <a:t>元人民币</a:t>
                       </a:r>
                       <a:r>
-                        <a:rPr lang="en-US" altLang="zh-CN" b="0">
+                        <a:rPr lang="en-US" altLang="zh-CN" sz="2000" b="0">
                           <a:solidFill>
                             <a:srgbClr val="858585"/>
                           </a:solidFill>
@@ -8359,7 +8096,7 @@
                         <a:t>/</a:t>
                       </a:r>
                       <a:r>
-                        <a:rPr lang="zh-CN" altLang="en-US" b="0">
+                        <a:rPr lang="zh-CN" altLang="en-US" sz="2000" b="0">
                           <a:solidFill>
                             <a:srgbClr val="858585"/>
                           </a:solidFill>
@@ -8418,7 +8155,7 @@
                     <a:p>
                       <a:pPr algn="ctr" fontAlgn="base"/>
                       <a:r>
-                        <a:rPr lang="en-US" altLang="zh-CN" b="0">
+                        <a:rPr lang="en-US" altLang="zh-CN" sz="2000" b="0">
                           <a:solidFill>
                             <a:srgbClr val="858585"/>
                           </a:solidFill>
@@ -8427,7 +8164,7 @@
                         <a:t>30</a:t>
                       </a:r>
                       <a:r>
-                        <a:rPr lang="zh-CN" altLang="en-US" b="0">
+                        <a:rPr lang="zh-CN" altLang="en-US" sz="2000" b="0">
                           <a:solidFill>
                             <a:srgbClr val="858585"/>
                           </a:solidFill>
@@ -8436,7 +8173,7 @@
                         <a:t>美元</a:t>
                       </a:r>
                       <a:r>
-                        <a:rPr lang="en-US" altLang="zh-CN" b="0">
+                        <a:rPr lang="en-US" altLang="zh-CN" sz="2000" b="0">
                           <a:solidFill>
                             <a:srgbClr val="858585"/>
                           </a:solidFill>
@@ -8445,7 +8182,7 @@
                         <a:t>/</a:t>
                       </a:r>
                       <a:r>
-                        <a:rPr lang="zh-CN" altLang="en-US" b="0">
+                        <a:rPr lang="zh-CN" altLang="en-US" sz="2000" b="0">
                           <a:solidFill>
                             <a:srgbClr val="858585"/>
                           </a:solidFill>
@@ -8506,7 +8243,7 @@
                     <a:p>
                       <a:pPr algn="ctr" fontAlgn="base"/>
                       <a:r>
-                        <a:rPr lang="zh-CN" altLang="en-US" b="0">
+                        <a:rPr lang="zh-CN" altLang="en-US" sz="2000" b="0">
                           <a:solidFill>
                             <a:srgbClr val="858585"/>
                           </a:solidFill>
@@ -8565,7 +8302,7 @@
                     <a:p>
                       <a:pPr algn="ctr" fontAlgn="base"/>
                       <a:r>
-                        <a:rPr lang="en-US" altLang="zh-CN" b="0">
+                        <a:rPr lang="en-US" altLang="zh-CN" sz="2000" b="0">
                           <a:solidFill>
                             <a:srgbClr val="858585"/>
                           </a:solidFill>
@@ -8574,7 +8311,7 @@
                         <a:t>80</a:t>
                       </a:r>
                       <a:r>
-                        <a:rPr lang="zh-CN" altLang="en-US" b="0">
+                        <a:rPr lang="zh-CN" altLang="en-US" sz="2000" b="0">
                           <a:solidFill>
                             <a:srgbClr val="858585"/>
                           </a:solidFill>
@@ -8583,7 +8320,7 @@
                         <a:t>元人民币</a:t>
                       </a:r>
                       <a:r>
-                        <a:rPr lang="en-US" altLang="zh-CN" b="0">
+                        <a:rPr lang="en-US" altLang="zh-CN" sz="2000" b="0">
                           <a:solidFill>
                             <a:srgbClr val="858585"/>
                           </a:solidFill>
@@ -8592,7 +8329,7 @@
                         <a:t>/</a:t>
                       </a:r>
                       <a:r>
-                        <a:rPr lang="zh-CN" altLang="en-US" b="0">
+                        <a:rPr lang="zh-CN" altLang="en-US" sz="2000" b="0">
                           <a:solidFill>
                             <a:srgbClr val="858585"/>
                           </a:solidFill>
@@ -8651,7 +8388,7 @@
                     <a:p>
                       <a:pPr algn="ctr" fontAlgn="base"/>
                       <a:r>
-                        <a:rPr lang="en-US" altLang="zh-CN" b="0">
+                        <a:rPr lang="en-US" altLang="zh-CN" sz="2000" b="0">
                           <a:solidFill>
                             <a:srgbClr val="858585"/>
                           </a:solidFill>
@@ -8660,7 +8397,7 @@
                         <a:t>16</a:t>
                       </a:r>
                       <a:r>
-                        <a:rPr lang="zh-CN" altLang="en-US" b="0">
+                        <a:rPr lang="zh-CN" altLang="en-US" sz="2000" b="0">
                           <a:solidFill>
                             <a:srgbClr val="858585"/>
                           </a:solidFill>
@@ -8669,7 +8406,7 @@
                         <a:t>美元</a:t>
                       </a:r>
                       <a:r>
-                        <a:rPr lang="en-US" altLang="zh-CN" b="0">
+                        <a:rPr lang="en-US" altLang="zh-CN" sz="2000" b="0">
                           <a:solidFill>
                             <a:srgbClr val="858585"/>
                           </a:solidFill>
@@ -8678,7 +8415,7 @@
                         <a:t>/</a:t>
                       </a:r>
                       <a:r>
-                        <a:rPr lang="zh-CN" altLang="en-US" b="0">
+                        <a:rPr lang="zh-CN" altLang="en-US" sz="2000" b="0">
                           <a:solidFill>
                             <a:srgbClr val="858585"/>
                           </a:solidFill>
@@ -8739,7 +8476,7 @@
                     <a:p>
                       <a:pPr algn="ctr" fontAlgn="base"/>
                       <a:r>
-                        <a:rPr lang="zh-CN" altLang="en-US" b="0" dirty="0">
+                        <a:rPr lang="zh-CN" altLang="en-US" sz="2000" b="0" dirty="0">
                           <a:solidFill>
                             <a:srgbClr val="858585"/>
                           </a:solidFill>
@@ -8798,7 +8535,7 @@
                     <a:p>
                       <a:pPr algn="ctr" fontAlgn="base"/>
                       <a:r>
-                        <a:rPr lang="en-US" altLang="zh-CN" b="0">
+                        <a:rPr lang="en-US" altLang="zh-CN" sz="2000" b="0" dirty="0">
                           <a:solidFill>
                             <a:srgbClr val="858585"/>
                           </a:solidFill>
@@ -8807,7 +8544,7 @@
                         <a:t>1500</a:t>
                       </a:r>
                       <a:r>
-                        <a:rPr lang="zh-CN" altLang="en-US" b="0">
+                        <a:rPr lang="zh-CN" altLang="en-US" sz="2000" b="0" dirty="0">
                           <a:solidFill>
                             <a:srgbClr val="858585"/>
                           </a:solidFill>
@@ -8816,7 +8553,7 @@
                         <a:t>元人民币</a:t>
                       </a:r>
                       <a:r>
-                        <a:rPr lang="en-US" altLang="zh-CN" b="0">
+                        <a:rPr lang="en-US" altLang="zh-CN" sz="2000" b="0" dirty="0">
                           <a:solidFill>
                             <a:srgbClr val="858585"/>
                           </a:solidFill>
@@ -8825,7 +8562,7 @@
                         <a:t>/</a:t>
                       </a:r>
                       <a:r>
-                        <a:rPr lang="zh-CN" altLang="en-US" b="0">
+                        <a:rPr lang="zh-CN" altLang="en-US" sz="2000" b="0" dirty="0">
                           <a:solidFill>
                             <a:srgbClr val="858585"/>
                           </a:solidFill>
@@ -8884,7 +8621,7 @@
                     <a:p>
                       <a:pPr algn="ctr" fontAlgn="base"/>
                       <a:r>
-                        <a:rPr lang="en-US" altLang="zh-CN" b="0" dirty="0">
+                        <a:rPr lang="en-US" altLang="zh-CN" sz="2000" b="0" dirty="0">
                           <a:solidFill>
                             <a:srgbClr val="858585"/>
                           </a:solidFill>
@@ -8893,7 +8630,7 @@
                         <a:t>300</a:t>
                       </a:r>
                       <a:r>
-                        <a:rPr lang="zh-CN" altLang="en-US" b="0" dirty="0">
+                        <a:rPr lang="zh-CN" altLang="en-US" sz="2000" b="0" dirty="0">
                           <a:solidFill>
                             <a:srgbClr val="858585"/>
                           </a:solidFill>
@@ -8902,7 +8639,7 @@
                         <a:t>美元</a:t>
                       </a:r>
                       <a:r>
-                        <a:rPr lang="en-US" altLang="zh-CN" b="0" dirty="0">
+                        <a:rPr lang="en-US" altLang="zh-CN" sz="2000" b="0" dirty="0">
                           <a:solidFill>
                             <a:srgbClr val="858585"/>
                           </a:solidFill>
@@ -8911,7 +8648,7 @@
                         <a:t>/</a:t>
                       </a:r>
                       <a:r>
-                        <a:rPr lang="zh-CN" altLang="en-US" b="0" dirty="0">
+                        <a:rPr lang="zh-CN" altLang="en-US" sz="2000" b="0" dirty="0">
                           <a:solidFill>
                             <a:srgbClr val="858585"/>
                           </a:solidFill>
@@ -8978,6 +8715,13 @@
   <p:clrMapOvr>
     <a:masterClrMapping/>
   </p:clrMapOvr>
+  <p:timing>
+    <p:tnLst>
+      <p:par>
+        <p:cTn id="1" dur="indefinite" restart="never" nodeType="tmRoot"/>
+      </p:par>
+    </p:tnLst>
+  </p:timing>
 </p:sld>
 </file>
 
@@ -9010,7 +8754,7 @@
         </p:nvSpPr>
         <p:spPr>
           <a:xfrm>
-            <a:off x="1524001" y="198358"/>
+            <a:off x="1524001" y="0"/>
             <a:ext cx="8902890" cy="1091820"/>
           </a:xfrm>
         </p:spPr>
@@ -9036,8 +8780,8 @@
         </p:nvSpPr>
         <p:spPr>
           <a:xfrm>
-            <a:off x="154675" y="1290178"/>
-            <a:ext cx="12037325" cy="5355312"/>
+            <a:off x="332096" y="822376"/>
+            <a:ext cx="12037325" cy="5940088"/>
           </a:xfrm>
           <a:prstGeom prst="rect">
             <a:avLst/>
@@ -9051,7 +8795,7 @@
           <a:p>
             <a:pPr fontAlgn="base"/>
             <a:r>
-              <a:rPr lang="zh-CN" altLang="en-US" dirty="0">
+              <a:rPr lang="zh-CN" altLang="en-US" sz="2000" dirty="0">
                 <a:solidFill>
                   <a:srgbClr val="858585"/>
                 </a:solidFill>
@@ -9064,7 +8808,7 @@
           <a:p>
             <a:pPr fontAlgn="base"/>
             <a:r>
-              <a:rPr lang="en-US" altLang="zh-CN" dirty="0">
+              <a:rPr lang="en-US" altLang="zh-CN" sz="2000" dirty="0">
                 <a:solidFill>
                   <a:srgbClr val="858585"/>
                 </a:solidFill>
@@ -9074,7 +8818,7 @@
               <a:t>10</a:t>
             </a:r>
             <a:r>
-              <a:rPr lang="zh-CN" altLang="en-US" dirty="0">
+              <a:rPr lang="zh-CN" altLang="en-US" sz="2000" dirty="0">
                 <a:solidFill>
                   <a:srgbClr val="858585"/>
                 </a:solidFill>
@@ -9084,7 +8828,7 @@
               <a:t>月</a:t>
             </a:r>
             <a:r>
-              <a:rPr lang="en-US" altLang="zh-CN" dirty="0">
+              <a:rPr lang="en-US" altLang="zh-CN" sz="2000" dirty="0">
                 <a:solidFill>
                   <a:srgbClr val="858585"/>
                 </a:solidFill>
@@ -9094,7 +8838,7 @@
               <a:t>17</a:t>
             </a:r>
             <a:r>
-              <a:rPr lang="zh-CN" altLang="en-US" dirty="0">
+              <a:rPr lang="zh-CN" altLang="en-US" sz="2000" dirty="0">
                 <a:solidFill>
                   <a:srgbClr val="858585"/>
                 </a:solidFill>
@@ -9104,7 +8848,7 @@
               <a:t>日</a:t>
             </a:r>
             <a:r>
-              <a:rPr lang="en-US" altLang="zh-CN" dirty="0">
+              <a:rPr lang="en-US" altLang="zh-CN" sz="2000" dirty="0">
                 <a:solidFill>
                   <a:srgbClr val="858585"/>
                 </a:solidFill>
@@ -9117,7 +8861,7 @@
           <a:p>
             <a:pPr fontAlgn="base"/>
             <a:r>
-              <a:rPr lang="en-US" altLang="zh-CN" dirty="0">
+              <a:rPr lang="en-US" altLang="zh-CN" sz="2000" dirty="0">
                 <a:solidFill>
                   <a:srgbClr val="858585"/>
                 </a:solidFill>
@@ -9127,7 +8871,7 @@
               <a:t>10</a:t>
             </a:r>
             <a:r>
-              <a:rPr lang="zh-CN" altLang="en-US" dirty="0">
+              <a:rPr lang="zh-CN" altLang="en-US" sz="2000" dirty="0">
                 <a:solidFill>
                   <a:srgbClr val="858585"/>
                 </a:solidFill>
@@ -9137,7 +8881,7 @@
               <a:t>月</a:t>
             </a:r>
             <a:r>
-              <a:rPr lang="en-US" altLang="zh-CN" dirty="0">
+              <a:rPr lang="en-US" altLang="zh-CN" sz="2000" dirty="0">
                 <a:solidFill>
                   <a:srgbClr val="858585"/>
                 </a:solidFill>
@@ -9147,7 +8891,7 @@
               <a:t>18</a:t>
             </a:r>
             <a:r>
-              <a:rPr lang="zh-CN" altLang="en-US" dirty="0">
+              <a:rPr lang="zh-CN" altLang="en-US" sz="2000" dirty="0">
                 <a:solidFill>
                   <a:srgbClr val="858585"/>
                 </a:solidFill>
@@ -9157,7 +8901,7 @@
               <a:t>日</a:t>
             </a:r>
             <a:r>
-              <a:rPr lang="en-US" altLang="zh-CN" dirty="0">
+              <a:rPr lang="en-US" altLang="zh-CN" sz="2000" dirty="0">
                 <a:solidFill>
                   <a:srgbClr val="858585"/>
                 </a:solidFill>
@@ -9170,7 +8914,7 @@
           <a:p>
             <a:pPr fontAlgn="base"/>
             <a:r>
-              <a:rPr lang="en-US" altLang="zh-CN" dirty="0">
+              <a:rPr lang="en-US" altLang="zh-CN" sz="2000" dirty="0">
                 <a:solidFill>
                   <a:srgbClr val="858585"/>
                 </a:solidFill>
@@ -9180,7 +8924,7 @@
               <a:t>10</a:t>
             </a:r>
             <a:r>
-              <a:rPr lang="zh-CN" altLang="en-US" dirty="0">
+              <a:rPr lang="zh-CN" altLang="en-US" sz="2000" dirty="0">
                 <a:solidFill>
                   <a:srgbClr val="858585"/>
                 </a:solidFill>
@@ -9190,7 +8934,7 @@
               <a:t>月</a:t>
             </a:r>
             <a:r>
-              <a:rPr lang="en-US" altLang="zh-CN" dirty="0">
+              <a:rPr lang="en-US" altLang="zh-CN" sz="2000" dirty="0">
                 <a:solidFill>
                   <a:srgbClr val="858585"/>
                 </a:solidFill>
@@ -9200,7 +8944,7 @@
               <a:t>19</a:t>
             </a:r>
             <a:r>
-              <a:rPr lang="zh-CN" altLang="en-US" dirty="0">
+              <a:rPr lang="zh-CN" altLang="en-US" sz="2000" dirty="0">
                 <a:solidFill>
                   <a:srgbClr val="858585"/>
                 </a:solidFill>
@@ -9210,7 +8954,7 @@
               <a:t>日</a:t>
             </a:r>
             <a:r>
-              <a:rPr lang="en-US" altLang="zh-CN" dirty="0" smtClean="0">
+              <a:rPr lang="en-US" altLang="zh-CN" sz="2000" dirty="0" smtClean="0">
                 <a:solidFill>
                   <a:srgbClr val="858585"/>
                 </a:solidFill>
@@ -9223,7 +8967,7 @@
           <a:p>
             <a:pPr fontAlgn="base"/>
             <a:r>
-              <a:rPr lang="zh-CN" altLang="en-US" dirty="0" smtClean="0">
+              <a:rPr lang="zh-CN" altLang="en-US" sz="2000" dirty="0" smtClean="0">
                 <a:solidFill>
                   <a:srgbClr val="858585"/>
                 </a:solidFill>
@@ -9236,7 +8980,7 @@
           <a:p>
             <a:pPr fontAlgn="base"/>
             <a:r>
-              <a:rPr lang="zh-CN" altLang="en-US" dirty="0" smtClean="0">
+              <a:rPr lang="zh-CN" altLang="en-US" sz="2000" dirty="0" smtClean="0">
                 <a:solidFill>
                   <a:srgbClr val="858585"/>
                 </a:solidFill>
@@ -9246,7 +8990,7 @@
               <a:t>西安市</a:t>
             </a:r>
             <a:r>
-              <a:rPr lang="zh-CN" altLang="en-US" dirty="0">
+              <a:rPr lang="zh-CN" altLang="en-US" sz="2000" dirty="0">
                 <a:solidFill>
                   <a:srgbClr val="858585"/>
                 </a:solidFill>
@@ -9259,7 +9003,7 @@
           <a:p>
             <a:pPr fontAlgn="base"/>
             <a:r>
-              <a:rPr lang="zh-CN" altLang="en-US" dirty="0">
+              <a:rPr lang="zh-CN" altLang="en-US" sz="2000" dirty="0">
                 <a:solidFill>
                   <a:srgbClr val="858585"/>
                 </a:solidFill>
@@ -9272,7 +9016,7 @@
           <a:p>
             <a:pPr fontAlgn="base"/>
             <a:r>
-              <a:rPr lang="en-US" altLang="zh-CN" dirty="0">
+              <a:rPr lang="en-US" altLang="zh-CN" sz="2000" dirty="0">
                 <a:solidFill>
                   <a:srgbClr val="858585"/>
                 </a:solidFill>
@@ -9282,7 +9026,7 @@
               <a:t>1. </a:t>
             </a:r>
             <a:r>
-              <a:rPr lang="zh-CN" altLang="en-US" dirty="0">
+              <a:rPr lang="zh-CN" altLang="en-US" sz="2000" dirty="0">
                 <a:solidFill>
                   <a:srgbClr val="858585"/>
                 </a:solidFill>
@@ -9295,7 +9039,7 @@
           <a:p>
             <a:pPr fontAlgn="base"/>
             <a:r>
-              <a:rPr lang="en-US" altLang="zh-CN" dirty="0">
+              <a:rPr lang="en-US" altLang="zh-CN" sz="2000" dirty="0">
                 <a:solidFill>
                   <a:srgbClr val="858585"/>
                 </a:solidFill>
@@ -9305,7 +9049,7 @@
               <a:t>2. </a:t>
             </a:r>
             <a:r>
-              <a:rPr lang="zh-CN" altLang="en-US" dirty="0">
+              <a:rPr lang="zh-CN" altLang="en-US" sz="2000" dirty="0">
                 <a:solidFill>
                   <a:srgbClr val="858585"/>
                 </a:solidFill>
@@ -9318,7 +9062,7 @@
           <a:p>
             <a:pPr fontAlgn="base"/>
             <a:r>
-              <a:rPr lang="en-US" altLang="zh-CN" dirty="0">
+              <a:rPr lang="en-US" altLang="zh-CN" sz="2000" dirty="0">
                 <a:solidFill>
                   <a:srgbClr val="858585"/>
                 </a:solidFill>
@@ -9328,7 +9072,7 @@
               <a:t>3. </a:t>
             </a:r>
             <a:r>
-              <a:rPr lang="zh-CN" altLang="en-US" dirty="0">
+              <a:rPr lang="zh-CN" altLang="en-US" sz="2000" dirty="0">
                 <a:solidFill>
                   <a:srgbClr val="858585"/>
                 </a:solidFill>
@@ -9341,7 +9085,7 @@
           <a:p>
             <a:pPr fontAlgn="base"/>
             <a:r>
-              <a:rPr lang="en-US" altLang="zh-CN" dirty="0">
+              <a:rPr lang="en-US" altLang="zh-CN" sz="2000" dirty="0">
                 <a:solidFill>
                   <a:srgbClr val="858585"/>
                 </a:solidFill>
@@ -9351,7 +9095,7 @@
               <a:t>4. </a:t>
             </a:r>
             <a:r>
-              <a:rPr lang="zh-CN" altLang="en-US" dirty="0">
+              <a:rPr lang="zh-CN" altLang="en-US" sz="2000" dirty="0">
                 <a:solidFill>
                   <a:srgbClr val="858585"/>
                 </a:solidFill>
@@ -9364,7 +9108,7 @@
           <a:p>
             <a:pPr fontAlgn="base"/>
             <a:r>
-              <a:rPr lang="zh-CN" altLang="en-US" dirty="0">
+              <a:rPr lang="zh-CN" altLang="en-US" sz="2000" dirty="0">
                 <a:solidFill>
                   <a:srgbClr val="858585"/>
                 </a:solidFill>
@@ -9377,7 +9121,7 @@
           <a:p>
             <a:pPr fontAlgn="base"/>
             <a:r>
-              <a:rPr lang="zh-CN" altLang="en-US" dirty="0">
+              <a:rPr lang="zh-CN" altLang="en-US" sz="2000" dirty="0">
                 <a:solidFill>
                   <a:srgbClr val="858585"/>
                 </a:solidFill>
@@ -9390,7 +9134,7 @@
           <a:p>
             <a:pPr fontAlgn="base"/>
             <a:r>
-              <a:rPr lang="zh-CN" altLang="en-US" dirty="0">
+              <a:rPr lang="zh-CN" altLang="en-US" sz="2000" dirty="0">
                 <a:solidFill>
                   <a:srgbClr val="858585"/>
                 </a:solidFill>
@@ -9400,7 +9144,7 @@
               <a:t>参赛物品须选手本人领取，领物现场将利用人脸识别技术对选手身份进行逐一校验，人、证不一致的选手组委会将拒绝为其发放参赛物品</a:t>
             </a:r>
             <a:r>
-              <a:rPr lang="zh-CN" altLang="en-US" dirty="0" smtClean="0">
+              <a:rPr lang="zh-CN" altLang="en-US" sz="2000" dirty="0" smtClean="0">
                 <a:solidFill>
                   <a:srgbClr val="858585"/>
                 </a:solidFill>
@@ -9409,7 +9153,7 @@
               </a:rPr>
               <a:t>。</a:t>
             </a:r>
-            <a:endParaRPr lang="en-US" altLang="zh-CN" dirty="0" smtClean="0">
+            <a:endParaRPr lang="en-US" altLang="zh-CN" sz="2000" dirty="0" smtClean="0">
               <a:solidFill>
                 <a:srgbClr val="858585"/>
               </a:solidFill>
@@ -9420,7 +9164,7 @@
           <a:p>
             <a:pPr fontAlgn="base"/>
             <a:r>
-              <a:rPr lang="zh-CN" altLang="en-US" dirty="0" smtClean="0">
+              <a:rPr lang="zh-CN" altLang="en-US" sz="2000" dirty="0" smtClean="0">
                 <a:solidFill>
                   <a:srgbClr val="858585"/>
                 </a:solidFill>
@@ -9430,7 +9174,7 @@
               <a:t>（</a:t>
             </a:r>
             <a:r>
-              <a:rPr lang="zh-CN" altLang="en-US" dirty="0">
+              <a:rPr lang="zh-CN" altLang="en-US" sz="2000" dirty="0">
                 <a:solidFill>
                   <a:srgbClr val="858585"/>
                 </a:solidFill>
@@ -9443,7 +9187,7 @@
           <a:p>
             <a:pPr fontAlgn="base"/>
             <a:r>
-              <a:rPr lang="zh-CN" altLang="en-US" dirty="0">
+              <a:rPr lang="zh-CN" altLang="en-US" sz="2000" dirty="0">
                 <a:solidFill>
                   <a:srgbClr val="858585"/>
                 </a:solidFill>
@@ -9452,7 +9196,7 @@
               </a:rPr>
               <a:t>参赛手环是选手参加比赛、领取完赛纪念品的重要凭证，工作人员将在物品发放时为选手现场佩戴参赛手环，选手不得自行取下、损坏、转让参赛手环，否则组委会有权拒绝选手进入起跑区，组委会有权拒绝为手环有明显破损痕迹的选手发放完赛纪念品。</a:t>
             </a:r>
-            <a:endParaRPr lang="zh-CN" altLang="en-US" b="0" i="0" dirty="0">
+            <a:endParaRPr lang="zh-CN" altLang="en-US" sz="2000" b="0" i="0" dirty="0">
               <a:solidFill>
                 <a:srgbClr val="858585"/>
               </a:solidFill>
@@ -9590,12 +9334,14 @@
         </p:nvSpPr>
         <p:spPr>
           <a:xfrm>
-            <a:off x="1619534" y="559557"/>
+            <a:off x="1646829" y="341193"/>
             <a:ext cx="9144000" cy="1080662"/>
           </a:xfrm>
         </p:spPr>
         <p:txBody>
-          <a:bodyPr/>
+          <a:bodyPr>
+            <a:normAutofit/>
+          </a:bodyPr>
           <a:lstStyle/>
           <a:p>
             <a:r>
@@ -9657,6 +9403,13 @@
   <p:clrMapOvr>
     <a:masterClrMapping/>
   </p:clrMapOvr>
+  <p:timing>
+    <p:tnLst>
+      <p:par>
+        <p:cTn id="1" dur="indefinite" restart="never" nodeType="tmRoot"/>
+      </p:par>
+    </p:tnLst>
+  </p:timing>
 </p:sld>
 </file>
 
@@ -9689,16 +9442,18 @@
         </p:nvSpPr>
         <p:spPr>
           <a:xfrm>
-            <a:off x="1619534" y="559557"/>
+            <a:off x="1660478" y="444271"/>
             <a:ext cx="9144000" cy="1080662"/>
           </a:xfrm>
         </p:spPr>
         <p:txBody>
-          <a:bodyPr/>
+          <a:bodyPr vert="horz" lIns="91440" tIns="45720" rIns="91440" bIns="45720" rtlCol="0" anchor="b">
+            <a:normAutofit/>
+          </a:bodyPr>
           <a:lstStyle/>
           <a:p>
             <a:r>
-              <a:rPr lang="zh-CN" altLang="en-US" dirty="0" smtClean="0"/>
+              <a:rPr lang="zh-CN" altLang="en-US" dirty="0"/>
               <a:t>我可以参加马拉松吗</a:t>
             </a:r>
             <a:endParaRPr lang="zh-CN" altLang="en-US" dirty="0"/>
@@ -9713,8 +9468,8 @@
         </p:nvSpPr>
         <p:spPr>
           <a:xfrm>
-            <a:off x="2907529" y="1893206"/>
-            <a:ext cx="3324949" cy="369332"/>
+            <a:off x="2934825" y="1852262"/>
+            <a:ext cx="4363695" cy="461665"/>
           </a:xfrm>
           <a:prstGeom prst="rect">
             <a:avLst/>
@@ -9732,7 +9487,7 @@
               </a:spcAft>
             </a:pPr>
             <a:r>
-              <a:rPr lang="en-US" altLang="zh-CN" b="1" kern="0" dirty="0">
+              <a:rPr lang="en-US" altLang="zh-CN" sz="2400" b="1" kern="0" dirty="0">
                 <a:solidFill>
                   <a:srgbClr val="444444"/>
                 </a:solidFill>
@@ -9742,7 +9497,7 @@
               <a:t>1. </a:t>
             </a:r>
             <a:r>
-              <a:rPr lang="zh-CN" altLang="zh-CN" b="1" kern="0" dirty="0">
+              <a:rPr lang="zh-CN" altLang="zh-CN" sz="2400" b="1" kern="0" dirty="0">
                 <a:solidFill>
                   <a:srgbClr val="444444"/>
                 </a:solidFill>
@@ -9751,7 +9506,7 @@
               </a:rPr>
               <a:t>开始跑步有多长的时间了？</a:t>
             </a:r>
-            <a:endParaRPr lang="zh-CN" altLang="zh-CN" sz="1050" kern="100" dirty="0">
+            <a:endParaRPr lang="zh-CN" altLang="zh-CN" sz="1200" kern="100" dirty="0">
               <a:latin typeface="Calibri" panose="020F0502020204030204" pitchFamily="34" charset="0"/>
               <a:cs typeface="Times New Roman" panose="02020603050405020304" pitchFamily="18" charset="0"/>
             </a:endParaRPr>
@@ -9766,8 +9521,8 @@
         </p:nvSpPr>
         <p:spPr>
           <a:xfrm>
-            <a:off x="2934825" y="2433637"/>
-            <a:ext cx="2395207" cy="369332"/>
+            <a:off x="2965125" y="2433637"/>
+            <a:ext cx="3126177" cy="461665"/>
           </a:xfrm>
           <a:prstGeom prst="rect">
             <a:avLst/>
@@ -9779,13 +9534,13 @@
           </a:bodyPr>
           <a:lstStyle/>
           <a:p>
-            <a:pPr algn="just">
+            <a:pPr>
               <a:spcAft>
                 <a:spcPts val="0"/>
               </a:spcAft>
             </a:pPr>
             <a:r>
-              <a:rPr lang="en-US" altLang="zh-CN" b="1" kern="0" dirty="0">
+              <a:rPr lang="en-US" altLang="zh-CN" sz="2400" b="1" kern="0" dirty="0">
                 <a:solidFill>
                   <a:srgbClr val="444444"/>
                 </a:solidFill>
@@ -9795,7 +9550,7 @@
               <a:t>2. </a:t>
             </a:r>
             <a:r>
-              <a:rPr lang="zh-CN" altLang="zh-CN" b="1" kern="0" dirty="0">
+              <a:rPr lang="zh-CN" altLang="zh-CN" sz="2400" b="1" kern="0" dirty="0">
                 <a:solidFill>
                   <a:srgbClr val="444444"/>
                 </a:solidFill>
@@ -9804,7 +9559,7 @@
               </a:rPr>
               <a:t>可以跑多少公里？</a:t>
             </a:r>
-            <a:endParaRPr lang="zh-CN" altLang="zh-CN" sz="1050" kern="100" dirty="0">
+            <a:endParaRPr lang="zh-CN" altLang="zh-CN" sz="1200" kern="100" dirty="0">
               <a:latin typeface="Calibri" panose="020F0502020204030204" pitchFamily="34" charset="0"/>
               <a:cs typeface="Times New Roman" panose="02020603050405020304" pitchFamily="18" charset="0"/>
             </a:endParaRPr>
@@ -9819,8 +9574,8 @@
         </p:nvSpPr>
         <p:spPr>
           <a:xfrm>
-            <a:off x="2934825" y="2986576"/>
-            <a:ext cx="1930337" cy="369332"/>
+            <a:off x="2965125" y="2986576"/>
+            <a:ext cx="2507418" cy="461665"/>
           </a:xfrm>
           <a:prstGeom prst="rect">
             <a:avLst/>
@@ -9832,13 +9587,13 @@
           </a:bodyPr>
           <a:lstStyle/>
           <a:p>
-            <a:pPr algn="just">
+            <a:pPr>
               <a:spcAft>
                 <a:spcPts val="0"/>
               </a:spcAft>
             </a:pPr>
             <a:r>
-              <a:rPr lang="en-US" altLang="zh-CN" b="1" kern="0" dirty="0">
+              <a:rPr lang="en-US" altLang="zh-CN" sz="2400" b="1" kern="0" dirty="0">
                 <a:solidFill>
                   <a:srgbClr val="444444"/>
                 </a:solidFill>
@@ -9848,7 +9603,7 @@
               <a:t>3. </a:t>
             </a:r>
             <a:r>
-              <a:rPr lang="zh-CN" altLang="zh-CN" b="1" kern="0" dirty="0">
+              <a:rPr lang="zh-CN" altLang="zh-CN" sz="2400" b="1" kern="0" dirty="0">
                 <a:solidFill>
                   <a:srgbClr val="444444"/>
                 </a:solidFill>
@@ -9857,7 +9612,7 @@
               </a:rPr>
               <a:t>做过体检吗？</a:t>
             </a:r>
-            <a:endParaRPr lang="zh-CN" altLang="zh-CN" sz="1050" kern="100" dirty="0">
+            <a:endParaRPr lang="zh-CN" altLang="zh-CN" sz="1200" kern="100" dirty="0">
               <a:latin typeface="Calibri" panose="020F0502020204030204" pitchFamily="34" charset="0"/>
               <a:cs typeface="Times New Roman" panose="02020603050405020304" pitchFamily="18" charset="0"/>
             </a:endParaRPr>
@@ -9872,8 +9627,8 @@
         </p:nvSpPr>
         <p:spPr>
           <a:xfrm>
-            <a:off x="2928210" y="3539515"/>
-            <a:ext cx="3092513" cy="369332"/>
+            <a:off x="2965125" y="3539515"/>
+            <a:ext cx="4054315" cy="461665"/>
           </a:xfrm>
           <a:prstGeom prst="rect">
             <a:avLst/>
@@ -9885,13 +9640,13 @@
           </a:bodyPr>
           <a:lstStyle/>
           <a:p>
-            <a:pPr algn="just">
+            <a:pPr>
               <a:spcAft>
                 <a:spcPts val="0"/>
               </a:spcAft>
             </a:pPr>
             <a:r>
-              <a:rPr lang="en-US" altLang="zh-CN" b="1" kern="0" dirty="0">
+              <a:rPr lang="en-US" altLang="zh-CN" sz="2400" b="1" kern="0" dirty="0">
                 <a:solidFill>
                   <a:srgbClr val="444444"/>
                 </a:solidFill>
@@ -9901,7 +9656,7 @@
               <a:t>4. </a:t>
             </a:r>
             <a:r>
-              <a:rPr lang="zh-CN" altLang="zh-CN" b="1" kern="0" dirty="0">
+              <a:rPr lang="zh-CN" altLang="zh-CN" sz="2400" b="1" kern="0" dirty="0">
                 <a:solidFill>
                   <a:srgbClr val="444444"/>
                 </a:solidFill>
@@ -9910,7 +9665,7 @@
               </a:rPr>
               <a:t>参加过任何路跑比赛吗？</a:t>
             </a:r>
-            <a:endParaRPr lang="zh-CN" altLang="zh-CN" kern="100" dirty="0">
+            <a:endParaRPr lang="zh-CN" altLang="zh-CN" sz="2400" kern="100" dirty="0">
               <a:latin typeface="Calibri" panose="020F0502020204030204" pitchFamily="34" charset="0"/>
               <a:cs typeface="Times New Roman" panose="02020603050405020304" pitchFamily="18" charset="0"/>
             </a:endParaRPr>
@@ -9925,8 +9680,8 @@
         </p:nvSpPr>
         <p:spPr>
           <a:xfrm>
-            <a:off x="2934825" y="4079946"/>
-            <a:ext cx="2162772" cy="369332"/>
+            <a:off x="2983899" y="4125005"/>
+            <a:ext cx="2816797" cy="461665"/>
           </a:xfrm>
           <a:prstGeom prst="rect">
             <a:avLst/>
@@ -9938,13 +9693,13 @@
           </a:bodyPr>
           <a:lstStyle/>
           <a:p>
-            <a:pPr algn="just">
+            <a:pPr>
               <a:spcAft>
                 <a:spcPts val="0"/>
               </a:spcAft>
             </a:pPr>
             <a:r>
-              <a:rPr lang="en-US" altLang="zh-CN" b="1" kern="0" dirty="0">
+              <a:rPr lang="en-US" altLang="zh-CN" sz="2400" b="1" kern="0" dirty="0">
                 <a:solidFill>
                   <a:srgbClr val="444444"/>
                 </a:solidFill>
@@ -9954,7 +9709,7 @@
               <a:t>5. </a:t>
             </a:r>
             <a:r>
-              <a:rPr lang="zh-CN" altLang="zh-CN" b="1" kern="0" dirty="0">
+              <a:rPr lang="zh-CN" altLang="zh-CN" sz="2400" b="1" kern="0" dirty="0">
                 <a:solidFill>
                   <a:srgbClr val="444444"/>
                 </a:solidFill>
@@ -9963,7 +9718,7 @@
               </a:rPr>
               <a:t>有时间训练吗？</a:t>
             </a:r>
-            <a:endParaRPr lang="zh-CN" altLang="zh-CN" kern="100" dirty="0">
+            <a:endParaRPr lang="zh-CN" altLang="zh-CN" sz="2400" kern="100" dirty="0">
               <a:latin typeface="Calibri" panose="020F0502020204030204" pitchFamily="34" charset="0"/>
               <a:cs typeface="Times New Roman" panose="02020603050405020304" pitchFamily="18" charset="0"/>
             </a:endParaRPr>
@@ -9978,8 +9733,8 @@
         </p:nvSpPr>
         <p:spPr>
           <a:xfrm>
-            <a:off x="2942955" y="4605070"/>
-            <a:ext cx="4254691" cy="369332"/>
+            <a:off x="3003270" y="4690707"/>
+            <a:ext cx="5601213" cy="461665"/>
           </a:xfrm>
           <a:prstGeom prst="rect">
             <a:avLst/>
@@ -9991,13 +9746,13 @@
           </a:bodyPr>
           <a:lstStyle/>
           <a:p>
-            <a:pPr algn="just">
+            <a:pPr>
               <a:spcAft>
                 <a:spcPts val="0"/>
               </a:spcAft>
             </a:pPr>
             <a:r>
-              <a:rPr lang="en-US" altLang="zh-CN" b="1" kern="0" dirty="0">
+              <a:rPr lang="en-US" altLang="zh-CN" sz="2400" b="1" kern="0" dirty="0">
                 <a:solidFill>
                   <a:srgbClr val="444444"/>
                 </a:solidFill>
@@ -10007,7 +9762,7 @@
               <a:t>6. </a:t>
             </a:r>
             <a:r>
-              <a:rPr lang="zh-CN" altLang="zh-CN" b="1" kern="0" dirty="0">
+              <a:rPr lang="zh-CN" altLang="zh-CN" sz="2400" b="1" kern="0" dirty="0">
                 <a:solidFill>
                   <a:srgbClr val="444444"/>
                 </a:solidFill>
@@ -10016,7 +9771,7 @@
               </a:rPr>
               <a:t>比赛当天的所有状况都考虑进去吗？</a:t>
             </a:r>
-            <a:endParaRPr lang="zh-CN" altLang="zh-CN" kern="100" dirty="0">
+            <a:endParaRPr lang="zh-CN" altLang="zh-CN" sz="2400" kern="100" dirty="0">
               <a:latin typeface="Calibri" panose="020F0502020204030204" pitchFamily="34" charset="0"/>
               <a:cs typeface="Times New Roman" panose="02020603050405020304" pitchFamily="18" charset="0"/>
             </a:endParaRPr>
@@ -10031,8 +9786,8 @@
         </p:nvSpPr>
         <p:spPr>
           <a:xfrm>
-            <a:off x="2948892" y="5145501"/>
-            <a:ext cx="2162772" cy="369332"/>
+            <a:off x="3017665" y="5254685"/>
+            <a:ext cx="2816797" cy="461665"/>
           </a:xfrm>
           <a:prstGeom prst="rect">
             <a:avLst/>
@@ -10044,13 +9799,13 @@
           </a:bodyPr>
           <a:lstStyle/>
           <a:p>
-            <a:pPr algn="just">
+            <a:pPr>
               <a:spcAft>
                 <a:spcPts val="0"/>
               </a:spcAft>
             </a:pPr>
             <a:r>
-              <a:rPr lang="en-US" altLang="zh-CN" b="1" kern="0" dirty="0">
+              <a:rPr lang="en-US" altLang="zh-CN" sz="2400" b="1" kern="0" dirty="0">
                 <a:solidFill>
                   <a:srgbClr val="444444"/>
                 </a:solidFill>
@@ -10060,7 +9815,7 @@
               <a:t>7. </a:t>
             </a:r>
             <a:r>
-              <a:rPr lang="zh-CN" altLang="zh-CN" b="1" kern="0" dirty="0">
+              <a:rPr lang="zh-CN" altLang="zh-CN" sz="2400" b="1" kern="0" dirty="0">
                 <a:solidFill>
                   <a:srgbClr val="444444"/>
                 </a:solidFill>
@@ -10069,7 +9824,7 @@
               </a:rPr>
               <a:t>做好功课了吗？</a:t>
             </a:r>
-            <a:endParaRPr lang="zh-CN" altLang="zh-CN" kern="100" dirty="0">
+            <a:endParaRPr lang="zh-CN" altLang="zh-CN" sz="2400" kern="100" dirty="0">
               <a:latin typeface="Calibri" panose="020F0502020204030204" pitchFamily="34" charset="0"/>
               <a:cs typeface="Times New Roman" panose="02020603050405020304" pitchFamily="18" charset="0"/>
             </a:endParaRPr>
@@ -10084,8 +9839,8 @@
         </p:nvSpPr>
         <p:spPr>
           <a:xfrm>
-            <a:off x="2983899" y="5684977"/>
-            <a:ext cx="2627642" cy="369332"/>
+            <a:off x="3038491" y="5821457"/>
+            <a:ext cx="3435556" cy="461665"/>
           </a:xfrm>
           <a:prstGeom prst="rect">
             <a:avLst/>
@@ -10103,7 +9858,7 @@
               </a:spcAft>
             </a:pPr>
             <a:r>
-              <a:rPr lang="en-US" altLang="zh-CN" b="1" kern="0" dirty="0">
+              <a:rPr lang="en-US" altLang="zh-CN" sz="2400" b="1" kern="0" dirty="0">
                 <a:solidFill>
                   <a:srgbClr val="444444"/>
                 </a:solidFill>
@@ -10113,7 +9868,7 @@
               <a:t>8. </a:t>
             </a:r>
             <a:r>
-              <a:rPr lang="zh-CN" altLang="zh-CN" b="1" kern="0" dirty="0">
+              <a:rPr lang="zh-CN" altLang="zh-CN" sz="2400" b="1" kern="0" dirty="0">
                 <a:solidFill>
                   <a:srgbClr val="444444"/>
                 </a:solidFill>
@@ -10122,7 +9877,7 @@
               </a:rPr>
               <a:t>为什么想跑马拉松？</a:t>
             </a:r>
-            <a:endParaRPr lang="zh-CN" altLang="zh-CN" kern="100" dirty="0">
+            <a:endParaRPr lang="zh-CN" altLang="zh-CN" sz="2400" kern="100" dirty="0">
               <a:latin typeface="Calibri" panose="020F0502020204030204" pitchFamily="34" charset="0"/>
               <a:cs typeface="Times New Roman" panose="02020603050405020304" pitchFamily="18" charset="0"/>
             </a:endParaRPr>
@@ -10139,6 +9894,13 @@
   <p:clrMapOvr>
     <a:masterClrMapping/>
   </p:clrMapOvr>
+  <p:timing>
+    <p:tnLst>
+      <p:par>
+        <p:cTn id="1" dur="indefinite" restart="never" nodeType="tmRoot"/>
+      </p:par>
+    </p:tnLst>
+  </p:timing>
 </p:sld>
 </file>
 
